--- a/LectureSlides/99ParallelFunctional.pptx
+++ b/LectureSlides/99ParallelFunctional.pptx
@@ -5,7 +5,7 @@
     <p:sldMasterId id="2147483696" r:id="rId1"/>
   </p:sldMasterIdLst>
   <p:notesMasterIdLst>
-    <p:notesMasterId r:id="rId32"/>
+    <p:notesMasterId r:id="rId34"/>
   </p:notesMasterIdLst>
   <p:sldIdLst>
     <p:sldId id="256" r:id="rId2"/>
@@ -29,15 +29,17 @@
     <p:sldId id="277" r:id="rId20"/>
     <p:sldId id="283" r:id="rId21"/>
     <p:sldId id="266" r:id="rId22"/>
-    <p:sldId id="259" r:id="rId23"/>
-    <p:sldId id="267" r:id="rId24"/>
-    <p:sldId id="285" r:id="rId25"/>
-    <p:sldId id="286" r:id="rId26"/>
-    <p:sldId id="280" r:id="rId27"/>
-    <p:sldId id="281" r:id="rId28"/>
-    <p:sldId id="284" r:id="rId29"/>
-    <p:sldId id="268" r:id="rId30"/>
-    <p:sldId id="271" r:id="rId31"/>
+    <p:sldId id="290" r:id="rId23"/>
+    <p:sldId id="292" r:id="rId24"/>
+    <p:sldId id="259" r:id="rId25"/>
+    <p:sldId id="285" r:id="rId26"/>
+    <p:sldId id="286" r:id="rId27"/>
+    <p:sldId id="280" r:id="rId28"/>
+    <p:sldId id="281" r:id="rId29"/>
+    <p:sldId id="284" r:id="rId30"/>
+    <p:sldId id="289" r:id="rId31"/>
+    <p:sldId id="291" r:id="rId32"/>
+    <p:sldId id="271" r:id="rId33"/>
   </p:sldIdLst>
   <p:sldSz cx="12192000" cy="6858000"/>
   <p:notesSz cx="6858000" cy="9144000"/>
@@ -763,6 +765,93 @@
     <p:extLst>
       <p:ext uri="{BB962C8B-B14F-4D97-AF65-F5344CB8AC3E}">
         <p14:creationId xmlns:p14="http://schemas.microsoft.com/office/powerpoint/2010/main" val="1844511684"/>
+      </p:ext>
+    </p:extLst>
+  </p:cSld>
+  <p:clrMapOvr>
+    <a:masterClrMapping/>
+  </p:clrMapOvr>
+</p:notes>
+</file>
+
+<file path=ppt/notesSlides/notesSlide4.xml><?xml version="1.0" encoding="utf-8"?>
+<p:notes xmlns:a="http://schemas.openxmlformats.org/drawingml/2006/main" xmlns:r="http://schemas.openxmlformats.org/officeDocument/2006/relationships" xmlns:p="http://schemas.openxmlformats.org/presentationml/2006/main">
+  <p:cSld>
+    <p:spTree>
+      <p:nvGrpSpPr>
+        <p:cNvPr id="1" name=""/>
+        <p:cNvGrpSpPr/>
+        <p:nvPr/>
+      </p:nvGrpSpPr>
+      <p:grpSpPr>
+        <a:xfrm>
+          <a:off x="0" y="0"/>
+          <a:ext cx="0" cy="0"/>
+          <a:chOff x="0" y="0"/>
+          <a:chExt cx="0" cy="0"/>
+        </a:xfrm>
+      </p:grpSpPr>
+      <p:sp>
+        <p:nvSpPr>
+          <p:cNvPr id="2" name="Slide Image Placeholder 1"/>
+          <p:cNvSpPr>
+            <a:spLocks noGrp="1" noRot="1" noChangeAspect="1"/>
+          </p:cNvSpPr>
+          <p:nvPr>
+            <p:ph type="sldImg"/>
+          </p:nvPr>
+        </p:nvSpPr>
+        <p:spPr/>
+      </p:sp>
+      <p:sp>
+        <p:nvSpPr>
+          <p:cNvPr id="3" name="Notes Placeholder 2"/>
+          <p:cNvSpPr>
+            <a:spLocks noGrp="1"/>
+          </p:cNvSpPr>
+          <p:nvPr>
+            <p:ph type="body" idx="1"/>
+          </p:nvPr>
+        </p:nvSpPr>
+        <p:spPr/>
+        <p:txBody>
+          <a:bodyPr/>
+          <a:lstStyle/>
+          <a:p>
+            <a:r>
+              <a:rPr lang="en-US" dirty="0"/>
+              <a:t>TODO: if-then-else statements</a:t>
+            </a:r>
+          </a:p>
+        </p:txBody>
+      </p:sp>
+      <p:sp>
+        <p:nvSpPr>
+          <p:cNvPr id="4" name="Slide Number Placeholder 3"/>
+          <p:cNvSpPr>
+            <a:spLocks noGrp="1"/>
+          </p:cNvSpPr>
+          <p:nvPr>
+            <p:ph type="sldNum" sz="quarter" idx="5"/>
+          </p:nvPr>
+        </p:nvSpPr>
+        <p:spPr/>
+        <p:txBody>
+          <a:bodyPr/>
+          <a:lstStyle/>
+          <a:p>
+            <a:fld id="{DB8393AC-6D52-438D-AA5D-F2511F9ECBD6}" type="slidenum">
+              <a:rPr lang="en-US" smtClean="0"/>
+              <a:t>13</a:t>
+            </a:fld>
+            <a:endParaRPr lang="en-US"/>
+          </a:p>
+        </p:txBody>
+      </p:sp>
+    </p:spTree>
+    <p:extLst>
+      <p:ext uri="{BB962C8B-B14F-4D97-AF65-F5344CB8AC3E}">
+        <p14:creationId xmlns:p14="http://schemas.microsoft.com/office/powerpoint/2010/main" val="4050520544"/>
       </p:ext>
     </p:extLst>
   </p:cSld>
@@ -7568,7 +7657,7 @@
           <a:bodyPr/>
           <a:lstStyle/>
           <a:p>
-            <a:endParaRPr lang="en-US"/>
+            <a:endParaRPr lang="en-US" dirty="0"/>
           </a:p>
         </p:txBody>
       </p:sp>
@@ -7680,7 +7769,70 @@
           <a:bodyPr/>
           <a:lstStyle/>
           <a:p>
-            <a:endParaRPr lang="en-US"/>
+            <a:r>
+              <a:rPr lang="en-US" dirty="0"/>
+              <a:t>Cost semantics is similar to typical big-step semantics, plus </a:t>
+            </a:r>
+            <a:br>
+              <a:rPr lang="en-US" dirty="0"/>
+            </a:br>
+            <a:r>
+              <a:rPr lang="en-US" dirty="0"/>
+              <a:t>“some extra bookkeeping to calculate the running time”</a:t>
+            </a:r>
+          </a:p>
+          <a:p>
+            <a:r>
+              <a:rPr lang="en-US" b="1" dirty="0"/>
+              <a:t>Big-step sem.:</a:t>
+            </a:r>
+            <a:r>
+              <a:rPr lang="en-US" dirty="0"/>
+              <a:t> </a:t>
+            </a:r>
+            <a:r>
+              <a:rPr lang="pt-BR" dirty="0"/>
+              <a:t>E ⊢ e ↪ v is “under E, e evaluates to v”</a:t>
+            </a:r>
+          </a:p>
+          <a:p>
+            <a:r>
+              <a:rPr lang="en-US" b="1" dirty="0"/>
+              <a:t>Cost sem.:</a:t>
+            </a:r>
+            <a:r>
+              <a:rPr lang="en-US" dirty="0"/>
+              <a:t> </a:t>
+            </a:r>
+            <a:r>
+              <a:rPr lang="pt-BR" dirty="0"/>
+              <a:t>E ⊢ e ↪ v </a:t>
+            </a:r>
+            <a:r>
+              <a:rPr lang="en-US" dirty="0"/>
+              <a:t>∈ k </a:t>
+            </a:r>
+            <a:r>
+              <a:rPr lang="pt-BR" dirty="0"/>
+              <a:t>is “under E, e evaluates to v in k cost”</a:t>
+            </a:r>
+          </a:p>
+          <a:p>
+            <a:r>
+              <a:rPr lang="en-US" dirty="0"/>
+              <a:t>The cost can be any resource, but we will first consider running time of a program without any parallelism, called its </a:t>
+            </a:r>
+            <a:r>
+              <a:rPr lang="en-US" b="1" dirty="0"/>
+              <a:t>work</a:t>
+            </a:r>
+            <a:endParaRPr lang="en-US" dirty="0"/>
+          </a:p>
+          <a:p>
+            <a:r>
+              <a:rPr lang="en-US" dirty="0"/>
+              <a:t>For simplicity, every operation will have cost 1. In realistic uses, different costs can be assigned to each operation.</a:t>
+            </a:r>
           </a:p>
         </p:txBody>
       </p:sp>
@@ -10966,12 +11118,165 @@
             <p:ph idx="1"/>
           </p:nvPr>
         </p:nvSpPr>
-        <p:spPr/>
+        <p:spPr>
+          <a:xfrm>
+            <a:off x="1097280" y="1845734"/>
+            <a:ext cx="6278880" cy="4023360"/>
+          </a:xfrm>
+        </p:spPr>
         <p:txBody>
           <a:bodyPr/>
           <a:lstStyle/>
           <a:p>
-            <a:endParaRPr lang="en-US"/>
+            <a:r>
+              <a:rPr lang="en-US" b="0" i="0" dirty="0">
+                <a:solidFill>
+                  <a:schemeClr val="tx1"/>
+                </a:solidFill>
+                <a:effectLst/>
+                <a:latin typeface="Source Sans Pro" panose="020B0503030403020204" pitchFamily="34" charset="0"/>
+              </a:rPr>
+              <a:t>pow(n,0)</a:t>
+            </a:r>
+          </a:p>
+          <a:p>
+            <a:r>
+              <a:rPr lang="en-US" b="0" i="0" dirty="0">
+                <a:solidFill>
+                  <a:schemeClr val="tx1"/>
+                </a:solidFill>
+                <a:effectLst/>
+                <a:latin typeface="Source Sans Pro" panose="020B0503030403020204" pitchFamily="34" charset="0"/>
+              </a:rPr>
+              <a:t>E</a:t>
+            </a:r>
+            <a:r>
+              <a:rPr lang="pt-BR" b="0" i="0" dirty="0">
+                <a:solidFill>
+                  <a:schemeClr val="tx1"/>
+                </a:solidFill>
+                <a:effectLst/>
+                <a:latin typeface="Source Sans Pro" panose="020B0503030403020204" pitchFamily="34" charset="0"/>
+              </a:rPr>
+              <a:t> </a:t>
+            </a:r>
+            <a:r>
+              <a:rPr lang="pt-BR" dirty="0"/>
+              <a:t>⊢ k ↪ 0 ∈ 1</a:t>
+            </a:r>
+            <a:br>
+              <a:rPr lang="pt-BR" dirty="0"/>
+            </a:br>
+            <a:r>
+              <a:rPr lang="pt-BR" dirty="0"/>
+              <a:t>E</a:t>
+            </a:r>
+            <a:r>
+              <a:rPr lang="pt-BR" b="0" i="0" dirty="0">
+                <a:solidFill>
+                  <a:schemeClr val="tx1"/>
+                </a:solidFill>
+                <a:effectLst/>
+                <a:latin typeface="Source Sans Pro" panose="020B0503030403020204" pitchFamily="34" charset="0"/>
+              </a:rPr>
+              <a:t> </a:t>
+            </a:r>
+            <a:r>
+              <a:rPr lang="pt-BR" dirty="0"/>
+              <a:t>⊢ 0 ↪ 0 ∈ 1</a:t>
+            </a:r>
+            <a:br>
+              <a:rPr lang="pt-BR" dirty="0"/>
+            </a:br>
+            <a:r>
+              <a:rPr lang="pt-BR" dirty="0"/>
+              <a:t>E</a:t>
+            </a:r>
+            <a:r>
+              <a:rPr lang="pt-BR" b="0" i="0" dirty="0">
+                <a:solidFill>
+                  <a:schemeClr val="tx1"/>
+                </a:solidFill>
+                <a:effectLst/>
+                <a:latin typeface="Source Sans Pro" panose="020B0503030403020204" pitchFamily="34" charset="0"/>
+              </a:rPr>
+              <a:t> </a:t>
+            </a:r>
+            <a:r>
+              <a:rPr lang="pt-BR" dirty="0"/>
+              <a:t>⊢ k = 0 ↪ true ∈ 3</a:t>
+            </a:r>
+          </a:p>
+          <a:p>
+            <a:r>
+              <a:rPr lang="en-US" b="0" i="0" dirty="0">
+                <a:solidFill>
+                  <a:schemeClr val="tx1"/>
+                </a:solidFill>
+                <a:effectLst/>
+                <a:latin typeface="Source Sans Pro" panose="020B0503030403020204" pitchFamily="34" charset="0"/>
+              </a:rPr>
+              <a:t>E</a:t>
+            </a:r>
+            <a:r>
+              <a:rPr lang="pt-BR" b="0" i="0" dirty="0">
+                <a:solidFill>
+                  <a:schemeClr val="tx1"/>
+                </a:solidFill>
+                <a:effectLst/>
+                <a:latin typeface="Source Sans Pro" panose="020B0503030403020204" pitchFamily="34" charset="0"/>
+              </a:rPr>
+              <a:t> </a:t>
+            </a:r>
+            <a:r>
+              <a:rPr lang="pt-BR" dirty="0"/>
+              <a:t>⊢ 1 ↪ 1 ∈ 1</a:t>
+            </a:r>
+          </a:p>
+          <a:p>
+            <a:pPr marL="0" indent="0">
+              <a:buNone/>
+            </a:pPr>
+            <a:r>
+              <a:rPr lang="en-US" b="0" i="0" dirty="0">
+                <a:solidFill>
+                  <a:schemeClr val="tx1"/>
+                </a:solidFill>
+                <a:effectLst/>
+                <a:latin typeface="Source Sans Pro" panose="020B0503030403020204" pitchFamily="34" charset="0"/>
+              </a:rPr>
+              <a:t>E</a:t>
+            </a:r>
+            <a:r>
+              <a:rPr lang="pt-BR" b="0" i="0" dirty="0">
+                <a:solidFill>
+                  <a:schemeClr val="tx1"/>
+                </a:solidFill>
+                <a:effectLst/>
+                <a:latin typeface="Source Sans Pro" panose="020B0503030403020204" pitchFamily="34" charset="0"/>
+              </a:rPr>
+              <a:t> </a:t>
+            </a:r>
+            <a:r>
+              <a:rPr lang="pt-BR" dirty="0"/>
+              <a:t>⊢ (if ...) ↪ 1 ∈ </a:t>
+            </a:r>
+            <a:r>
+              <a:rPr lang="en-US" dirty="0"/>
+              <a:t>5 (since 5 = 1+3+1)</a:t>
+            </a:r>
+          </a:p>
+          <a:p>
+            <a:pPr marL="0" indent="0">
+              <a:buNone/>
+            </a:pPr>
+            <a:endParaRPr lang="en-US" dirty="0"/>
+          </a:p>
+          <a:p>
+            <a:endParaRPr lang="en-US" dirty="0"/>
+          </a:p>
+          <a:p>
+            <a:endParaRPr lang="en-US" dirty="0"/>
           </a:p>
         </p:txBody>
       </p:sp>
@@ -11001,6 +11306,333 @@
               <a:t>21</a:t>
             </a:fld>
             <a:endParaRPr lang="en-US"/>
+          </a:p>
+        </p:txBody>
+      </p:sp>
+      <p:sp>
+        <p:nvSpPr>
+          <p:cNvPr id="5" name="Content Placeholder 2">
+            <a:extLst>
+              <a:ext uri="{FF2B5EF4-FFF2-40B4-BE49-F238E27FC236}">
+                <a16:creationId xmlns:a16="http://schemas.microsoft.com/office/drawing/2014/main" id="{3AC3B5F5-68E1-510F-EFDF-50B90C0B78E0}"/>
+              </a:ext>
+            </a:extLst>
+          </p:cNvPr>
+          <p:cNvSpPr txBox="1">
+            <a:spLocks/>
+          </p:cNvSpPr>
+          <p:nvPr/>
+        </p:nvSpPr>
+        <p:spPr>
+          <a:xfrm>
+            <a:off x="7462058" y="2050318"/>
+            <a:ext cx="4108150" cy="1378682"/>
+          </a:xfrm>
+          <a:prstGeom prst="rect">
+            <a:avLst/>
+          </a:prstGeom>
+        </p:spPr>
+        <p:txBody>
+          <a:bodyPr vert="horz" lIns="0" tIns="45720" rIns="0" bIns="45720" rtlCol="0">
+            <a:normAutofit/>
+          </a:bodyPr>
+          <a:lstStyle>
+            <a:lvl1pPr marL="91440" indent="-91440" algn="l" defTabSz="914400" rtl="0" eaLnBrk="1" latinLnBrk="0" hangingPunct="1">
+              <a:lnSpc>
+                <a:spcPct val="90000"/>
+              </a:lnSpc>
+              <a:spcBef>
+                <a:spcPts val="1200"/>
+              </a:spcBef>
+              <a:spcAft>
+                <a:spcPts val="200"/>
+              </a:spcAft>
+              <a:buClr>
+                <a:schemeClr val="accent1"/>
+              </a:buClr>
+              <a:buSzPct val="100000"/>
+              <a:buFont typeface="Calibri" panose="020F0502020204030204" pitchFamily="34" charset="0"/>
+              <a:buChar char=" "/>
+              <a:defRPr sz="2800" kern="1200">
+                <a:solidFill>
+                  <a:schemeClr val="tx1">
+                    <a:lumMod val="75000"/>
+                    <a:lumOff val="25000"/>
+                  </a:schemeClr>
+                </a:solidFill>
+                <a:latin typeface="+mn-lt"/>
+                <a:ea typeface="+mn-ea"/>
+                <a:cs typeface="+mn-cs"/>
+              </a:defRPr>
+            </a:lvl1pPr>
+            <a:lvl2pPr marL="384048" indent="-182880" algn="l" defTabSz="914400" rtl="0" eaLnBrk="1" latinLnBrk="0" hangingPunct="1">
+              <a:lnSpc>
+                <a:spcPct val="90000"/>
+              </a:lnSpc>
+              <a:spcBef>
+                <a:spcPts val="200"/>
+              </a:spcBef>
+              <a:spcAft>
+                <a:spcPts val="400"/>
+              </a:spcAft>
+              <a:buClr>
+                <a:schemeClr val="accent1"/>
+              </a:buClr>
+              <a:buFont typeface="Calibri" pitchFamily="34" charset="0"/>
+              <a:buChar char="◦"/>
+              <a:defRPr sz="2400" kern="1200">
+                <a:solidFill>
+                  <a:schemeClr val="tx1">
+                    <a:lumMod val="75000"/>
+                    <a:lumOff val="25000"/>
+                  </a:schemeClr>
+                </a:solidFill>
+                <a:latin typeface="+mn-lt"/>
+                <a:ea typeface="+mn-ea"/>
+                <a:cs typeface="+mn-cs"/>
+              </a:defRPr>
+            </a:lvl2pPr>
+            <a:lvl3pPr marL="566928" indent="-182880" algn="l" defTabSz="914400" rtl="0" eaLnBrk="1" latinLnBrk="0" hangingPunct="1">
+              <a:lnSpc>
+                <a:spcPct val="90000"/>
+              </a:lnSpc>
+              <a:spcBef>
+                <a:spcPts val="200"/>
+              </a:spcBef>
+              <a:spcAft>
+                <a:spcPts val="400"/>
+              </a:spcAft>
+              <a:buClr>
+                <a:schemeClr val="accent1"/>
+              </a:buClr>
+              <a:buFont typeface="Calibri" pitchFamily="34" charset="0"/>
+              <a:buChar char="◦"/>
+              <a:defRPr sz="2200" kern="1200">
+                <a:solidFill>
+                  <a:schemeClr val="tx1">
+                    <a:lumMod val="75000"/>
+                    <a:lumOff val="25000"/>
+                  </a:schemeClr>
+                </a:solidFill>
+                <a:latin typeface="+mn-lt"/>
+                <a:ea typeface="+mn-ea"/>
+                <a:cs typeface="+mn-cs"/>
+              </a:defRPr>
+            </a:lvl3pPr>
+            <a:lvl4pPr marL="749808" indent="-182880" algn="l" defTabSz="914400" rtl="0" eaLnBrk="1" latinLnBrk="0" hangingPunct="1">
+              <a:lnSpc>
+                <a:spcPct val="90000"/>
+              </a:lnSpc>
+              <a:spcBef>
+                <a:spcPts val="200"/>
+              </a:spcBef>
+              <a:spcAft>
+                <a:spcPts val="400"/>
+              </a:spcAft>
+              <a:buClr>
+                <a:schemeClr val="accent1"/>
+              </a:buClr>
+              <a:buFont typeface="Calibri" pitchFamily="34" charset="0"/>
+              <a:buChar char="◦"/>
+              <a:defRPr sz="2000" kern="1200">
+                <a:solidFill>
+                  <a:schemeClr val="tx1">
+                    <a:lumMod val="75000"/>
+                    <a:lumOff val="25000"/>
+                  </a:schemeClr>
+                </a:solidFill>
+                <a:latin typeface="+mn-lt"/>
+                <a:ea typeface="+mn-ea"/>
+                <a:cs typeface="+mn-cs"/>
+              </a:defRPr>
+            </a:lvl4pPr>
+            <a:lvl5pPr marL="932688" indent="-182880" algn="l" defTabSz="914400" rtl="0" eaLnBrk="1" latinLnBrk="0" hangingPunct="1">
+              <a:lnSpc>
+                <a:spcPct val="90000"/>
+              </a:lnSpc>
+              <a:spcBef>
+                <a:spcPts val="200"/>
+              </a:spcBef>
+              <a:spcAft>
+                <a:spcPts val="400"/>
+              </a:spcAft>
+              <a:buClr>
+                <a:schemeClr val="accent1"/>
+              </a:buClr>
+              <a:buFont typeface="Calibri" pitchFamily="34" charset="0"/>
+              <a:buChar char="◦"/>
+              <a:defRPr sz="1800" kern="1200">
+                <a:solidFill>
+                  <a:schemeClr val="tx1">
+                    <a:lumMod val="75000"/>
+                    <a:lumOff val="25000"/>
+                  </a:schemeClr>
+                </a:solidFill>
+                <a:latin typeface="+mn-lt"/>
+                <a:ea typeface="+mn-ea"/>
+                <a:cs typeface="+mn-cs"/>
+              </a:defRPr>
+            </a:lvl5pPr>
+            <a:lvl6pPr marL="1100000" indent="-228600" algn="l" defTabSz="914400" rtl="0" eaLnBrk="1" latinLnBrk="0" hangingPunct="1">
+              <a:lnSpc>
+                <a:spcPct val="90000"/>
+              </a:lnSpc>
+              <a:spcBef>
+                <a:spcPts val="200"/>
+              </a:spcBef>
+              <a:spcAft>
+                <a:spcPts val="400"/>
+              </a:spcAft>
+              <a:buClr>
+                <a:schemeClr val="accent1"/>
+              </a:buClr>
+              <a:buFont typeface="Calibri" pitchFamily="34" charset="0"/>
+              <a:buChar char="◦"/>
+              <a:defRPr sz="1400" kern="1200">
+                <a:solidFill>
+                  <a:schemeClr val="tx1">
+                    <a:lumMod val="75000"/>
+                    <a:lumOff val="25000"/>
+                  </a:schemeClr>
+                </a:solidFill>
+                <a:latin typeface="+mn-lt"/>
+                <a:ea typeface="+mn-ea"/>
+                <a:cs typeface="+mn-cs"/>
+              </a:defRPr>
+            </a:lvl6pPr>
+            <a:lvl7pPr marL="1300000" indent="-228600" algn="l" defTabSz="914400" rtl="0" eaLnBrk="1" latinLnBrk="0" hangingPunct="1">
+              <a:lnSpc>
+                <a:spcPct val="90000"/>
+              </a:lnSpc>
+              <a:spcBef>
+                <a:spcPts val="200"/>
+              </a:spcBef>
+              <a:spcAft>
+                <a:spcPts val="400"/>
+              </a:spcAft>
+              <a:buClr>
+                <a:schemeClr val="accent1"/>
+              </a:buClr>
+              <a:buFont typeface="Calibri" pitchFamily="34" charset="0"/>
+              <a:buChar char="◦"/>
+              <a:defRPr sz="1400" kern="1200">
+                <a:solidFill>
+                  <a:schemeClr val="tx1">
+                    <a:lumMod val="75000"/>
+                    <a:lumOff val="25000"/>
+                  </a:schemeClr>
+                </a:solidFill>
+                <a:latin typeface="+mn-lt"/>
+                <a:ea typeface="+mn-ea"/>
+                <a:cs typeface="+mn-cs"/>
+              </a:defRPr>
+            </a:lvl7pPr>
+            <a:lvl8pPr marL="1500000" indent="-228600" algn="l" defTabSz="914400" rtl="0" eaLnBrk="1" latinLnBrk="0" hangingPunct="1">
+              <a:lnSpc>
+                <a:spcPct val="90000"/>
+              </a:lnSpc>
+              <a:spcBef>
+                <a:spcPts val="200"/>
+              </a:spcBef>
+              <a:spcAft>
+                <a:spcPts val="400"/>
+              </a:spcAft>
+              <a:buClr>
+                <a:schemeClr val="accent1"/>
+              </a:buClr>
+              <a:buFont typeface="Calibri" pitchFamily="34" charset="0"/>
+              <a:buChar char="◦"/>
+              <a:defRPr sz="1400" kern="1200">
+                <a:solidFill>
+                  <a:schemeClr val="tx1">
+                    <a:lumMod val="75000"/>
+                    <a:lumOff val="25000"/>
+                  </a:schemeClr>
+                </a:solidFill>
+                <a:latin typeface="+mn-lt"/>
+                <a:ea typeface="+mn-ea"/>
+                <a:cs typeface="+mn-cs"/>
+              </a:defRPr>
+            </a:lvl8pPr>
+            <a:lvl9pPr marL="1700000" indent="-228600" algn="l" defTabSz="914400" rtl="0" eaLnBrk="1" latinLnBrk="0" hangingPunct="1">
+              <a:lnSpc>
+                <a:spcPct val="90000"/>
+              </a:lnSpc>
+              <a:spcBef>
+                <a:spcPts val="200"/>
+              </a:spcBef>
+              <a:spcAft>
+                <a:spcPts val="400"/>
+              </a:spcAft>
+              <a:buClr>
+                <a:schemeClr val="accent1"/>
+              </a:buClr>
+              <a:buFont typeface="Calibri" pitchFamily="34" charset="0"/>
+              <a:buChar char="◦"/>
+              <a:defRPr sz="1400" kern="1200">
+                <a:solidFill>
+                  <a:schemeClr val="tx1">
+                    <a:lumMod val="75000"/>
+                    <a:lumOff val="25000"/>
+                  </a:schemeClr>
+                </a:solidFill>
+                <a:latin typeface="+mn-lt"/>
+                <a:ea typeface="+mn-ea"/>
+                <a:cs typeface="+mn-cs"/>
+              </a:defRPr>
+            </a:lvl9pPr>
+          </a:lstStyle>
+          <a:p>
+            <a:r>
+              <a:rPr lang="en-US" dirty="0">
+                <a:latin typeface="Consolas" panose="020B0609020204030204" pitchFamily="49" charset="0"/>
+              </a:rPr>
+              <a:t>fun pow(</a:t>
+            </a:r>
+            <a:r>
+              <a:rPr lang="en-US" dirty="0" err="1">
+                <a:latin typeface="Consolas" panose="020B0609020204030204" pitchFamily="49" charset="0"/>
+              </a:rPr>
+              <a:t>n,k</a:t>
+            </a:r>
+            <a:r>
+              <a:rPr lang="en-US" dirty="0">
+                <a:latin typeface="Consolas" panose="020B0609020204030204" pitchFamily="49" charset="0"/>
+              </a:rPr>
+              <a:t>) =</a:t>
+            </a:r>
+            <a:br>
+              <a:rPr lang="en-US" dirty="0">
+                <a:latin typeface="Consolas" panose="020B0609020204030204" pitchFamily="49" charset="0"/>
+              </a:rPr>
+            </a:br>
+            <a:r>
+              <a:rPr lang="en-US" dirty="0">
+                <a:latin typeface="Consolas" panose="020B0609020204030204" pitchFamily="49" charset="0"/>
+              </a:rPr>
+              <a:t>  if k = 0 { 1 }</a:t>
+            </a:r>
+            <a:br>
+              <a:rPr lang="en-US" dirty="0">
+                <a:latin typeface="Consolas" panose="020B0609020204030204" pitchFamily="49" charset="0"/>
+              </a:rPr>
+            </a:br>
+            <a:r>
+              <a:rPr lang="en-US" dirty="0">
+                <a:latin typeface="Consolas" panose="020B0609020204030204" pitchFamily="49" charset="0"/>
+              </a:rPr>
+              <a:t>  else n*pow(n,k-1)</a:t>
+            </a:r>
+          </a:p>
+          <a:p>
+            <a:endParaRPr lang="en-US" dirty="0">
+              <a:latin typeface="Consolas" panose="020B0609020204030204" pitchFamily="49" charset="0"/>
+            </a:endParaRPr>
+          </a:p>
+          <a:p>
+            <a:endParaRPr lang="en-US" dirty="0">
+              <a:latin typeface="Consolas" panose="020B0609020204030204" pitchFamily="49" charset="0"/>
+            </a:endParaRPr>
           </a:p>
         </p:txBody>
       </p:sp>
@@ -11039,7 +11671,7 @@
           <p:cNvPr id="2" name="Title 1">
             <a:extLst>
               <a:ext uri="{FF2B5EF4-FFF2-40B4-BE49-F238E27FC236}">
-                <a16:creationId xmlns:a16="http://schemas.microsoft.com/office/drawing/2014/main" id="{1C783CAC-2B0D-422F-D292-F539B05CE858}"/>
+                <a16:creationId xmlns:a16="http://schemas.microsoft.com/office/drawing/2014/main" id="{1A925675-C503-CE37-D981-4A7DB11F9ECF}"/>
               </a:ext>
             </a:extLst>
           </p:cNvPr>
@@ -11057,7 +11689,7 @@
           <a:p>
             <a:r>
               <a:rPr lang="en-US" dirty="0"/>
-              <a:t>Insight</a:t>
+              <a:t>Example</a:t>
             </a:r>
           </a:p>
         </p:txBody>
@@ -11067,7 +11699,7 @@
           <p:cNvPr id="3" name="Content Placeholder 2">
             <a:extLst>
               <a:ext uri="{FF2B5EF4-FFF2-40B4-BE49-F238E27FC236}">
-                <a16:creationId xmlns:a16="http://schemas.microsoft.com/office/drawing/2014/main" id="{79C56AEA-1A82-3D41-6B69-3283000791A8}"/>
+                <a16:creationId xmlns:a16="http://schemas.microsoft.com/office/drawing/2014/main" id="{8295E653-8F94-6DCA-CC15-BC1714F9599B}"/>
               </a:ext>
             </a:extLst>
           </p:cNvPr>
@@ -11078,12 +11710,303 @@
             <p:ph idx="1"/>
           </p:nvPr>
         </p:nvSpPr>
-        <p:spPr/>
-        <p:txBody>
-          <a:bodyPr/>
+        <p:spPr>
+          <a:xfrm>
+            <a:off x="1097280" y="1845734"/>
+            <a:ext cx="6278880" cy="4023360"/>
+          </a:xfrm>
+        </p:spPr>
+        <p:txBody>
+          <a:bodyPr>
+            <a:normAutofit fontScale="77500" lnSpcReduction="20000"/>
+          </a:bodyPr>
           <a:lstStyle/>
           <a:p>
-            <a:endParaRPr lang="en-US"/>
+            <a:r>
+              <a:rPr lang="en-US" b="0" i="0" dirty="0">
+                <a:solidFill>
+                  <a:schemeClr val="tx1"/>
+                </a:solidFill>
+                <a:effectLst/>
+                <a:latin typeface="Source Sans Pro" panose="020B0503030403020204" pitchFamily="34" charset="0"/>
+              </a:rPr>
+              <a:t>pow(</a:t>
+            </a:r>
+            <a:r>
+              <a:rPr lang="en-US" b="0" i="0" dirty="0" err="1">
+                <a:solidFill>
+                  <a:schemeClr val="tx1"/>
+                </a:solidFill>
+                <a:effectLst/>
+                <a:latin typeface="Source Sans Pro" panose="020B0503030403020204" pitchFamily="34" charset="0"/>
+              </a:rPr>
+              <a:t>n,k</a:t>
+            </a:r>
+            <a:r>
+              <a:rPr lang="en-US" b="0" i="0" dirty="0">
+                <a:solidFill>
+                  <a:schemeClr val="tx1"/>
+                </a:solidFill>
+                <a:effectLst/>
+                <a:latin typeface="Source Sans Pro" panose="020B0503030403020204" pitchFamily="34" charset="0"/>
+              </a:rPr>
+              <a:t>) for k&gt;0</a:t>
+            </a:r>
+          </a:p>
+          <a:p>
+            <a:r>
+              <a:rPr lang="en-US" b="0" i="0" dirty="0">
+                <a:solidFill>
+                  <a:schemeClr val="tx1"/>
+                </a:solidFill>
+                <a:effectLst/>
+                <a:latin typeface="Source Sans Pro" panose="020B0503030403020204" pitchFamily="34" charset="0"/>
+              </a:rPr>
+              <a:t>E</a:t>
+            </a:r>
+            <a:r>
+              <a:rPr lang="pt-BR" b="0" i="0" dirty="0">
+                <a:solidFill>
+                  <a:schemeClr val="tx1"/>
+                </a:solidFill>
+                <a:effectLst/>
+                <a:latin typeface="Source Sans Pro" panose="020B0503030403020204" pitchFamily="34" charset="0"/>
+              </a:rPr>
+              <a:t> </a:t>
+            </a:r>
+            <a:r>
+              <a:rPr lang="pt-BR" dirty="0"/>
+              <a:t>⊢ k ↪ 0 ∈ 1</a:t>
+            </a:r>
+            <a:br>
+              <a:rPr lang="pt-BR" dirty="0"/>
+            </a:br>
+            <a:r>
+              <a:rPr lang="pt-BR" dirty="0"/>
+              <a:t>E</a:t>
+            </a:r>
+            <a:r>
+              <a:rPr lang="pt-BR" b="0" i="0" dirty="0">
+                <a:solidFill>
+                  <a:schemeClr val="tx1"/>
+                </a:solidFill>
+                <a:effectLst/>
+                <a:latin typeface="Source Sans Pro" panose="020B0503030403020204" pitchFamily="34" charset="0"/>
+              </a:rPr>
+              <a:t> </a:t>
+            </a:r>
+            <a:r>
+              <a:rPr lang="pt-BR" dirty="0"/>
+              <a:t>⊢ 0 ↪ 0 ∈ 1</a:t>
+            </a:r>
+            <a:br>
+              <a:rPr lang="pt-BR" dirty="0"/>
+            </a:br>
+            <a:r>
+              <a:rPr lang="pt-BR" dirty="0"/>
+              <a:t>E</a:t>
+            </a:r>
+            <a:r>
+              <a:rPr lang="pt-BR" b="0" i="0" dirty="0">
+                <a:solidFill>
+                  <a:schemeClr val="tx1"/>
+                </a:solidFill>
+                <a:effectLst/>
+                <a:latin typeface="Source Sans Pro" panose="020B0503030403020204" pitchFamily="34" charset="0"/>
+              </a:rPr>
+              <a:t> </a:t>
+            </a:r>
+            <a:r>
+              <a:rPr lang="pt-BR" dirty="0"/>
+              <a:t>⊢ k = 0 ↪ false ∈ 3</a:t>
+            </a:r>
+          </a:p>
+          <a:p>
+            <a:r>
+              <a:rPr lang="en-US" b="0" i="0" dirty="0">
+                <a:solidFill>
+                  <a:schemeClr val="tx1"/>
+                </a:solidFill>
+                <a:effectLst/>
+                <a:latin typeface="Source Sans Pro" panose="020B0503030403020204" pitchFamily="34" charset="0"/>
+              </a:rPr>
+              <a:t>E</a:t>
+            </a:r>
+            <a:r>
+              <a:rPr lang="pt-BR" b="0" i="0" dirty="0">
+                <a:solidFill>
+                  <a:schemeClr val="tx1"/>
+                </a:solidFill>
+                <a:effectLst/>
+                <a:latin typeface="Source Sans Pro" panose="020B0503030403020204" pitchFamily="34" charset="0"/>
+              </a:rPr>
+              <a:t> </a:t>
+            </a:r>
+            <a:r>
+              <a:rPr lang="pt-BR" dirty="0"/>
+              <a:t>⊢ n↪ vn ∈ 1</a:t>
+            </a:r>
+          </a:p>
+          <a:p>
+            <a:r>
+              <a:rPr lang="en-US" b="0" i="0" dirty="0">
+                <a:solidFill>
+                  <a:schemeClr val="tx1"/>
+                </a:solidFill>
+                <a:effectLst/>
+                <a:latin typeface="Source Sans Pro" panose="020B0503030403020204" pitchFamily="34" charset="0"/>
+              </a:rPr>
+              <a:t>E</a:t>
+            </a:r>
+            <a:r>
+              <a:rPr lang="pt-BR" b="0" i="0" dirty="0">
+                <a:solidFill>
+                  <a:schemeClr val="tx1"/>
+                </a:solidFill>
+                <a:effectLst/>
+                <a:latin typeface="Source Sans Pro" panose="020B0503030403020204" pitchFamily="34" charset="0"/>
+              </a:rPr>
+              <a:t> </a:t>
+            </a:r>
+            <a:r>
+              <a:rPr lang="pt-BR" dirty="0"/>
+              <a:t>⊢ n↪ vn ∈ 1</a:t>
+            </a:r>
+            <a:br>
+              <a:rPr lang="pt-BR" dirty="0"/>
+            </a:br>
+            <a:r>
+              <a:rPr lang="pt-BR" dirty="0"/>
+              <a:t>E</a:t>
+            </a:r>
+            <a:r>
+              <a:rPr lang="pt-BR" b="0" i="0" dirty="0">
+                <a:solidFill>
+                  <a:schemeClr val="tx1"/>
+                </a:solidFill>
+                <a:effectLst/>
+                <a:latin typeface="Source Sans Pro" panose="020B0503030403020204" pitchFamily="34" charset="0"/>
+              </a:rPr>
+              <a:t> </a:t>
+            </a:r>
+            <a:r>
+              <a:rPr lang="pt-BR" dirty="0"/>
+              <a:t>⊢ k↪ vk ∈ 1</a:t>
+            </a:r>
+            <a:br>
+              <a:rPr lang="pt-BR" dirty="0"/>
+            </a:br>
+            <a:r>
+              <a:rPr lang="en-US" dirty="0">
+                <a:solidFill>
+                  <a:schemeClr val="tx1"/>
+                </a:solidFill>
+                <a:latin typeface="Source Sans Pro" panose="020B0503030403020204" pitchFamily="34" charset="0"/>
+              </a:rPr>
+              <a:t>E </a:t>
+            </a:r>
+            <a:r>
+              <a:rPr lang="pt-BR" dirty="0"/>
+              <a:t>⊢ 1↪ 1 ∈ 1</a:t>
+            </a:r>
+            <a:br>
+              <a:rPr lang="pt-BR" dirty="0"/>
+            </a:br>
+            <a:r>
+              <a:rPr lang="en-US" dirty="0">
+                <a:solidFill>
+                  <a:schemeClr val="tx1"/>
+                </a:solidFill>
+                <a:latin typeface="Source Sans Pro" panose="020B0503030403020204" pitchFamily="34" charset="0"/>
+              </a:rPr>
+              <a:t>E</a:t>
+            </a:r>
+            <a:r>
+              <a:rPr lang="pt-BR" b="0" i="0" dirty="0">
+                <a:solidFill>
+                  <a:schemeClr val="tx1"/>
+                </a:solidFill>
+                <a:effectLst/>
+                <a:latin typeface="Source Sans Pro" panose="020B0503030403020204" pitchFamily="34" charset="0"/>
+              </a:rPr>
+              <a:t> </a:t>
+            </a:r>
+            <a:r>
+              <a:rPr lang="pt-BR" dirty="0"/>
+              <a:t>⊢ k-1↪vk-1 ∈ 3</a:t>
+            </a:r>
+            <a:br>
+              <a:rPr lang="pt-BR" dirty="0"/>
+            </a:br>
+            <a:r>
+              <a:rPr lang="en-US" dirty="0">
+                <a:solidFill>
+                  <a:schemeClr val="tx1"/>
+                </a:solidFill>
+                <a:latin typeface="Source Sans Pro" panose="020B0503030403020204" pitchFamily="34" charset="0"/>
+              </a:rPr>
+              <a:t>E</a:t>
+            </a:r>
+            <a:r>
+              <a:rPr lang="pt-BR" b="0" i="0" dirty="0">
+                <a:solidFill>
+                  <a:schemeClr val="tx1"/>
+                </a:solidFill>
+                <a:effectLst/>
+                <a:latin typeface="Source Sans Pro" panose="020B0503030403020204" pitchFamily="34" charset="0"/>
+              </a:rPr>
+              <a:t> </a:t>
+            </a:r>
+            <a:r>
+              <a:rPr lang="pt-BR" dirty="0"/>
+              <a:t>⊢ pow(n,k-1) ↪ v ∈ 4 + O(k)</a:t>
+            </a:r>
+          </a:p>
+          <a:p>
+            <a:r>
+              <a:rPr lang="en-US" dirty="0">
+                <a:solidFill>
+                  <a:schemeClr val="tx1"/>
+                </a:solidFill>
+                <a:latin typeface="Source Sans Pro" panose="020B0503030403020204" pitchFamily="34" charset="0"/>
+              </a:rPr>
+              <a:t>E</a:t>
+            </a:r>
+            <a:r>
+              <a:rPr lang="pt-BR" b="0" i="0" dirty="0">
+                <a:solidFill>
+                  <a:schemeClr val="tx1"/>
+                </a:solidFill>
+                <a:effectLst/>
+                <a:latin typeface="Source Sans Pro" panose="020B0503030403020204" pitchFamily="34" charset="0"/>
+              </a:rPr>
+              <a:t> </a:t>
+            </a:r>
+            <a:r>
+              <a:rPr lang="pt-BR" dirty="0"/>
+              <a:t>⊢ pow(n,k) ↪ vn*v ∈ 6 + O(k)</a:t>
+            </a:r>
+          </a:p>
+          <a:p>
+            <a:r>
+              <a:rPr lang="pt-BR" dirty="0"/>
+              <a:t>pow(n,k) is O(k)</a:t>
+            </a:r>
+          </a:p>
+          <a:p>
+            <a:endParaRPr lang="pt-BR" dirty="0"/>
+          </a:p>
+          <a:p>
+            <a:pPr marL="0" indent="0">
+              <a:buNone/>
+            </a:pPr>
+            <a:endParaRPr lang="en-US" dirty="0"/>
+          </a:p>
+          <a:p>
+            <a:endParaRPr lang="en-US" dirty="0"/>
+          </a:p>
+          <a:p>
+            <a:endParaRPr lang="en-US" dirty="0"/>
           </a:p>
         </p:txBody>
       </p:sp>
@@ -11092,7 +12015,7 @@
           <p:cNvPr id="4" name="Slide Number Placeholder 3">
             <a:extLst>
               <a:ext uri="{FF2B5EF4-FFF2-40B4-BE49-F238E27FC236}">
-                <a16:creationId xmlns:a16="http://schemas.microsoft.com/office/drawing/2014/main" id="{C7B7C379-3825-8FB9-17C2-02353C375C23}"/>
+                <a16:creationId xmlns:a16="http://schemas.microsoft.com/office/drawing/2014/main" id="{8116D2C5-0125-7085-684F-3E58529B8085}"/>
               </a:ext>
             </a:extLst>
           </p:cNvPr>
@@ -11116,10 +12039,337 @@
           </a:p>
         </p:txBody>
       </p:sp>
+      <p:sp>
+        <p:nvSpPr>
+          <p:cNvPr id="5" name="Content Placeholder 2">
+            <a:extLst>
+              <a:ext uri="{FF2B5EF4-FFF2-40B4-BE49-F238E27FC236}">
+                <a16:creationId xmlns:a16="http://schemas.microsoft.com/office/drawing/2014/main" id="{3AC3B5F5-68E1-510F-EFDF-50B90C0B78E0}"/>
+              </a:ext>
+            </a:extLst>
+          </p:cNvPr>
+          <p:cNvSpPr txBox="1">
+            <a:spLocks/>
+          </p:cNvSpPr>
+          <p:nvPr/>
+        </p:nvSpPr>
+        <p:spPr>
+          <a:xfrm>
+            <a:off x="7462058" y="2050318"/>
+            <a:ext cx="4108150" cy="1378682"/>
+          </a:xfrm>
+          <a:prstGeom prst="rect">
+            <a:avLst/>
+          </a:prstGeom>
+        </p:spPr>
+        <p:txBody>
+          <a:bodyPr vert="horz" lIns="0" tIns="45720" rIns="0" bIns="45720" rtlCol="0">
+            <a:normAutofit/>
+          </a:bodyPr>
+          <a:lstStyle>
+            <a:lvl1pPr marL="91440" indent="-91440" algn="l" defTabSz="914400" rtl="0" eaLnBrk="1" latinLnBrk="0" hangingPunct="1">
+              <a:lnSpc>
+                <a:spcPct val="90000"/>
+              </a:lnSpc>
+              <a:spcBef>
+                <a:spcPts val="1200"/>
+              </a:spcBef>
+              <a:spcAft>
+                <a:spcPts val="200"/>
+              </a:spcAft>
+              <a:buClr>
+                <a:schemeClr val="accent1"/>
+              </a:buClr>
+              <a:buSzPct val="100000"/>
+              <a:buFont typeface="Calibri" panose="020F0502020204030204" pitchFamily="34" charset="0"/>
+              <a:buChar char=" "/>
+              <a:defRPr sz="2800" kern="1200">
+                <a:solidFill>
+                  <a:schemeClr val="tx1">
+                    <a:lumMod val="75000"/>
+                    <a:lumOff val="25000"/>
+                  </a:schemeClr>
+                </a:solidFill>
+                <a:latin typeface="+mn-lt"/>
+                <a:ea typeface="+mn-ea"/>
+                <a:cs typeface="+mn-cs"/>
+              </a:defRPr>
+            </a:lvl1pPr>
+            <a:lvl2pPr marL="384048" indent="-182880" algn="l" defTabSz="914400" rtl="0" eaLnBrk="1" latinLnBrk="0" hangingPunct="1">
+              <a:lnSpc>
+                <a:spcPct val="90000"/>
+              </a:lnSpc>
+              <a:spcBef>
+                <a:spcPts val="200"/>
+              </a:spcBef>
+              <a:spcAft>
+                <a:spcPts val="400"/>
+              </a:spcAft>
+              <a:buClr>
+                <a:schemeClr val="accent1"/>
+              </a:buClr>
+              <a:buFont typeface="Calibri" pitchFamily="34" charset="0"/>
+              <a:buChar char="◦"/>
+              <a:defRPr sz="2400" kern="1200">
+                <a:solidFill>
+                  <a:schemeClr val="tx1">
+                    <a:lumMod val="75000"/>
+                    <a:lumOff val="25000"/>
+                  </a:schemeClr>
+                </a:solidFill>
+                <a:latin typeface="+mn-lt"/>
+                <a:ea typeface="+mn-ea"/>
+                <a:cs typeface="+mn-cs"/>
+              </a:defRPr>
+            </a:lvl2pPr>
+            <a:lvl3pPr marL="566928" indent="-182880" algn="l" defTabSz="914400" rtl="0" eaLnBrk="1" latinLnBrk="0" hangingPunct="1">
+              <a:lnSpc>
+                <a:spcPct val="90000"/>
+              </a:lnSpc>
+              <a:spcBef>
+                <a:spcPts val="200"/>
+              </a:spcBef>
+              <a:spcAft>
+                <a:spcPts val="400"/>
+              </a:spcAft>
+              <a:buClr>
+                <a:schemeClr val="accent1"/>
+              </a:buClr>
+              <a:buFont typeface="Calibri" pitchFamily="34" charset="0"/>
+              <a:buChar char="◦"/>
+              <a:defRPr sz="2200" kern="1200">
+                <a:solidFill>
+                  <a:schemeClr val="tx1">
+                    <a:lumMod val="75000"/>
+                    <a:lumOff val="25000"/>
+                  </a:schemeClr>
+                </a:solidFill>
+                <a:latin typeface="+mn-lt"/>
+                <a:ea typeface="+mn-ea"/>
+                <a:cs typeface="+mn-cs"/>
+              </a:defRPr>
+            </a:lvl3pPr>
+            <a:lvl4pPr marL="749808" indent="-182880" algn="l" defTabSz="914400" rtl="0" eaLnBrk="1" latinLnBrk="0" hangingPunct="1">
+              <a:lnSpc>
+                <a:spcPct val="90000"/>
+              </a:lnSpc>
+              <a:spcBef>
+                <a:spcPts val="200"/>
+              </a:spcBef>
+              <a:spcAft>
+                <a:spcPts val="400"/>
+              </a:spcAft>
+              <a:buClr>
+                <a:schemeClr val="accent1"/>
+              </a:buClr>
+              <a:buFont typeface="Calibri" pitchFamily="34" charset="0"/>
+              <a:buChar char="◦"/>
+              <a:defRPr sz="2000" kern="1200">
+                <a:solidFill>
+                  <a:schemeClr val="tx1">
+                    <a:lumMod val="75000"/>
+                    <a:lumOff val="25000"/>
+                  </a:schemeClr>
+                </a:solidFill>
+                <a:latin typeface="+mn-lt"/>
+                <a:ea typeface="+mn-ea"/>
+                <a:cs typeface="+mn-cs"/>
+              </a:defRPr>
+            </a:lvl4pPr>
+            <a:lvl5pPr marL="932688" indent="-182880" algn="l" defTabSz="914400" rtl="0" eaLnBrk="1" latinLnBrk="0" hangingPunct="1">
+              <a:lnSpc>
+                <a:spcPct val="90000"/>
+              </a:lnSpc>
+              <a:spcBef>
+                <a:spcPts val="200"/>
+              </a:spcBef>
+              <a:spcAft>
+                <a:spcPts val="400"/>
+              </a:spcAft>
+              <a:buClr>
+                <a:schemeClr val="accent1"/>
+              </a:buClr>
+              <a:buFont typeface="Calibri" pitchFamily="34" charset="0"/>
+              <a:buChar char="◦"/>
+              <a:defRPr sz="1800" kern="1200">
+                <a:solidFill>
+                  <a:schemeClr val="tx1">
+                    <a:lumMod val="75000"/>
+                    <a:lumOff val="25000"/>
+                  </a:schemeClr>
+                </a:solidFill>
+                <a:latin typeface="+mn-lt"/>
+                <a:ea typeface="+mn-ea"/>
+                <a:cs typeface="+mn-cs"/>
+              </a:defRPr>
+            </a:lvl5pPr>
+            <a:lvl6pPr marL="1100000" indent="-228600" algn="l" defTabSz="914400" rtl="0" eaLnBrk="1" latinLnBrk="0" hangingPunct="1">
+              <a:lnSpc>
+                <a:spcPct val="90000"/>
+              </a:lnSpc>
+              <a:spcBef>
+                <a:spcPts val="200"/>
+              </a:spcBef>
+              <a:spcAft>
+                <a:spcPts val="400"/>
+              </a:spcAft>
+              <a:buClr>
+                <a:schemeClr val="accent1"/>
+              </a:buClr>
+              <a:buFont typeface="Calibri" pitchFamily="34" charset="0"/>
+              <a:buChar char="◦"/>
+              <a:defRPr sz="1400" kern="1200">
+                <a:solidFill>
+                  <a:schemeClr val="tx1">
+                    <a:lumMod val="75000"/>
+                    <a:lumOff val="25000"/>
+                  </a:schemeClr>
+                </a:solidFill>
+                <a:latin typeface="+mn-lt"/>
+                <a:ea typeface="+mn-ea"/>
+                <a:cs typeface="+mn-cs"/>
+              </a:defRPr>
+            </a:lvl6pPr>
+            <a:lvl7pPr marL="1300000" indent="-228600" algn="l" defTabSz="914400" rtl="0" eaLnBrk="1" latinLnBrk="0" hangingPunct="1">
+              <a:lnSpc>
+                <a:spcPct val="90000"/>
+              </a:lnSpc>
+              <a:spcBef>
+                <a:spcPts val="200"/>
+              </a:spcBef>
+              <a:spcAft>
+                <a:spcPts val="400"/>
+              </a:spcAft>
+              <a:buClr>
+                <a:schemeClr val="accent1"/>
+              </a:buClr>
+              <a:buFont typeface="Calibri" pitchFamily="34" charset="0"/>
+              <a:buChar char="◦"/>
+              <a:defRPr sz="1400" kern="1200">
+                <a:solidFill>
+                  <a:schemeClr val="tx1">
+                    <a:lumMod val="75000"/>
+                    <a:lumOff val="25000"/>
+                  </a:schemeClr>
+                </a:solidFill>
+                <a:latin typeface="+mn-lt"/>
+                <a:ea typeface="+mn-ea"/>
+                <a:cs typeface="+mn-cs"/>
+              </a:defRPr>
+            </a:lvl7pPr>
+            <a:lvl8pPr marL="1500000" indent="-228600" algn="l" defTabSz="914400" rtl="0" eaLnBrk="1" latinLnBrk="0" hangingPunct="1">
+              <a:lnSpc>
+                <a:spcPct val="90000"/>
+              </a:lnSpc>
+              <a:spcBef>
+                <a:spcPts val="200"/>
+              </a:spcBef>
+              <a:spcAft>
+                <a:spcPts val="400"/>
+              </a:spcAft>
+              <a:buClr>
+                <a:schemeClr val="accent1"/>
+              </a:buClr>
+              <a:buFont typeface="Calibri" pitchFamily="34" charset="0"/>
+              <a:buChar char="◦"/>
+              <a:defRPr sz="1400" kern="1200">
+                <a:solidFill>
+                  <a:schemeClr val="tx1">
+                    <a:lumMod val="75000"/>
+                    <a:lumOff val="25000"/>
+                  </a:schemeClr>
+                </a:solidFill>
+                <a:latin typeface="+mn-lt"/>
+                <a:ea typeface="+mn-ea"/>
+                <a:cs typeface="+mn-cs"/>
+              </a:defRPr>
+            </a:lvl8pPr>
+            <a:lvl9pPr marL="1700000" indent="-228600" algn="l" defTabSz="914400" rtl="0" eaLnBrk="1" latinLnBrk="0" hangingPunct="1">
+              <a:lnSpc>
+                <a:spcPct val="90000"/>
+              </a:lnSpc>
+              <a:spcBef>
+                <a:spcPts val="200"/>
+              </a:spcBef>
+              <a:spcAft>
+                <a:spcPts val="400"/>
+              </a:spcAft>
+              <a:buClr>
+                <a:schemeClr val="accent1"/>
+              </a:buClr>
+              <a:buFont typeface="Calibri" pitchFamily="34" charset="0"/>
+              <a:buChar char="◦"/>
+              <a:defRPr sz="1400" kern="1200">
+                <a:solidFill>
+                  <a:schemeClr val="tx1">
+                    <a:lumMod val="75000"/>
+                    <a:lumOff val="25000"/>
+                  </a:schemeClr>
+                </a:solidFill>
+                <a:latin typeface="+mn-lt"/>
+                <a:ea typeface="+mn-ea"/>
+                <a:cs typeface="+mn-cs"/>
+              </a:defRPr>
+            </a:lvl9pPr>
+          </a:lstStyle>
+          <a:p>
+            <a:r>
+              <a:rPr lang="en-US" dirty="0">
+                <a:latin typeface="Consolas" panose="020B0609020204030204" pitchFamily="49" charset="0"/>
+              </a:rPr>
+              <a:t>fun pow(</a:t>
+            </a:r>
+            <a:r>
+              <a:rPr lang="en-US" dirty="0" err="1">
+                <a:latin typeface="Consolas" panose="020B0609020204030204" pitchFamily="49" charset="0"/>
+              </a:rPr>
+              <a:t>n,k</a:t>
+            </a:r>
+            <a:r>
+              <a:rPr lang="en-US" dirty="0">
+                <a:latin typeface="Consolas" panose="020B0609020204030204" pitchFamily="49" charset="0"/>
+              </a:rPr>
+              <a:t>) =</a:t>
+            </a:r>
+            <a:br>
+              <a:rPr lang="en-US" dirty="0">
+                <a:latin typeface="Consolas" panose="020B0609020204030204" pitchFamily="49" charset="0"/>
+              </a:rPr>
+            </a:br>
+            <a:r>
+              <a:rPr lang="en-US" dirty="0">
+                <a:latin typeface="Consolas" panose="020B0609020204030204" pitchFamily="49" charset="0"/>
+              </a:rPr>
+              <a:t>  if k = 0 { 1 }</a:t>
+            </a:r>
+            <a:br>
+              <a:rPr lang="en-US" dirty="0">
+                <a:latin typeface="Consolas" panose="020B0609020204030204" pitchFamily="49" charset="0"/>
+              </a:rPr>
+            </a:br>
+            <a:r>
+              <a:rPr lang="en-US" dirty="0">
+                <a:latin typeface="Consolas" panose="020B0609020204030204" pitchFamily="49" charset="0"/>
+              </a:rPr>
+              <a:t>  else n*pow(n,k-1)</a:t>
+            </a:r>
+          </a:p>
+          <a:p>
+            <a:endParaRPr lang="en-US" dirty="0">
+              <a:latin typeface="Consolas" panose="020B0609020204030204" pitchFamily="49" charset="0"/>
+            </a:endParaRPr>
+          </a:p>
+          <a:p>
+            <a:endParaRPr lang="en-US" dirty="0">
+              <a:latin typeface="Consolas" panose="020B0609020204030204" pitchFamily="49" charset="0"/>
+            </a:endParaRPr>
+          </a:p>
+        </p:txBody>
+      </p:sp>
     </p:spTree>
     <p:extLst>
       <p:ext uri="{BB962C8B-B14F-4D97-AF65-F5344CB8AC3E}">
-        <p14:creationId xmlns:p14="http://schemas.microsoft.com/office/powerpoint/2010/main" val="111168421"/>
+        <p14:creationId xmlns:p14="http://schemas.microsoft.com/office/powerpoint/2010/main" val="540203128"/>
       </p:ext>
     </p:extLst>
   </p:cSld>
@@ -11151,7 +12401,7 @@
           <p:cNvPr id="2" name="Title 1">
             <a:extLst>
               <a:ext uri="{FF2B5EF4-FFF2-40B4-BE49-F238E27FC236}">
-                <a16:creationId xmlns:a16="http://schemas.microsoft.com/office/drawing/2014/main" id="{CAE39B6E-ABB3-2EA4-1B38-F597449513D8}"/>
+                <a16:creationId xmlns:a16="http://schemas.microsoft.com/office/drawing/2014/main" id="{65BF3328-2BAE-D914-A527-AC12E4040576}"/>
               </a:ext>
             </a:extLst>
           </p:cNvPr>
@@ -11169,7 +12419,7 @@
           <a:p>
             <a:r>
               <a:rPr lang="en-US" dirty="0"/>
-              <a:t>Parallel</a:t>
+              <a:t>Section: Parallel Computation</a:t>
             </a:r>
           </a:p>
         </p:txBody>
@@ -11179,7 +12429,7 @@
           <p:cNvPr id="3" name="Content Placeholder 2">
             <a:extLst>
               <a:ext uri="{FF2B5EF4-FFF2-40B4-BE49-F238E27FC236}">
-                <a16:creationId xmlns:a16="http://schemas.microsoft.com/office/drawing/2014/main" id="{439E1929-3158-00AA-FBCC-6AE73D233264}"/>
+                <a16:creationId xmlns:a16="http://schemas.microsoft.com/office/drawing/2014/main" id="{AA340FAC-EFCB-CABE-FA83-CADB298BDC6A}"/>
               </a:ext>
             </a:extLst>
           </p:cNvPr>
@@ -11204,7 +12454,7 @@
           <p:cNvPr id="4" name="Slide Number Placeholder 3">
             <a:extLst>
               <a:ext uri="{FF2B5EF4-FFF2-40B4-BE49-F238E27FC236}">
-                <a16:creationId xmlns:a16="http://schemas.microsoft.com/office/drawing/2014/main" id="{A861F359-7C45-9DBC-EB97-9D09C9687F6A}"/>
+                <a16:creationId xmlns:a16="http://schemas.microsoft.com/office/drawing/2014/main" id="{5726BE24-71E5-F7DA-9DC5-0C09BFF0722C}"/>
               </a:ext>
             </a:extLst>
           </p:cNvPr>
@@ -11231,7 +12481,7 @@
     </p:spTree>
     <p:extLst>
       <p:ext uri="{BB962C8B-B14F-4D97-AF65-F5344CB8AC3E}">
-        <p14:creationId xmlns:p14="http://schemas.microsoft.com/office/powerpoint/2010/main" val="3019935795"/>
+        <p14:creationId xmlns:p14="http://schemas.microsoft.com/office/powerpoint/2010/main" val="1384200239"/>
       </p:ext>
     </p:extLst>
   </p:cSld>
@@ -11263,7 +12513,7 @@
           <p:cNvPr id="2" name="Title 1">
             <a:extLst>
               <a:ext uri="{FF2B5EF4-FFF2-40B4-BE49-F238E27FC236}">
-                <a16:creationId xmlns:a16="http://schemas.microsoft.com/office/drawing/2014/main" id="{77AC9ED7-AD27-7AD0-3006-44C438F0F124}"/>
+                <a16:creationId xmlns:a16="http://schemas.microsoft.com/office/drawing/2014/main" id="{1C783CAC-2B0D-422F-D292-F539B05CE858}"/>
               </a:ext>
             </a:extLst>
           </p:cNvPr>
@@ -11281,7 +12531,7 @@
           <a:p>
             <a:r>
               <a:rPr lang="en-US" dirty="0"/>
-              <a:t>Depth</a:t>
+              <a:t>Insight</a:t>
             </a:r>
           </a:p>
         </p:txBody>
@@ -11291,7 +12541,7 @@
           <p:cNvPr id="3" name="Content Placeholder 2">
             <a:extLst>
               <a:ext uri="{FF2B5EF4-FFF2-40B4-BE49-F238E27FC236}">
-                <a16:creationId xmlns:a16="http://schemas.microsoft.com/office/drawing/2014/main" id="{A844DA7D-F623-0D5A-86DA-6F52D40BE786}"/>
+                <a16:creationId xmlns:a16="http://schemas.microsoft.com/office/drawing/2014/main" id="{79C56AEA-1A82-3D41-6B69-3283000791A8}"/>
               </a:ext>
             </a:extLst>
           </p:cNvPr>
@@ -11304,83 +12554,61 @@
         </p:nvSpPr>
         <p:spPr/>
         <p:txBody>
-          <a:bodyPr>
-            <a:normAutofit/>
-          </a:bodyPr>
+          <a:bodyPr/>
           <a:lstStyle/>
           <a:p>
             <a:r>
               <a:rPr lang="en-US" dirty="0"/>
+              <a:t>Pure functional programs make parallelism easy because:</a:t>
+            </a:r>
+          </a:p>
+          <a:p>
+            <a:pPr lvl="1"/>
+            <a:r>
+              <a:rPr lang="en-US" dirty="0"/>
               <a:t>The </a:t>
             </a:r>
             <a:r>
               <a:rPr lang="en-US" b="1" dirty="0"/>
-              <a:t>depth </a:t>
-            </a:r>
-            <a:r>
-              <a:rPr lang="en-US" dirty="0"/>
-              <a:t>of an expression </a:t>
-            </a:r>
-            <a:r>
-              <a:rPr lang="en-US" i="1" dirty="0"/>
-              <a:t>e, </a:t>
-            </a:r>
-            <a:r>
-              <a:rPr lang="en-US" dirty="0"/>
-              <a:t>written D(e) is the time it would take to run </a:t>
-            </a:r>
-            <a:r>
-              <a:rPr lang="en-US" i="1" dirty="0"/>
-              <a:t>e</a:t>
-            </a:r>
-            <a:r>
-              <a:rPr lang="en-US" dirty="0"/>
-              <a:t> if you have as many processors as you can ask for. If </a:t>
-            </a:r>
-            <a:r>
-              <a:rPr lang="en-US" i="1" dirty="0"/>
-              <a:t>e</a:t>
-            </a:r>
-            <a:r>
-              <a:rPr lang="en-US" dirty="0"/>
-              <a:t> loops forever, depth is infinite. We write “D(e1) is O(e2)” to mean the depth of e1 is on the order of e2.</a:t>
-            </a:r>
-          </a:p>
-          <a:p>
-            <a:r>
-              <a:rPr lang="en-US" dirty="0"/>
-              <a:t>If an expression </a:t>
-            </a:r>
-            <a:r>
-              <a:rPr lang="en-US" i="1" dirty="0"/>
-              <a:t>e</a:t>
-            </a:r>
-            <a:r>
-              <a:rPr lang="en-US" dirty="0"/>
-              <a:t> is completely sequential,</a:t>
-            </a:r>
-            <a:r>
-              <a:rPr lang="en-US" i="1" dirty="0"/>
+              <a:t>hard part</a:t>
+            </a:r>
+            <a:r>
+              <a:rPr lang="en-US" dirty="0"/>
+              <a:t> of parallelism is understanding dependencies, and</a:t>
+            </a:r>
+          </a:p>
+          <a:p>
+            <a:pPr lvl="1"/>
+            <a:r>
+              <a:rPr lang="en-US" dirty="0"/>
+              <a:t>Pure functional programs make all dependencies </a:t>
+            </a:r>
+            <a:r>
+              <a:rPr lang="en-US" b="1" dirty="0"/>
+              <a:t>explicit</a:t>
+            </a:r>
+            <a:endParaRPr lang="en-US" dirty="0"/>
+          </a:p>
+          <a:p>
+            <a:r>
+              <a:rPr lang="en-US" dirty="0"/>
+              <a:t>We will use fork-join parallelism, where we assume independent expressions are executed at the same time. Execution joins back together before proceeding to expressions that depend on both.</a:t>
+            </a:r>
+          </a:p>
+          <a:p>
+            <a:r>
+              <a:rPr lang="en-US" dirty="0"/>
+              <a:t>Is there a limit on how fast code runs if we have all the processors we could ask for? Yes, this limit is called its </a:t>
+            </a:r>
+            <a:r>
+              <a:rPr lang="en-US" b="1" dirty="0"/>
+              <a:t>depth</a:t>
+            </a:r>
+            <a:r>
+              <a:rPr lang="en-US" dirty="0"/>
               <a:t> </a:t>
             </a:r>
-            <a:r>
-              <a:rPr lang="en-US" dirty="0"/>
-              <a:t>then W(e) = D(e)</a:t>
-            </a:r>
-            <a:br>
-              <a:rPr lang="en-US" dirty="0"/>
-            </a:br>
-            <a:r>
-              <a:rPr lang="en-US" dirty="0"/>
-              <a:t>But many problems can be solved in much lower depth than work:</a:t>
-            </a:r>
-          </a:p>
-          <a:p>
-            <a:pPr lvl="1"/>
-            <a:r>
-              <a:rPr lang="en-US" dirty="0"/>
-              <a:t>e.g. W(Sort(n)) is O(n log n), D(Sort(n)) is O(log(n)^2), using trees</a:t>
-            </a:r>
+            <a:endParaRPr lang="en-US" b="1" dirty="0"/>
           </a:p>
         </p:txBody>
       </p:sp>
@@ -11389,7 +12617,7 @@
           <p:cNvPr id="4" name="Slide Number Placeholder 3">
             <a:extLst>
               <a:ext uri="{FF2B5EF4-FFF2-40B4-BE49-F238E27FC236}">
-                <a16:creationId xmlns:a16="http://schemas.microsoft.com/office/drawing/2014/main" id="{99547BA5-66DB-6AD0-2047-F6C77D8D0970}"/>
+                <a16:creationId xmlns:a16="http://schemas.microsoft.com/office/drawing/2014/main" id="{C7B7C379-3825-8FB9-17C2-02353C375C23}"/>
               </a:ext>
             </a:extLst>
           </p:cNvPr>
@@ -11416,7 +12644,7 @@
     </p:spTree>
     <p:extLst>
       <p:ext uri="{BB962C8B-B14F-4D97-AF65-F5344CB8AC3E}">
-        <p14:creationId xmlns:p14="http://schemas.microsoft.com/office/powerpoint/2010/main" val="164910630"/>
+        <p14:creationId xmlns:p14="http://schemas.microsoft.com/office/powerpoint/2010/main" val="111168421"/>
       </p:ext>
     </p:extLst>
   </p:cSld>
@@ -11466,7 +12694,7 @@
           <a:p>
             <a:r>
               <a:rPr lang="en-US" dirty="0"/>
-              <a:t>Computing Work – Main Ideas</a:t>
+              <a:t>Depth</a:t>
             </a:r>
           </a:p>
         </p:txBody>
@@ -11489,88 +12717,82 @@
         </p:nvSpPr>
         <p:spPr/>
         <p:txBody>
-          <a:bodyPr/>
+          <a:bodyPr>
+            <a:normAutofit/>
+          </a:bodyPr>
           <a:lstStyle/>
           <a:p>
             <a:r>
               <a:rPr lang="en-US" dirty="0"/>
-              <a:t>The work W(e) of an expression is always the number of steps</a:t>
+              <a:t>The </a:t>
+            </a:r>
+            <a:r>
+              <a:rPr lang="en-US" b="1" dirty="0"/>
+              <a:t>depth </a:t>
+            </a:r>
+            <a:r>
+              <a:rPr lang="en-US" dirty="0"/>
+              <a:t>of an expression </a:t>
+            </a:r>
+            <a:r>
+              <a:rPr lang="en-US" i="1" dirty="0"/>
+              <a:t>e, </a:t>
+            </a:r>
+            <a:r>
+              <a:rPr lang="en-US" dirty="0"/>
+              <a:t>written D(e) is the time it would take to run </a:t>
+            </a:r>
+            <a:r>
+              <a:rPr lang="en-US" i="1" dirty="0"/>
+              <a:t>e</a:t>
+            </a:r>
+            <a:r>
+              <a:rPr lang="en-US" dirty="0"/>
+              <a:t> if you have as many processors as you can ask for. If </a:t>
+            </a:r>
+            <a:r>
+              <a:rPr lang="en-US" i="1" dirty="0"/>
+              <a:t>e</a:t>
+            </a:r>
+            <a:r>
+              <a:rPr lang="en-US" dirty="0"/>
+              <a:t> loops forever, depth is infinite. We write “D(e1) is O(e2)” to mean the depth of e1 is on the order of e2.</a:t>
+            </a:r>
+          </a:p>
+          <a:p>
+            <a:r>
+              <a:rPr lang="en-US" dirty="0"/>
+              <a:t>If an expression </a:t>
+            </a:r>
+            <a:r>
+              <a:rPr lang="en-US" i="1" dirty="0"/>
+              <a:t>e</a:t>
+            </a:r>
+            <a:r>
+              <a:rPr lang="en-US" dirty="0"/>
+              <a:t> is completely sequential,</a:t>
+            </a:r>
+            <a:r>
+              <a:rPr lang="en-US" i="1" dirty="0"/>
+              <a:t> </a:t>
+            </a:r>
+            <a:r>
+              <a:rPr lang="en-US" dirty="0"/>
+              <a:t>then W(e) = D(e)</a:t>
+            </a:r>
+            <a:br>
+              <a:rPr lang="en-US" dirty="0"/>
+            </a:br>
+            <a:r>
+              <a:rPr lang="en-US" dirty="0"/>
+              <a:t>But many problems can be solved in much lower depth than work:</a:t>
             </a:r>
           </a:p>
           <a:p>
             <a:pPr lvl="1"/>
             <a:r>
               <a:rPr lang="en-US" dirty="0"/>
-              <a:t>For values </a:t>
-            </a:r>
-            <a:r>
-              <a:rPr lang="en-US" i="1" dirty="0"/>
-              <a:t>v,</a:t>
-            </a:r>
-            <a:r>
-              <a:rPr lang="en-US" dirty="0"/>
-              <a:t> we consider the work to be 1, e.g., W(num) = 1</a:t>
-            </a:r>
-          </a:p>
-          <a:p>
-            <a:pPr lvl="1"/>
-            <a:r>
-              <a:rPr lang="en-US" dirty="0"/>
-              <a:t>Let op(e1, …, </a:t>
-            </a:r>
-            <a:r>
-              <a:rPr lang="en-US" dirty="0" err="1"/>
-              <a:t>eN</a:t>
-            </a:r>
-            <a:r>
-              <a:rPr lang="en-US" dirty="0"/>
-              <a:t>) stand for any compound expression (not just operators)</a:t>
-            </a:r>
-          </a:p>
-          <a:p>
-            <a:pPr lvl="2"/>
-            <a:r>
-              <a:rPr lang="en-US" dirty="0"/>
-              <a:t>Then W(</a:t>
-            </a:r>
-            <a:r>
-              <a:rPr lang="en-US" dirty="0" err="1"/>
-              <a:t>eK</a:t>
-            </a:r>
-            <a:r>
-              <a:rPr lang="en-US" dirty="0"/>
-              <a:t>) is the work of the </a:t>
-            </a:r>
-            <a:r>
-              <a:rPr lang="en-US" dirty="0" err="1"/>
-              <a:t>k’th</a:t>
-            </a:r>
-            <a:r>
-              <a:rPr lang="en-US" dirty="0"/>
-              <a:t> operand</a:t>
-            </a:r>
-          </a:p>
-          <a:p>
-            <a:pPr lvl="2"/>
-            <a:r>
-              <a:rPr lang="en-US" dirty="0"/>
-              <a:t>And W(op(e1,…,</a:t>
-            </a:r>
-            <a:r>
-              <a:rPr lang="en-US" dirty="0" err="1"/>
-              <a:t>eN</a:t>
-            </a:r>
-            <a:r>
-              <a:rPr lang="en-US" dirty="0"/>
-              <a:t>)) = 1 + W(e1) + … + W(</a:t>
-            </a:r>
-            <a:r>
-              <a:rPr lang="en-US" dirty="0" err="1"/>
-              <a:t>eN</a:t>
-            </a:r>
-            <a:r>
-              <a:rPr lang="en-US" dirty="0"/>
-              <a:t>)</a:t>
+              <a:t>e.g. W(Sort(n)) is O(n log n), D(Sort(n)) is O(log(n)^2), using trees</a:t>
             </a:r>
           </a:p>
         </p:txBody>
@@ -11607,7 +12829,7 @@
     </p:spTree>
     <p:extLst>
       <p:ext uri="{BB962C8B-B14F-4D97-AF65-F5344CB8AC3E}">
-        <p14:creationId xmlns:p14="http://schemas.microsoft.com/office/powerpoint/2010/main" val="4034875622"/>
+        <p14:creationId xmlns:p14="http://schemas.microsoft.com/office/powerpoint/2010/main" val="164910630"/>
       </p:ext>
     </p:extLst>
   </p:cSld>
@@ -11639,6 +12861,211 @@
           <p:cNvPr id="2" name="Title 1">
             <a:extLst>
               <a:ext uri="{FF2B5EF4-FFF2-40B4-BE49-F238E27FC236}">
+                <a16:creationId xmlns:a16="http://schemas.microsoft.com/office/drawing/2014/main" id="{77AC9ED7-AD27-7AD0-3006-44C438F0F124}"/>
+              </a:ext>
+            </a:extLst>
+          </p:cNvPr>
+          <p:cNvSpPr>
+            <a:spLocks noGrp="1"/>
+          </p:cNvSpPr>
+          <p:nvPr>
+            <p:ph type="title"/>
+          </p:nvPr>
+        </p:nvSpPr>
+        <p:spPr/>
+        <p:txBody>
+          <a:bodyPr/>
+          <a:lstStyle/>
+          <a:p>
+            <a:r>
+              <a:rPr lang="en-US" dirty="0"/>
+              <a:t>Computing Depth – Main Ideas</a:t>
+            </a:r>
+          </a:p>
+        </p:txBody>
+      </p:sp>
+      <p:sp>
+        <p:nvSpPr>
+          <p:cNvPr id="3" name="Content Placeholder 2">
+            <a:extLst>
+              <a:ext uri="{FF2B5EF4-FFF2-40B4-BE49-F238E27FC236}">
+                <a16:creationId xmlns:a16="http://schemas.microsoft.com/office/drawing/2014/main" id="{A844DA7D-F623-0D5A-86DA-6F52D40BE786}"/>
+              </a:ext>
+            </a:extLst>
+          </p:cNvPr>
+          <p:cNvSpPr>
+            <a:spLocks noGrp="1"/>
+          </p:cNvSpPr>
+          <p:nvPr>
+            <p:ph idx="1"/>
+          </p:nvPr>
+        </p:nvSpPr>
+        <p:spPr/>
+        <p:txBody>
+          <a:bodyPr/>
+          <a:lstStyle/>
+          <a:p>
+            <a:r>
+              <a:rPr lang="en-US" dirty="0"/>
+              <a:t>The work D(e) of an expression is parallel running time</a:t>
+            </a:r>
+          </a:p>
+          <a:p>
+            <a:pPr lvl="1"/>
+            <a:r>
+              <a:rPr lang="en-US" dirty="0"/>
+              <a:t>For values </a:t>
+            </a:r>
+            <a:r>
+              <a:rPr lang="en-US" i="1" dirty="0"/>
+              <a:t>v,</a:t>
+            </a:r>
+            <a:r>
+              <a:rPr lang="en-US" dirty="0"/>
+              <a:t> we consider the depth to be 1, e.g., D(num) = 1</a:t>
+            </a:r>
+          </a:p>
+          <a:p>
+            <a:pPr lvl="1"/>
+            <a:r>
+              <a:rPr lang="en-US" dirty="0"/>
+              <a:t>Let op(e1, …, </a:t>
+            </a:r>
+            <a:r>
+              <a:rPr lang="en-US" dirty="0" err="1"/>
+              <a:t>eN</a:t>
+            </a:r>
+            <a:r>
+              <a:rPr lang="en-US" dirty="0"/>
+              <a:t>) stand for any compound expression (not just operators)</a:t>
+            </a:r>
+          </a:p>
+          <a:p>
+            <a:pPr lvl="2"/>
+            <a:r>
+              <a:rPr lang="en-US" dirty="0"/>
+              <a:t>Then D(</a:t>
+            </a:r>
+            <a:r>
+              <a:rPr lang="en-US" dirty="0" err="1"/>
+              <a:t>eK</a:t>
+            </a:r>
+            <a:r>
+              <a:rPr lang="en-US" dirty="0"/>
+              <a:t>) is the work of the </a:t>
+            </a:r>
+            <a:r>
+              <a:rPr lang="en-US" dirty="0" err="1"/>
+              <a:t>k’th</a:t>
+            </a:r>
+            <a:r>
+              <a:rPr lang="en-US" dirty="0"/>
+              <a:t> operand</a:t>
+            </a:r>
+          </a:p>
+          <a:p>
+            <a:pPr lvl="2"/>
+            <a:r>
+              <a:rPr lang="en-US" dirty="0"/>
+              <a:t>And D(op(e1,…,</a:t>
+            </a:r>
+            <a:r>
+              <a:rPr lang="en-US" dirty="0" err="1"/>
+              <a:t>eN</a:t>
+            </a:r>
+            <a:r>
+              <a:rPr lang="en-US" dirty="0"/>
+              <a:t>)) = 1 + max(D(e1), …, D(</a:t>
+            </a:r>
+            <a:r>
+              <a:rPr lang="en-US" dirty="0" err="1"/>
+              <a:t>eN</a:t>
+            </a:r>
+            <a:r>
+              <a:rPr lang="en-US" dirty="0"/>
+              <a:t>))</a:t>
+            </a:r>
+          </a:p>
+          <a:p>
+            <a:pPr lvl="1"/>
+            <a:r>
+              <a:rPr lang="en-US" dirty="0"/>
+              <a:t>What about e1(e2), i.e., expression e1 depends on e2?</a:t>
+            </a:r>
+          </a:p>
+          <a:p>
+            <a:pPr lvl="2"/>
+            <a:r>
+              <a:rPr lang="en-US" dirty="0"/>
+              <a:t>D(e1(e2)) = D(e1) + D(e2), must do e2 before e1</a:t>
+            </a:r>
+          </a:p>
+        </p:txBody>
+      </p:sp>
+      <p:sp>
+        <p:nvSpPr>
+          <p:cNvPr id="4" name="Slide Number Placeholder 3">
+            <a:extLst>
+              <a:ext uri="{FF2B5EF4-FFF2-40B4-BE49-F238E27FC236}">
+                <a16:creationId xmlns:a16="http://schemas.microsoft.com/office/drawing/2014/main" id="{99547BA5-66DB-6AD0-2047-F6C77D8D0970}"/>
+              </a:ext>
+            </a:extLst>
+          </p:cNvPr>
+          <p:cNvSpPr>
+            <a:spLocks noGrp="1"/>
+          </p:cNvSpPr>
+          <p:nvPr>
+            <p:ph type="sldNum" sz="quarter" idx="12"/>
+          </p:nvPr>
+        </p:nvSpPr>
+        <p:spPr/>
+        <p:txBody>
+          <a:bodyPr/>
+          <a:lstStyle/>
+          <a:p>
+            <a:fld id="{9BF27F29-4B64-4A24-936A-FF41C34C242B}" type="slidenum">
+              <a:rPr lang="en-US" smtClean="0"/>
+              <a:t>26</a:t>
+            </a:fld>
+            <a:endParaRPr lang="en-US"/>
+          </a:p>
+        </p:txBody>
+      </p:sp>
+    </p:spTree>
+    <p:extLst>
+      <p:ext uri="{BB962C8B-B14F-4D97-AF65-F5344CB8AC3E}">
+        <p14:creationId xmlns:p14="http://schemas.microsoft.com/office/powerpoint/2010/main" val="4034875622"/>
+      </p:ext>
+    </p:extLst>
+  </p:cSld>
+  <p:clrMapOvr>
+    <a:masterClrMapping/>
+  </p:clrMapOvr>
+</p:sld>
+</file>
+
+<file path=ppt/slides/slide27.xml><?xml version="1.0" encoding="utf-8"?>
+<p:sld xmlns:a="http://schemas.openxmlformats.org/drawingml/2006/main" xmlns:r="http://schemas.openxmlformats.org/officeDocument/2006/relationships" xmlns:p="http://schemas.openxmlformats.org/presentationml/2006/main">
+  <p:cSld>
+    <p:spTree>
+      <p:nvGrpSpPr>
+        <p:cNvPr id="1" name=""/>
+        <p:cNvGrpSpPr/>
+        <p:nvPr/>
+      </p:nvGrpSpPr>
+      <p:grpSpPr>
+        <a:xfrm>
+          <a:off x="0" y="0"/>
+          <a:ext cx="0" cy="0"/>
+          <a:chOff x="0" y="0"/>
+          <a:chExt cx="0" cy="0"/>
+        </a:xfrm>
+      </p:grpSpPr>
+      <p:sp>
+        <p:nvSpPr>
+          <p:cNvPr id="2" name="Title 1">
+            <a:extLst>
+              <a:ext uri="{FF2B5EF4-FFF2-40B4-BE49-F238E27FC236}">
                 <a16:creationId xmlns:a16="http://schemas.microsoft.com/office/drawing/2014/main" id="{AF325E26-EA7E-BD4A-79A2-D1CEDD79FCEF}"/>
               </a:ext>
             </a:extLst>
@@ -11744,7 +13171,7 @@
           <a:p>
             <a:fld id="{9BF27F29-4B64-4A24-936A-FF41C34C242B}" type="slidenum">
               <a:rPr lang="en-US" smtClean="0"/>
-              <a:t>26</a:t>
+              <a:t>27</a:t>
             </a:fld>
             <a:endParaRPr lang="en-US"/>
           </a:p>
@@ -12836,7 +14263,7 @@
 </p:sld>
 </file>
 
-<file path=ppt/slides/slide27.xml><?xml version="1.0" encoding="utf-8"?>
+<file path=ppt/slides/slide28.xml><?xml version="1.0" encoding="utf-8"?>
 <p:sld xmlns:a="http://schemas.openxmlformats.org/drawingml/2006/main" xmlns:r="http://schemas.openxmlformats.org/officeDocument/2006/relationships" xmlns:p="http://schemas.openxmlformats.org/presentationml/2006/main">
   <p:cSld>
     <p:spTree>
@@ -12958,7 +14385,7 @@
           <a:p>
             <a:fld id="{9BF27F29-4B64-4A24-936A-FF41C34C242B}" type="slidenum">
               <a:rPr lang="en-US" smtClean="0"/>
-              <a:t>27</a:t>
+              <a:t>28</a:t>
             </a:fld>
             <a:endParaRPr lang="en-US"/>
           </a:p>
@@ -14074,151 +15501,6 @@
 </p:sld>
 </file>
 
-<file path=ppt/slides/slide28.xml><?xml version="1.0" encoding="utf-8"?>
-<p:sld xmlns:a="http://schemas.openxmlformats.org/drawingml/2006/main" xmlns:r="http://schemas.openxmlformats.org/officeDocument/2006/relationships" xmlns:p="http://schemas.openxmlformats.org/presentationml/2006/main">
-  <p:cSld>
-    <p:spTree>
-      <p:nvGrpSpPr>
-        <p:cNvPr id="1" name=""/>
-        <p:cNvGrpSpPr/>
-        <p:nvPr/>
-      </p:nvGrpSpPr>
-      <p:grpSpPr>
-        <a:xfrm>
-          <a:off x="0" y="0"/>
-          <a:ext cx="0" cy="0"/>
-          <a:chOff x="0" y="0"/>
-          <a:chExt cx="0" cy="0"/>
-        </a:xfrm>
-      </p:grpSpPr>
-      <p:sp>
-        <p:nvSpPr>
-          <p:cNvPr id="2" name="Title 1">
-            <a:extLst>
-              <a:ext uri="{FF2B5EF4-FFF2-40B4-BE49-F238E27FC236}">
-                <a16:creationId xmlns:a16="http://schemas.microsoft.com/office/drawing/2014/main" id="{3356B864-AB66-67B5-034B-AF56B350267C}"/>
-              </a:ext>
-            </a:extLst>
-          </p:cNvPr>
-          <p:cNvSpPr>
-            <a:spLocks noGrp="1"/>
-          </p:cNvSpPr>
-          <p:nvPr>
-            <p:ph type="title"/>
-          </p:nvPr>
-        </p:nvSpPr>
-        <p:spPr/>
-        <p:txBody>
-          <a:bodyPr/>
-          <a:lstStyle/>
-          <a:p>
-            <a:r>
-              <a:rPr lang="en-US" dirty="0"/>
-              <a:t>Parallel Cost Semantics: Theorems</a:t>
-            </a:r>
-          </a:p>
-        </p:txBody>
-      </p:sp>
-      <p:sp>
-        <p:nvSpPr>
-          <p:cNvPr id="3" name="Content Placeholder 2">
-            <a:extLst>
-              <a:ext uri="{FF2B5EF4-FFF2-40B4-BE49-F238E27FC236}">
-                <a16:creationId xmlns:a16="http://schemas.microsoft.com/office/drawing/2014/main" id="{A45D9990-BAF0-9877-3B69-9E568EA22882}"/>
-              </a:ext>
-            </a:extLst>
-          </p:cNvPr>
-          <p:cNvSpPr>
-            <a:spLocks noGrp="1"/>
-          </p:cNvSpPr>
-          <p:nvPr>
-            <p:ph idx="1"/>
-          </p:nvPr>
-        </p:nvSpPr>
-        <p:spPr/>
-        <p:txBody>
-          <a:bodyPr/>
-          <a:lstStyle/>
-          <a:p>
-            <a:r>
-              <a:rPr lang="en-US" b="1" dirty="0"/>
-              <a:t>Theorem:</a:t>
-            </a:r>
-            <a:r>
-              <a:rPr lang="en-US" dirty="0"/>
-              <a:t> Let D be the formal derivation of judgement E  ⊢ e ↪ v ∈ (</a:t>
-            </a:r>
-            <a:r>
-              <a:rPr lang="en-US" dirty="0" err="1"/>
-              <a:t>w,d</a:t>
-            </a:r>
-            <a:r>
-              <a:rPr lang="en-US" dirty="0"/>
-              <a:t>), then the number of nodes (rule applications) in derivation D is exactly w and the height of D (number of rule applications on longest path from root to leaf) is exactly d. </a:t>
-            </a:r>
-          </a:p>
-          <a:p>
-            <a:r>
-              <a:rPr lang="en-US" b="1" dirty="0"/>
-              <a:t>Theorem:</a:t>
-            </a:r>
-            <a:r>
-              <a:rPr lang="en-US" dirty="0"/>
-              <a:t>  Let  E  ⊢ e ↦ₙ e’  denote that in environment E, program e steps to program e’ in exactly n steps of small-step sequential semantics. The theorem states that whenever  E  ⊢ e ↪ v ∈ (m, d)  holds, then  E  ⊢ e ↦ₙ e’  holds for some  </a:t>
-            </a:r>
-            <a:r>
-              <a:rPr lang="en-US" dirty="0" err="1"/>
-              <a:t>n≤m</a:t>
-            </a:r>
-            <a:r>
-              <a:rPr lang="en-US" dirty="0"/>
-              <a:t>. </a:t>
-            </a:r>
-          </a:p>
-        </p:txBody>
-      </p:sp>
-      <p:sp>
-        <p:nvSpPr>
-          <p:cNvPr id="4" name="Slide Number Placeholder 3">
-            <a:extLst>
-              <a:ext uri="{FF2B5EF4-FFF2-40B4-BE49-F238E27FC236}">
-                <a16:creationId xmlns:a16="http://schemas.microsoft.com/office/drawing/2014/main" id="{93718195-2C81-6B36-98AD-0E2D46669C98}"/>
-              </a:ext>
-            </a:extLst>
-          </p:cNvPr>
-          <p:cNvSpPr>
-            <a:spLocks noGrp="1"/>
-          </p:cNvSpPr>
-          <p:nvPr>
-            <p:ph type="sldNum" sz="quarter" idx="12"/>
-          </p:nvPr>
-        </p:nvSpPr>
-        <p:spPr/>
-        <p:txBody>
-          <a:bodyPr/>
-          <a:lstStyle/>
-          <a:p>
-            <a:fld id="{9BF27F29-4B64-4A24-936A-FF41C34C242B}" type="slidenum">
-              <a:rPr lang="en-US" smtClean="0"/>
-              <a:t>28</a:t>
-            </a:fld>
-            <a:endParaRPr lang="en-US"/>
-          </a:p>
-        </p:txBody>
-      </p:sp>
-    </p:spTree>
-    <p:extLst>
-      <p:ext uri="{BB962C8B-B14F-4D97-AF65-F5344CB8AC3E}">
-        <p14:creationId xmlns:p14="http://schemas.microsoft.com/office/powerpoint/2010/main" val="130130796"/>
-      </p:ext>
-    </p:extLst>
-  </p:cSld>
-  <p:clrMapOvr>
-    <a:masterClrMapping/>
-  </p:clrMapOvr>
-</p:sld>
-</file>
-
 <file path=ppt/slides/slide29.xml><?xml version="1.0" encoding="utf-8"?>
 <p:sld xmlns:a="http://schemas.openxmlformats.org/drawingml/2006/main" xmlns:r="http://schemas.openxmlformats.org/officeDocument/2006/relationships" xmlns:p="http://schemas.openxmlformats.org/presentationml/2006/main">
   <p:cSld>
@@ -14241,7 +15523,7 @@
           <p:cNvPr id="2" name="Title 1">
             <a:extLst>
               <a:ext uri="{FF2B5EF4-FFF2-40B4-BE49-F238E27FC236}">
-                <a16:creationId xmlns:a16="http://schemas.microsoft.com/office/drawing/2014/main" id="{06F603A7-6A38-001C-1D7E-A9263FDA0001}"/>
+                <a16:creationId xmlns:a16="http://schemas.microsoft.com/office/drawing/2014/main" id="{3356B864-AB66-67B5-034B-AF56B350267C}"/>
               </a:ext>
             </a:extLst>
           </p:cNvPr>
@@ -14259,7 +15541,7 @@
           <a:p>
             <a:r>
               <a:rPr lang="en-US" dirty="0"/>
-              <a:t>Example</a:t>
+              <a:t>Parallel Cost Semantics: Theorems</a:t>
             </a:r>
           </a:p>
         </p:txBody>
@@ -14269,7 +15551,7 @@
           <p:cNvPr id="3" name="Content Placeholder 2">
             <a:extLst>
               <a:ext uri="{FF2B5EF4-FFF2-40B4-BE49-F238E27FC236}">
-                <a16:creationId xmlns:a16="http://schemas.microsoft.com/office/drawing/2014/main" id="{199AEAF5-5157-176C-FE6C-3E4907F06C02}"/>
+                <a16:creationId xmlns:a16="http://schemas.microsoft.com/office/drawing/2014/main" id="{A45D9990-BAF0-9877-3B69-9E568EA22882}"/>
               </a:ext>
             </a:extLst>
           </p:cNvPr>
@@ -14285,7 +15567,40 @@
           <a:bodyPr/>
           <a:lstStyle/>
           <a:p>
-            <a:endParaRPr lang="en-US"/>
+            <a:r>
+              <a:rPr lang="en-US" b="1" dirty="0"/>
+              <a:t>Theorem:</a:t>
+            </a:r>
+            <a:r>
+              <a:rPr lang="en-US" dirty="0"/>
+              <a:t> Let D be the formal derivation of judgement E  ⊢ e ↪ v ∈ (</a:t>
+            </a:r>
+            <a:r>
+              <a:rPr lang="en-US" dirty="0" err="1"/>
+              <a:t>w,d</a:t>
+            </a:r>
+            <a:r>
+              <a:rPr lang="en-US" dirty="0"/>
+              <a:t>), then the number of nodes (rule applications) in derivation D is exactly w and the height of D (number of rule applications on longest path from root to leaf) is exactly d. </a:t>
+            </a:r>
+          </a:p>
+          <a:p>
+            <a:r>
+              <a:rPr lang="en-US" b="1" dirty="0"/>
+              <a:t>Theorem:</a:t>
+            </a:r>
+            <a:r>
+              <a:rPr lang="en-US" dirty="0"/>
+              <a:t>  Let  E  ⊢ e ↦ₙ e’  denote that in environment E, program e steps to program e’ in exactly n steps of small-step sequential semantics. The theorem states that whenever  E  ⊢ e ↪ v ∈ (m, d)  holds, then  E  ⊢ e ↦ₙ e’  holds for some  </a:t>
+            </a:r>
+            <a:r>
+              <a:rPr lang="en-US" dirty="0" err="1"/>
+              <a:t>n≤m</a:t>
+            </a:r>
+            <a:r>
+              <a:rPr lang="en-US" dirty="0"/>
+              <a:t>. </a:t>
+            </a:r>
           </a:p>
         </p:txBody>
       </p:sp>
@@ -14294,7 +15609,7 @@
           <p:cNvPr id="4" name="Slide Number Placeholder 3">
             <a:extLst>
               <a:ext uri="{FF2B5EF4-FFF2-40B4-BE49-F238E27FC236}">
-                <a16:creationId xmlns:a16="http://schemas.microsoft.com/office/drawing/2014/main" id="{D9122EA0-6287-99A2-967D-B6418B11459C}"/>
+                <a16:creationId xmlns:a16="http://schemas.microsoft.com/office/drawing/2014/main" id="{93718195-2C81-6B36-98AD-0E2D46669C98}"/>
               </a:ext>
             </a:extLst>
           </p:cNvPr>
@@ -14321,7 +15636,7 @@
     </p:spTree>
     <p:extLst>
       <p:ext uri="{BB962C8B-B14F-4D97-AF65-F5344CB8AC3E}">
-        <p14:creationId xmlns:p14="http://schemas.microsoft.com/office/powerpoint/2010/main" val="2850756516"/>
+        <p14:creationId xmlns:p14="http://schemas.microsoft.com/office/powerpoint/2010/main" val="130130796"/>
       </p:ext>
     </p:extLst>
   </p:cSld>
@@ -14515,6 +15830,1191 @@
           <p:cNvPr id="2" name="Title 1">
             <a:extLst>
               <a:ext uri="{FF2B5EF4-FFF2-40B4-BE49-F238E27FC236}">
+                <a16:creationId xmlns:a16="http://schemas.microsoft.com/office/drawing/2014/main" id="{1A925675-C503-CE37-D981-4A7DB11F9ECF}"/>
+              </a:ext>
+            </a:extLst>
+          </p:cNvPr>
+          <p:cNvSpPr>
+            <a:spLocks noGrp="1"/>
+          </p:cNvSpPr>
+          <p:nvPr>
+            <p:ph type="title"/>
+          </p:nvPr>
+        </p:nvSpPr>
+        <p:spPr/>
+        <p:txBody>
+          <a:bodyPr/>
+          <a:lstStyle/>
+          <a:p>
+            <a:r>
+              <a:rPr lang="en-US" dirty="0"/>
+              <a:t>Example</a:t>
+            </a:r>
+          </a:p>
+        </p:txBody>
+      </p:sp>
+      <p:sp>
+        <p:nvSpPr>
+          <p:cNvPr id="3" name="Content Placeholder 2">
+            <a:extLst>
+              <a:ext uri="{FF2B5EF4-FFF2-40B4-BE49-F238E27FC236}">
+                <a16:creationId xmlns:a16="http://schemas.microsoft.com/office/drawing/2014/main" id="{8295E653-8F94-6DCA-CC15-BC1714F9599B}"/>
+              </a:ext>
+            </a:extLst>
+          </p:cNvPr>
+          <p:cNvSpPr>
+            <a:spLocks noGrp="1"/>
+          </p:cNvSpPr>
+          <p:nvPr>
+            <p:ph idx="1"/>
+          </p:nvPr>
+        </p:nvSpPr>
+        <p:spPr>
+          <a:xfrm>
+            <a:off x="1097280" y="1845734"/>
+            <a:ext cx="6278880" cy="4023360"/>
+          </a:xfrm>
+        </p:spPr>
+        <p:txBody>
+          <a:bodyPr/>
+          <a:lstStyle/>
+          <a:p>
+            <a:r>
+              <a:rPr lang="en-US" b="0" i="0" dirty="0">
+                <a:solidFill>
+                  <a:schemeClr val="tx1"/>
+                </a:solidFill>
+                <a:effectLst/>
+                <a:latin typeface="Source Sans Pro" panose="020B0503030403020204" pitchFamily="34" charset="0"/>
+              </a:rPr>
+              <a:t>W(pow2(0)) = 5</a:t>
+            </a:r>
+            <a:br>
+              <a:rPr lang="en-US" b="0" i="0" dirty="0">
+                <a:solidFill>
+                  <a:schemeClr val="tx1"/>
+                </a:solidFill>
+                <a:effectLst/>
+                <a:latin typeface="Source Sans Pro" panose="020B0503030403020204" pitchFamily="34" charset="0"/>
+              </a:rPr>
+            </a:br>
+            <a:r>
+              <a:rPr lang="en-US" b="0" i="0" dirty="0">
+                <a:solidFill>
+                  <a:schemeClr val="tx1"/>
+                </a:solidFill>
+                <a:effectLst/>
+                <a:latin typeface="Source Sans Pro" panose="020B0503030403020204" pitchFamily="34" charset="0"/>
+              </a:rPr>
+              <a:t>W(pow2(k)) &lt;= 23 + 2* pow2(k/2)</a:t>
+            </a:r>
+            <a:br>
+              <a:rPr lang="en-US" b="0" i="0" dirty="0">
+                <a:solidFill>
+                  <a:schemeClr val="tx1"/>
+                </a:solidFill>
+                <a:effectLst/>
+                <a:latin typeface="Source Sans Pro" panose="020B0503030403020204" pitchFamily="34" charset="0"/>
+              </a:rPr>
+            </a:br>
+            <a:r>
+              <a:rPr lang="en-US" b="0" i="0" dirty="0">
+                <a:solidFill>
+                  <a:schemeClr val="tx1"/>
+                </a:solidFill>
+                <a:effectLst/>
+                <a:latin typeface="Source Sans Pro" panose="020B0503030403020204" pitchFamily="34" charset="0"/>
+              </a:rPr>
+              <a:t>W(pow2(n)) is O(n)</a:t>
+            </a:r>
+            <a:endParaRPr lang="en-US" dirty="0"/>
+          </a:p>
+          <a:p>
+            <a:pPr marL="0" indent="0">
+              <a:buNone/>
+            </a:pPr>
+            <a:endParaRPr lang="en-US" dirty="0"/>
+          </a:p>
+          <a:p>
+            <a:pPr marL="0" indent="0">
+              <a:buNone/>
+            </a:pPr>
+            <a:endParaRPr lang="en-US" dirty="0"/>
+          </a:p>
+          <a:p>
+            <a:pPr marL="0" indent="0">
+              <a:buNone/>
+            </a:pPr>
+            <a:endParaRPr lang="en-US" dirty="0"/>
+          </a:p>
+          <a:p>
+            <a:endParaRPr lang="en-US" dirty="0"/>
+          </a:p>
+          <a:p>
+            <a:endParaRPr lang="en-US" dirty="0"/>
+          </a:p>
+        </p:txBody>
+      </p:sp>
+      <p:sp>
+        <p:nvSpPr>
+          <p:cNvPr id="4" name="Slide Number Placeholder 3">
+            <a:extLst>
+              <a:ext uri="{FF2B5EF4-FFF2-40B4-BE49-F238E27FC236}">
+                <a16:creationId xmlns:a16="http://schemas.microsoft.com/office/drawing/2014/main" id="{8116D2C5-0125-7085-684F-3E58529B8085}"/>
+              </a:ext>
+            </a:extLst>
+          </p:cNvPr>
+          <p:cNvSpPr>
+            <a:spLocks noGrp="1"/>
+          </p:cNvSpPr>
+          <p:nvPr>
+            <p:ph type="sldNum" sz="quarter" idx="12"/>
+          </p:nvPr>
+        </p:nvSpPr>
+        <p:spPr/>
+        <p:txBody>
+          <a:bodyPr/>
+          <a:lstStyle/>
+          <a:p>
+            <a:fld id="{9BF27F29-4B64-4A24-936A-FF41C34C242B}" type="slidenum">
+              <a:rPr lang="en-US" smtClean="0"/>
+              <a:t>30</a:t>
+            </a:fld>
+            <a:endParaRPr lang="en-US"/>
+          </a:p>
+        </p:txBody>
+      </p:sp>
+      <p:sp>
+        <p:nvSpPr>
+          <p:cNvPr id="5" name="Content Placeholder 2">
+            <a:extLst>
+              <a:ext uri="{FF2B5EF4-FFF2-40B4-BE49-F238E27FC236}">
+                <a16:creationId xmlns:a16="http://schemas.microsoft.com/office/drawing/2014/main" id="{3AC3B5F5-68E1-510F-EFDF-50B90C0B78E0}"/>
+              </a:ext>
+            </a:extLst>
+          </p:cNvPr>
+          <p:cNvSpPr txBox="1">
+            <a:spLocks/>
+          </p:cNvSpPr>
+          <p:nvPr/>
+        </p:nvSpPr>
+        <p:spPr>
+          <a:xfrm>
+            <a:off x="6778752" y="2050318"/>
+            <a:ext cx="5560106" cy="4023360"/>
+          </a:xfrm>
+          <a:prstGeom prst="rect">
+            <a:avLst/>
+          </a:prstGeom>
+        </p:spPr>
+        <p:txBody>
+          <a:bodyPr vert="horz" lIns="0" tIns="45720" rIns="0" bIns="45720" rtlCol="0">
+            <a:normAutofit/>
+          </a:bodyPr>
+          <a:lstStyle>
+            <a:lvl1pPr marL="91440" indent="-91440" algn="l" defTabSz="914400" rtl="0" eaLnBrk="1" latinLnBrk="0" hangingPunct="1">
+              <a:lnSpc>
+                <a:spcPct val="90000"/>
+              </a:lnSpc>
+              <a:spcBef>
+                <a:spcPts val="1200"/>
+              </a:spcBef>
+              <a:spcAft>
+                <a:spcPts val="200"/>
+              </a:spcAft>
+              <a:buClr>
+                <a:schemeClr val="accent1"/>
+              </a:buClr>
+              <a:buSzPct val="100000"/>
+              <a:buFont typeface="Calibri" panose="020F0502020204030204" pitchFamily="34" charset="0"/>
+              <a:buChar char=" "/>
+              <a:defRPr sz="2800" kern="1200">
+                <a:solidFill>
+                  <a:schemeClr val="tx1">
+                    <a:lumMod val="75000"/>
+                    <a:lumOff val="25000"/>
+                  </a:schemeClr>
+                </a:solidFill>
+                <a:latin typeface="+mn-lt"/>
+                <a:ea typeface="+mn-ea"/>
+                <a:cs typeface="+mn-cs"/>
+              </a:defRPr>
+            </a:lvl1pPr>
+            <a:lvl2pPr marL="384048" indent="-182880" algn="l" defTabSz="914400" rtl="0" eaLnBrk="1" latinLnBrk="0" hangingPunct="1">
+              <a:lnSpc>
+                <a:spcPct val="90000"/>
+              </a:lnSpc>
+              <a:spcBef>
+                <a:spcPts val="200"/>
+              </a:spcBef>
+              <a:spcAft>
+                <a:spcPts val="400"/>
+              </a:spcAft>
+              <a:buClr>
+                <a:schemeClr val="accent1"/>
+              </a:buClr>
+              <a:buFont typeface="Calibri" pitchFamily="34" charset="0"/>
+              <a:buChar char="◦"/>
+              <a:defRPr sz="2400" kern="1200">
+                <a:solidFill>
+                  <a:schemeClr val="tx1">
+                    <a:lumMod val="75000"/>
+                    <a:lumOff val="25000"/>
+                  </a:schemeClr>
+                </a:solidFill>
+                <a:latin typeface="+mn-lt"/>
+                <a:ea typeface="+mn-ea"/>
+                <a:cs typeface="+mn-cs"/>
+              </a:defRPr>
+            </a:lvl2pPr>
+            <a:lvl3pPr marL="566928" indent="-182880" algn="l" defTabSz="914400" rtl="0" eaLnBrk="1" latinLnBrk="0" hangingPunct="1">
+              <a:lnSpc>
+                <a:spcPct val="90000"/>
+              </a:lnSpc>
+              <a:spcBef>
+                <a:spcPts val="200"/>
+              </a:spcBef>
+              <a:spcAft>
+                <a:spcPts val="400"/>
+              </a:spcAft>
+              <a:buClr>
+                <a:schemeClr val="accent1"/>
+              </a:buClr>
+              <a:buFont typeface="Calibri" pitchFamily="34" charset="0"/>
+              <a:buChar char="◦"/>
+              <a:defRPr sz="2200" kern="1200">
+                <a:solidFill>
+                  <a:schemeClr val="tx1">
+                    <a:lumMod val="75000"/>
+                    <a:lumOff val="25000"/>
+                  </a:schemeClr>
+                </a:solidFill>
+                <a:latin typeface="+mn-lt"/>
+                <a:ea typeface="+mn-ea"/>
+                <a:cs typeface="+mn-cs"/>
+              </a:defRPr>
+            </a:lvl3pPr>
+            <a:lvl4pPr marL="749808" indent="-182880" algn="l" defTabSz="914400" rtl="0" eaLnBrk="1" latinLnBrk="0" hangingPunct="1">
+              <a:lnSpc>
+                <a:spcPct val="90000"/>
+              </a:lnSpc>
+              <a:spcBef>
+                <a:spcPts val="200"/>
+              </a:spcBef>
+              <a:spcAft>
+                <a:spcPts val="400"/>
+              </a:spcAft>
+              <a:buClr>
+                <a:schemeClr val="accent1"/>
+              </a:buClr>
+              <a:buFont typeface="Calibri" pitchFamily="34" charset="0"/>
+              <a:buChar char="◦"/>
+              <a:defRPr sz="2000" kern="1200">
+                <a:solidFill>
+                  <a:schemeClr val="tx1">
+                    <a:lumMod val="75000"/>
+                    <a:lumOff val="25000"/>
+                  </a:schemeClr>
+                </a:solidFill>
+                <a:latin typeface="+mn-lt"/>
+                <a:ea typeface="+mn-ea"/>
+                <a:cs typeface="+mn-cs"/>
+              </a:defRPr>
+            </a:lvl4pPr>
+            <a:lvl5pPr marL="932688" indent="-182880" algn="l" defTabSz="914400" rtl="0" eaLnBrk="1" latinLnBrk="0" hangingPunct="1">
+              <a:lnSpc>
+                <a:spcPct val="90000"/>
+              </a:lnSpc>
+              <a:spcBef>
+                <a:spcPts val="200"/>
+              </a:spcBef>
+              <a:spcAft>
+                <a:spcPts val="400"/>
+              </a:spcAft>
+              <a:buClr>
+                <a:schemeClr val="accent1"/>
+              </a:buClr>
+              <a:buFont typeface="Calibri" pitchFamily="34" charset="0"/>
+              <a:buChar char="◦"/>
+              <a:defRPr sz="1800" kern="1200">
+                <a:solidFill>
+                  <a:schemeClr val="tx1">
+                    <a:lumMod val="75000"/>
+                    <a:lumOff val="25000"/>
+                  </a:schemeClr>
+                </a:solidFill>
+                <a:latin typeface="+mn-lt"/>
+                <a:ea typeface="+mn-ea"/>
+                <a:cs typeface="+mn-cs"/>
+              </a:defRPr>
+            </a:lvl5pPr>
+            <a:lvl6pPr marL="1100000" indent="-228600" algn="l" defTabSz="914400" rtl="0" eaLnBrk="1" latinLnBrk="0" hangingPunct="1">
+              <a:lnSpc>
+                <a:spcPct val="90000"/>
+              </a:lnSpc>
+              <a:spcBef>
+                <a:spcPts val="200"/>
+              </a:spcBef>
+              <a:spcAft>
+                <a:spcPts val="400"/>
+              </a:spcAft>
+              <a:buClr>
+                <a:schemeClr val="accent1"/>
+              </a:buClr>
+              <a:buFont typeface="Calibri" pitchFamily="34" charset="0"/>
+              <a:buChar char="◦"/>
+              <a:defRPr sz="1400" kern="1200">
+                <a:solidFill>
+                  <a:schemeClr val="tx1">
+                    <a:lumMod val="75000"/>
+                    <a:lumOff val="25000"/>
+                  </a:schemeClr>
+                </a:solidFill>
+                <a:latin typeface="+mn-lt"/>
+                <a:ea typeface="+mn-ea"/>
+                <a:cs typeface="+mn-cs"/>
+              </a:defRPr>
+            </a:lvl6pPr>
+            <a:lvl7pPr marL="1300000" indent="-228600" algn="l" defTabSz="914400" rtl="0" eaLnBrk="1" latinLnBrk="0" hangingPunct="1">
+              <a:lnSpc>
+                <a:spcPct val="90000"/>
+              </a:lnSpc>
+              <a:spcBef>
+                <a:spcPts val="200"/>
+              </a:spcBef>
+              <a:spcAft>
+                <a:spcPts val="400"/>
+              </a:spcAft>
+              <a:buClr>
+                <a:schemeClr val="accent1"/>
+              </a:buClr>
+              <a:buFont typeface="Calibri" pitchFamily="34" charset="0"/>
+              <a:buChar char="◦"/>
+              <a:defRPr sz="1400" kern="1200">
+                <a:solidFill>
+                  <a:schemeClr val="tx1">
+                    <a:lumMod val="75000"/>
+                    <a:lumOff val="25000"/>
+                  </a:schemeClr>
+                </a:solidFill>
+                <a:latin typeface="+mn-lt"/>
+                <a:ea typeface="+mn-ea"/>
+                <a:cs typeface="+mn-cs"/>
+              </a:defRPr>
+            </a:lvl7pPr>
+            <a:lvl8pPr marL="1500000" indent="-228600" algn="l" defTabSz="914400" rtl="0" eaLnBrk="1" latinLnBrk="0" hangingPunct="1">
+              <a:lnSpc>
+                <a:spcPct val="90000"/>
+              </a:lnSpc>
+              <a:spcBef>
+                <a:spcPts val="200"/>
+              </a:spcBef>
+              <a:spcAft>
+                <a:spcPts val="400"/>
+              </a:spcAft>
+              <a:buClr>
+                <a:schemeClr val="accent1"/>
+              </a:buClr>
+              <a:buFont typeface="Calibri" pitchFamily="34" charset="0"/>
+              <a:buChar char="◦"/>
+              <a:defRPr sz="1400" kern="1200">
+                <a:solidFill>
+                  <a:schemeClr val="tx1">
+                    <a:lumMod val="75000"/>
+                    <a:lumOff val="25000"/>
+                  </a:schemeClr>
+                </a:solidFill>
+                <a:latin typeface="+mn-lt"/>
+                <a:ea typeface="+mn-ea"/>
+                <a:cs typeface="+mn-cs"/>
+              </a:defRPr>
+            </a:lvl8pPr>
+            <a:lvl9pPr marL="1700000" indent="-228600" algn="l" defTabSz="914400" rtl="0" eaLnBrk="1" latinLnBrk="0" hangingPunct="1">
+              <a:lnSpc>
+                <a:spcPct val="90000"/>
+              </a:lnSpc>
+              <a:spcBef>
+                <a:spcPts val="200"/>
+              </a:spcBef>
+              <a:spcAft>
+                <a:spcPts val="400"/>
+              </a:spcAft>
+              <a:buClr>
+                <a:schemeClr val="accent1"/>
+              </a:buClr>
+              <a:buFont typeface="Calibri" pitchFamily="34" charset="0"/>
+              <a:buChar char="◦"/>
+              <a:defRPr sz="1400" kern="1200">
+                <a:solidFill>
+                  <a:schemeClr val="tx1">
+                    <a:lumMod val="75000"/>
+                    <a:lumOff val="25000"/>
+                  </a:schemeClr>
+                </a:solidFill>
+                <a:latin typeface="+mn-lt"/>
+                <a:ea typeface="+mn-ea"/>
+                <a:cs typeface="+mn-cs"/>
+              </a:defRPr>
+            </a:lvl9pPr>
+          </a:lstStyle>
+          <a:p>
+            <a:endParaRPr lang="en-US" dirty="0">
+              <a:latin typeface="Consolas" panose="020B0609020204030204" pitchFamily="49" charset="0"/>
+            </a:endParaRPr>
+          </a:p>
+          <a:p>
+            <a:r>
+              <a:rPr lang="en-US" dirty="0">
+                <a:latin typeface="Consolas" panose="020B0609020204030204" pitchFamily="49" charset="0"/>
+              </a:rPr>
+              <a:t>fun pow2(k) =</a:t>
+            </a:r>
+            <a:br>
+              <a:rPr lang="en-US" dirty="0">
+                <a:latin typeface="Consolas" panose="020B0609020204030204" pitchFamily="49" charset="0"/>
+              </a:rPr>
+            </a:br>
+            <a:r>
+              <a:rPr lang="en-US" dirty="0">
+                <a:latin typeface="Consolas" panose="020B0609020204030204" pitchFamily="49" charset="0"/>
+              </a:rPr>
+              <a:t>  if k = 0 { 1 }</a:t>
+            </a:r>
+            <a:br>
+              <a:rPr lang="en-US" dirty="0">
+                <a:latin typeface="Consolas" panose="020B0609020204030204" pitchFamily="49" charset="0"/>
+              </a:rPr>
+            </a:br>
+            <a:r>
+              <a:rPr lang="en-US" dirty="0">
+                <a:latin typeface="Consolas" panose="020B0609020204030204" pitchFamily="49" charset="0"/>
+              </a:rPr>
+              <a:t>  else if k % 2 = 0 {</a:t>
+            </a:r>
+            <a:br>
+              <a:rPr lang="en-US" dirty="0">
+                <a:latin typeface="Consolas" panose="020B0609020204030204" pitchFamily="49" charset="0"/>
+              </a:rPr>
+            </a:br>
+            <a:r>
+              <a:rPr lang="en-US" dirty="0">
+                <a:latin typeface="Consolas" panose="020B0609020204030204" pitchFamily="49" charset="0"/>
+              </a:rPr>
+              <a:t>    pow2(k/2) * pow2(k/2)</a:t>
+            </a:r>
+            <a:br>
+              <a:rPr lang="en-US" dirty="0">
+                <a:latin typeface="Consolas" panose="020B0609020204030204" pitchFamily="49" charset="0"/>
+              </a:rPr>
+            </a:br>
+            <a:r>
+              <a:rPr lang="en-US" dirty="0">
+                <a:latin typeface="Consolas" panose="020B0609020204030204" pitchFamily="49" charset="0"/>
+              </a:rPr>
+              <a:t>  }</a:t>
+            </a:r>
+            <a:br>
+              <a:rPr lang="en-US" dirty="0">
+                <a:latin typeface="Consolas" panose="020B0609020204030204" pitchFamily="49" charset="0"/>
+              </a:rPr>
+            </a:br>
+            <a:r>
+              <a:rPr lang="en-US" dirty="0">
+                <a:latin typeface="Consolas" panose="020B0609020204030204" pitchFamily="49" charset="0"/>
+              </a:rPr>
+              <a:t>  else </a:t>
+            </a:r>
+            <a:br>
+              <a:rPr lang="en-US" dirty="0">
+                <a:latin typeface="Consolas" panose="020B0609020204030204" pitchFamily="49" charset="0"/>
+              </a:rPr>
+            </a:br>
+            <a:r>
+              <a:rPr lang="en-US" dirty="0">
+                <a:latin typeface="Consolas" panose="020B0609020204030204" pitchFamily="49" charset="0"/>
+              </a:rPr>
+              <a:t>    2*pow2((k-1)/2)</a:t>
+            </a:r>
+            <a:br>
+              <a:rPr lang="en-US" dirty="0">
+                <a:latin typeface="Consolas" panose="020B0609020204030204" pitchFamily="49" charset="0"/>
+              </a:rPr>
+            </a:br>
+            <a:r>
+              <a:rPr lang="en-US" dirty="0">
+                <a:latin typeface="Consolas" panose="020B0609020204030204" pitchFamily="49" charset="0"/>
+              </a:rPr>
+              <a:t>     *pow2((k-1)/2)</a:t>
+            </a:r>
+          </a:p>
+          <a:p>
+            <a:endParaRPr lang="en-US" dirty="0">
+              <a:latin typeface="Consolas" panose="020B0609020204030204" pitchFamily="49" charset="0"/>
+            </a:endParaRPr>
+          </a:p>
+          <a:p>
+            <a:endParaRPr lang="en-US" dirty="0">
+              <a:latin typeface="Consolas" panose="020B0609020204030204" pitchFamily="49" charset="0"/>
+            </a:endParaRPr>
+          </a:p>
+        </p:txBody>
+      </p:sp>
+    </p:spTree>
+    <p:extLst>
+      <p:ext uri="{BB962C8B-B14F-4D97-AF65-F5344CB8AC3E}">
+        <p14:creationId xmlns:p14="http://schemas.microsoft.com/office/powerpoint/2010/main" val="3676451578"/>
+      </p:ext>
+    </p:extLst>
+  </p:cSld>
+  <p:clrMapOvr>
+    <a:masterClrMapping/>
+  </p:clrMapOvr>
+</p:sld>
+</file>
+
+<file path=ppt/slides/slide31.xml><?xml version="1.0" encoding="utf-8"?>
+<p:sld xmlns:a="http://schemas.openxmlformats.org/drawingml/2006/main" xmlns:r="http://schemas.openxmlformats.org/officeDocument/2006/relationships" xmlns:p="http://schemas.openxmlformats.org/presentationml/2006/main">
+  <p:cSld>
+    <p:spTree>
+      <p:nvGrpSpPr>
+        <p:cNvPr id="1" name=""/>
+        <p:cNvGrpSpPr/>
+        <p:nvPr/>
+      </p:nvGrpSpPr>
+      <p:grpSpPr>
+        <a:xfrm>
+          <a:off x="0" y="0"/>
+          <a:ext cx="0" cy="0"/>
+          <a:chOff x="0" y="0"/>
+          <a:chExt cx="0" cy="0"/>
+        </a:xfrm>
+      </p:grpSpPr>
+      <p:sp>
+        <p:nvSpPr>
+          <p:cNvPr id="2" name="Title 1">
+            <a:extLst>
+              <a:ext uri="{FF2B5EF4-FFF2-40B4-BE49-F238E27FC236}">
+                <a16:creationId xmlns:a16="http://schemas.microsoft.com/office/drawing/2014/main" id="{1A925675-C503-CE37-D981-4A7DB11F9ECF}"/>
+              </a:ext>
+            </a:extLst>
+          </p:cNvPr>
+          <p:cNvSpPr>
+            <a:spLocks noGrp="1"/>
+          </p:cNvSpPr>
+          <p:nvPr>
+            <p:ph type="title"/>
+          </p:nvPr>
+        </p:nvSpPr>
+        <p:spPr/>
+        <p:txBody>
+          <a:bodyPr/>
+          <a:lstStyle/>
+          <a:p>
+            <a:r>
+              <a:rPr lang="en-US" dirty="0"/>
+              <a:t>Example</a:t>
+            </a:r>
+          </a:p>
+        </p:txBody>
+      </p:sp>
+      <p:sp>
+        <p:nvSpPr>
+          <p:cNvPr id="3" name="Content Placeholder 2">
+            <a:extLst>
+              <a:ext uri="{FF2B5EF4-FFF2-40B4-BE49-F238E27FC236}">
+                <a16:creationId xmlns:a16="http://schemas.microsoft.com/office/drawing/2014/main" id="{8295E653-8F94-6DCA-CC15-BC1714F9599B}"/>
+              </a:ext>
+            </a:extLst>
+          </p:cNvPr>
+          <p:cNvSpPr>
+            <a:spLocks noGrp="1"/>
+          </p:cNvSpPr>
+          <p:nvPr>
+            <p:ph idx="1"/>
+          </p:nvPr>
+        </p:nvSpPr>
+        <p:spPr>
+          <a:xfrm>
+            <a:off x="1097280" y="1845734"/>
+            <a:ext cx="6278880" cy="4023360"/>
+          </a:xfrm>
+        </p:spPr>
+        <p:txBody>
+          <a:bodyPr/>
+          <a:lstStyle/>
+          <a:p>
+            <a:r>
+              <a:rPr lang="en-US" b="0" i="0" dirty="0">
+                <a:solidFill>
+                  <a:schemeClr val="tx1"/>
+                </a:solidFill>
+                <a:effectLst/>
+                <a:latin typeface="Source Sans Pro" panose="020B0503030403020204" pitchFamily="34" charset="0"/>
+              </a:rPr>
+              <a:t>W(pow2(0)) = 5</a:t>
+            </a:r>
+            <a:br>
+              <a:rPr lang="en-US" b="0" i="0" dirty="0">
+                <a:solidFill>
+                  <a:schemeClr val="tx1"/>
+                </a:solidFill>
+                <a:effectLst/>
+                <a:latin typeface="Source Sans Pro" panose="020B0503030403020204" pitchFamily="34" charset="0"/>
+              </a:rPr>
+            </a:br>
+            <a:r>
+              <a:rPr lang="en-US" b="0" i="0" dirty="0">
+                <a:solidFill>
+                  <a:schemeClr val="tx1"/>
+                </a:solidFill>
+                <a:effectLst/>
+                <a:latin typeface="Source Sans Pro" panose="020B0503030403020204" pitchFamily="34" charset="0"/>
+              </a:rPr>
+              <a:t>W(pow2(k)) &lt;= 23 + 2* pow2(k/2)</a:t>
+            </a:r>
+            <a:br>
+              <a:rPr lang="en-US" b="0" i="0" dirty="0">
+                <a:solidFill>
+                  <a:schemeClr val="tx1"/>
+                </a:solidFill>
+                <a:effectLst/>
+                <a:latin typeface="Source Sans Pro" panose="020B0503030403020204" pitchFamily="34" charset="0"/>
+              </a:rPr>
+            </a:br>
+            <a:r>
+              <a:rPr lang="en-US" b="0" i="0" dirty="0">
+                <a:solidFill>
+                  <a:schemeClr val="tx1"/>
+                </a:solidFill>
+                <a:effectLst/>
+                <a:latin typeface="Source Sans Pro" panose="020B0503030403020204" pitchFamily="34" charset="0"/>
+              </a:rPr>
+              <a:t>W(pow2(n)) is O(n)</a:t>
+            </a:r>
+            <a:endParaRPr lang="en-US" dirty="0"/>
+          </a:p>
+          <a:p>
+            <a:pPr marL="0" indent="0">
+              <a:buNone/>
+            </a:pPr>
+            <a:endParaRPr lang="en-US" dirty="0"/>
+          </a:p>
+          <a:p>
+            <a:pPr marL="0" indent="0">
+              <a:buNone/>
+            </a:pPr>
+            <a:r>
+              <a:rPr lang="en-US" dirty="0">
+                <a:solidFill>
+                  <a:schemeClr val="tx1"/>
+                </a:solidFill>
+                <a:latin typeface="Source Sans Pro" panose="020B0503030403020204" pitchFamily="34" charset="0"/>
+              </a:rPr>
+              <a:t>D</a:t>
+            </a:r>
+            <a:r>
+              <a:rPr lang="en-US" b="0" i="0" dirty="0">
+                <a:solidFill>
+                  <a:schemeClr val="tx1"/>
+                </a:solidFill>
+                <a:effectLst/>
+                <a:latin typeface="Source Sans Pro" panose="020B0503030403020204" pitchFamily="34" charset="0"/>
+              </a:rPr>
+              <a:t>(pow2(0)) = 4</a:t>
+            </a:r>
+            <a:br>
+              <a:rPr lang="en-US" b="0" i="0" dirty="0">
+                <a:solidFill>
+                  <a:schemeClr val="tx1"/>
+                </a:solidFill>
+                <a:effectLst/>
+                <a:latin typeface="Source Sans Pro" panose="020B0503030403020204" pitchFamily="34" charset="0"/>
+              </a:rPr>
+            </a:br>
+            <a:r>
+              <a:rPr lang="en-US" b="0" i="0" dirty="0">
+                <a:solidFill>
+                  <a:schemeClr val="tx1"/>
+                </a:solidFill>
+                <a:effectLst/>
+                <a:latin typeface="Source Sans Pro" panose="020B0503030403020204" pitchFamily="34" charset="0"/>
+              </a:rPr>
+              <a:t>D(pow2(k)) &lt;= 12 + pow2(k/2)</a:t>
+            </a:r>
+            <a:br>
+              <a:rPr lang="en-US" b="0" i="0" dirty="0">
+                <a:solidFill>
+                  <a:schemeClr val="tx1"/>
+                </a:solidFill>
+                <a:effectLst/>
+                <a:latin typeface="Source Sans Pro" panose="020B0503030403020204" pitchFamily="34" charset="0"/>
+              </a:rPr>
+            </a:br>
+            <a:r>
+              <a:rPr lang="en-US" b="0" i="0" dirty="0">
+                <a:solidFill>
+                  <a:schemeClr val="tx1"/>
+                </a:solidFill>
+                <a:effectLst/>
+                <a:latin typeface="Source Sans Pro" panose="020B0503030403020204" pitchFamily="34" charset="0"/>
+              </a:rPr>
+              <a:t>D(pow2(n)) is O(log(n))</a:t>
+            </a:r>
+            <a:endParaRPr lang="en-US" dirty="0"/>
+          </a:p>
+          <a:p>
+            <a:pPr marL="0" indent="0">
+              <a:buNone/>
+            </a:pPr>
+            <a:endParaRPr lang="en-US" dirty="0"/>
+          </a:p>
+          <a:p>
+            <a:endParaRPr lang="en-US" dirty="0"/>
+          </a:p>
+          <a:p>
+            <a:endParaRPr lang="en-US" dirty="0"/>
+          </a:p>
+        </p:txBody>
+      </p:sp>
+      <p:sp>
+        <p:nvSpPr>
+          <p:cNvPr id="4" name="Slide Number Placeholder 3">
+            <a:extLst>
+              <a:ext uri="{FF2B5EF4-FFF2-40B4-BE49-F238E27FC236}">
+                <a16:creationId xmlns:a16="http://schemas.microsoft.com/office/drawing/2014/main" id="{8116D2C5-0125-7085-684F-3E58529B8085}"/>
+              </a:ext>
+            </a:extLst>
+          </p:cNvPr>
+          <p:cNvSpPr>
+            <a:spLocks noGrp="1"/>
+          </p:cNvSpPr>
+          <p:nvPr>
+            <p:ph type="sldNum" sz="quarter" idx="12"/>
+          </p:nvPr>
+        </p:nvSpPr>
+        <p:spPr/>
+        <p:txBody>
+          <a:bodyPr/>
+          <a:lstStyle/>
+          <a:p>
+            <a:fld id="{9BF27F29-4B64-4A24-936A-FF41C34C242B}" type="slidenum">
+              <a:rPr lang="en-US" smtClean="0"/>
+              <a:t>31</a:t>
+            </a:fld>
+            <a:endParaRPr lang="en-US"/>
+          </a:p>
+        </p:txBody>
+      </p:sp>
+      <p:sp>
+        <p:nvSpPr>
+          <p:cNvPr id="5" name="Content Placeholder 2">
+            <a:extLst>
+              <a:ext uri="{FF2B5EF4-FFF2-40B4-BE49-F238E27FC236}">
+                <a16:creationId xmlns:a16="http://schemas.microsoft.com/office/drawing/2014/main" id="{3AC3B5F5-68E1-510F-EFDF-50B90C0B78E0}"/>
+              </a:ext>
+            </a:extLst>
+          </p:cNvPr>
+          <p:cNvSpPr txBox="1">
+            <a:spLocks/>
+          </p:cNvSpPr>
+          <p:nvPr/>
+        </p:nvSpPr>
+        <p:spPr>
+          <a:xfrm>
+            <a:off x="6778752" y="2050318"/>
+            <a:ext cx="5560106" cy="4023360"/>
+          </a:xfrm>
+          <a:prstGeom prst="rect">
+            <a:avLst/>
+          </a:prstGeom>
+        </p:spPr>
+        <p:txBody>
+          <a:bodyPr vert="horz" lIns="0" tIns="45720" rIns="0" bIns="45720" rtlCol="0">
+            <a:normAutofit/>
+          </a:bodyPr>
+          <a:lstStyle>
+            <a:lvl1pPr marL="91440" indent="-91440" algn="l" defTabSz="914400" rtl="0" eaLnBrk="1" latinLnBrk="0" hangingPunct="1">
+              <a:lnSpc>
+                <a:spcPct val="90000"/>
+              </a:lnSpc>
+              <a:spcBef>
+                <a:spcPts val="1200"/>
+              </a:spcBef>
+              <a:spcAft>
+                <a:spcPts val="200"/>
+              </a:spcAft>
+              <a:buClr>
+                <a:schemeClr val="accent1"/>
+              </a:buClr>
+              <a:buSzPct val="100000"/>
+              <a:buFont typeface="Calibri" panose="020F0502020204030204" pitchFamily="34" charset="0"/>
+              <a:buChar char=" "/>
+              <a:defRPr sz="2800" kern="1200">
+                <a:solidFill>
+                  <a:schemeClr val="tx1">
+                    <a:lumMod val="75000"/>
+                    <a:lumOff val="25000"/>
+                  </a:schemeClr>
+                </a:solidFill>
+                <a:latin typeface="+mn-lt"/>
+                <a:ea typeface="+mn-ea"/>
+                <a:cs typeface="+mn-cs"/>
+              </a:defRPr>
+            </a:lvl1pPr>
+            <a:lvl2pPr marL="384048" indent="-182880" algn="l" defTabSz="914400" rtl="0" eaLnBrk="1" latinLnBrk="0" hangingPunct="1">
+              <a:lnSpc>
+                <a:spcPct val="90000"/>
+              </a:lnSpc>
+              <a:spcBef>
+                <a:spcPts val="200"/>
+              </a:spcBef>
+              <a:spcAft>
+                <a:spcPts val="400"/>
+              </a:spcAft>
+              <a:buClr>
+                <a:schemeClr val="accent1"/>
+              </a:buClr>
+              <a:buFont typeface="Calibri" pitchFamily="34" charset="0"/>
+              <a:buChar char="◦"/>
+              <a:defRPr sz="2400" kern="1200">
+                <a:solidFill>
+                  <a:schemeClr val="tx1">
+                    <a:lumMod val="75000"/>
+                    <a:lumOff val="25000"/>
+                  </a:schemeClr>
+                </a:solidFill>
+                <a:latin typeface="+mn-lt"/>
+                <a:ea typeface="+mn-ea"/>
+                <a:cs typeface="+mn-cs"/>
+              </a:defRPr>
+            </a:lvl2pPr>
+            <a:lvl3pPr marL="566928" indent="-182880" algn="l" defTabSz="914400" rtl="0" eaLnBrk="1" latinLnBrk="0" hangingPunct="1">
+              <a:lnSpc>
+                <a:spcPct val="90000"/>
+              </a:lnSpc>
+              <a:spcBef>
+                <a:spcPts val="200"/>
+              </a:spcBef>
+              <a:spcAft>
+                <a:spcPts val="400"/>
+              </a:spcAft>
+              <a:buClr>
+                <a:schemeClr val="accent1"/>
+              </a:buClr>
+              <a:buFont typeface="Calibri" pitchFamily="34" charset="0"/>
+              <a:buChar char="◦"/>
+              <a:defRPr sz="2200" kern="1200">
+                <a:solidFill>
+                  <a:schemeClr val="tx1">
+                    <a:lumMod val="75000"/>
+                    <a:lumOff val="25000"/>
+                  </a:schemeClr>
+                </a:solidFill>
+                <a:latin typeface="+mn-lt"/>
+                <a:ea typeface="+mn-ea"/>
+                <a:cs typeface="+mn-cs"/>
+              </a:defRPr>
+            </a:lvl3pPr>
+            <a:lvl4pPr marL="749808" indent="-182880" algn="l" defTabSz="914400" rtl="0" eaLnBrk="1" latinLnBrk="0" hangingPunct="1">
+              <a:lnSpc>
+                <a:spcPct val="90000"/>
+              </a:lnSpc>
+              <a:spcBef>
+                <a:spcPts val="200"/>
+              </a:spcBef>
+              <a:spcAft>
+                <a:spcPts val="400"/>
+              </a:spcAft>
+              <a:buClr>
+                <a:schemeClr val="accent1"/>
+              </a:buClr>
+              <a:buFont typeface="Calibri" pitchFamily="34" charset="0"/>
+              <a:buChar char="◦"/>
+              <a:defRPr sz="2000" kern="1200">
+                <a:solidFill>
+                  <a:schemeClr val="tx1">
+                    <a:lumMod val="75000"/>
+                    <a:lumOff val="25000"/>
+                  </a:schemeClr>
+                </a:solidFill>
+                <a:latin typeface="+mn-lt"/>
+                <a:ea typeface="+mn-ea"/>
+                <a:cs typeface="+mn-cs"/>
+              </a:defRPr>
+            </a:lvl4pPr>
+            <a:lvl5pPr marL="932688" indent="-182880" algn="l" defTabSz="914400" rtl="0" eaLnBrk="1" latinLnBrk="0" hangingPunct="1">
+              <a:lnSpc>
+                <a:spcPct val="90000"/>
+              </a:lnSpc>
+              <a:spcBef>
+                <a:spcPts val="200"/>
+              </a:spcBef>
+              <a:spcAft>
+                <a:spcPts val="400"/>
+              </a:spcAft>
+              <a:buClr>
+                <a:schemeClr val="accent1"/>
+              </a:buClr>
+              <a:buFont typeface="Calibri" pitchFamily="34" charset="0"/>
+              <a:buChar char="◦"/>
+              <a:defRPr sz="1800" kern="1200">
+                <a:solidFill>
+                  <a:schemeClr val="tx1">
+                    <a:lumMod val="75000"/>
+                    <a:lumOff val="25000"/>
+                  </a:schemeClr>
+                </a:solidFill>
+                <a:latin typeface="+mn-lt"/>
+                <a:ea typeface="+mn-ea"/>
+                <a:cs typeface="+mn-cs"/>
+              </a:defRPr>
+            </a:lvl5pPr>
+            <a:lvl6pPr marL="1100000" indent="-228600" algn="l" defTabSz="914400" rtl="0" eaLnBrk="1" latinLnBrk="0" hangingPunct="1">
+              <a:lnSpc>
+                <a:spcPct val="90000"/>
+              </a:lnSpc>
+              <a:spcBef>
+                <a:spcPts val="200"/>
+              </a:spcBef>
+              <a:spcAft>
+                <a:spcPts val="400"/>
+              </a:spcAft>
+              <a:buClr>
+                <a:schemeClr val="accent1"/>
+              </a:buClr>
+              <a:buFont typeface="Calibri" pitchFamily="34" charset="0"/>
+              <a:buChar char="◦"/>
+              <a:defRPr sz="1400" kern="1200">
+                <a:solidFill>
+                  <a:schemeClr val="tx1">
+                    <a:lumMod val="75000"/>
+                    <a:lumOff val="25000"/>
+                  </a:schemeClr>
+                </a:solidFill>
+                <a:latin typeface="+mn-lt"/>
+                <a:ea typeface="+mn-ea"/>
+                <a:cs typeface="+mn-cs"/>
+              </a:defRPr>
+            </a:lvl6pPr>
+            <a:lvl7pPr marL="1300000" indent="-228600" algn="l" defTabSz="914400" rtl="0" eaLnBrk="1" latinLnBrk="0" hangingPunct="1">
+              <a:lnSpc>
+                <a:spcPct val="90000"/>
+              </a:lnSpc>
+              <a:spcBef>
+                <a:spcPts val="200"/>
+              </a:spcBef>
+              <a:spcAft>
+                <a:spcPts val="400"/>
+              </a:spcAft>
+              <a:buClr>
+                <a:schemeClr val="accent1"/>
+              </a:buClr>
+              <a:buFont typeface="Calibri" pitchFamily="34" charset="0"/>
+              <a:buChar char="◦"/>
+              <a:defRPr sz="1400" kern="1200">
+                <a:solidFill>
+                  <a:schemeClr val="tx1">
+                    <a:lumMod val="75000"/>
+                    <a:lumOff val="25000"/>
+                  </a:schemeClr>
+                </a:solidFill>
+                <a:latin typeface="+mn-lt"/>
+                <a:ea typeface="+mn-ea"/>
+                <a:cs typeface="+mn-cs"/>
+              </a:defRPr>
+            </a:lvl7pPr>
+            <a:lvl8pPr marL="1500000" indent="-228600" algn="l" defTabSz="914400" rtl="0" eaLnBrk="1" latinLnBrk="0" hangingPunct="1">
+              <a:lnSpc>
+                <a:spcPct val="90000"/>
+              </a:lnSpc>
+              <a:spcBef>
+                <a:spcPts val="200"/>
+              </a:spcBef>
+              <a:spcAft>
+                <a:spcPts val="400"/>
+              </a:spcAft>
+              <a:buClr>
+                <a:schemeClr val="accent1"/>
+              </a:buClr>
+              <a:buFont typeface="Calibri" pitchFamily="34" charset="0"/>
+              <a:buChar char="◦"/>
+              <a:defRPr sz="1400" kern="1200">
+                <a:solidFill>
+                  <a:schemeClr val="tx1">
+                    <a:lumMod val="75000"/>
+                    <a:lumOff val="25000"/>
+                  </a:schemeClr>
+                </a:solidFill>
+                <a:latin typeface="+mn-lt"/>
+                <a:ea typeface="+mn-ea"/>
+                <a:cs typeface="+mn-cs"/>
+              </a:defRPr>
+            </a:lvl8pPr>
+            <a:lvl9pPr marL="1700000" indent="-228600" algn="l" defTabSz="914400" rtl="0" eaLnBrk="1" latinLnBrk="0" hangingPunct="1">
+              <a:lnSpc>
+                <a:spcPct val="90000"/>
+              </a:lnSpc>
+              <a:spcBef>
+                <a:spcPts val="200"/>
+              </a:spcBef>
+              <a:spcAft>
+                <a:spcPts val="400"/>
+              </a:spcAft>
+              <a:buClr>
+                <a:schemeClr val="accent1"/>
+              </a:buClr>
+              <a:buFont typeface="Calibri" pitchFamily="34" charset="0"/>
+              <a:buChar char="◦"/>
+              <a:defRPr sz="1400" kern="1200">
+                <a:solidFill>
+                  <a:schemeClr val="tx1">
+                    <a:lumMod val="75000"/>
+                    <a:lumOff val="25000"/>
+                  </a:schemeClr>
+                </a:solidFill>
+                <a:latin typeface="+mn-lt"/>
+                <a:ea typeface="+mn-ea"/>
+                <a:cs typeface="+mn-cs"/>
+              </a:defRPr>
+            </a:lvl9pPr>
+          </a:lstStyle>
+          <a:p>
+            <a:endParaRPr lang="en-US" dirty="0">
+              <a:latin typeface="Consolas" panose="020B0609020204030204" pitchFamily="49" charset="0"/>
+            </a:endParaRPr>
+          </a:p>
+          <a:p>
+            <a:r>
+              <a:rPr lang="en-US" dirty="0">
+                <a:latin typeface="Consolas" panose="020B0609020204030204" pitchFamily="49" charset="0"/>
+              </a:rPr>
+              <a:t>fun pow2(k) =</a:t>
+            </a:r>
+            <a:br>
+              <a:rPr lang="en-US" dirty="0">
+                <a:latin typeface="Consolas" panose="020B0609020204030204" pitchFamily="49" charset="0"/>
+              </a:rPr>
+            </a:br>
+            <a:r>
+              <a:rPr lang="en-US" dirty="0">
+                <a:latin typeface="Consolas" panose="020B0609020204030204" pitchFamily="49" charset="0"/>
+              </a:rPr>
+              <a:t>  if k = 0 { 1 }</a:t>
+            </a:r>
+            <a:br>
+              <a:rPr lang="en-US" dirty="0">
+                <a:latin typeface="Consolas" panose="020B0609020204030204" pitchFamily="49" charset="0"/>
+              </a:rPr>
+            </a:br>
+            <a:r>
+              <a:rPr lang="en-US" dirty="0">
+                <a:latin typeface="Consolas" panose="020B0609020204030204" pitchFamily="49" charset="0"/>
+              </a:rPr>
+              <a:t>  else if k % 2 = 0 {</a:t>
+            </a:r>
+            <a:br>
+              <a:rPr lang="en-US" dirty="0">
+                <a:latin typeface="Consolas" panose="020B0609020204030204" pitchFamily="49" charset="0"/>
+              </a:rPr>
+            </a:br>
+            <a:r>
+              <a:rPr lang="en-US" dirty="0">
+                <a:latin typeface="Consolas" panose="020B0609020204030204" pitchFamily="49" charset="0"/>
+              </a:rPr>
+              <a:t>    pow2(k/2) * pow2(k/2)</a:t>
+            </a:r>
+            <a:br>
+              <a:rPr lang="en-US" dirty="0">
+                <a:latin typeface="Consolas" panose="020B0609020204030204" pitchFamily="49" charset="0"/>
+              </a:rPr>
+            </a:br>
+            <a:r>
+              <a:rPr lang="en-US" dirty="0">
+                <a:latin typeface="Consolas" panose="020B0609020204030204" pitchFamily="49" charset="0"/>
+              </a:rPr>
+              <a:t>  }</a:t>
+            </a:r>
+            <a:br>
+              <a:rPr lang="en-US" dirty="0">
+                <a:latin typeface="Consolas" panose="020B0609020204030204" pitchFamily="49" charset="0"/>
+              </a:rPr>
+            </a:br>
+            <a:r>
+              <a:rPr lang="en-US" dirty="0">
+                <a:latin typeface="Consolas" panose="020B0609020204030204" pitchFamily="49" charset="0"/>
+              </a:rPr>
+              <a:t>  else </a:t>
+            </a:r>
+            <a:br>
+              <a:rPr lang="en-US" dirty="0">
+                <a:latin typeface="Consolas" panose="020B0609020204030204" pitchFamily="49" charset="0"/>
+              </a:rPr>
+            </a:br>
+            <a:r>
+              <a:rPr lang="en-US" dirty="0">
+                <a:latin typeface="Consolas" panose="020B0609020204030204" pitchFamily="49" charset="0"/>
+              </a:rPr>
+              <a:t>    2*pow2((k-1)/2)</a:t>
+            </a:r>
+            <a:br>
+              <a:rPr lang="en-US" dirty="0">
+                <a:latin typeface="Consolas" panose="020B0609020204030204" pitchFamily="49" charset="0"/>
+              </a:rPr>
+            </a:br>
+            <a:r>
+              <a:rPr lang="en-US" dirty="0">
+                <a:latin typeface="Consolas" panose="020B0609020204030204" pitchFamily="49" charset="0"/>
+              </a:rPr>
+              <a:t>     *pow2((k-1)/2)</a:t>
+            </a:r>
+          </a:p>
+          <a:p>
+            <a:endParaRPr lang="en-US" dirty="0">
+              <a:latin typeface="Consolas" panose="020B0609020204030204" pitchFamily="49" charset="0"/>
+            </a:endParaRPr>
+          </a:p>
+          <a:p>
+            <a:endParaRPr lang="en-US" dirty="0">
+              <a:latin typeface="Consolas" panose="020B0609020204030204" pitchFamily="49" charset="0"/>
+            </a:endParaRPr>
+          </a:p>
+        </p:txBody>
+      </p:sp>
+    </p:spTree>
+    <p:extLst>
+      <p:ext uri="{BB962C8B-B14F-4D97-AF65-F5344CB8AC3E}">
+        <p14:creationId xmlns:p14="http://schemas.microsoft.com/office/powerpoint/2010/main" val="2210345270"/>
+      </p:ext>
+    </p:extLst>
+  </p:cSld>
+  <p:clrMapOvr>
+    <a:masterClrMapping/>
+  </p:clrMapOvr>
+</p:sld>
+</file>
+
+<file path=ppt/slides/slide32.xml><?xml version="1.0" encoding="utf-8"?>
+<p:sld xmlns:a="http://schemas.openxmlformats.org/drawingml/2006/main" xmlns:r="http://schemas.openxmlformats.org/officeDocument/2006/relationships" xmlns:p="http://schemas.openxmlformats.org/presentationml/2006/main">
+  <p:cSld>
+    <p:spTree>
+      <p:nvGrpSpPr>
+        <p:cNvPr id="1" name=""/>
+        <p:cNvGrpSpPr/>
+        <p:nvPr/>
+      </p:nvGrpSpPr>
+      <p:grpSpPr>
+        <a:xfrm>
+          <a:off x="0" y="0"/>
+          <a:ext cx="0" cy="0"/>
+          <a:chOff x="0" y="0"/>
+          <a:chExt cx="0" cy="0"/>
+        </a:xfrm>
+      </p:grpSpPr>
+      <p:sp>
+        <p:nvSpPr>
+          <p:cNvPr id="2" name="Title 1">
+            <a:extLst>
+              <a:ext uri="{FF2B5EF4-FFF2-40B4-BE49-F238E27FC236}">
                 <a16:creationId xmlns:a16="http://schemas.microsoft.com/office/drawing/2014/main" id="{99A8D7F5-90FD-D443-0F42-F8A343EAEAEE}"/>
               </a:ext>
             </a:extLst>
@@ -14643,7 +17143,7 @@
           <a:p>
             <a:fld id="{9BF27F29-4B64-4A24-936A-FF41C34C242B}" type="slidenum">
               <a:rPr lang="en-US" smtClean="0"/>
-              <a:t>30</a:t>
+              <a:t>32</a:t>
             </a:fld>
             <a:endParaRPr lang="en-US"/>
           </a:p>

--- a/LectureSlides/99ParallelFunctional.pptx
+++ b/LectureSlides/99ParallelFunctional.pptx
@@ -5,7 +5,7 @@
     <p:sldMasterId id="2147483696" r:id="rId1"/>
   </p:sldMasterIdLst>
   <p:notesMasterIdLst>
-    <p:notesMasterId r:id="rId34"/>
+    <p:notesMasterId r:id="rId35"/>
   </p:notesMasterIdLst>
   <p:sldIdLst>
     <p:sldId id="256" r:id="rId2"/>
@@ -31,15 +31,16 @@
     <p:sldId id="266" r:id="rId22"/>
     <p:sldId id="290" r:id="rId23"/>
     <p:sldId id="292" r:id="rId24"/>
-    <p:sldId id="259" r:id="rId25"/>
-    <p:sldId id="285" r:id="rId26"/>
-    <p:sldId id="286" r:id="rId27"/>
-    <p:sldId id="280" r:id="rId28"/>
-    <p:sldId id="281" r:id="rId29"/>
-    <p:sldId id="284" r:id="rId30"/>
-    <p:sldId id="289" r:id="rId31"/>
-    <p:sldId id="291" r:id="rId32"/>
-    <p:sldId id="271" r:id="rId33"/>
+    <p:sldId id="293" r:id="rId25"/>
+    <p:sldId id="259" r:id="rId26"/>
+    <p:sldId id="285" r:id="rId27"/>
+    <p:sldId id="286" r:id="rId28"/>
+    <p:sldId id="280" r:id="rId29"/>
+    <p:sldId id="281" r:id="rId30"/>
+    <p:sldId id="284" r:id="rId31"/>
+    <p:sldId id="289" r:id="rId32"/>
+    <p:sldId id="291" r:id="rId33"/>
+    <p:sldId id="271" r:id="rId34"/>
   </p:sldIdLst>
   <p:sldSz cx="12192000" cy="6858000"/>
   <p:notesSz cx="6858000" cy="9144000"/>
@@ -228,7 +229,7 @@
           <a:p>
             <a:fld id="{851D0A7A-BF7B-4933-BC76-BDA42138980F}" type="datetimeFigureOut">
               <a:rPr lang="en-US" smtClean="0"/>
-              <a:t>11/6/2023</a:t>
+              <a:t>11/7/2023</a:t>
             </a:fld>
             <a:endParaRPr lang="en-US"/>
           </a:p>
@@ -1085,7 +1086,7 @@
           <a:p>
             <a:fld id="{263C6BED-35C5-4BD2-9D2D-ECCF2F81720F}" type="datetime1">
               <a:rPr lang="en-US" smtClean="0"/>
-              <a:t>11/6/2023</a:t>
+              <a:t>11/7/2023</a:t>
             </a:fld>
             <a:endParaRPr lang="en-US"/>
           </a:p>
@@ -1293,7 +1294,7 @@
           <a:p>
             <a:fld id="{9CC6E155-A30B-41F1-A2F3-CDE04B4313E9}" type="datetime1">
               <a:rPr lang="en-US" smtClean="0"/>
-              <a:t>11/6/2023</a:t>
+              <a:t>11/7/2023</a:t>
             </a:fld>
             <a:endParaRPr lang="en-US"/>
           </a:p>
@@ -1549,7 +1550,7 @@
           <a:p>
             <a:fld id="{2318DAD8-7E3E-4786-AA65-17E9DB850792}" type="datetime1">
               <a:rPr lang="en-US" smtClean="0"/>
-              <a:t>11/6/2023</a:t>
+              <a:t>11/7/2023</a:t>
             </a:fld>
             <a:endParaRPr lang="en-US"/>
           </a:p>
@@ -1734,7 +1735,7 @@
           <a:p>
             <a:fld id="{7DD018BB-8AB2-43B8-800A-76963ED6ADC7}" type="datetime1">
               <a:rPr lang="en-US" smtClean="0"/>
-              <a:t>11/6/2023</a:t>
+              <a:t>11/7/2023</a:t>
             </a:fld>
             <a:endParaRPr lang="en-US"/>
           </a:p>
@@ -2077,7 +2078,7 @@
           <a:p>
             <a:fld id="{17CADDFF-431C-4A6F-A14B-FF1AF97FE7A8}" type="datetime1">
               <a:rPr lang="en-US" smtClean="0"/>
-              <a:t>11/6/2023</a:t>
+              <a:t>11/7/2023</a:t>
             </a:fld>
             <a:endParaRPr lang="en-US"/>
           </a:p>
@@ -2382,7 +2383,7 @@
           <a:p>
             <a:fld id="{E97B664A-C304-4EA2-B1CE-DE58D7C72CC5}" type="datetime1">
               <a:rPr lang="en-US" smtClean="0"/>
-              <a:t>11/6/2023</a:t>
+              <a:t>11/7/2023</a:t>
             </a:fld>
             <a:endParaRPr lang="en-US"/>
           </a:p>
@@ -2791,7 +2792,7 @@
           <a:p>
             <a:fld id="{AEF9FA34-5866-4EB2-B72C-93750A2CE3AB}" type="datetime1">
               <a:rPr lang="en-US" smtClean="0"/>
-              <a:t>11/6/2023</a:t>
+              <a:t>11/7/2023</a:t>
             </a:fld>
             <a:endParaRPr lang="en-US"/>
           </a:p>
@@ -2909,7 +2910,7 @@
           <a:p>
             <a:fld id="{75B35D5B-1BDC-4DBC-8936-9F3D5B1A256B}" type="datetime1">
               <a:rPr lang="en-US" smtClean="0"/>
-              <a:t>11/6/2023</a:t>
+              <a:t>11/7/2023</a:t>
             </a:fld>
             <a:endParaRPr lang="en-US"/>
           </a:p>
@@ -3080,7 +3081,7 @@
           <a:p>
             <a:fld id="{3233B6BD-6366-4EE7-8295-6D14276CF656}" type="datetime1">
               <a:rPr lang="en-US" smtClean="0"/>
-              <a:t>11/6/2023</a:t>
+              <a:t>11/7/2023</a:t>
             </a:fld>
             <a:endParaRPr lang="en-US"/>
           </a:p>
@@ -3449,7 +3450,7 @@
           <a:p>
             <a:fld id="{CA489596-7034-4658-8407-37926A24657A}" type="datetime1">
               <a:rPr lang="en-US" smtClean="0"/>
-              <a:t>11/6/2023</a:t>
+              <a:t>11/7/2023</a:t>
             </a:fld>
             <a:endParaRPr lang="en-US"/>
           </a:p>
@@ -3826,7 +3827,7 @@
           <a:p>
             <a:fld id="{25C6BEFA-FF7A-4B7F-9896-DE5DF32F32E2}" type="datetime1">
               <a:rPr lang="en-US" smtClean="0"/>
-              <a:t>11/6/2023</a:t>
+              <a:t>11/7/2023</a:t>
             </a:fld>
             <a:endParaRPr lang="en-US"/>
           </a:p>
@@ -4113,7 +4114,7 @@
           <a:p>
             <a:fld id="{44FCBB43-7E26-4C0D-888E-934844182D3A}" type="datetime1">
               <a:rPr lang="en-US" smtClean="0"/>
-              <a:t>11/6/2023</a:t>
+              <a:t>11/7/2023</a:t>
             </a:fld>
             <a:endParaRPr lang="en-US"/>
           </a:p>
@@ -12513,7 +12514,7 @@
           <p:cNvPr id="2" name="Title 1">
             <a:extLst>
               <a:ext uri="{FF2B5EF4-FFF2-40B4-BE49-F238E27FC236}">
-                <a16:creationId xmlns:a16="http://schemas.microsoft.com/office/drawing/2014/main" id="{1C783CAC-2B0D-422F-D292-F539B05CE858}"/>
+                <a16:creationId xmlns:a16="http://schemas.microsoft.com/office/drawing/2014/main" id="{65BF3328-2BAE-D914-A527-AC12E4040576}"/>
               </a:ext>
             </a:extLst>
           </p:cNvPr>
@@ -12531,7 +12532,7 @@
           <a:p>
             <a:r>
               <a:rPr lang="en-US" dirty="0"/>
-              <a:t>Insight</a:t>
+              <a:t>Pure Functional Programs</a:t>
             </a:r>
           </a:p>
         </p:txBody>
@@ -12541,7 +12542,7 @@
           <p:cNvPr id="3" name="Content Placeholder 2">
             <a:extLst>
               <a:ext uri="{FF2B5EF4-FFF2-40B4-BE49-F238E27FC236}">
-                <a16:creationId xmlns:a16="http://schemas.microsoft.com/office/drawing/2014/main" id="{79C56AEA-1A82-3D41-6B69-3283000791A8}"/>
+                <a16:creationId xmlns:a16="http://schemas.microsoft.com/office/drawing/2014/main" id="{AA340FAC-EFCB-CABE-FA83-CADB298BDC6A}"/>
               </a:ext>
             </a:extLst>
           </p:cNvPr>
@@ -12554,59 +12555,59 @@
         </p:nvSpPr>
         <p:spPr/>
         <p:txBody>
-          <a:bodyPr/>
+          <a:bodyPr>
+            <a:normAutofit lnSpcReduction="10000"/>
+          </a:bodyPr>
           <a:lstStyle/>
           <a:p>
             <a:r>
               <a:rPr lang="en-US" dirty="0"/>
-              <a:t>Pure functional programs make parallelism easy because:</a:t>
-            </a:r>
-          </a:p>
-          <a:p>
-            <a:pPr lvl="1"/>
-            <a:r>
-              <a:rPr lang="en-US" dirty="0"/>
-              <a:t>The </a:t>
+              <a:t>Recall that </a:t>
             </a:r>
             <a:r>
               <a:rPr lang="en-US" b="1" dirty="0"/>
-              <a:t>hard part</a:t>
-            </a:r>
-            <a:r>
-              <a:rPr lang="en-US" dirty="0"/>
-              <a:t> of parallelism is understanding dependencies, and</a:t>
-            </a:r>
-          </a:p>
-          <a:p>
-            <a:pPr lvl="1"/>
-            <a:r>
-              <a:rPr lang="en-US" dirty="0"/>
-              <a:t>Pure functional programs make all dependencies </a:t>
-            </a:r>
+              <a:t>side effects</a:t>
+            </a:r>
+            <a:r>
+              <a:rPr lang="en-US" dirty="0"/>
+              <a:t> are observable behaviors other than returning a value, such as modifying memory, looping forever, and performing input/output</a:t>
+            </a:r>
+          </a:p>
+          <a:p>
+            <a:r>
+              <a:rPr lang="en-US" dirty="0"/>
+              <a:t>Side effects complicate reasoning about program behavior. For example, global shared variables require global reasoning</a:t>
+            </a:r>
+          </a:p>
+          <a:p>
             <a:r>
               <a:rPr lang="en-US" b="1" dirty="0"/>
-              <a:t>explicit</a:t>
-            </a:r>
-            <a:endParaRPr lang="en-US" dirty="0"/>
-          </a:p>
-          <a:p>
-            <a:r>
-              <a:rPr lang="en-US" dirty="0"/>
-              <a:t>We will use fork-join parallelism, where we assume independent expressions are executed at the same time. Execution joins back together before proceeding to expressions that depend on both.</a:t>
-            </a:r>
-          </a:p>
-          <a:p>
-            <a:r>
-              <a:rPr lang="en-US" dirty="0"/>
-              <a:t>Is there a limit on how fast code runs if we have all the processors we could ask for? Yes, this limit is called its </a:t>
-            </a:r>
-            <a:r>
-              <a:rPr lang="en-US" b="1" dirty="0"/>
-              <a:t>depth</a:t>
-            </a:r>
-            <a:r>
-              <a:rPr lang="en-US" dirty="0"/>
-              <a:t> </a:t>
+              <a:t>Pure functional programs</a:t>
+            </a:r>
+            <a:r>
+              <a:rPr lang="en-US" dirty="0"/>
+              <a:t> are programs with “no side effects”*</a:t>
+            </a:r>
+            <a:br>
+              <a:rPr lang="en-US" dirty="0"/>
+            </a:br>
+            <a:r>
+              <a:rPr lang="en-US" dirty="0"/>
+              <a:t>These programs are popular for use cases that need easy reasoning about </a:t>
+            </a:r>
+            <a:r>
+              <a:rPr lang="en-US"/>
+              <a:t>program behavior</a:t>
+            </a:r>
+            <a:br>
+              <a:rPr lang="en-US" dirty="0"/>
+            </a:br>
+            <a:br>
+              <a:rPr lang="en-US" dirty="0"/>
+            </a:br>
+            <a:r>
+              <a:rPr lang="en-US" dirty="0"/>
+              <a:t>*Some side effects, like looping forever, are still supported</a:t>
             </a:r>
             <a:endParaRPr lang="en-US" b="1" dirty="0"/>
           </a:p>
@@ -12617,7 +12618,7 @@
           <p:cNvPr id="4" name="Slide Number Placeholder 3">
             <a:extLst>
               <a:ext uri="{FF2B5EF4-FFF2-40B4-BE49-F238E27FC236}">
-                <a16:creationId xmlns:a16="http://schemas.microsoft.com/office/drawing/2014/main" id="{C7B7C379-3825-8FB9-17C2-02353C375C23}"/>
+                <a16:creationId xmlns:a16="http://schemas.microsoft.com/office/drawing/2014/main" id="{5726BE24-71E5-F7DA-9DC5-0C09BFF0722C}"/>
               </a:ext>
             </a:extLst>
           </p:cNvPr>
@@ -12644,7 +12645,7 @@
     </p:spTree>
     <p:extLst>
       <p:ext uri="{BB962C8B-B14F-4D97-AF65-F5344CB8AC3E}">
-        <p14:creationId xmlns:p14="http://schemas.microsoft.com/office/powerpoint/2010/main" val="111168421"/>
+        <p14:creationId xmlns:p14="http://schemas.microsoft.com/office/powerpoint/2010/main" val="363575612"/>
       </p:ext>
     </p:extLst>
   </p:cSld>
@@ -12676,7 +12677,7 @@
           <p:cNvPr id="2" name="Title 1">
             <a:extLst>
               <a:ext uri="{FF2B5EF4-FFF2-40B4-BE49-F238E27FC236}">
-                <a16:creationId xmlns:a16="http://schemas.microsoft.com/office/drawing/2014/main" id="{77AC9ED7-AD27-7AD0-3006-44C438F0F124}"/>
+                <a16:creationId xmlns:a16="http://schemas.microsoft.com/office/drawing/2014/main" id="{1C783CAC-2B0D-422F-D292-F539B05CE858}"/>
               </a:ext>
             </a:extLst>
           </p:cNvPr>
@@ -12694,7 +12695,7 @@
           <a:p>
             <a:r>
               <a:rPr lang="en-US" dirty="0"/>
-              <a:t>Depth</a:t>
+              <a:t>Insight</a:t>
             </a:r>
           </a:p>
         </p:txBody>
@@ -12704,7 +12705,7 @@
           <p:cNvPr id="3" name="Content Placeholder 2">
             <a:extLst>
               <a:ext uri="{FF2B5EF4-FFF2-40B4-BE49-F238E27FC236}">
-                <a16:creationId xmlns:a16="http://schemas.microsoft.com/office/drawing/2014/main" id="{A844DA7D-F623-0D5A-86DA-6F52D40BE786}"/>
+                <a16:creationId xmlns:a16="http://schemas.microsoft.com/office/drawing/2014/main" id="{79C56AEA-1A82-3D41-6B69-3283000791A8}"/>
               </a:ext>
             </a:extLst>
           </p:cNvPr>
@@ -12717,83 +12718,61 @@
         </p:nvSpPr>
         <p:spPr/>
         <p:txBody>
-          <a:bodyPr>
-            <a:normAutofit/>
-          </a:bodyPr>
+          <a:bodyPr/>
           <a:lstStyle/>
           <a:p>
             <a:r>
               <a:rPr lang="en-US" dirty="0"/>
+              <a:t>Pure functional programs make parallelism easy because:</a:t>
+            </a:r>
+          </a:p>
+          <a:p>
+            <a:pPr lvl="1"/>
+            <a:r>
+              <a:rPr lang="en-US" dirty="0"/>
               <a:t>The </a:t>
             </a:r>
             <a:r>
               <a:rPr lang="en-US" b="1" dirty="0"/>
-              <a:t>depth </a:t>
-            </a:r>
-            <a:r>
-              <a:rPr lang="en-US" dirty="0"/>
-              <a:t>of an expression </a:t>
-            </a:r>
-            <a:r>
-              <a:rPr lang="en-US" i="1" dirty="0"/>
-              <a:t>e, </a:t>
-            </a:r>
-            <a:r>
-              <a:rPr lang="en-US" dirty="0"/>
-              <a:t>written D(e) is the time it would take to run </a:t>
-            </a:r>
-            <a:r>
-              <a:rPr lang="en-US" i="1" dirty="0"/>
-              <a:t>e</a:t>
-            </a:r>
-            <a:r>
-              <a:rPr lang="en-US" dirty="0"/>
-              <a:t> if you have as many processors as you can ask for. If </a:t>
-            </a:r>
-            <a:r>
-              <a:rPr lang="en-US" i="1" dirty="0"/>
-              <a:t>e</a:t>
-            </a:r>
-            <a:r>
-              <a:rPr lang="en-US" dirty="0"/>
-              <a:t> loops forever, depth is infinite. We write “D(e1) is O(e2)” to mean the depth of e1 is on the order of e2.</a:t>
-            </a:r>
-          </a:p>
-          <a:p>
-            <a:r>
-              <a:rPr lang="en-US" dirty="0"/>
-              <a:t>If an expression </a:t>
-            </a:r>
-            <a:r>
-              <a:rPr lang="en-US" i="1" dirty="0"/>
-              <a:t>e</a:t>
-            </a:r>
-            <a:r>
-              <a:rPr lang="en-US" dirty="0"/>
-              <a:t> is completely sequential,</a:t>
-            </a:r>
-            <a:r>
-              <a:rPr lang="en-US" i="1" dirty="0"/>
+              <a:t>hard part</a:t>
+            </a:r>
+            <a:r>
+              <a:rPr lang="en-US" dirty="0"/>
+              <a:t> of parallelism is understanding dependencies, and</a:t>
+            </a:r>
+          </a:p>
+          <a:p>
+            <a:pPr lvl="1"/>
+            <a:r>
+              <a:rPr lang="en-US" dirty="0"/>
+              <a:t>Pure functional programs make all dependencies </a:t>
+            </a:r>
+            <a:r>
+              <a:rPr lang="en-US" b="1" dirty="0"/>
+              <a:t>explicit</a:t>
+            </a:r>
+            <a:endParaRPr lang="en-US" dirty="0"/>
+          </a:p>
+          <a:p>
+            <a:r>
+              <a:rPr lang="en-US" dirty="0"/>
+              <a:t>We will use fork-join parallelism, where we assume independent expressions are executed at the same time. Execution joins back together before proceeding to expressions that depend on both.</a:t>
+            </a:r>
+          </a:p>
+          <a:p>
+            <a:r>
+              <a:rPr lang="en-US" dirty="0"/>
+              <a:t>Is there a limit on how fast code runs if we have all the processors we could ask for? Yes, this limit is called its </a:t>
+            </a:r>
+            <a:r>
+              <a:rPr lang="en-US" b="1" dirty="0"/>
+              <a:t>depth</a:t>
+            </a:r>
+            <a:r>
+              <a:rPr lang="en-US" dirty="0"/>
               <a:t> </a:t>
             </a:r>
-            <a:r>
-              <a:rPr lang="en-US" dirty="0"/>
-              <a:t>then W(e) = D(e)</a:t>
-            </a:r>
-            <a:br>
-              <a:rPr lang="en-US" dirty="0"/>
-            </a:br>
-            <a:r>
-              <a:rPr lang="en-US" dirty="0"/>
-              <a:t>But many problems can be solved in much lower depth than work:</a:t>
-            </a:r>
-          </a:p>
-          <a:p>
-            <a:pPr lvl="1"/>
-            <a:r>
-              <a:rPr lang="en-US" dirty="0"/>
-              <a:t>e.g. W(Sort(n)) is O(n log n), D(Sort(n)) is O(log(n)^2), using trees</a:t>
-            </a:r>
+            <a:endParaRPr lang="en-US" b="1" dirty="0"/>
           </a:p>
         </p:txBody>
       </p:sp>
@@ -12802,7 +12781,7 @@
           <p:cNvPr id="4" name="Slide Number Placeholder 3">
             <a:extLst>
               <a:ext uri="{FF2B5EF4-FFF2-40B4-BE49-F238E27FC236}">
-                <a16:creationId xmlns:a16="http://schemas.microsoft.com/office/drawing/2014/main" id="{99547BA5-66DB-6AD0-2047-F6C77D8D0970}"/>
+                <a16:creationId xmlns:a16="http://schemas.microsoft.com/office/drawing/2014/main" id="{C7B7C379-3825-8FB9-17C2-02353C375C23}"/>
               </a:ext>
             </a:extLst>
           </p:cNvPr>
@@ -12829,7 +12808,7 @@
     </p:spTree>
     <p:extLst>
       <p:ext uri="{BB962C8B-B14F-4D97-AF65-F5344CB8AC3E}">
-        <p14:creationId xmlns:p14="http://schemas.microsoft.com/office/powerpoint/2010/main" val="164910630"/>
+        <p14:creationId xmlns:p14="http://schemas.microsoft.com/office/powerpoint/2010/main" val="111168421"/>
       </p:ext>
     </p:extLst>
   </p:cSld>
@@ -12879,7 +12858,7 @@
           <a:p>
             <a:r>
               <a:rPr lang="en-US" dirty="0"/>
-              <a:t>Computing Depth – Main Ideas</a:t>
+              <a:t>Depth</a:t>
             </a:r>
           </a:p>
         </p:txBody>
@@ -12902,102 +12881,82 @@
         </p:nvSpPr>
         <p:spPr/>
         <p:txBody>
-          <a:bodyPr/>
+          <a:bodyPr>
+            <a:normAutofit/>
+          </a:bodyPr>
           <a:lstStyle/>
           <a:p>
             <a:r>
               <a:rPr lang="en-US" dirty="0"/>
-              <a:t>The work D(e) of an expression is parallel running time</a:t>
+              <a:t>The </a:t>
+            </a:r>
+            <a:r>
+              <a:rPr lang="en-US" b="1" dirty="0"/>
+              <a:t>depth </a:t>
+            </a:r>
+            <a:r>
+              <a:rPr lang="en-US" dirty="0"/>
+              <a:t>of an expression </a:t>
+            </a:r>
+            <a:r>
+              <a:rPr lang="en-US" i="1" dirty="0"/>
+              <a:t>e, </a:t>
+            </a:r>
+            <a:r>
+              <a:rPr lang="en-US" dirty="0"/>
+              <a:t>written D(e) is the time it would take to run </a:t>
+            </a:r>
+            <a:r>
+              <a:rPr lang="en-US" i="1" dirty="0"/>
+              <a:t>e</a:t>
+            </a:r>
+            <a:r>
+              <a:rPr lang="en-US" dirty="0"/>
+              <a:t> if you have as many processors as you can ask for. If </a:t>
+            </a:r>
+            <a:r>
+              <a:rPr lang="en-US" i="1" dirty="0"/>
+              <a:t>e</a:t>
+            </a:r>
+            <a:r>
+              <a:rPr lang="en-US" dirty="0"/>
+              <a:t> loops forever, depth is infinite. We write “D(e1) is O(e2)” to mean the depth of e1 is on the order of e2.</a:t>
+            </a:r>
+          </a:p>
+          <a:p>
+            <a:r>
+              <a:rPr lang="en-US" dirty="0"/>
+              <a:t>If an expression </a:t>
+            </a:r>
+            <a:r>
+              <a:rPr lang="en-US" i="1" dirty="0"/>
+              <a:t>e</a:t>
+            </a:r>
+            <a:r>
+              <a:rPr lang="en-US" dirty="0"/>
+              <a:t> is completely sequential,</a:t>
+            </a:r>
+            <a:r>
+              <a:rPr lang="en-US" i="1" dirty="0"/>
+              <a:t> </a:t>
+            </a:r>
+            <a:r>
+              <a:rPr lang="en-US" dirty="0"/>
+              <a:t>then W(e) = D(e)</a:t>
+            </a:r>
+            <a:br>
+              <a:rPr lang="en-US" dirty="0"/>
+            </a:br>
+            <a:r>
+              <a:rPr lang="en-US" dirty="0"/>
+              <a:t>But many problems can be solved in much lower depth than work:</a:t>
             </a:r>
           </a:p>
           <a:p>
             <a:pPr lvl="1"/>
             <a:r>
               <a:rPr lang="en-US" dirty="0"/>
-              <a:t>For values </a:t>
-            </a:r>
-            <a:r>
-              <a:rPr lang="en-US" i="1" dirty="0"/>
-              <a:t>v,</a:t>
-            </a:r>
-            <a:r>
-              <a:rPr lang="en-US" dirty="0"/>
-              <a:t> we consider the depth to be 1, e.g., D(num) = 1</a:t>
-            </a:r>
-          </a:p>
-          <a:p>
-            <a:pPr lvl="1"/>
-            <a:r>
-              <a:rPr lang="en-US" dirty="0"/>
-              <a:t>Let op(e1, …, </a:t>
-            </a:r>
-            <a:r>
-              <a:rPr lang="en-US" dirty="0" err="1"/>
-              <a:t>eN</a:t>
-            </a:r>
-            <a:r>
-              <a:rPr lang="en-US" dirty="0"/>
-              <a:t>) stand for any compound expression (not just operators)</a:t>
-            </a:r>
-          </a:p>
-          <a:p>
-            <a:pPr lvl="2"/>
-            <a:r>
-              <a:rPr lang="en-US" dirty="0"/>
-              <a:t>Then D(</a:t>
-            </a:r>
-            <a:r>
-              <a:rPr lang="en-US" dirty="0" err="1"/>
-              <a:t>eK</a:t>
-            </a:r>
-            <a:r>
-              <a:rPr lang="en-US" dirty="0"/>
-              <a:t>) is the work of the </a:t>
-            </a:r>
-            <a:r>
-              <a:rPr lang="en-US" dirty="0" err="1"/>
-              <a:t>k’th</a:t>
-            </a:r>
-            <a:r>
-              <a:rPr lang="en-US" dirty="0"/>
-              <a:t> operand</a:t>
-            </a:r>
-          </a:p>
-          <a:p>
-            <a:pPr lvl="2"/>
-            <a:r>
-              <a:rPr lang="en-US" dirty="0"/>
-              <a:t>And D(op(e1,…,</a:t>
-            </a:r>
-            <a:r>
-              <a:rPr lang="en-US" dirty="0" err="1"/>
-              <a:t>eN</a:t>
-            </a:r>
-            <a:r>
-              <a:rPr lang="en-US" dirty="0"/>
-              <a:t>)) = 1 + max(D(e1), …, D(</a:t>
-            </a:r>
-            <a:r>
-              <a:rPr lang="en-US" dirty="0" err="1"/>
-              <a:t>eN</a:t>
-            </a:r>
-            <a:r>
-              <a:rPr lang="en-US" dirty="0"/>
-              <a:t>))</a:t>
-            </a:r>
-          </a:p>
-          <a:p>
-            <a:pPr lvl="1"/>
-            <a:r>
-              <a:rPr lang="en-US" dirty="0"/>
-              <a:t>What about e1(e2), i.e., expression e1 depends on e2?</a:t>
-            </a:r>
-          </a:p>
-          <a:p>
-            <a:pPr lvl="2"/>
-            <a:r>
-              <a:rPr lang="en-US" dirty="0"/>
-              <a:t>D(e1(e2)) = D(e1) + D(e2), must do e2 before e1</a:t>
+              <a:t>e.g. W(Sort(n)) is O(n log n), D(Sort(n)) is O(log(n)^2), using trees</a:t>
             </a:r>
           </a:p>
         </p:txBody>
@@ -13034,7 +12993,7 @@
     </p:spTree>
     <p:extLst>
       <p:ext uri="{BB962C8B-B14F-4D97-AF65-F5344CB8AC3E}">
-        <p14:creationId xmlns:p14="http://schemas.microsoft.com/office/powerpoint/2010/main" val="4034875622"/>
+        <p14:creationId xmlns:p14="http://schemas.microsoft.com/office/powerpoint/2010/main" val="164910630"/>
       </p:ext>
     </p:extLst>
   </p:cSld>
@@ -13066,6 +13025,211 @@
           <p:cNvPr id="2" name="Title 1">
             <a:extLst>
               <a:ext uri="{FF2B5EF4-FFF2-40B4-BE49-F238E27FC236}">
+                <a16:creationId xmlns:a16="http://schemas.microsoft.com/office/drawing/2014/main" id="{77AC9ED7-AD27-7AD0-3006-44C438F0F124}"/>
+              </a:ext>
+            </a:extLst>
+          </p:cNvPr>
+          <p:cNvSpPr>
+            <a:spLocks noGrp="1"/>
+          </p:cNvSpPr>
+          <p:nvPr>
+            <p:ph type="title"/>
+          </p:nvPr>
+        </p:nvSpPr>
+        <p:spPr/>
+        <p:txBody>
+          <a:bodyPr/>
+          <a:lstStyle/>
+          <a:p>
+            <a:r>
+              <a:rPr lang="en-US" dirty="0"/>
+              <a:t>Computing Depth – Main Ideas</a:t>
+            </a:r>
+          </a:p>
+        </p:txBody>
+      </p:sp>
+      <p:sp>
+        <p:nvSpPr>
+          <p:cNvPr id="3" name="Content Placeholder 2">
+            <a:extLst>
+              <a:ext uri="{FF2B5EF4-FFF2-40B4-BE49-F238E27FC236}">
+                <a16:creationId xmlns:a16="http://schemas.microsoft.com/office/drawing/2014/main" id="{A844DA7D-F623-0D5A-86DA-6F52D40BE786}"/>
+              </a:ext>
+            </a:extLst>
+          </p:cNvPr>
+          <p:cNvSpPr>
+            <a:spLocks noGrp="1"/>
+          </p:cNvSpPr>
+          <p:nvPr>
+            <p:ph idx="1"/>
+          </p:nvPr>
+        </p:nvSpPr>
+        <p:spPr/>
+        <p:txBody>
+          <a:bodyPr/>
+          <a:lstStyle/>
+          <a:p>
+            <a:r>
+              <a:rPr lang="en-US" dirty="0"/>
+              <a:t>The work D(e) of an expression is parallel running time</a:t>
+            </a:r>
+          </a:p>
+          <a:p>
+            <a:pPr lvl="1"/>
+            <a:r>
+              <a:rPr lang="en-US" dirty="0"/>
+              <a:t>For values </a:t>
+            </a:r>
+            <a:r>
+              <a:rPr lang="en-US" i="1" dirty="0"/>
+              <a:t>v,</a:t>
+            </a:r>
+            <a:r>
+              <a:rPr lang="en-US" dirty="0"/>
+              <a:t> we consider the depth to be 1, e.g., D(num) = 1</a:t>
+            </a:r>
+          </a:p>
+          <a:p>
+            <a:pPr lvl="1"/>
+            <a:r>
+              <a:rPr lang="en-US" dirty="0"/>
+              <a:t>Let op(e1, …, </a:t>
+            </a:r>
+            <a:r>
+              <a:rPr lang="en-US" dirty="0" err="1"/>
+              <a:t>eN</a:t>
+            </a:r>
+            <a:r>
+              <a:rPr lang="en-US" dirty="0"/>
+              <a:t>) stand for any compound expression (not just operators)</a:t>
+            </a:r>
+          </a:p>
+          <a:p>
+            <a:pPr lvl="2"/>
+            <a:r>
+              <a:rPr lang="en-US" dirty="0"/>
+              <a:t>Then D(</a:t>
+            </a:r>
+            <a:r>
+              <a:rPr lang="en-US" dirty="0" err="1"/>
+              <a:t>eK</a:t>
+            </a:r>
+            <a:r>
+              <a:rPr lang="en-US" dirty="0"/>
+              <a:t>) is the work of the </a:t>
+            </a:r>
+            <a:r>
+              <a:rPr lang="en-US" dirty="0" err="1"/>
+              <a:t>k’th</a:t>
+            </a:r>
+            <a:r>
+              <a:rPr lang="en-US" dirty="0"/>
+              <a:t> operand</a:t>
+            </a:r>
+          </a:p>
+          <a:p>
+            <a:pPr lvl="2"/>
+            <a:r>
+              <a:rPr lang="en-US" dirty="0"/>
+              <a:t>And D(op(e1,…,</a:t>
+            </a:r>
+            <a:r>
+              <a:rPr lang="en-US" dirty="0" err="1"/>
+              <a:t>eN</a:t>
+            </a:r>
+            <a:r>
+              <a:rPr lang="en-US" dirty="0"/>
+              <a:t>)) = 1 + max(D(e1), …, D(</a:t>
+            </a:r>
+            <a:r>
+              <a:rPr lang="en-US" dirty="0" err="1"/>
+              <a:t>eN</a:t>
+            </a:r>
+            <a:r>
+              <a:rPr lang="en-US" dirty="0"/>
+              <a:t>))</a:t>
+            </a:r>
+          </a:p>
+          <a:p>
+            <a:pPr lvl="1"/>
+            <a:r>
+              <a:rPr lang="en-US" dirty="0"/>
+              <a:t>What about e1(e2), i.e., expression e1 depends on e2?</a:t>
+            </a:r>
+          </a:p>
+          <a:p>
+            <a:pPr lvl="2"/>
+            <a:r>
+              <a:rPr lang="en-US" dirty="0"/>
+              <a:t>D(e1(e2)) = D(e1) + D(e2), must do e2 before e1</a:t>
+            </a:r>
+          </a:p>
+        </p:txBody>
+      </p:sp>
+      <p:sp>
+        <p:nvSpPr>
+          <p:cNvPr id="4" name="Slide Number Placeholder 3">
+            <a:extLst>
+              <a:ext uri="{FF2B5EF4-FFF2-40B4-BE49-F238E27FC236}">
+                <a16:creationId xmlns:a16="http://schemas.microsoft.com/office/drawing/2014/main" id="{99547BA5-66DB-6AD0-2047-F6C77D8D0970}"/>
+              </a:ext>
+            </a:extLst>
+          </p:cNvPr>
+          <p:cNvSpPr>
+            <a:spLocks noGrp="1"/>
+          </p:cNvSpPr>
+          <p:nvPr>
+            <p:ph type="sldNum" sz="quarter" idx="12"/>
+          </p:nvPr>
+        </p:nvSpPr>
+        <p:spPr/>
+        <p:txBody>
+          <a:bodyPr/>
+          <a:lstStyle/>
+          <a:p>
+            <a:fld id="{9BF27F29-4B64-4A24-936A-FF41C34C242B}" type="slidenum">
+              <a:rPr lang="en-US" smtClean="0"/>
+              <a:t>27</a:t>
+            </a:fld>
+            <a:endParaRPr lang="en-US"/>
+          </a:p>
+        </p:txBody>
+      </p:sp>
+    </p:spTree>
+    <p:extLst>
+      <p:ext uri="{BB962C8B-B14F-4D97-AF65-F5344CB8AC3E}">
+        <p14:creationId xmlns:p14="http://schemas.microsoft.com/office/powerpoint/2010/main" val="4034875622"/>
+      </p:ext>
+    </p:extLst>
+  </p:cSld>
+  <p:clrMapOvr>
+    <a:masterClrMapping/>
+  </p:clrMapOvr>
+</p:sld>
+</file>
+
+<file path=ppt/slides/slide28.xml><?xml version="1.0" encoding="utf-8"?>
+<p:sld xmlns:a="http://schemas.openxmlformats.org/drawingml/2006/main" xmlns:r="http://schemas.openxmlformats.org/officeDocument/2006/relationships" xmlns:p="http://schemas.openxmlformats.org/presentationml/2006/main">
+  <p:cSld>
+    <p:spTree>
+      <p:nvGrpSpPr>
+        <p:cNvPr id="1" name=""/>
+        <p:cNvGrpSpPr/>
+        <p:nvPr/>
+      </p:nvGrpSpPr>
+      <p:grpSpPr>
+        <a:xfrm>
+          <a:off x="0" y="0"/>
+          <a:ext cx="0" cy="0"/>
+          <a:chOff x="0" y="0"/>
+          <a:chExt cx="0" cy="0"/>
+        </a:xfrm>
+      </p:grpSpPr>
+      <p:sp>
+        <p:nvSpPr>
+          <p:cNvPr id="2" name="Title 1">
+            <a:extLst>
+              <a:ext uri="{FF2B5EF4-FFF2-40B4-BE49-F238E27FC236}">
                 <a16:creationId xmlns:a16="http://schemas.microsoft.com/office/drawing/2014/main" id="{AF325E26-EA7E-BD4A-79A2-D1CEDD79FCEF}"/>
               </a:ext>
             </a:extLst>
@@ -13171,7 +13335,7 @@
           <a:p>
             <a:fld id="{9BF27F29-4B64-4A24-936A-FF41C34C242B}" type="slidenum">
               <a:rPr lang="en-US" smtClean="0"/>
-              <a:t>27</a:t>
+              <a:t>28</a:t>
             </a:fld>
             <a:endParaRPr lang="en-US"/>
           </a:p>
@@ -14263,7 +14427,7 @@
 </p:sld>
 </file>
 
-<file path=ppt/slides/slide28.xml><?xml version="1.0" encoding="utf-8"?>
+<file path=ppt/slides/slide29.xml><?xml version="1.0" encoding="utf-8"?>
 <p:sld xmlns:a="http://schemas.openxmlformats.org/drawingml/2006/main" xmlns:r="http://schemas.openxmlformats.org/officeDocument/2006/relationships" xmlns:p="http://schemas.openxmlformats.org/presentationml/2006/main">
   <p:cSld>
     <p:spTree>
@@ -14385,7 +14549,7 @@
           <a:p>
             <a:fld id="{9BF27F29-4B64-4A24-936A-FF41C34C242B}" type="slidenum">
               <a:rPr lang="en-US" smtClean="0"/>
-              <a:t>28</a:t>
+              <a:t>29</a:t>
             </a:fld>
             <a:endParaRPr lang="en-US"/>
           </a:p>
@@ -15501,151 +15665,6 @@
 </p:sld>
 </file>
 
-<file path=ppt/slides/slide29.xml><?xml version="1.0" encoding="utf-8"?>
-<p:sld xmlns:a="http://schemas.openxmlformats.org/drawingml/2006/main" xmlns:r="http://schemas.openxmlformats.org/officeDocument/2006/relationships" xmlns:p="http://schemas.openxmlformats.org/presentationml/2006/main">
-  <p:cSld>
-    <p:spTree>
-      <p:nvGrpSpPr>
-        <p:cNvPr id="1" name=""/>
-        <p:cNvGrpSpPr/>
-        <p:nvPr/>
-      </p:nvGrpSpPr>
-      <p:grpSpPr>
-        <a:xfrm>
-          <a:off x="0" y="0"/>
-          <a:ext cx="0" cy="0"/>
-          <a:chOff x="0" y="0"/>
-          <a:chExt cx="0" cy="0"/>
-        </a:xfrm>
-      </p:grpSpPr>
-      <p:sp>
-        <p:nvSpPr>
-          <p:cNvPr id="2" name="Title 1">
-            <a:extLst>
-              <a:ext uri="{FF2B5EF4-FFF2-40B4-BE49-F238E27FC236}">
-                <a16:creationId xmlns:a16="http://schemas.microsoft.com/office/drawing/2014/main" id="{3356B864-AB66-67B5-034B-AF56B350267C}"/>
-              </a:ext>
-            </a:extLst>
-          </p:cNvPr>
-          <p:cNvSpPr>
-            <a:spLocks noGrp="1"/>
-          </p:cNvSpPr>
-          <p:nvPr>
-            <p:ph type="title"/>
-          </p:nvPr>
-        </p:nvSpPr>
-        <p:spPr/>
-        <p:txBody>
-          <a:bodyPr/>
-          <a:lstStyle/>
-          <a:p>
-            <a:r>
-              <a:rPr lang="en-US" dirty="0"/>
-              <a:t>Parallel Cost Semantics: Theorems</a:t>
-            </a:r>
-          </a:p>
-        </p:txBody>
-      </p:sp>
-      <p:sp>
-        <p:nvSpPr>
-          <p:cNvPr id="3" name="Content Placeholder 2">
-            <a:extLst>
-              <a:ext uri="{FF2B5EF4-FFF2-40B4-BE49-F238E27FC236}">
-                <a16:creationId xmlns:a16="http://schemas.microsoft.com/office/drawing/2014/main" id="{A45D9990-BAF0-9877-3B69-9E568EA22882}"/>
-              </a:ext>
-            </a:extLst>
-          </p:cNvPr>
-          <p:cNvSpPr>
-            <a:spLocks noGrp="1"/>
-          </p:cNvSpPr>
-          <p:nvPr>
-            <p:ph idx="1"/>
-          </p:nvPr>
-        </p:nvSpPr>
-        <p:spPr/>
-        <p:txBody>
-          <a:bodyPr/>
-          <a:lstStyle/>
-          <a:p>
-            <a:r>
-              <a:rPr lang="en-US" b="1" dirty="0"/>
-              <a:t>Theorem:</a:t>
-            </a:r>
-            <a:r>
-              <a:rPr lang="en-US" dirty="0"/>
-              <a:t> Let D be the formal derivation of judgement E  ⊢ e ↪ v ∈ (</a:t>
-            </a:r>
-            <a:r>
-              <a:rPr lang="en-US" dirty="0" err="1"/>
-              <a:t>w,d</a:t>
-            </a:r>
-            <a:r>
-              <a:rPr lang="en-US" dirty="0"/>
-              <a:t>), then the number of nodes (rule applications) in derivation D is exactly w and the height of D (number of rule applications on longest path from root to leaf) is exactly d. </a:t>
-            </a:r>
-          </a:p>
-          <a:p>
-            <a:r>
-              <a:rPr lang="en-US" b="1" dirty="0"/>
-              <a:t>Theorem:</a:t>
-            </a:r>
-            <a:r>
-              <a:rPr lang="en-US" dirty="0"/>
-              <a:t>  Let  E  ⊢ e ↦ₙ e’  denote that in environment E, program e steps to program e’ in exactly n steps of small-step sequential semantics. The theorem states that whenever  E  ⊢ e ↪ v ∈ (m, d)  holds, then  E  ⊢ e ↦ₙ e’  holds for some  </a:t>
-            </a:r>
-            <a:r>
-              <a:rPr lang="en-US" dirty="0" err="1"/>
-              <a:t>n≤m</a:t>
-            </a:r>
-            <a:r>
-              <a:rPr lang="en-US" dirty="0"/>
-              <a:t>. </a:t>
-            </a:r>
-          </a:p>
-        </p:txBody>
-      </p:sp>
-      <p:sp>
-        <p:nvSpPr>
-          <p:cNvPr id="4" name="Slide Number Placeholder 3">
-            <a:extLst>
-              <a:ext uri="{FF2B5EF4-FFF2-40B4-BE49-F238E27FC236}">
-                <a16:creationId xmlns:a16="http://schemas.microsoft.com/office/drawing/2014/main" id="{93718195-2C81-6B36-98AD-0E2D46669C98}"/>
-              </a:ext>
-            </a:extLst>
-          </p:cNvPr>
-          <p:cNvSpPr>
-            <a:spLocks noGrp="1"/>
-          </p:cNvSpPr>
-          <p:nvPr>
-            <p:ph type="sldNum" sz="quarter" idx="12"/>
-          </p:nvPr>
-        </p:nvSpPr>
-        <p:spPr/>
-        <p:txBody>
-          <a:bodyPr/>
-          <a:lstStyle/>
-          <a:p>
-            <a:fld id="{9BF27F29-4B64-4A24-936A-FF41C34C242B}" type="slidenum">
-              <a:rPr lang="en-US" smtClean="0"/>
-              <a:t>29</a:t>
-            </a:fld>
-            <a:endParaRPr lang="en-US"/>
-          </a:p>
-        </p:txBody>
-      </p:sp>
-    </p:spTree>
-    <p:extLst>
-      <p:ext uri="{BB962C8B-B14F-4D97-AF65-F5344CB8AC3E}">
-        <p14:creationId xmlns:p14="http://schemas.microsoft.com/office/powerpoint/2010/main" val="130130796"/>
-      </p:ext>
-    </p:extLst>
-  </p:cSld>
-  <p:clrMapOvr>
-    <a:masterClrMapping/>
-  </p:clrMapOvr>
-</p:sld>
-</file>
-
 <file path=ppt/slides/slide3.xml><?xml version="1.0" encoding="utf-8"?>
 <p:sld xmlns:a="http://schemas.openxmlformats.org/drawingml/2006/main" xmlns:r="http://schemas.openxmlformats.org/officeDocument/2006/relationships" xmlns:p="http://schemas.openxmlformats.org/presentationml/2006/main">
   <p:cSld>
@@ -15830,7 +15849,7 @@
           <p:cNvPr id="2" name="Title 1">
             <a:extLst>
               <a:ext uri="{FF2B5EF4-FFF2-40B4-BE49-F238E27FC236}">
-                <a16:creationId xmlns:a16="http://schemas.microsoft.com/office/drawing/2014/main" id="{1A925675-C503-CE37-D981-4A7DB11F9ECF}"/>
+                <a16:creationId xmlns:a16="http://schemas.microsoft.com/office/drawing/2014/main" id="{3356B864-AB66-67B5-034B-AF56B350267C}"/>
               </a:ext>
             </a:extLst>
           </p:cNvPr>
@@ -15848,7 +15867,7 @@
           <a:p>
             <a:r>
               <a:rPr lang="en-US" dirty="0"/>
-              <a:t>Example</a:t>
+              <a:t>Parallel Cost Semantics: Theorems</a:t>
             </a:r>
           </a:p>
         </p:txBody>
@@ -15858,7 +15877,7 @@
           <p:cNvPr id="3" name="Content Placeholder 2">
             <a:extLst>
               <a:ext uri="{FF2B5EF4-FFF2-40B4-BE49-F238E27FC236}">
-                <a16:creationId xmlns:a16="http://schemas.microsoft.com/office/drawing/2014/main" id="{8295E653-8F94-6DCA-CC15-BC1714F9599B}"/>
+                <a16:creationId xmlns:a16="http://schemas.microsoft.com/office/drawing/2014/main" id="{A45D9990-BAF0-9877-3B69-9E568EA22882}"/>
               </a:ext>
             </a:extLst>
           </p:cNvPr>
@@ -15869,89 +15888,45 @@
             <p:ph idx="1"/>
           </p:nvPr>
         </p:nvSpPr>
-        <p:spPr>
-          <a:xfrm>
-            <a:off x="1097280" y="1845734"/>
-            <a:ext cx="6278880" cy="4023360"/>
-          </a:xfrm>
-        </p:spPr>
+        <p:spPr/>
         <p:txBody>
           <a:bodyPr/>
           <a:lstStyle/>
           <a:p>
             <a:r>
-              <a:rPr lang="en-US" b="0" i="0" dirty="0">
-                <a:solidFill>
-                  <a:schemeClr val="tx1"/>
-                </a:solidFill>
-                <a:effectLst/>
-                <a:latin typeface="Source Sans Pro" panose="020B0503030403020204" pitchFamily="34" charset="0"/>
-              </a:rPr>
-              <a:t>W(pow2(0)) = 5</a:t>
-            </a:r>
-            <a:br>
-              <a:rPr lang="en-US" b="0" i="0" dirty="0">
-                <a:solidFill>
-                  <a:schemeClr val="tx1"/>
-                </a:solidFill>
-                <a:effectLst/>
-                <a:latin typeface="Source Sans Pro" panose="020B0503030403020204" pitchFamily="34" charset="0"/>
-              </a:rPr>
-            </a:br>
-            <a:r>
-              <a:rPr lang="en-US" b="0" i="0" dirty="0">
-                <a:solidFill>
-                  <a:schemeClr val="tx1"/>
-                </a:solidFill>
-                <a:effectLst/>
-                <a:latin typeface="Source Sans Pro" panose="020B0503030403020204" pitchFamily="34" charset="0"/>
-              </a:rPr>
-              <a:t>W(pow2(k)) &lt;= 23 + 2* pow2(k/2)</a:t>
-            </a:r>
-            <a:br>
-              <a:rPr lang="en-US" b="0" i="0" dirty="0">
-                <a:solidFill>
-                  <a:schemeClr val="tx1"/>
-                </a:solidFill>
-                <a:effectLst/>
-                <a:latin typeface="Source Sans Pro" panose="020B0503030403020204" pitchFamily="34" charset="0"/>
-              </a:rPr>
-            </a:br>
-            <a:r>
-              <a:rPr lang="en-US" b="0" i="0" dirty="0">
-                <a:solidFill>
-                  <a:schemeClr val="tx1"/>
-                </a:solidFill>
-                <a:effectLst/>
-                <a:latin typeface="Source Sans Pro" panose="020B0503030403020204" pitchFamily="34" charset="0"/>
-              </a:rPr>
-              <a:t>W(pow2(n)) is O(n)</a:t>
-            </a:r>
-            <a:endParaRPr lang="en-US" dirty="0"/>
-          </a:p>
-          <a:p>
-            <a:pPr marL="0" indent="0">
-              <a:buNone/>
-            </a:pPr>
-            <a:endParaRPr lang="en-US" dirty="0"/>
-          </a:p>
-          <a:p>
-            <a:pPr marL="0" indent="0">
-              <a:buNone/>
-            </a:pPr>
-            <a:endParaRPr lang="en-US" dirty="0"/>
-          </a:p>
-          <a:p>
-            <a:pPr marL="0" indent="0">
-              <a:buNone/>
-            </a:pPr>
-            <a:endParaRPr lang="en-US" dirty="0"/>
-          </a:p>
-          <a:p>
-            <a:endParaRPr lang="en-US" dirty="0"/>
-          </a:p>
-          <a:p>
-            <a:endParaRPr lang="en-US" dirty="0"/>
+              <a:rPr lang="en-US" b="1" dirty="0"/>
+              <a:t>Theorem:</a:t>
+            </a:r>
+            <a:r>
+              <a:rPr lang="en-US" dirty="0"/>
+              <a:t> Let D be the formal derivation of judgement E  ⊢ e ↪ v ∈ (</a:t>
+            </a:r>
+            <a:r>
+              <a:rPr lang="en-US" dirty="0" err="1"/>
+              <a:t>w,d</a:t>
+            </a:r>
+            <a:r>
+              <a:rPr lang="en-US" dirty="0"/>
+              <a:t>), then the number of nodes (rule applications) in derivation D is exactly w and the height of D (number of rule applications on longest path from root to leaf) is exactly d. </a:t>
+            </a:r>
+          </a:p>
+          <a:p>
+            <a:r>
+              <a:rPr lang="en-US" b="1" dirty="0"/>
+              <a:t>Theorem:</a:t>
+            </a:r>
+            <a:r>
+              <a:rPr lang="en-US" dirty="0"/>
+              <a:t>  Let  E  ⊢ e ↦ₙ e’  denote that in environment E, program e steps to program e’ in exactly n steps of small-step sequential semantics. The theorem states that whenever  E  ⊢ e ↪ v ∈ (m, d)  holds, then  E  ⊢ e ↦ₙ e’  holds for some  </a:t>
+            </a:r>
+            <a:r>
+              <a:rPr lang="en-US" dirty="0" err="1"/>
+              <a:t>n≤m</a:t>
+            </a:r>
+            <a:r>
+              <a:rPr lang="en-US" dirty="0"/>
+              <a:t>. </a:t>
+            </a:r>
           </a:p>
         </p:txBody>
       </p:sp>
@@ -15960,7 +15935,7 @@
           <p:cNvPr id="4" name="Slide Number Placeholder 3">
             <a:extLst>
               <a:ext uri="{FF2B5EF4-FFF2-40B4-BE49-F238E27FC236}">
-                <a16:creationId xmlns:a16="http://schemas.microsoft.com/office/drawing/2014/main" id="{8116D2C5-0125-7085-684F-3E58529B8085}"/>
+                <a16:creationId xmlns:a16="http://schemas.microsoft.com/office/drawing/2014/main" id="{93718195-2C81-6B36-98AD-0E2D46669C98}"/>
               </a:ext>
             </a:extLst>
           </p:cNvPr>
@@ -15984,385 +15959,10 @@
           </a:p>
         </p:txBody>
       </p:sp>
-      <p:sp>
-        <p:nvSpPr>
-          <p:cNvPr id="5" name="Content Placeholder 2">
-            <a:extLst>
-              <a:ext uri="{FF2B5EF4-FFF2-40B4-BE49-F238E27FC236}">
-                <a16:creationId xmlns:a16="http://schemas.microsoft.com/office/drawing/2014/main" id="{3AC3B5F5-68E1-510F-EFDF-50B90C0B78E0}"/>
-              </a:ext>
-            </a:extLst>
-          </p:cNvPr>
-          <p:cNvSpPr txBox="1">
-            <a:spLocks/>
-          </p:cNvSpPr>
-          <p:nvPr/>
-        </p:nvSpPr>
-        <p:spPr>
-          <a:xfrm>
-            <a:off x="6778752" y="2050318"/>
-            <a:ext cx="5560106" cy="4023360"/>
-          </a:xfrm>
-          <a:prstGeom prst="rect">
-            <a:avLst/>
-          </a:prstGeom>
-        </p:spPr>
-        <p:txBody>
-          <a:bodyPr vert="horz" lIns="0" tIns="45720" rIns="0" bIns="45720" rtlCol="0">
-            <a:normAutofit/>
-          </a:bodyPr>
-          <a:lstStyle>
-            <a:lvl1pPr marL="91440" indent="-91440" algn="l" defTabSz="914400" rtl="0" eaLnBrk="1" latinLnBrk="0" hangingPunct="1">
-              <a:lnSpc>
-                <a:spcPct val="90000"/>
-              </a:lnSpc>
-              <a:spcBef>
-                <a:spcPts val="1200"/>
-              </a:spcBef>
-              <a:spcAft>
-                <a:spcPts val="200"/>
-              </a:spcAft>
-              <a:buClr>
-                <a:schemeClr val="accent1"/>
-              </a:buClr>
-              <a:buSzPct val="100000"/>
-              <a:buFont typeface="Calibri" panose="020F0502020204030204" pitchFamily="34" charset="0"/>
-              <a:buChar char=" "/>
-              <a:defRPr sz="2800" kern="1200">
-                <a:solidFill>
-                  <a:schemeClr val="tx1">
-                    <a:lumMod val="75000"/>
-                    <a:lumOff val="25000"/>
-                  </a:schemeClr>
-                </a:solidFill>
-                <a:latin typeface="+mn-lt"/>
-                <a:ea typeface="+mn-ea"/>
-                <a:cs typeface="+mn-cs"/>
-              </a:defRPr>
-            </a:lvl1pPr>
-            <a:lvl2pPr marL="384048" indent="-182880" algn="l" defTabSz="914400" rtl="0" eaLnBrk="1" latinLnBrk="0" hangingPunct="1">
-              <a:lnSpc>
-                <a:spcPct val="90000"/>
-              </a:lnSpc>
-              <a:spcBef>
-                <a:spcPts val="200"/>
-              </a:spcBef>
-              <a:spcAft>
-                <a:spcPts val="400"/>
-              </a:spcAft>
-              <a:buClr>
-                <a:schemeClr val="accent1"/>
-              </a:buClr>
-              <a:buFont typeface="Calibri" pitchFamily="34" charset="0"/>
-              <a:buChar char="◦"/>
-              <a:defRPr sz="2400" kern="1200">
-                <a:solidFill>
-                  <a:schemeClr val="tx1">
-                    <a:lumMod val="75000"/>
-                    <a:lumOff val="25000"/>
-                  </a:schemeClr>
-                </a:solidFill>
-                <a:latin typeface="+mn-lt"/>
-                <a:ea typeface="+mn-ea"/>
-                <a:cs typeface="+mn-cs"/>
-              </a:defRPr>
-            </a:lvl2pPr>
-            <a:lvl3pPr marL="566928" indent="-182880" algn="l" defTabSz="914400" rtl="0" eaLnBrk="1" latinLnBrk="0" hangingPunct="1">
-              <a:lnSpc>
-                <a:spcPct val="90000"/>
-              </a:lnSpc>
-              <a:spcBef>
-                <a:spcPts val="200"/>
-              </a:spcBef>
-              <a:spcAft>
-                <a:spcPts val="400"/>
-              </a:spcAft>
-              <a:buClr>
-                <a:schemeClr val="accent1"/>
-              </a:buClr>
-              <a:buFont typeface="Calibri" pitchFamily="34" charset="0"/>
-              <a:buChar char="◦"/>
-              <a:defRPr sz="2200" kern="1200">
-                <a:solidFill>
-                  <a:schemeClr val="tx1">
-                    <a:lumMod val="75000"/>
-                    <a:lumOff val="25000"/>
-                  </a:schemeClr>
-                </a:solidFill>
-                <a:latin typeface="+mn-lt"/>
-                <a:ea typeface="+mn-ea"/>
-                <a:cs typeface="+mn-cs"/>
-              </a:defRPr>
-            </a:lvl3pPr>
-            <a:lvl4pPr marL="749808" indent="-182880" algn="l" defTabSz="914400" rtl="0" eaLnBrk="1" latinLnBrk="0" hangingPunct="1">
-              <a:lnSpc>
-                <a:spcPct val="90000"/>
-              </a:lnSpc>
-              <a:spcBef>
-                <a:spcPts val="200"/>
-              </a:spcBef>
-              <a:spcAft>
-                <a:spcPts val="400"/>
-              </a:spcAft>
-              <a:buClr>
-                <a:schemeClr val="accent1"/>
-              </a:buClr>
-              <a:buFont typeface="Calibri" pitchFamily="34" charset="0"/>
-              <a:buChar char="◦"/>
-              <a:defRPr sz="2000" kern="1200">
-                <a:solidFill>
-                  <a:schemeClr val="tx1">
-                    <a:lumMod val="75000"/>
-                    <a:lumOff val="25000"/>
-                  </a:schemeClr>
-                </a:solidFill>
-                <a:latin typeface="+mn-lt"/>
-                <a:ea typeface="+mn-ea"/>
-                <a:cs typeface="+mn-cs"/>
-              </a:defRPr>
-            </a:lvl4pPr>
-            <a:lvl5pPr marL="932688" indent="-182880" algn="l" defTabSz="914400" rtl="0" eaLnBrk="1" latinLnBrk="0" hangingPunct="1">
-              <a:lnSpc>
-                <a:spcPct val="90000"/>
-              </a:lnSpc>
-              <a:spcBef>
-                <a:spcPts val="200"/>
-              </a:spcBef>
-              <a:spcAft>
-                <a:spcPts val="400"/>
-              </a:spcAft>
-              <a:buClr>
-                <a:schemeClr val="accent1"/>
-              </a:buClr>
-              <a:buFont typeface="Calibri" pitchFamily="34" charset="0"/>
-              <a:buChar char="◦"/>
-              <a:defRPr sz="1800" kern="1200">
-                <a:solidFill>
-                  <a:schemeClr val="tx1">
-                    <a:lumMod val="75000"/>
-                    <a:lumOff val="25000"/>
-                  </a:schemeClr>
-                </a:solidFill>
-                <a:latin typeface="+mn-lt"/>
-                <a:ea typeface="+mn-ea"/>
-                <a:cs typeface="+mn-cs"/>
-              </a:defRPr>
-            </a:lvl5pPr>
-            <a:lvl6pPr marL="1100000" indent="-228600" algn="l" defTabSz="914400" rtl="0" eaLnBrk="1" latinLnBrk="0" hangingPunct="1">
-              <a:lnSpc>
-                <a:spcPct val="90000"/>
-              </a:lnSpc>
-              <a:spcBef>
-                <a:spcPts val="200"/>
-              </a:spcBef>
-              <a:spcAft>
-                <a:spcPts val="400"/>
-              </a:spcAft>
-              <a:buClr>
-                <a:schemeClr val="accent1"/>
-              </a:buClr>
-              <a:buFont typeface="Calibri" pitchFamily="34" charset="0"/>
-              <a:buChar char="◦"/>
-              <a:defRPr sz="1400" kern="1200">
-                <a:solidFill>
-                  <a:schemeClr val="tx1">
-                    <a:lumMod val="75000"/>
-                    <a:lumOff val="25000"/>
-                  </a:schemeClr>
-                </a:solidFill>
-                <a:latin typeface="+mn-lt"/>
-                <a:ea typeface="+mn-ea"/>
-                <a:cs typeface="+mn-cs"/>
-              </a:defRPr>
-            </a:lvl6pPr>
-            <a:lvl7pPr marL="1300000" indent="-228600" algn="l" defTabSz="914400" rtl="0" eaLnBrk="1" latinLnBrk="0" hangingPunct="1">
-              <a:lnSpc>
-                <a:spcPct val="90000"/>
-              </a:lnSpc>
-              <a:spcBef>
-                <a:spcPts val="200"/>
-              </a:spcBef>
-              <a:spcAft>
-                <a:spcPts val="400"/>
-              </a:spcAft>
-              <a:buClr>
-                <a:schemeClr val="accent1"/>
-              </a:buClr>
-              <a:buFont typeface="Calibri" pitchFamily="34" charset="0"/>
-              <a:buChar char="◦"/>
-              <a:defRPr sz="1400" kern="1200">
-                <a:solidFill>
-                  <a:schemeClr val="tx1">
-                    <a:lumMod val="75000"/>
-                    <a:lumOff val="25000"/>
-                  </a:schemeClr>
-                </a:solidFill>
-                <a:latin typeface="+mn-lt"/>
-                <a:ea typeface="+mn-ea"/>
-                <a:cs typeface="+mn-cs"/>
-              </a:defRPr>
-            </a:lvl7pPr>
-            <a:lvl8pPr marL="1500000" indent="-228600" algn="l" defTabSz="914400" rtl="0" eaLnBrk="1" latinLnBrk="0" hangingPunct="1">
-              <a:lnSpc>
-                <a:spcPct val="90000"/>
-              </a:lnSpc>
-              <a:spcBef>
-                <a:spcPts val="200"/>
-              </a:spcBef>
-              <a:spcAft>
-                <a:spcPts val="400"/>
-              </a:spcAft>
-              <a:buClr>
-                <a:schemeClr val="accent1"/>
-              </a:buClr>
-              <a:buFont typeface="Calibri" pitchFamily="34" charset="0"/>
-              <a:buChar char="◦"/>
-              <a:defRPr sz="1400" kern="1200">
-                <a:solidFill>
-                  <a:schemeClr val="tx1">
-                    <a:lumMod val="75000"/>
-                    <a:lumOff val="25000"/>
-                  </a:schemeClr>
-                </a:solidFill>
-                <a:latin typeface="+mn-lt"/>
-                <a:ea typeface="+mn-ea"/>
-                <a:cs typeface="+mn-cs"/>
-              </a:defRPr>
-            </a:lvl8pPr>
-            <a:lvl9pPr marL="1700000" indent="-228600" algn="l" defTabSz="914400" rtl="0" eaLnBrk="1" latinLnBrk="0" hangingPunct="1">
-              <a:lnSpc>
-                <a:spcPct val="90000"/>
-              </a:lnSpc>
-              <a:spcBef>
-                <a:spcPts val="200"/>
-              </a:spcBef>
-              <a:spcAft>
-                <a:spcPts val="400"/>
-              </a:spcAft>
-              <a:buClr>
-                <a:schemeClr val="accent1"/>
-              </a:buClr>
-              <a:buFont typeface="Calibri" pitchFamily="34" charset="0"/>
-              <a:buChar char="◦"/>
-              <a:defRPr sz="1400" kern="1200">
-                <a:solidFill>
-                  <a:schemeClr val="tx1">
-                    <a:lumMod val="75000"/>
-                    <a:lumOff val="25000"/>
-                  </a:schemeClr>
-                </a:solidFill>
-                <a:latin typeface="+mn-lt"/>
-                <a:ea typeface="+mn-ea"/>
-                <a:cs typeface="+mn-cs"/>
-              </a:defRPr>
-            </a:lvl9pPr>
-          </a:lstStyle>
-          <a:p>
-            <a:endParaRPr lang="en-US" dirty="0">
-              <a:latin typeface="Consolas" panose="020B0609020204030204" pitchFamily="49" charset="0"/>
-            </a:endParaRPr>
-          </a:p>
-          <a:p>
-            <a:r>
-              <a:rPr lang="en-US" dirty="0">
-                <a:latin typeface="Consolas" panose="020B0609020204030204" pitchFamily="49" charset="0"/>
-              </a:rPr>
-              <a:t>fun pow2(k) =</a:t>
-            </a:r>
-            <a:br>
-              <a:rPr lang="en-US" dirty="0">
-                <a:latin typeface="Consolas" panose="020B0609020204030204" pitchFamily="49" charset="0"/>
-              </a:rPr>
-            </a:br>
-            <a:r>
-              <a:rPr lang="en-US" dirty="0">
-                <a:latin typeface="Consolas" panose="020B0609020204030204" pitchFamily="49" charset="0"/>
-              </a:rPr>
-              <a:t>  if k = 0 { 1 }</a:t>
-            </a:r>
-            <a:br>
-              <a:rPr lang="en-US" dirty="0">
-                <a:latin typeface="Consolas" panose="020B0609020204030204" pitchFamily="49" charset="0"/>
-              </a:rPr>
-            </a:br>
-            <a:r>
-              <a:rPr lang="en-US" dirty="0">
-                <a:latin typeface="Consolas" panose="020B0609020204030204" pitchFamily="49" charset="0"/>
-              </a:rPr>
-              <a:t>  else if k % 2 = 0 {</a:t>
-            </a:r>
-            <a:br>
-              <a:rPr lang="en-US" dirty="0">
-                <a:latin typeface="Consolas" panose="020B0609020204030204" pitchFamily="49" charset="0"/>
-              </a:rPr>
-            </a:br>
-            <a:r>
-              <a:rPr lang="en-US" dirty="0">
-                <a:latin typeface="Consolas" panose="020B0609020204030204" pitchFamily="49" charset="0"/>
-              </a:rPr>
-              <a:t>    pow2(k/2) * pow2(k/2)</a:t>
-            </a:r>
-            <a:br>
-              <a:rPr lang="en-US" dirty="0">
-                <a:latin typeface="Consolas" panose="020B0609020204030204" pitchFamily="49" charset="0"/>
-              </a:rPr>
-            </a:br>
-            <a:r>
-              <a:rPr lang="en-US" dirty="0">
-                <a:latin typeface="Consolas" panose="020B0609020204030204" pitchFamily="49" charset="0"/>
-              </a:rPr>
-              <a:t>  }</a:t>
-            </a:r>
-            <a:br>
-              <a:rPr lang="en-US" dirty="0">
-                <a:latin typeface="Consolas" panose="020B0609020204030204" pitchFamily="49" charset="0"/>
-              </a:rPr>
-            </a:br>
-            <a:r>
-              <a:rPr lang="en-US" dirty="0">
-                <a:latin typeface="Consolas" panose="020B0609020204030204" pitchFamily="49" charset="0"/>
-              </a:rPr>
-              <a:t>  else </a:t>
-            </a:r>
-            <a:br>
-              <a:rPr lang="en-US" dirty="0">
-                <a:latin typeface="Consolas" panose="020B0609020204030204" pitchFamily="49" charset="0"/>
-              </a:rPr>
-            </a:br>
-            <a:r>
-              <a:rPr lang="en-US" dirty="0">
-                <a:latin typeface="Consolas" panose="020B0609020204030204" pitchFamily="49" charset="0"/>
-              </a:rPr>
-              <a:t>    2*pow2((k-1)/2)</a:t>
-            </a:r>
-            <a:br>
-              <a:rPr lang="en-US" dirty="0">
-                <a:latin typeface="Consolas" panose="020B0609020204030204" pitchFamily="49" charset="0"/>
-              </a:rPr>
-            </a:br>
-            <a:r>
-              <a:rPr lang="en-US" dirty="0">
-                <a:latin typeface="Consolas" panose="020B0609020204030204" pitchFamily="49" charset="0"/>
-              </a:rPr>
-              <a:t>     *pow2((k-1)/2)</a:t>
-            </a:r>
-          </a:p>
-          <a:p>
-            <a:endParaRPr lang="en-US" dirty="0">
-              <a:latin typeface="Consolas" panose="020B0609020204030204" pitchFamily="49" charset="0"/>
-            </a:endParaRPr>
-          </a:p>
-          <a:p>
-            <a:endParaRPr lang="en-US" dirty="0">
-              <a:latin typeface="Consolas" panose="020B0609020204030204" pitchFamily="49" charset="0"/>
-            </a:endParaRPr>
-          </a:p>
-        </p:txBody>
-      </p:sp>
     </p:spTree>
     <p:extLst>
       <p:ext uri="{BB962C8B-B14F-4D97-AF65-F5344CB8AC3E}">
-        <p14:creationId xmlns:p14="http://schemas.microsoft.com/office/powerpoint/2010/main" val="3676451578"/>
+        <p14:creationId xmlns:p14="http://schemas.microsoft.com/office/powerpoint/2010/main" val="130130796"/>
       </p:ext>
     </p:extLst>
   </p:cSld>
@@ -16503,63 +16103,6 @@
             <a:pPr marL="0" indent="0">
               <a:buNone/>
             </a:pPr>
-            <a:r>
-              <a:rPr lang="en-US" dirty="0">
-                <a:solidFill>
-                  <a:schemeClr val="tx1"/>
-                </a:solidFill>
-                <a:latin typeface="Source Sans Pro" panose="020B0503030403020204" pitchFamily="34" charset="0"/>
-              </a:rPr>
-              <a:t>D</a:t>
-            </a:r>
-            <a:r>
-              <a:rPr lang="en-US" b="0" i="0" dirty="0">
-                <a:solidFill>
-                  <a:schemeClr val="tx1"/>
-                </a:solidFill>
-                <a:effectLst/>
-                <a:latin typeface="Source Sans Pro" panose="020B0503030403020204" pitchFamily="34" charset="0"/>
-              </a:rPr>
-              <a:t>(pow2(0)) = 4</a:t>
-            </a:r>
-            <a:br>
-              <a:rPr lang="en-US" b="0" i="0" dirty="0">
-                <a:solidFill>
-                  <a:schemeClr val="tx1"/>
-                </a:solidFill>
-                <a:effectLst/>
-                <a:latin typeface="Source Sans Pro" panose="020B0503030403020204" pitchFamily="34" charset="0"/>
-              </a:rPr>
-            </a:br>
-            <a:r>
-              <a:rPr lang="en-US" b="0" i="0" dirty="0">
-                <a:solidFill>
-                  <a:schemeClr val="tx1"/>
-                </a:solidFill>
-                <a:effectLst/>
-                <a:latin typeface="Source Sans Pro" panose="020B0503030403020204" pitchFamily="34" charset="0"/>
-              </a:rPr>
-              <a:t>D(pow2(k)) &lt;= 12 + pow2(k/2)</a:t>
-            </a:r>
-            <a:br>
-              <a:rPr lang="en-US" b="0" i="0" dirty="0">
-                <a:solidFill>
-                  <a:schemeClr val="tx1"/>
-                </a:solidFill>
-                <a:effectLst/>
-                <a:latin typeface="Source Sans Pro" panose="020B0503030403020204" pitchFamily="34" charset="0"/>
-              </a:rPr>
-            </a:br>
-            <a:r>
-              <a:rPr lang="en-US" b="0" i="0" dirty="0">
-                <a:solidFill>
-                  <a:schemeClr val="tx1"/>
-                </a:solidFill>
-                <a:effectLst/>
-                <a:latin typeface="Source Sans Pro" panose="020B0503030403020204" pitchFamily="34" charset="0"/>
-              </a:rPr>
-              <a:t>D(pow2(n)) is O(log(n))</a:t>
-            </a:r>
             <a:endParaRPr lang="en-US" dirty="0"/>
           </a:p>
           <a:p>
@@ -16983,7 +16526,7 @@
     </p:spTree>
     <p:extLst>
       <p:ext uri="{BB962C8B-B14F-4D97-AF65-F5344CB8AC3E}">
-        <p14:creationId xmlns:p14="http://schemas.microsoft.com/office/powerpoint/2010/main" val="2210345270"/>
+        <p14:creationId xmlns:p14="http://schemas.microsoft.com/office/powerpoint/2010/main" val="3676451578"/>
       </p:ext>
     </p:extLst>
   </p:cSld>
@@ -17015,6 +16558,627 @@
           <p:cNvPr id="2" name="Title 1">
             <a:extLst>
               <a:ext uri="{FF2B5EF4-FFF2-40B4-BE49-F238E27FC236}">
+                <a16:creationId xmlns:a16="http://schemas.microsoft.com/office/drawing/2014/main" id="{1A925675-C503-CE37-D981-4A7DB11F9ECF}"/>
+              </a:ext>
+            </a:extLst>
+          </p:cNvPr>
+          <p:cNvSpPr>
+            <a:spLocks noGrp="1"/>
+          </p:cNvSpPr>
+          <p:nvPr>
+            <p:ph type="title"/>
+          </p:nvPr>
+        </p:nvSpPr>
+        <p:spPr/>
+        <p:txBody>
+          <a:bodyPr/>
+          <a:lstStyle/>
+          <a:p>
+            <a:r>
+              <a:rPr lang="en-US" dirty="0"/>
+              <a:t>Example</a:t>
+            </a:r>
+          </a:p>
+        </p:txBody>
+      </p:sp>
+      <p:sp>
+        <p:nvSpPr>
+          <p:cNvPr id="3" name="Content Placeholder 2">
+            <a:extLst>
+              <a:ext uri="{FF2B5EF4-FFF2-40B4-BE49-F238E27FC236}">
+                <a16:creationId xmlns:a16="http://schemas.microsoft.com/office/drawing/2014/main" id="{8295E653-8F94-6DCA-CC15-BC1714F9599B}"/>
+              </a:ext>
+            </a:extLst>
+          </p:cNvPr>
+          <p:cNvSpPr>
+            <a:spLocks noGrp="1"/>
+          </p:cNvSpPr>
+          <p:nvPr>
+            <p:ph idx="1"/>
+          </p:nvPr>
+        </p:nvSpPr>
+        <p:spPr>
+          <a:xfrm>
+            <a:off x="1097280" y="1845734"/>
+            <a:ext cx="6278880" cy="4023360"/>
+          </a:xfrm>
+        </p:spPr>
+        <p:txBody>
+          <a:bodyPr/>
+          <a:lstStyle/>
+          <a:p>
+            <a:r>
+              <a:rPr lang="en-US" b="0" i="0" dirty="0">
+                <a:solidFill>
+                  <a:schemeClr val="tx1"/>
+                </a:solidFill>
+                <a:effectLst/>
+                <a:latin typeface="Source Sans Pro" panose="020B0503030403020204" pitchFamily="34" charset="0"/>
+              </a:rPr>
+              <a:t>W(pow2(0)) = 5</a:t>
+            </a:r>
+            <a:br>
+              <a:rPr lang="en-US" b="0" i="0" dirty="0">
+                <a:solidFill>
+                  <a:schemeClr val="tx1"/>
+                </a:solidFill>
+                <a:effectLst/>
+                <a:latin typeface="Source Sans Pro" panose="020B0503030403020204" pitchFamily="34" charset="0"/>
+              </a:rPr>
+            </a:br>
+            <a:r>
+              <a:rPr lang="en-US" b="0" i="0" dirty="0">
+                <a:solidFill>
+                  <a:schemeClr val="tx1"/>
+                </a:solidFill>
+                <a:effectLst/>
+                <a:latin typeface="Source Sans Pro" panose="020B0503030403020204" pitchFamily="34" charset="0"/>
+              </a:rPr>
+              <a:t>W(pow2(k)) &lt;= 23 + 2* pow2(k/2)</a:t>
+            </a:r>
+            <a:br>
+              <a:rPr lang="en-US" b="0" i="0" dirty="0">
+                <a:solidFill>
+                  <a:schemeClr val="tx1"/>
+                </a:solidFill>
+                <a:effectLst/>
+                <a:latin typeface="Source Sans Pro" panose="020B0503030403020204" pitchFamily="34" charset="0"/>
+              </a:rPr>
+            </a:br>
+            <a:r>
+              <a:rPr lang="en-US" b="0" i="0" dirty="0">
+                <a:solidFill>
+                  <a:schemeClr val="tx1"/>
+                </a:solidFill>
+                <a:effectLst/>
+                <a:latin typeface="Source Sans Pro" panose="020B0503030403020204" pitchFamily="34" charset="0"/>
+              </a:rPr>
+              <a:t>W(pow2(n)) is O(n)</a:t>
+            </a:r>
+            <a:endParaRPr lang="en-US" dirty="0"/>
+          </a:p>
+          <a:p>
+            <a:pPr marL="0" indent="0">
+              <a:buNone/>
+            </a:pPr>
+            <a:endParaRPr lang="en-US" dirty="0"/>
+          </a:p>
+          <a:p>
+            <a:pPr marL="0" indent="0">
+              <a:buNone/>
+            </a:pPr>
+            <a:r>
+              <a:rPr lang="en-US" dirty="0">
+                <a:solidFill>
+                  <a:schemeClr val="tx1"/>
+                </a:solidFill>
+                <a:latin typeface="Source Sans Pro" panose="020B0503030403020204" pitchFamily="34" charset="0"/>
+              </a:rPr>
+              <a:t>D</a:t>
+            </a:r>
+            <a:r>
+              <a:rPr lang="en-US" b="0" i="0" dirty="0">
+                <a:solidFill>
+                  <a:schemeClr val="tx1"/>
+                </a:solidFill>
+                <a:effectLst/>
+                <a:latin typeface="Source Sans Pro" panose="020B0503030403020204" pitchFamily="34" charset="0"/>
+              </a:rPr>
+              <a:t>(pow2(0)) = 4</a:t>
+            </a:r>
+            <a:br>
+              <a:rPr lang="en-US" b="0" i="0" dirty="0">
+                <a:solidFill>
+                  <a:schemeClr val="tx1"/>
+                </a:solidFill>
+                <a:effectLst/>
+                <a:latin typeface="Source Sans Pro" panose="020B0503030403020204" pitchFamily="34" charset="0"/>
+              </a:rPr>
+            </a:br>
+            <a:r>
+              <a:rPr lang="en-US" b="0" i="0" dirty="0">
+                <a:solidFill>
+                  <a:schemeClr val="tx1"/>
+                </a:solidFill>
+                <a:effectLst/>
+                <a:latin typeface="Source Sans Pro" panose="020B0503030403020204" pitchFamily="34" charset="0"/>
+              </a:rPr>
+              <a:t>D(pow2(k)) &lt;= 12 + pow2(k/2)</a:t>
+            </a:r>
+            <a:br>
+              <a:rPr lang="en-US" b="0" i="0" dirty="0">
+                <a:solidFill>
+                  <a:schemeClr val="tx1"/>
+                </a:solidFill>
+                <a:effectLst/>
+                <a:latin typeface="Source Sans Pro" panose="020B0503030403020204" pitchFamily="34" charset="0"/>
+              </a:rPr>
+            </a:br>
+            <a:r>
+              <a:rPr lang="en-US" b="0" i="0" dirty="0">
+                <a:solidFill>
+                  <a:schemeClr val="tx1"/>
+                </a:solidFill>
+                <a:effectLst/>
+                <a:latin typeface="Source Sans Pro" panose="020B0503030403020204" pitchFamily="34" charset="0"/>
+              </a:rPr>
+              <a:t>D(pow2(n)) is O(log(n))</a:t>
+            </a:r>
+            <a:endParaRPr lang="en-US" dirty="0"/>
+          </a:p>
+          <a:p>
+            <a:pPr marL="0" indent="0">
+              <a:buNone/>
+            </a:pPr>
+            <a:endParaRPr lang="en-US" dirty="0"/>
+          </a:p>
+          <a:p>
+            <a:endParaRPr lang="en-US" dirty="0"/>
+          </a:p>
+          <a:p>
+            <a:endParaRPr lang="en-US" dirty="0"/>
+          </a:p>
+        </p:txBody>
+      </p:sp>
+      <p:sp>
+        <p:nvSpPr>
+          <p:cNvPr id="4" name="Slide Number Placeholder 3">
+            <a:extLst>
+              <a:ext uri="{FF2B5EF4-FFF2-40B4-BE49-F238E27FC236}">
+                <a16:creationId xmlns:a16="http://schemas.microsoft.com/office/drawing/2014/main" id="{8116D2C5-0125-7085-684F-3E58529B8085}"/>
+              </a:ext>
+            </a:extLst>
+          </p:cNvPr>
+          <p:cNvSpPr>
+            <a:spLocks noGrp="1"/>
+          </p:cNvSpPr>
+          <p:nvPr>
+            <p:ph type="sldNum" sz="quarter" idx="12"/>
+          </p:nvPr>
+        </p:nvSpPr>
+        <p:spPr/>
+        <p:txBody>
+          <a:bodyPr/>
+          <a:lstStyle/>
+          <a:p>
+            <a:fld id="{9BF27F29-4B64-4A24-936A-FF41C34C242B}" type="slidenum">
+              <a:rPr lang="en-US" smtClean="0"/>
+              <a:t>32</a:t>
+            </a:fld>
+            <a:endParaRPr lang="en-US"/>
+          </a:p>
+        </p:txBody>
+      </p:sp>
+      <p:sp>
+        <p:nvSpPr>
+          <p:cNvPr id="5" name="Content Placeholder 2">
+            <a:extLst>
+              <a:ext uri="{FF2B5EF4-FFF2-40B4-BE49-F238E27FC236}">
+                <a16:creationId xmlns:a16="http://schemas.microsoft.com/office/drawing/2014/main" id="{3AC3B5F5-68E1-510F-EFDF-50B90C0B78E0}"/>
+              </a:ext>
+            </a:extLst>
+          </p:cNvPr>
+          <p:cNvSpPr txBox="1">
+            <a:spLocks/>
+          </p:cNvSpPr>
+          <p:nvPr/>
+        </p:nvSpPr>
+        <p:spPr>
+          <a:xfrm>
+            <a:off x="6778752" y="2050318"/>
+            <a:ext cx="5560106" cy="4023360"/>
+          </a:xfrm>
+          <a:prstGeom prst="rect">
+            <a:avLst/>
+          </a:prstGeom>
+        </p:spPr>
+        <p:txBody>
+          <a:bodyPr vert="horz" lIns="0" tIns="45720" rIns="0" bIns="45720" rtlCol="0">
+            <a:normAutofit/>
+          </a:bodyPr>
+          <a:lstStyle>
+            <a:lvl1pPr marL="91440" indent="-91440" algn="l" defTabSz="914400" rtl="0" eaLnBrk="1" latinLnBrk="0" hangingPunct="1">
+              <a:lnSpc>
+                <a:spcPct val="90000"/>
+              </a:lnSpc>
+              <a:spcBef>
+                <a:spcPts val="1200"/>
+              </a:spcBef>
+              <a:spcAft>
+                <a:spcPts val="200"/>
+              </a:spcAft>
+              <a:buClr>
+                <a:schemeClr val="accent1"/>
+              </a:buClr>
+              <a:buSzPct val="100000"/>
+              <a:buFont typeface="Calibri" panose="020F0502020204030204" pitchFamily="34" charset="0"/>
+              <a:buChar char=" "/>
+              <a:defRPr sz="2800" kern="1200">
+                <a:solidFill>
+                  <a:schemeClr val="tx1">
+                    <a:lumMod val="75000"/>
+                    <a:lumOff val="25000"/>
+                  </a:schemeClr>
+                </a:solidFill>
+                <a:latin typeface="+mn-lt"/>
+                <a:ea typeface="+mn-ea"/>
+                <a:cs typeface="+mn-cs"/>
+              </a:defRPr>
+            </a:lvl1pPr>
+            <a:lvl2pPr marL="384048" indent="-182880" algn="l" defTabSz="914400" rtl="0" eaLnBrk="1" latinLnBrk="0" hangingPunct="1">
+              <a:lnSpc>
+                <a:spcPct val="90000"/>
+              </a:lnSpc>
+              <a:spcBef>
+                <a:spcPts val="200"/>
+              </a:spcBef>
+              <a:spcAft>
+                <a:spcPts val="400"/>
+              </a:spcAft>
+              <a:buClr>
+                <a:schemeClr val="accent1"/>
+              </a:buClr>
+              <a:buFont typeface="Calibri" pitchFamily="34" charset="0"/>
+              <a:buChar char="◦"/>
+              <a:defRPr sz="2400" kern="1200">
+                <a:solidFill>
+                  <a:schemeClr val="tx1">
+                    <a:lumMod val="75000"/>
+                    <a:lumOff val="25000"/>
+                  </a:schemeClr>
+                </a:solidFill>
+                <a:latin typeface="+mn-lt"/>
+                <a:ea typeface="+mn-ea"/>
+                <a:cs typeface="+mn-cs"/>
+              </a:defRPr>
+            </a:lvl2pPr>
+            <a:lvl3pPr marL="566928" indent="-182880" algn="l" defTabSz="914400" rtl="0" eaLnBrk="1" latinLnBrk="0" hangingPunct="1">
+              <a:lnSpc>
+                <a:spcPct val="90000"/>
+              </a:lnSpc>
+              <a:spcBef>
+                <a:spcPts val="200"/>
+              </a:spcBef>
+              <a:spcAft>
+                <a:spcPts val="400"/>
+              </a:spcAft>
+              <a:buClr>
+                <a:schemeClr val="accent1"/>
+              </a:buClr>
+              <a:buFont typeface="Calibri" pitchFamily="34" charset="0"/>
+              <a:buChar char="◦"/>
+              <a:defRPr sz="2200" kern="1200">
+                <a:solidFill>
+                  <a:schemeClr val="tx1">
+                    <a:lumMod val="75000"/>
+                    <a:lumOff val="25000"/>
+                  </a:schemeClr>
+                </a:solidFill>
+                <a:latin typeface="+mn-lt"/>
+                <a:ea typeface="+mn-ea"/>
+                <a:cs typeface="+mn-cs"/>
+              </a:defRPr>
+            </a:lvl3pPr>
+            <a:lvl4pPr marL="749808" indent="-182880" algn="l" defTabSz="914400" rtl="0" eaLnBrk="1" latinLnBrk="0" hangingPunct="1">
+              <a:lnSpc>
+                <a:spcPct val="90000"/>
+              </a:lnSpc>
+              <a:spcBef>
+                <a:spcPts val="200"/>
+              </a:spcBef>
+              <a:spcAft>
+                <a:spcPts val="400"/>
+              </a:spcAft>
+              <a:buClr>
+                <a:schemeClr val="accent1"/>
+              </a:buClr>
+              <a:buFont typeface="Calibri" pitchFamily="34" charset="0"/>
+              <a:buChar char="◦"/>
+              <a:defRPr sz="2000" kern="1200">
+                <a:solidFill>
+                  <a:schemeClr val="tx1">
+                    <a:lumMod val="75000"/>
+                    <a:lumOff val="25000"/>
+                  </a:schemeClr>
+                </a:solidFill>
+                <a:latin typeface="+mn-lt"/>
+                <a:ea typeface="+mn-ea"/>
+                <a:cs typeface="+mn-cs"/>
+              </a:defRPr>
+            </a:lvl4pPr>
+            <a:lvl5pPr marL="932688" indent="-182880" algn="l" defTabSz="914400" rtl="0" eaLnBrk="1" latinLnBrk="0" hangingPunct="1">
+              <a:lnSpc>
+                <a:spcPct val="90000"/>
+              </a:lnSpc>
+              <a:spcBef>
+                <a:spcPts val="200"/>
+              </a:spcBef>
+              <a:spcAft>
+                <a:spcPts val="400"/>
+              </a:spcAft>
+              <a:buClr>
+                <a:schemeClr val="accent1"/>
+              </a:buClr>
+              <a:buFont typeface="Calibri" pitchFamily="34" charset="0"/>
+              <a:buChar char="◦"/>
+              <a:defRPr sz="1800" kern="1200">
+                <a:solidFill>
+                  <a:schemeClr val="tx1">
+                    <a:lumMod val="75000"/>
+                    <a:lumOff val="25000"/>
+                  </a:schemeClr>
+                </a:solidFill>
+                <a:latin typeface="+mn-lt"/>
+                <a:ea typeface="+mn-ea"/>
+                <a:cs typeface="+mn-cs"/>
+              </a:defRPr>
+            </a:lvl5pPr>
+            <a:lvl6pPr marL="1100000" indent="-228600" algn="l" defTabSz="914400" rtl="0" eaLnBrk="1" latinLnBrk="0" hangingPunct="1">
+              <a:lnSpc>
+                <a:spcPct val="90000"/>
+              </a:lnSpc>
+              <a:spcBef>
+                <a:spcPts val="200"/>
+              </a:spcBef>
+              <a:spcAft>
+                <a:spcPts val="400"/>
+              </a:spcAft>
+              <a:buClr>
+                <a:schemeClr val="accent1"/>
+              </a:buClr>
+              <a:buFont typeface="Calibri" pitchFamily="34" charset="0"/>
+              <a:buChar char="◦"/>
+              <a:defRPr sz="1400" kern="1200">
+                <a:solidFill>
+                  <a:schemeClr val="tx1">
+                    <a:lumMod val="75000"/>
+                    <a:lumOff val="25000"/>
+                  </a:schemeClr>
+                </a:solidFill>
+                <a:latin typeface="+mn-lt"/>
+                <a:ea typeface="+mn-ea"/>
+                <a:cs typeface="+mn-cs"/>
+              </a:defRPr>
+            </a:lvl6pPr>
+            <a:lvl7pPr marL="1300000" indent="-228600" algn="l" defTabSz="914400" rtl="0" eaLnBrk="1" latinLnBrk="0" hangingPunct="1">
+              <a:lnSpc>
+                <a:spcPct val="90000"/>
+              </a:lnSpc>
+              <a:spcBef>
+                <a:spcPts val="200"/>
+              </a:spcBef>
+              <a:spcAft>
+                <a:spcPts val="400"/>
+              </a:spcAft>
+              <a:buClr>
+                <a:schemeClr val="accent1"/>
+              </a:buClr>
+              <a:buFont typeface="Calibri" pitchFamily="34" charset="0"/>
+              <a:buChar char="◦"/>
+              <a:defRPr sz="1400" kern="1200">
+                <a:solidFill>
+                  <a:schemeClr val="tx1">
+                    <a:lumMod val="75000"/>
+                    <a:lumOff val="25000"/>
+                  </a:schemeClr>
+                </a:solidFill>
+                <a:latin typeface="+mn-lt"/>
+                <a:ea typeface="+mn-ea"/>
+                <a:cs typeface="+mn-cs"/>
+              </a:defRPr>
+            </a:lvl7pPr>
+            <a:lvl8pPr marL="1500000" indent="-228600" algn="l" defTabSz="914400" rtl="0" eaLnBrk="1" latinLnBrk="0" hangingPunct="1">
+              <a:lnSpc>
+                <a:spcPct val="90000"/>
+              </a:lnSpc>
+              <a:spcBef>
+                <a:spcPts val="200"/>
+              </a:spcBef>
+              <a:spcAft>
+                <a:spcPts val="400"/>
+              </a:spcAft>
+              <a:buClr>
+                <a:schemeClr val="accent1"/>
+              </a:buClr>
+              <a:buFont typeface="Calibri" pitchFamily="34" charset="0"/>
+              <a:buChar char="◦"/>
+              <a:defRPr sz="1400" kern="1200">
+                <a:solidFill>
+                  <a:schemeClr val="tx1">
+                    <a:lumMod val="75000"/>
+                    <a:lumOff val="25000"/>
+                  </a:schemeClr>
+                </a:solidFill>
+                <a:latin typeface="+mn-lt"/>
+                <a:ea typeface="+mn-ea"/>
+                <a:cs typeface="+mn-cs"/>
+              </a:defRPr>
+            </a:lvl8pPr>
+            <a:lvl9pPr marL="1700000" indent="-228600" algn="l" defTabSz="914400" rtl="0" eaLnBrk="1" latinLnBrk="0" hangingPunct="1">
+              <a:lnSpc>
+                <a:spcPct val="90000"/>
+              </a:lnSpc>
+              <a:spcBef>
+                <a:spcPts val="200"/>
+              </a:spcBef>
+              <a:spcAft>
+                <a:spcPts val="400"/>
+              </a:spcAft>
+              <a:buClr>
+                <a:schemeClr val="accent1"/>
+              </a:buClr>
+              <a:buFont typeface="Calibri" pitchFamily="34" charset="0"/>
+              <a:buChar char="◦"/>
+              <a:defRPr sz="1400" kern="1200">
+                <a:solidFill>
+                  <a:schemeClr val="tx1">
+                    <a:lumMod val="75000"/>
+                    <a:lumOff val="25000"/>
+                  </a:schemeClr>
+                </a:solidFill>
+                <a:latin typeface="+mn-lt"/>
+                <a:ea typeface="+mn-ea"/>
+                <a:cs typeface="+mn-cs"/>
+              </a:defRPr>
+            </a:lvl9pPr>
+          </a:lstStyle>
+          <a:p>
+            <a:endParaRPr lang="en-US" dirty="0">
+              <a:latin typeface="Consolas" panose="020B0609020204030204" pitchFamily="49" charset="0"/>
+            </a:endParaRPr>
+          </a:p>
+          <a:p>
+            <a:r>
+              <a:rPr lang="en-US" dirty="0">
+                <a:latin typeface="Consolas" panose="020B0609020204030204" pitchFamily="49" charset="0"/>
+              </a:rPr>
+              <a:t>fun pow2(k) =</a:t>
+            </a:r>
+            <a:br>
+              <a:rPr lang="en-US" dirty="0">
+                <a:latin typeface="Consolas" panose="020B0609020204030204" pitchFamily="49" charset="0"/>
+              </a:rPr>
+            </a:br>
+            <a:r>
+              <a:rPr lang="en-US" dirty="0">
+                <a:latin typeface="Consolas" panose="020B0609020204030204" pitchFamily="49" charset="0"/>
+              </a:rPr>
+              <a:t>  if k = 0 { 1 }</a:t>
+            </a:r>
+            <a:br>
+              <a:rPr lang="en-US" dirty="0">
+                <a:latin typeface="Consolas" panose="020B0609020204030204" pitchFamily="49" charset="0"/>
+              </a:rPr>
+            </a:br>
+            <a:r>
+              <a:rPr lang="en-US" dirty="0">
+                <a:latin typeface="Consolas" panose="020B0609020204030204" pitchFamily="49" charset="0"/>
+              </a:rPr>
+              <a:t>  else if k % 2 = 0 {</a:t>
+            </a:r>
+            <a:br>
+              <a:rPr lang="en-US" dirty="0">
+                <a:latin typeface="Consolas" panose="020B0609020204030204" pitchFamily="49" charset="0"/>
+              </a:rPr>
+            </a:br>
+            <a:r>
+              <a:rPr lang="en-US" dirty="0">
+                <a:latin typeface="Consolas" panose="020B0609020204030204" pitchFamily="49" charset="0"/>
+              </a:rPr>
+              <a:t>    pow2(k/2) * pow2(k/2)</a:t>
+            </a:r>
+            <a:br>
+              <a:rPr lang="en-US" dirty="0">
+                <a:latin typeface="Consolas" panose="020B0609020204030204" pitchFamily="49" charset="0"/>
+              </a:rPr>
+            </a:br>
+            <a:r>
+              <a:rPr lang="en-US" dirty="0">
+                <a:latin typeface="Consolas" panose="020B0609020204030204" pitchFamily="49" charset="0"/>
+              </a:rPr>
+              <a:t>  }</a:t>
+            </a:r>
+            <a:br>
+              <a:rPr lang="en-US" dirty="0">
+                <a:latin typeface="Consolas" panose="020B0609020204030204" pitchFamily="49" charset="0"/>
+              </a:rPr>
+            </a:br>
+            <a:r>
+              <a:rPr lang="en-US" dirty="0">
+                <a:latin typeface="Consolas" panose="020B0609020204030204" pitchFamily="49" charset="0"/>
+              </a:rPr>
+              <a:t>  else </a:t>
+            </a:r>
+            <a:br>
+              <a:rPr lang="en-US" dirty="0">
+                <a:latin typeface="Consolas" panose="020B0609020204030204" pitchFamily="49" charset="0"/>
+              </a:rPr>
+            </a:br>
+            <a:r>
+              <a:rPr lang="en-US" dirty="0">
+                <a:latin typeface="Consolas" panose="020B0609020204030204" pitchFamily="49" charset="0"/>
+              </a:rPr>
+              <a:t>    2*pow2((k-1)/2)</a:t>
+            </a:r>
+            <a:br>
+              <a:rPr lang="en-US" dirty="0">
+                <a:latin typeface="Consolas" panose="020B0609020204030204" pitchFamily="49" charset="0"/>
+              </a:rPr>
+            </a:br>
+            <a:r>
+              <a:rPr lang="en-US" dirty="0">
+                <a:latin typeface="Consolas" panose="020B0609020204030204" pitchFamily="49" charset="0"/>
+              </a:rPr>
+              <a:t>     *pow2((k-1)/2)</a:t>
+            </a:r>
+          </a:p>
+          <a:p>
+            <a:endParaRPr lang="en-US" dirty="0">
+              <a:latin typeface="Consolas" panose="020B0609020204030204" pitchFamily="49" charset="0"/>
+            </a:endParaRPr>
+          </a:p>
+          <a:p>
+            <a:endParaRPr lang="en-US" dirty="0">
+              <a:latin typeface="Consolas" panose="020B0609020204030204" pitchFamily="49" charset="0"/>
+            </a:endParaRPr>
+          </a:p>
+        </p:txBody>
+      </p:sp>
+    </p:spTree>
+    <p:extLst>
+      <p:ext uri="{BB962C8B-B14F-4D97-AF65-F5344CB8AC3E}">
+        <p14:creationId xmlns:p14="http://schemas.microsoft.com/office/powerpoint/2010/main" val="2210345270"/>
+      </p:ext>
+    </p:extLst>
+  </p:cSld>
+  <p:clrMapOvr>
+    <a:masterClrMapping/>
+  </p:clrMapOvr>
+</p:sld>
+</file>
+
+<file path=ppt/slides/slide33.xml><?xml version="1.0" encoding="utf-8"?>
+<p:sld xmlns:a="http://schemas.openxmlformats.org/drawingml/2006/main" xmlns:r="http://schemas.openxmlformats.org/officeDocument/2006/relationships" xmlns:p="http://schemas.openxmlformats.org/presentationml/2006/main">
+  <p:cSld>
+    <p:spTree>
+      <p:nvGrpSpPr>
+        <p:cNvPr id="1" name=""/>
+        <p:cNvGrpSpPr/>
+        <p:nvPr/>
+      </p:nvGrpSpPr>
+      <p:grpSpPr>
+        <a:xfrm>
+          <a:off x="0" y="0"/>
+          <a:ext cx="0" cy="0"/>
+          <a:chOff x="0" y="0"/>
+          <a:chExt cx="0" cy="0"/>
+        </a:xfrm>
+      </p:grpSpPr>
+      <p:sp>
+        <p:nvSpPr>
+          <p:cNvPr id="2" name="Title 1">
+            <a:extLst>
+              <a:ext uri="{FF2B5EF4-FFF2-40B4-BE49-F238E27FC236}">
                 <a16:creationId xmlns:a16="http://schemas.microsoft.com/office/drawing/2014/main" id="{99A8D7F5-90FD-D443-0F42-F8A343EAEAEE}"/>
               </a:ext>
             </a:extLst>
@@ -17143,7 +17307,7 @@
           <a:p>
             <a:fld id="{9BF27F29-4B64-4A24-936A-FF41C34C242B}" type="slidenum">
               <a:rPr lang="en-US" smtClean="0"/>
-              <a:t>32</a:t>
+              <a:t>33</a:t>
             </a:fld>
             <a:endParaRPr lang="en-US"/>
           </a:p>

--- a/LectureSlides/99ParallelFunctional.pptx
+++ b/LectureSlides/99ParallelFunctional.pptx
@@ -5,42 +5,43 @@
     <p:sldMasterId id="2147483696" r:id="rId1"/>
   </p:sldMasterIdLst>
   <p:notesMasterIdLst>
-    <p:notesMasterId r:id="rId35"/>
+    <p:notesMasterId r:id="rId36"/>
   </p:notesMasterIdLst>
   <p:sldIdLst>
     <p:sldId id="256" r:id="rId2"/>
-    <p:sldId id="257" r:id="rId3"/>
-    <p:sldId id="258" r:id="rId4"/>
-    <p:sldId id="272" r:id="rId5"/>
-    <p:sldId id="273" r:id="rId6"/>
-    <p:sldId id="260" r:id="rId7"/>
-    <p:sldId id="275" r:id="rId8"/>
-    <p:sldId id="288" r:id="rId9"/>
-    <p:sldId id="287" r:id="rId10"/>
-    <p:sldId id="274" r:id="rId11"/>
-    <p:sldId id="276" r:id="rId12"/>
-    <p:sldId id="278" r:id="rId13"/>
-    <p:sldId id="279" r:id="rId14"/>
-    <p:sldId id="263" r:id="rId15"/>
-    <p:sldId id="264" r:id="rId16"/>
-    <p:sldId id="269" r:id="rId17"/>
-    <p:sldId id="282" r:id="rId18"/>
-    <p:sldId id="265" r:id="rId19"/>
-    <p:sldId id="277" r:id="rId20"/>
-    <p:sldId id="283" r:id="rId21"/>
-    <p:sldId id="266" r:id="rId22"/>
-    <p:sldId id="290" r:id="rId23"/>
-    <p:sldId id="292" r:id="rId24"/>
-    <p:sldId id="293" r:id="rId25"/>
-    <p:sldId id="259" r:id="rId26"/>
-    <p:sldId id="285" r:id="rId27"/>
-    <p:sldId id="286" r:id="rId28"/>
-    <p:sldId id="280" r:id="rId29"/>
-    <p:sldId id="281" r:id="rId30"/>
-    <p:sldId id="284" r:id="rId31"/>
-    <p:sldId id="289" r:id="rId32"/>
-    <p:sldId id="291" r:id="rId33"/>
-    <p:sldId id="271" r:id="rId34"/>
+    <p:sldId id="294" r:id="rId3"/>
+    <p:sldId id="257" r:id="rId4"/>
+    <p:sldId id="258" r:id="rId5"/>
+    <p:sldId id="272" r:id="rId6"/>
+    <p:sldId id="273" r:id="rId7"/>
+    <p:sldId id="260" r:id="rId8"/>
+    <p:sldId id="275" r:id="rId9"/>
+    <p:sldId id="288" r:id="rId10"/>
+    <p:sldId id="287" r:id="rId11"/>
+    <p:sldId id="274" r:id="rId12"/>
+    <p:sldId id="276" r:id="rId13"/>
+    <p:sldId id="278" r:id="rId14"/>
+    <p:sldId id="279" r:id="rId15"/>
+    <p:sldId id="263" r:id="rId16"/>
+    <p:sldId id="264" r:id="rId17"/>
+    <p:sldId id="269" r:id="rId18"/>
+    <p:sldId id="282" r:id="rId19"/>
+    <p:sldId id="265" r:id="rId20"/>
+    <p:sldId id="277" r:id="rId21"/>
+    <p:sldId id="283" r:id="rId22"/>
+    <p:sldId id="266" r:id="rId23"/>
+    <p:sldId id="290" r:id="rId24"/>
+    <p:sldId id="292" r:id="rId25"/>
+    <p:sldId id="293" r:id="rId26"/>
+    <p:sldId id="259" r:id="rId27"/>
+    <p:sldId id="285" r:id="rId28"/>
+    <p:sldId id="286" r:id="rId29"/>
+    <p:sldId id="280" r:id="rId30"/>
+    <p:sldId id="281" r:id="rId31"/>
+    <p:sldId id="284" r:id="rId32"/>
+    <p:sldId id="289" r:id="rId33"/>
+    <p:sldId id="291" r:id="rId34"/>
+    <p:sldId id="271" r:id="rId35"/>
   </p:sldIdLst>
   <p:sldSz cx="12192000" cy="6858000"/>
   <p:notesSz cx="6858000" cy="9144000"/>
@@ -229,7 +230,7 @@
           <a:p>
             <a:fld id="{851D0A7A-BF7B-4933-BC76-BDA42138980F}" type="datetimeFigureOut">
               <a:rPr lang="en-US" smtClean="0"/>
-              <a:t>11/7/2023</a:t>
+              <a:t>11/29/2023</a:t>
             </a:fld>
             <a:endParaRPr lang="en-US"/>
           </a:p>
@@ -570,7 +571,7 @@
           <a:p>
             <a:fld id="{DB8393AC-6D52-438D-AA5D-F2511F9ECBD6}" type="slidenum">
               <a:rPr lang="en-US" smtClean="0"/>
-              <a:t>7</a:t>
+              <a:t>8</a:t>
             </a:fld>
             <a:endParaRPr lang="en-US"/>
           </a:p>
@@ -663,7 +664,7 @@
           <a:p>
             <a:fld id="{DB8393AC-6D52-438D-AA5D-F2511F9ECBD6}" type="slidenum">
               <a:rPr lang="en-US" smtClean="0"/>
-              <a:t>8</a:t>
+              <a:t>9</a:t>
             </a:fld>
             <a:endParaRPr lang="en-US"/>
           </a:p>
@@ -756,7 +757,7 @@
           <a:p>
             <a:fld id="{DB8393AC-6D52-438D-AA5D-F2511F9ECBD6}" type="slidenum">
               <a:rPr lang="en-US" smtClean="0"/>
-              <a:t>9</a:t>
+              <a:t>10</a:t>
             </a:fld>
             <a:endParaRPr lang="en-US"/>
           </a:p>
@@ -843,7 +844,7 @@
           <a:p>
             <a:fld id="{DB8393AC-6D52-438D-AA5D-F2511F9ECBD6}" type="slidenum">
               <a:rPr lang="en-US" smtClean="0"/>
-              <a:t>13</a:t>
+              <a:t>14</a:t>
             </a:fld>
             <a:endParaRPr lang="en-US"/>
           </a:p>
@@ -1086,7 +1087,7 @@
           <a:p>
             <a:fld id="{263C6BED-35C5-4BD2-9D2D-ECCF2F81720F}" type="datetime1">
               <a:rPr lang="en-US" smtClean="0"/>
-              <a:t>11/7/2023</a:t>
+              <a:t>11/29/2023</a:t>
             </a:fld>
             <a:endParaRPr lang="en-US"/>
           </a:p>
@@ -1294,7 +1295,7 @@
           <a:p>
             <a:fld id="{9CC6E155-A30B-41F1-A2F3-CDE04B4313E9}" type="datetime1">
               <a:rPr lang="en-US" smtClean="0"/>
-              <a:t>11/7/2023</a:t>
+              <a:t>11/29/2023</a:t>
             </a:fld>
             <a:endParaRPr lang="en-US"/>
           </a:p>
@@ -1550,7 +1551,7 @@
           <a:p>
             <a:fld id="{2318DAD8-7E3E-4786-AA65-17E9DB850792}" type="datetime1">
               <a:rPr lang="en-US" smtClean="0"/>
-              <a:t>11/7/2023</a:t>
+              <a:t>11/29/2023</a:t>
             </a:fld>
             <a:endParaRPr lang="en-US"/>
           </a:p>
@@ -1735,7 +1736,7 @@
           <a:p>
             <a:fld id="{7DD018BB-8AB2-43B8-800A-76963ED6ADC7}" type="datetime1">
               <a:rPr lang="en-US" smtClean="0"/>
-              <a:t>11/7/2023</a:t>
+              <a:t>11/29/2023</a:t>
             </a:fld>
             <a:endParaRPr lang="en-US"/>
           </a:p>
@@ -2078,7 +2079,7 @@
           <a:p>
             <a:fld id="{17CADDFF-431C-4A6F-A14B-FF1AF97FE7A8}" type="datetime1">
               <a:rPr lang="en-US" smtClean="0"/>
-              <a:t>11/7/2023</a:t>
+              <a:t>11/29/2023</a:t>
             </a:fld>
             <a:endParaRPr lang="en-US"/>
           </a:p>
@@ -2383,7 +2384,7 @@
           <a:p>
             <a:fld id="{E97B664A-C304-4EA2-B1CE-DE58D7C72CC5}" type="datetime1">
               <a:rPr lang="en-US" smtClean="0"/>
-              <a:t>11/7/2023</a:t>
+              <a:t>11/29/2023</a:t>
             </a:fld>
             <a:endParaRPr lang="en-US"/>
           </a:p>
@@ -2792,7 +2793,7 @@
           <a:p>
             <a:fld id="{AEF9FA34-5866-4EB2-B72C-93750A2CE3AB}" type="datetime1">
               <a:rPr lang="en-US" smtClean="0"/>
-              <a:t>11/7/2023</a:t>
+              <a:t>11/29/2023</a:t>
             </a:fld>
             <a:endParaRPr lang="en-US"/>
           </a:p>
@@ -2910,7 +2911,7 @@
           <a:p>
             <a:fld id="{75B35D5B-1BDC-4DBC-8936-9F3D5B1A256B}" type="datetime1">
               <a:rPr lang="en-US" smtClean="0"/>
-              <a:t>11/7/2023</a:t>
+              <a:t>11/29/2023</a:t>
             </a:fld>
             <a:endParaRPr lang="en-US"/>
           </a:p>
@@ -3081,7 +3082,7 @@
           <a:p>
             <a:fld id="{3233B6BD-6366-4EE7-8295-6D14276CF656}" type="datetime1">
               <a:rPr lang="en-US" smtClean="0"/>
-              <a:t>11/7/2023</a:t>
+              <a:t>11/29/2023</a:t>
             </a:fld>
             <a:endParaRPr lang="en-US"/>
           </a:p>
@@ -3450,7 +3451,7 @@
           <a:p>
             <a:fld id="{CA489596-7034-4658-8407-37926A24657A}" type="datetime1">
               <a:rPr lang="en-US" smtClean="0"/>
-              <a:t>11/7/2023</a:t>
+              <a:t>11/29/2023</a:t>
             </a:fld>
             <a:endParaRPr lang="en-US"/>
           </a:p>
@@ -3827,7 +3828,7 @@
           <a:p>
             <a:fld id="{25C6BEFA-FF7A-4B7F-9896-DE5DF32F32E2}" type="datetime1">
               <a:rPr lang="en-US" smtClean="0"/>
-              <a:t>11/7/2023</a:t>
+              <a:t>11/29/2023</a:t>
             </a:fld>
             <a:endParaRPr lang="en-US"/>
           </a:p>
@@ -4114,7 +4115,7 @@
           <a:p>
             <a:fld id="{44FCBB43-7E26-4C0D-888E-934844182D3A}" type="datetime1">
               <a:rPr lang="en-US" smtClean="0"/>
-              <a:t>11/7/2023</a:t>
+              <a:t>11/29/2023</a:t>
             </a:fld>
             <a:endParaRPr lang="en-US"/>
           </a:p>
@@ -4800,7 +4801,7 @@
           <a:p>
             <a:r>
               <a:rPr lang="en-US" dirty="0"/>
-              <a:t>Today’s PL: Syntax</a:t>
+              <a:t>Code Examples: Exponentiation</a:t>
             </a:r>
           </a:p>
         </p:txBody>
@@ -4821,100 +4822,153 @@
             <p:ph idx="1"/>
           </p:nvPr>
         </p:nvSpPr>
-        <p:spPr/>
+        <p:spPr>
+          <a:xfrm>
+            <a:off x="1097280" y="1845734"/>
+            <a:ext cx="4876800" cy="4023360"/>
+          </a:xfrm>
+        </p:spPr>
         <p:txBody>
           <a:bodyPr>
-            <a:normAutofit lnSpcReduction="10000"/>
+            <a:normAutofit fontScale="92500" lnSpcReduction="10000"/>
           </a:bodyPr>
           <a:lstStyle/>
           <a:p>
             <a:r>
-              <a:rPr lang="en-US" dirty="0"/>
-              <a:t>e → x | n | (e, e) | fun f(x) is e | e op e | </a:t>
-            </a:r>
-            <a:r>
-              <a:rPr lang="en-US" dirty="0" err="1"/>
-              <a:t>fst</a:t>
-            </a:r>
-            <a:r>
-              <a:rPr lang="en-US" dirty="0"/>
-              <a:t>(e) | </a:t>
-            </a:r>
-            <a:r>
-              <a:rPr lang="en-US" dirty="0" err="1"/>
-              <a:t>snd</a:t>
-            </a:r>
-            <a:r>
-              <a:rPr lang="en-US" dirty="0"/>
-              <a:t>(e) | e(e)</a:t>
-            </a:r>
-          </a:p>
-          <a:p>
-            <a:r>
-              <a:rPr lang="en-US" dirty="0"/>
-              <a:t>Description of syntax:</a:t>
-            </a:r>
-          </a:p>
-          <a:p>
-            <a:pPr lvl="1"/>
-            <a:r>
-              <a:rPr lang="en-US" dirty="0"/>
-              <a:t>x is a variable</a:t>
-            </a:r>
-          </a:p>
-          <a:p>
-            <a:pPr lvl="1"/>
-            <a:r>
-              <a:rPr lang="en-US" dirty="0"/>
-              <a:t>n is a number</a:t>
-            </a:r>
-          </a:p>
-          <a:p>
-            <a:pPr lvl="1"/>
-            <a:r>
-              <a:rPr lang="en-US" dirty="0"/>
-              <a:t>(e1, e2) is a pair, containing e1 and e2</a:t>
-            </a:r>
-          </a:p>
-          <a:p>
-            <a:pPr lvl="1"/>
-            <a:r>
-              <a:rPr lang="en-US" dirty="0"/>
-              <a:t>(fun f(x) is e) is a function with argument x and body e. The body can make a recursive call by calling f.</a:t>
-            </a:r>
-          </a:p>
-          <a:p>
-            <a:pPr lvl="1"/>
-            <a:r>
-              <a:rPr lang="en-US" dirty="0"/>
-              <a:t>e1 op e2 is a binary (e.g. arithmetic) operation on e1 and e2</a:t>
-            </a:r>
-          </a:p>
-          <a:p>
-            <a:pPr lvl="1"/>
-            <a:r>
-              <a:rPr lang="en-US" dirty="0" err="1"/>
-              <a:t>fst</a:t>
-            </a:r>
-            <a:r>
-              <a:rPr lang="en-US" dirty="0"/>
-              <a:t>(e) and </a:t>
-            </a:r>
-            <a:r>
-              <a:rPr lang="en-US" dirty="0" err="1"/>
-              <a:t>snd</a:t>
-            </a:r>
-            <a:r>
-              <a:rPr lang="en-US" dirty="0"/>
-              <a:t>(e) respectively return the first or second element of pair e</a:t>
-            </a:r>
-          </a:p>
-          <a:p>
-            <a:pPr lvl="1"/>
-            <a:r>
-              <a:rPr lang="en-US" dirty="0"/>
-              <a:t>e1(e2) calls function e1 on argument e2</a:t>
-            </a:r>
+              <a:rPr lang="en-US" dirty="0">
+                <a:latin typeface="Consolas" panose="020B0609020204030204" pitchFamily="49" charset="0"/>
+              </a:rPr>
+              <a:t>fun pow(</a:t>
+            </a:r>
+            <a:r>
+              <a:rPr lang="en-US" dirty="0" err="1">
+                <a:latin typeface="Consolas" panose="020B0609020204030204" pitchFamily="49" charset="0"/>
+              </a:rPr>
+              <a:t>n,k</a:t>
+            </a:r>
+            <a:r>
+              <a:rPr lang="en-US" dirty="0">
+                <a:latin typeface="Consolas" panose="020B0609020204030204" pitchFamily="49" charset="0"/>
+              </a:rPr>
+              <a:t>) =</a:t>
+            </a:r>
+            <a:br>
+              <a:rPr lang="en-US" dirty="0">
+                <a:latin typeface="Consolas" panose="020B0609020204030204" pitchFamily="49" charset="0"/>
+              </a:rPr>
+            </a:br>
+            <a:r>
+              <a:rPr lang="en-US" dirty="0">
+                <a:latin typeface="Consolas" panose="020B0609020204030204" pitchFamily="49" charset="0"/>
+              </a:rPr>
+              <a:t>  if k = 0 { 1 }</a:t>
+            </a:r>
+            <a:br>
+              <a:rPr lang="en-US" dirty="0">
+                <a:latin typeface="Consolas" panose="020B0609020204030204" pitchFamily="49" charset="0"/>
+              </a:rPr>
+            </a:br>
+            <a:r>
+              <a:rPr lang="en-US" dirty="0">
+                <a:latin typeface="Consolas" panose="020B0609020204030204" pitchFamily="49" charset="0"/>
+              </a:rPr>
+              <a:t>  else n*pow(n,k-1)</a:t>
+            </a:r>
+          </a:p>
+          <a:p>
+            <a:r>
+              <a:rPr lang="en-US" dirty="0">
+                <a:latin typeface="Consolas" panose="020B0609020204030204" pitchFamily="49" charset="0"/>
+              </a:rPr>
+              <a:t>fun pow2(k) =</a:t>
+            </a:r>
+            <a:br>
+              <a:rPr lang="en-US" dirty="0">
+                <a:latin typeface="Consolas" panose="020B0609020204030204" pitchFamily="49" charset="0"/>
+              </a:rPr>
+            </a:br>
+            <a:r>
+              <a:rPr lang="en-US" dirty="0">
+                <a:latin typeface="Consolas" panose="020B0609020204030204" pitchFamily="49" charset="0"/>
+              </a:rPr>
+              <a:t>  if k = 0 { 1 }</a:t>
+            </a:r>
+            <a:br>
+              <a:rPr lang="en-US" dirty="0">
+                <a:latin typeface="Consolas" panose="020B0609020204030204" pitchFamily="49" charset="0"/>
+              </a:rPr>
+            </a:br>
+            <a:r>
+              <a:rPr lang="en-US" dirty="0">
+                <a:latin typeface="Consolas" panose="020B0609020204030204" pitchFamily="49" charset="0"/>
+              </a:rPr>
+              <a:t>  else if k % 2 = 0 {</a:t>
+            </a:r>
+            <a:br>
+              <a:rPr lang="en-US" dirty="0">
+                <a:latin typeface="Consolas" panose="020B0609020204030204" pitchFamily="49" charset="0"/>
+              </a:rPr>
+            </a:br>
+            <a:r>
+              <a:rPr lang="en-US" dirty="0">
+                <a:latin typeface="Consolas" panose="020B0609020204030204" pitchFamily="49" charset="0"/>
+              </a:rPr>
+              <a:t>    pow2(k/2) * pow2(k/2)</a:t>
+            </a:r>
+            <a:br>
+              <a:rPr lang="en-US" dirty="0">
+                <a:latin typeface="Consolas" panose="020B0609020204030204" pitchFamily="49" charset="0"/>
+              </a:rPr>
+            </a:br>
+            <a:r>
+              <a:rPr lang="en-US" dirty="0">
+                <a:latin typeface="Consolas" panose="020B0609020204030204" pitchFamily="49" charset="0"/>
+              </a:rPr>
+              <a:t>  }</a:t>
+            </a:r>
+            <a:br>
+              <a:rPr lang="en-US" dirty="0">
+                <a:latin typeface="Consolas" panose="020B0609020204030204" pitchFamily="49" charset="0"/>
+              </a:rPr>
+            </a:br>
+            <a:r>
+              <a:rPr lang="en-US" dirty="0">
+                <a:latin typeface="Consolas" panose="020B0609020204030204" pitchFamily="49" charset="0"/>
+              </a:rPr>
+              <a:t>  else </a:t>
+            </a:r>
+            <a:br>
+              <a:rPr lang="en-US" dirty="0">
+                <a:latin typeface="Consolas" panose="020B0609020204030204" pitchFamily="49" charset="0"/>
+              </a:rPr>
+            </a:br>
+            <a:r>
+              <a:rPr lang="en-US" dirty="0">
+                <a:latin typeface="Consolas" panose="020B0609020204030204" pitchFamily="49" charset="0"/>
+              </a:rPr>
+              <a:t>    2*pow2((k-1)/2)</a:t>
+            </a:r>
+            <a:br>
+              <a:rPr lang="en-US" dirty="0">
+                <a:latin typeface="Consolas" panose="020B0609020204030204" pitchFamily="49" charset="0"/>
+              </a:rPr>
+            </a:br>
+            <a:r>
+              <a:rPr lang="en-US" dirty="0">
+                <a:latin typeface="Consolas" panose="020B0609020204030204" pitchFamily="49" charset="0"/>
+              </a:rPr>
+              <a:t>     *pow2((k-1)/2)</a:t>
+            </a:r>
+          </a:p>
+          <a:p>
+            <a:endParaRPr lang="en-US" dirty="0">
+              <a:latin typeface="Consolas" panose="020B0609020204030204" pitchFamily="49" charset="0"/>
+            </a:endParaRPr>
+          </a:p>
+          <a:p>
+            <a:endParaRPr lang="en-US" dirty="0">
+              <a:latin typeface="Consolas" panose="020B0609020204030204" pitchFamily="49" charset="0"/>
+            </a:endParaRPr>
           </a:p>
         </p:txBody>
       </p:sp>
@@ -4947,10 +5001,509 @@
           </a:p>
         </p:txBody>
       </p:sp>
+      <p:sp>
+        <p:nvSpPr>
+          <p:cNvPr id="5" name="Content Placeholder 2">
+            <a:extLst>
+              <a:ext uri="{FF2B5EF4-FFF2-40B4-BE49-F238E27FC236}">
+                <a16:creationId xmlns:a16="http://schemas.microsoft.com/office/drawing/2014/main" id="{A2EE96F5-8649-EB30-344F-CECCEC7203AC}"/>
+              </a:ext>
+            </a:extLst>
+          </p:cNvPr>
+          <p:cNvSpPr txBox="1">
+            <a:spLocks/>
+          </p:cNvSpPr>
+          <p:nvPr/>
+        </p:nvSpPr>
+        <p:spPr>
+          <a:xfrm>
+            <a:off x="5974080" y="1856572"/>
+            <a:ext cx="4876800" cy="4023360"/>
+          </a:xfrm>
+          <a:prstGeom prst="rect">
+            <a:avLst/>
+          </a:prstGeom>
+        </p:spPr>
+        <p:txBody>
+          <a:bodyPr vert="horz" lIns="0" tIns="45720" rIns="0" bIns="45720" rtlCol="0">
+            <a:normAutofit/>
+          </a:bodyPr>
+          <a:lstStyle>
+            <a:lvl1pPr marL="91440" indent="-91440" algn="l" defTabSz="914400" rtl="0" eaLnBrk="1" latinLnBrk="0" hangingPunct="1">
+              <a:lnSpc>
+                <a:spcPct val="90000"/>
+              </a:lnSpc>
+              <a:spcBef>
+                <a:spcPts val="1200"/>
+              </a:spcBef>
+              <a:spcAft>
+                <a:spcPts val="200"/>
+              </a:spcAft>
+              <a:buClr>
+                <a:schemeClr val="accent1"/>
+              </a:buClr>
+              <a:buSzPct val="100000"/>
+              <a:buFont typeface="Calibri" panose="020F0502020204030204" pitchFamily="34" charset="0"/>
+              <a:buChar char=" "/>
+              <a:defRPr sz="2800" kern="1200">
+                <a:solidFill>
+                  <a:schemeClr val="tx1">
+                    <a:lumMod val="75000"/>
+                    <a:lumOff val="25000"/>
+                  </a:schemeClr>
+                </a:solidFill>
+                <a:latin typeface="+mn-lt"/>
+                <a:ea typeface="+mn-ea"/>
+                <a:cs typeface="+mn-cs"/>
+              </a:defRPr>
+            </a:lvl1pPr>
+            <a:lvl2pPr marL="384048" indent="-182880" algn="l" defTabSz="914400" rtl="0" eaLnBrk="1" latinLnBrk="0" hangingPunct="1">
+              <a:lnSpc>
+                <a:spcPct val="90000"/>
+              </a:lnSpc>
+              <a:spcBef>
+                <a:spcPts val="200"/>
+              </a:spcBef>
+              <a:spcAft>
+                <a:spcPts val="400"/>
+              </a:spcAft>
+              <a:buClr>
+                <a:schemeClr val="accent1"/>
+              </a:buClr>
+              <a:buFont typeface="Calibri" pitchFamily="34" charset="0"/>
+              <a:buChar char="◦"/>
+              <a:defRPr sz="2400" kern="1200">
+                <a:solidFill>
+                  <a:schemeClr val="tx1">
+                    <a:lumMod val="75000"/>
+                    <a:lumOff val="25000"/>
+                  </a:schemeClr>
+                </a:solidFill>
+                <a:latin typeface="+mn-lt"/>
+                <a:ea typeface="+mn-ea"/>
+                <a:cs typeface="+mn-cs"/>
+              </a:defRPr>
+            </a:lvl2pPr>
+            <a:lvl3pPr marL="566928" indent="-182880" algn="l" defTabSz="914400" rtl="0" eaLnBrk="1" latinLnBrk="0" hangingPunct="1">
+              <a:lnSpc>
+                <a:spcPct val="90000"/>
+              </a:lnSpc>
+              <a:spcBef>
+                <a:spcPts val="200"/>
+              </a:spcBef>
+              <a:spcAft>
+                <a:spcPts val="400"/>
+              </a:spcAft>
+              <a:buClr>
+                <a:schemeClr val="accent1"/>
+              </a:buClr>
+              <a:buFont typeface="Calibri" pitchFamily="34" charset="0"/>
+              <a:buChar char="◦"/>
+              <a:defRPr sz="2200" kern="1200">
+                <a:solidFill>
+                  <a:schemeClr val="tx1">
+                    <a:lumMod val="75000"/>
+                    <a:lumOff val="25000"/>
+                  </a:schemeClr>
+                </a:solidFill>
+                <a:latin typeface="+mn-lt"/>
+                <a:ea typeface="+mn-ea"/>
+                <a:cs typeface="+mn-cs"/>
+              </a:defRPr>
+            </a:lvl3pPr>
+            <a:lvl4pPr marL="749808" indent="-182880" algn="l" defTabSz="914400" rtl="0" eaLnBrk="1" latinLnBrk="0" hangingPunct="1">
+              <a:lnSpc>
+                <a:spcPct val="90000"/>
+              </a:lnSpc>
+              <a:spcBef>
+                <a:spcPts val="200"/>
+              </a:spcBef>
+              <a:spcAft>
+                <a:spcPts val="400"/>
+              </a:spcAft>
+              <a:buClr>
+                <a:schemeClr val="accent1"/>
+              </a:buClr>
+              <a:buFont typeface="Calibri" pitchFamily="34" charset="0"/>
+              <a:buChar char="◦"/>
+              <a:defRPr sz="2000" kern="1200">
+                <a:solidFill>
+                  <a:schemeClr val="tx1">
+                    <a:lumMod val="75000"/>
+                    <a:lumOff val="25000"/>
+                  </a:schemeClr>
+                </a:solidFill>
+                <a:latin typeface="+mn-lt"/>
+                <a:ea typeface="+mn-ea"/>
+                <a:cs typeface="+mn-cs"/>
+              </a:defRPr>
+            </a:lvl4pPr>
+            <a:lvl5pPr marL="932688" indent="-182880" algn="l" defTabSz="914400" rtl="0" eaLnBrk="1" latinLnBrk="0" hangingPunct="1">
+              <a:lnSpc>
+                <a:spcPct val="90000"/>
+              </a:lnSpc>
+              <a:spcBef>
+                <a:spcPts val="200"/>
+              </a:spcBef>
+              <a:spcAft>
+                <a:spcPts val="400"/>
+              </a:spcAft>
+              <a:buClr>
+                <a:schemeClr val="accent1"/>
+              </a:buClr>
+              <a:buFont typeface="Calibri" pitchFamily="34" charset="0"/>
+              <a:buChar char="◦"/>
+              <a:defRPr sz="1800" kern="1200">
+                <a:solidFill>
+                  <a:schemeClr val="tx1">
+                    <a:lumMod val="75000"/>
+                    <a:lumOff val="25000"/>
+                  </a:schemeClr>
+                </a:solidFill>
+                <a:latin typeface="+mn-lt"/>
+                <a:ea typeface="+mn-ea"/>
+                <a:cs typeface="+mn-cs"/>
+              </a:defRPr>
+            </a:lvl5pPr>
+            <a:lvl6pPr marL="1100000" indent="-228600" algn="l" defTabSz="914400" rtl="0" eaLnBrk="1" latinLnBrk="0" hangingPunct="1">
+              <a:lnSpc>
+                <a:spcPct val="90000"/>
+              </a:lnSpc>
+              <a:spcBef>
+                <a:spcPts val="200"/>
+              </a:spcBef>
+              <a:spcAft>
+                <a:spcPts val="400"/>
+              </a:spcAft>
+              <a:buClr>
+                <a:schemeClr val="accent1"/>
+              </a:buClr>
+              <a:buFont typeface="Calibri" pitchFamily="34" charset="0"/>
+              <a:buChar char="◦"/>
+              <a:defRPr sz="1400" kern="1200">
+                <a:solidFill>
+                  <a:schemeClr val="tx1">
+                    <a:lumMod val="75000"/>
+                    <a:lumOff val="25000"/>
+                  </a:schemeClr>
+                </a:solidFill>
+                <a:latin typeface="+mn-lt"/>
+                <a:ea typeface="+mn-ea"/>
+                <a:cs typeface="+mn-cs"/>
+              </a:defRPr>
+            </a:lvl6pPr>
+            <a:lvl7pPr marL="1300000" indent="-228600" algn="l" defTabSz="914400" rtl="0" eaLnBrk="1" latinLnBrk="0" hangingPunct="1">
+              <a:lnSpc>
+                <a:spcPct val="90000"/>
+              </a:lnSpc>
+              <a:spcBef>
+                <a:spcPts val="200"/>
+              </a:spcBef>
+              <a:spcAft>
+                <a:spcPts val="400"/>
+              </a:spcAft>
+              <a:buClr>
+                <a:schemeClr val="accent1"/>
+              </a:buClr>
+              <a:buFont typeface="Calibri" pitchFamily="34" charset="0"/>
+              <a:buChar char="◦"/>
+              <a:defRPr sz="1400" kern="1200">
+                <a:solidFill>
+                  <a:schemeClr val="tx1">
+                    <a:lumMod val="75000"/>
+                    <a:lumOff val="25000"/>
+                  </a:schemeClr>
+                </a:solidFill>
+                <a:latin typeface="+mn-lt"/>
+                <a:ea typeface="+mn-ea"/>
+                <a:cs typeface="+mn-cs"/>
+              </a:defRPr>
+            </a:lvl7pPr>
+            <a:lvl8pPr marL="1500000" indent="-228600" algn="l" defTabSz="914400" rtl="0" eaLnBrk="1" latinLnBrk="0" hangingPunct="1">
+              <a:lnSpc>
+                <a:spcPct val="90000"/>
+              </a:lnSpc>
+              <a:spcBef>
+                <a:spcPts val="200"/>
+              </a:spcBef>
+              <a:spcAft>
+                <a:spcPts val="400"/>
+              </a:spcAft>
+              <a:buClr>
+                <a:schemeClr val="accent1"/>
+              </a:buClr>
+              <a:buFont typeface="Calibri" pitchFamily="34" charset="0"/>
+              <a:buChar char="◦"/>
+              <a:defRPr sz="1400" kern="1200">
+                <a:solidFill>
+                  <a:schemeClr val="tx1">
+                    <a:lumMod val="75000"/>
+                    <a:lumOff val="25000"/>
+                  </a:schemeClr>
+                </a:solidFill>
+                <a:latin typeface="+mn-lt"/>
+                <a:ea typeface="+mn-ea"/>
+                <a:cs typeface="+mn-cs"/>
+              </a:defRPr>
+            </a:lvl8pPr>
+            <a:lvl9pPr marL="1700000" indent="-228600" algn="l" defTabSz="914400" rtl="0" eaLnBrk="1" latinLnBrk="0" hangingPunct="1">
+              <a:lnSpc>
+                <a:spcPct val="90000"/>
+              </a:lnSpc>
+              <a:spcBef>
+                <a:spcPts val="200"/>
+              </a:spcBef>
+              <a:spcAft>
+                <a:spcPts val="400"/>
+              </a:spcAft>
+              <a:buClr>
+                <a:schemeClr val="accent1"/>
+              </a:buClr>
+              <a:buFont typeface="Calibri" pitchFamily="34" charset="0"/>
+              <a:buChar char="◦"/>
+              <a:defRPr sz="1400" kern="1200">
+                <a:solidFill>
+                  <a:schemeClr val="tx1">
+                    <a:lumMod val="75000"/>
+                    <a:lumOff val="25000"/>
+                  </a:schemeClr>
+                </a:solidFill>
+                <a:latin typeface="+mn-lt"/>
+                <a:ea typeface="+mn-ea"/>
+                <a:cs typeface="+mn-cs"/>
+              </a:defRPr>
+            </a:lvl9pPr>
+          </a:lstStyle>
+          <a:p>
+            <a:pPr marL="0" indent="0">
+              <a:buNone/>
+            </a:pPr>
+            <a:r>
+              <a:rPr lang="en-US" dirty="0">
+                <a:latin typeface="Consolas" panose="020B0609020204030204" pitchFamily="49" charset="0"/>
+              </a:rPr>
+              <a:t>fun </a:t>
+            </a:r>
+            <a:r>
+              <a:rPr lang="en-US" dirty="0" err="1">
+                <a:latin typeface="Consolas" panose="020B0609020204030204" pitchFamily="49" charset="0"/>
+              </a:rPr>
+              <a:t>powK</a:t>
+            </a:r>
+            <a:r>
+              <a:rPr lang="en-US" dirty="0">
+                <a:latin typeface="Consolas" panose="020B0609020204030204" pitchFamily="49" charset="0"/>
+              </a:rPr>
+              <a:t>(</a:t>
+            </a:r>
+            <a:r>
+              <a:rPr lang="en-US" dirty="0" err="1">
+                <a:latin typeface="Consolas" panose="020B0609020204030204" pitchFamily="49" charset="0"/>
+              </a:rPr>
+              <a:t>n,k</a:t>
+            </a:r>
+            <a:r>
+              <a:rPr lang="en-US" dirty="0">
+                <a:latin typeface="Consolas" panose="020B0609020204030204" pitchFamily="49" charset="0"/>
+              </a:rPr>
+              <a:t>) =</a:t>
+            </a:r>
+            <a:br>
+              <a:rPr lang="en-US" dirty="0">
+                <a:latin typeface="Consolas" panose="020B0609020204030204" pitchFamily="49" charset="0"/>
+              </a:rPr>
+            </a:br>
+            <a:r>
+              <a:rPr lang="en-US" dirty="0">
+                <a:latin typeface="Consolas" panose="020B0609020204030204" pitchFamily="49" charset="0"/>
+              </a:rPr>
+              <a:t> if k&lt;=n pow(</a:t>
+            </a:r>
+            <a:r>
+              <a:rPr lang="en-US" dirty="0" err="1">
+                <a:latin typeface="Consolas" panose="020B0609020204030204" pitchFamily="49" charset="0"/>
+              </a:rPr>
+              <a:t>n,k</a:t>
+            </a:r>
+            <a:r>
+              <a:rPr lang="en-US" dirty="0">
+                <a:latin typeface="Consolas" panose="020B0609020204030204" pitchFamily="49" charset="0"/>
+              </a:rPr>
+              <a:t>)</a:t>
+            </a:r>
+            <a:br>
+              <a:rPr lang="en-US" dirty="0">
+                <a:latin typeface="Consolas" panose="020B0609020204030204" pitchFamily="49" charset="0"/>
+              </a:rPr>
+            </a:br>
+            <a:r>
+              <a:rPr lang="en-US" dirty="0">
+                <a:latin typeface="Consolas" panose="020B0609020204030204" pitchFamily="49" charset="0"/>
+              </a:rPr>
+              <a:t> else {</a:t>
+            </a:r>
+            <a:br>
+              <a:rPr lang="en-US" dirty="0">
+                <a:latin typeface="Consolas" panose="020B0609020204030204" pitchFamily="49" charset="0"/>
+              </a:rPr>
+            </a:br>
+            <a:r>
+              <a:rPr lang="en-US" dirty="0">
+                <a:latin typeface="Consolas" panose="020B0609020204030204" pitchFamily="49" charset="0"/>
+              </a:rPr>
+              <a:t>  let (</a:t>
+            </a:r>
+            <a:r>
+              <a:rPr lang="en-US" dirty="0" err="1">
+                <a:latin typeface="Consolas" panose="020B0609020204030204" pitchFamily="49" charset="0"/>
+              </a:rPr>
+              <a:t>a,b</a:t>
+            </a:r>
+            <a:r>
+              <a:rPr lang="en-US" dirty="0">
+                <a:latin typeface="Consolas" panose="020B0609020204030204" pitchFamily="49" charset="0"/>
+              </a:rPr>
+              <a:t>)=(</a:t>
+            </a:r>
+            <a:r>
+              <a:rPr lang="en-US" dirty="0" err="1">
+                <a:latin typeface="Consolas" panose="020B0609020204030204" pitchFamily="49" charset="0"/>
+              </a:rPr>
+              <a:t>k%n,k</a:t>
+            </a:r>
+            <a:r>
+              <a:rPr lang="en-US" dirty="0">
+                <a:latin typeface="Consolas" panose="020B0609020204030204" pitchFamily="49" charset="0"/>
+              </a:rPr>
+              <a:t>/n)</a:t>
+            </a:r>
+            <a:br>
+              <a:rPr lang="en-US" dirty="0">
+                <a:latin typeface="Consolas" panose="020B0609020204030204" pitchFamily="49" charset="0"/>
+              </a:rPr>
+            </a:br>
+            <a:r>
+              <a:rPr lang="en-US" dirty="0">
+                <a:latin typeface="Consolas" panose="020B0609020204030204" pitchFamily="49" charset="0"/>
+              </a:rPr>
+              <a:t>   </a:t>
+            </a:r>
+            <a:r>
+              <a:rPr lang="en-US" dirty="0" err="1">
+                <a:latin typeface="Consolas" panose="020B0609020204030204" pitchFamily="49" charset="0"/>
+              </a:rPr>
+              <a:t>powK</a:t>
+            </a:r>
+            <a:r>
+              <a:rPr lang="en-US" dirty="0">
+                <a:latin typeface="Consolas" panose="020B0609020204030204" pitchFamily="49" charset="0"/>
+              </a:rPr>
+              <a:t>(</a:t>
+            </a:r>
+            <a:r>
+              <a:rPr lang="en-US" dirty="0" err="1">
+                <a:latin typeface="Consolas" panose="020B0609020204030204" pitchFamily="49" charset="0"/>
+              </a:rPr>
+              <a:t>n,a</a:t>
+            </a:r>
+            <a:r>
+              <a:rPr lang="en-US" dirty="0">
+                <a:latin typeface="Consolas" panose="020B0609020204030204" pitchFamily="49" charset="0"/>
+              </a:rPr>
+              <a:t>)</a:t>
+            </a:r>
+            <a:br>
+              <a:rPr lang="en-US" dirty="0">
+                <a:latin typeface="Consolas" panose="020B0609020204030204" pitchFamily="49" charset="0"/>
+              </a:rPr>
+            </a:br>
+            <a:r>
+              <a:rPr lang="en-US" dirty="0">
+                <a:latin typeface="Consolas" panose="020B0609020204030204" pitchFamily="49" charset="0"/>
+              </a:rPr>
+              <a:t>  *</a:t>
+            </a:r>
+            <a:r>
+              <a:rPr lang="en-US" dirty="0" err="1">
+                <a:latin typeface="Consolas" panose="020B0609020204030204" pitchFamily="49" charset="0"/>
+              </a:rPr>
+              <a:t>powK</a:t>
+            </a:r>
+            <a:r>
+              <a:rPr lang="en-US" dirty="0">
+                <a:latin typeface="Consolas" panose="020B0609020204030204" pitchFamily="49" charset="0"/>
+              </a:rPr>
+              <a:t>(</a:t>
+            </a:r>
+            <a:r>
+              <a:rPr lang="en-US" dirty="0" err="1">
+                <a:latin typeface="Consolas" panose="020B0609020204030204" pitchFamily="49" charset="0"/>
+              </a:rPr>
+              <a:t>powK</a:t>
+            </a:r>
+            <a:r>
+              <a:rPr lang="en-US" dirty="0">
+                <a:latin typeface="Consolas" panose="020B0609020204030204" pitchFamily="49" charset="0"/>
+              </a:rPr>
+              <a:t>(</a:t>
+            </a:r>
+            <a:r>
+              <a:rPr lang="en-US" dirty="0" err="1">
+                <a:latin typeface="Consolas" panose="020B0609020204030204" pitchFamily="49" charset="0"/>
+              </a:rPr>
+              <a:t>n,b</a:t>
+            </a:r>
+            <a:r>
+              <a:rPr lang="en-US" dirty="0">
+                <a:latin typeface="Consolas" panose="020B0609020204030204" pitchFamily="49" charset="0"/>
+              </a:rPr>
+              <a:t>),n)</a:t>
+            </a:r>
+            <a:br>
+              <a:rPr lang="en-US" dirty="0">
+                <a:latin typeface="Consolas" panose="020B0609020204030204" pitchFamily="49" charset="0"/>
+              </a:rPr>
+            </a:br>
+            <a:r>
+              <a:rPr lang="en-US" dirty="0">
+                <a:latin typeface="Consolas" panose="020B0609020204030204" pitchFamily="49" charset="0"/>
+              </a:rPr>
+              <a:t> }</a:t>
+            </a:r>
+          </a:p>
+          <a:p>
+            <a:pPr marL="0" indent="0">
+              <a:buNone/>
+            </a:pPr>
+            <a:r>
+              <a:rPr lang="en-US" dirty="0">
+                <a:latin typeface="Consolas" panose="020B0609020204030204" pitchFamily="49" charset="0"/>
+              </a:rPr>
+              <a:t> </a:t>
+            </a:r>
+            <a:br>
+              <a:rPr lang="en-US" dirty="0">
+                <a:latin typeface="Consolas" panose="020B0609020204030204" pitchFamily="49" charset="0"/>
+              </a:rPr>
+            </a:br>
+            <a:r>
+              <a:rPr lang="en-US" dirty="0">
+                <a:latin typeface="Consolas" panose="020B0609020204030204" pitchFamily="49" charset="0"/>
+              </a:rPr>
+              <a:t>  </a:t>
+            </a:r>
+          </a:p>
+          <a:p>
+            <a:endParaRPr lang="en-US" dirty="0">
+              <a:latin typeface="Consolas" panose="020B0609020204030204" pitchFamily="49" charset="0"/>
+            </a:endParaRPr>
+          </a:p>
+        </p:txBody>
+      </p:sp>
     </p:spTree>
     <p:extLst>
       <p:ext uri="{BB962C8B-B14F-4D97-AF65-F5344CB8AC3E}">
-        <p14:creationId xmlns:p14="http://schemas.microsoft.com/office/powerpoint/2010/main" val="1899409751"/>
+        <p14:creationId xmlns:p14="http://schemas.microsoft.com/office/powerpoint/2010/main" val="3894041558"/>
       </p:ext>
     </p:extLst>
   </p:cSld>
@@ -5000,7 +5553,7 @@
           <a:p>
             <a:r>
               <a:rPr lang="en-US" dirty="0"/>
-              <a:t>Today’s PL: Types</a:t>
+              <a:t>Today’s PL: Syntax</a:t>
             </a:r>
           </a:p>
         </p:txBody>
@@ -5024,92 +5577,96 @@
         <p:spPr/>
         <p:txBody>
           <a:bodyPr>
-            <a:normAutofit/>
+            <a:normAutofit lnSpcReduction="10000"/>
           </a:bodyPr>
           <a:lstStyle/>
           <a:p>
             <a:r>
-              <a:rPr lang="en-US" b="0" i="1" dirty="0">
-                <a:solidFill>
-                  <a:srgbClr val="000000"/>
-                </a:solidFill>
-                <a:effectLst/>
-                <a:latin typeface="Noto Serif" panose="02020600060500020200" pitchFamily="18" charset="0"/>
-              </a:rPr>
-              <a:t>t → num | (t, t) | (t → t)</a:t>
-            </a:r>
-          </a:p>
-          <a:p>
-            <a:r>
-              <a:rPr lang="en-US" dirty="0">
-                <a:solidFill>
-                  <a:srgbClr val="000000"/>
-                </a:solidFill>
-              </a:rPr>
-              <a:t>A type </a:t>
-            </a:r>
-            <a:r>
-              <a:rPr lang="en-US" b="1" dirty="0">
-                <a:solidFill>
-                  <a:srgbClr val="000000"/>
-                </a:solidFill>
-              </a:rPr>
-              <a:t>t </a:t>
-            </a:r>
-            <a:r>
-              <a:rPr lang="en-US" dirty="0">
-                <a:solidFill>
-                  <a:srgbClr val="000000"/>
-                </a:solidFill>
-              </a:rPr>
-              <a:t>can be any of:</a:t>
+              <a:rPr lang="en-US" dirty="0"/>
+              <a:t>e → x | n | (e, e) | fun f(x) is e | e op e | </a:t>
+            </a:r>
+            <a:r>
+              <a:rPr lang="en-US" dirty="0" err="1"/>
+              <a:t>fst</a:t>
+            </a:r>
+            <a:r>
+              <a:rPr lang="en-US" dirty="0"/>
+              <a:t>(e) | </a:t>
+            </a:r>
+            <a:r>
+              <a:rPr lang="en-US" dirty="0" err="1"/>
+              <a:t>snd</a:t>
+            </a:r>
+            <a:r>
+              <a:rPr lang="en-US" dirty="0"/>
+              <a:t>(e) | e(e)</a:t>
+            </a:r>
+          </a:p>
+          <a:p>
+            <a:r>
+              <a:rPr lang="en-US" dirty="0"/>
+              <a:t>Description of syntax:</a:t>
             </a:r>
           </a:p>
           <a:p>
             <a:pPr lvl="1"/>
             <a:r>
               <a:rPr lang="en-US" dirty="0"/>
-              <a:t>The numeric type </a:t>
-            </a:r>
-            <a:r>
-              <a:rPr lang="en-US" b="1" dirty="0"/>
-              <a:t>num</a:t>
-            </a:r>
-            <a:endParaRPr lang="en-US" dirty="0"/>
+              <a:t>x is a variable</a:t>
+            </a:r>
           </a:p>
           <a:p>
             <a:pPr lvl="1"/>
             <a:r>
               <a:rPr lang="en-US" dirty="0"/>
-              <a:t>A pair type </a:t>
-            </a:r>
-            <a:r>
-              <a:rPr lang="en-US" b="1" dirty="0"/>
-              <a:t>(t1, t2)</a:t>
-            </a:r>
-            <a:endParaRPr lang="en-US" dirty="0"/>
+              <a:t>n is a number</a:t>
+            </a:r>
           </a:p>
           <a:p>
             <a:pPr lvl="1"/>
             <a:r>
               <a:rPr lang="en-US" dirty="0"/>
-              <a:t>A function type </a:t>
-            </a:r>
-            <a:r>
-              <a:rPr lang="en-US" b="1" dirty="0"/>
-              <a:t>t1 -&gt; t2</a:t>
-            </a:r>
-          </a:p>
-          <a:p>
-            <a:r>
-              <a:rPr lang="en-US" dirty="0"/>
-              <a:t>e.g. </a:t>
-            </a:r>
-            <a:r>
-              <a:rPr lang="en-US" dirty="0">
-                <a:latin typeface="Consolas" panose="020B0609020204030204" pitchFamily="49" charset="0"/>
-              </a:rPr>
-              <a:t>num -&gt; (num, num)</a:t>
+              <a:t>(e1, e2) is a pair, containing e1 and e2</a:t>
+            </a:r>
+          </a:p>
+          <a:p>
+            <a:pPr lvl="1"/>
+            <a:r>
+              <a:rPr lang="en-US" dirty="0"/>
+              <a:t>(fun f(x) is e) is a function with argument x and body e. The body can make a recursive call by calling f.</a:t>
+            </a:r>
+          </a:p>
+          <a:p>
+            <a:pPr lvl="1"/>
+            <a:r>
+              <a:rPr lang="en-US" dirty="0"/>
+              <a:t>e1 op e2 is a binary (e.g. arithmetic) operation on e1 and e2</a:t>
+            </a:r>
+          </a:p>
+          <a:p>
+            <a:pPr lvl="1"/>
+            <a:r>
+              <a:rPr lang="en-US" dirty="0" err="1"/>
+              <a:t>fst</a:t>
+            </a:r>
+            <a:r>
+              <a:rPr lang="en-US" dirty="0"/>
+              <a:t>(e) and </a:t>
+            </a:r>
+            <a:r>
+              <a:rPr lang="en-US" dirty="0" err="1"/>
+              <a:t>snd</a:t>
+            </a:r>
+            <a:r>
+              <a:rPr lang="en-US" dirty="0"/>
+              <a:t>(e) respectively return the first or second element of pair e</a:t>
+            </a:r>
+          </a:p>
+          <a:p>
+            <a:pPr lvl="1"/>
+            <a:r>
+              <a:rPr lang="en-US" dirty="0"/>
+              <a:t>e1(e2) calls function e1 on argument e2</a:t>
             </a:r>
           </a:p>
         </p:txBody>
@@ -5146,7 +5703,7 @@
     </p:spTree>
     <p:extLst>
       <p:ext uri="{BB962C8B-B14F-4D97-AF65-F5344CB8AC3E}">
-        <p14:creationId xmlns:p14="http://schemas.microsoft.com/office/powerpoint/2010/main" val="2270651258"/>
+        <p14:creationId xmlns:p14="http://schemas.microsoft.com/office/powerpoint/2010/main" val="1899409751"/>
       </p:ext>
     </p:extLst>
   </p:cSld>
@@ -5178,6 +5735,202 @@
           <p:cNvPr id="2" name="Title 1">
             <a:extLst>
               <a:ext uri="{FF2B5EF4-FFF2-40B4-BE49-F238E27FC236}">
+                <a16:creationId xmlns:a16="http://schemas.microsoft.com/office/drawing/2014/main" id="{86FEA3F7-8CED-9023-E497-3F45CD2E5447}"/>
+              </a:ext>
+            </a:extLst>
+          </p:cNvPr>
+          <p:cNvSpPr>
+            <a:spLocks noGrp="1"/>
+          </p:cNvSpPr>
+          <p:nvPr>
+            <p:ph type="title"/>
+          </p:nvPr>
+        </p:nvSpPr>
+        <p:spPr/>
+        <p:txBody>
+          <a:bodyPr/>
+          <a:lstStyle/>
+          <a:p>
+            <a:r>
+              <a:rPr lang="en-US" dirty="0"/>
+              <a:t>Today’s PL: Types</a:t>
+            </a:r>
+          </a:p>
+        </p:txBody>
+      </p:sp>
+      <p:sp>
+        <p:nvSpPr>
+          <p:cNvPr id="3" name="Content Placeholder 2">
+            <a:extLst>
+              <a:ext uri="{FF2B5EF4-FFF2-40B4-BE49-F238E27FC236}">
+                <a16:creationId xmlns:a16="http://schemas.microsoft.com/office/drawing/2014/main" id="{86ED128C-C78A-503D-A479-8E0DA285B838}"/>
+              </a:ext>
+            </a:extLst>
+          </p:cNvPr>
+          <p:cNvSpPr>
+            <a:spLocks noGrp="1"/>
+          </p:cNvSpPr>
+          <p:nvPr>
+            <p:ph idx="1"/>
+          </p:nvPr>
+        </p:nvSpPr>
+        <p:spPr/>
+        <p:txBody>
+          <a:bodyPr>
+            <a:normAutofit/>
+          </a:bodyPr>
+          <a:lstStyle/>
+          <a:p>
+            <a:r>
+              <a:rPr lang="en-US" b="0" i="1" dirty="0">
+                <a:solidFill>
+                  <a:srgbClr val="000000"/>
+                </a:solidFill>
+                <a:effectLst/>
+                <a:latin typeface="Noto Serif" panose="02020600060500020200" pitchFamily="18" charset="0"/>
+              </a:rPr>
+              <a:t>t → num | (t, t) | (t → t)</a:t>
+            </a:r>
+          </a:p>
+          <a:p>
+            <a:r>
+              <a:rPr lang="en-US" dirty="0">
+                <a:solidFill>
+                  <a:srgbClr val="000000"/>
+                </a:solidFill>
+              </a:rPr>
+              <a:t>A type </a:t>
+            </a:r>
+            <a:r>
+              <a:rPr lang="en-US" b="1" dirty="0">
+                <a:solidFill>
+                  <a:srgbClr val="000000"/>
+                </a:solidFill>
+              </a:rPr>
+              <a:t>t </a:t>
+            </a:r>
+            <a:r>
+              <a:rPr lang="en-US" dirty="0">
+                <a:solidFill>
+                  <a:srgbClr val="000000"/>
+                </a:solidFill>
+              </a:rPr>
+              <a:t>can be any of:</a:t>
+            </a:r>
+          </a:p>
+          <a:p>
+            <a:pPr lvl="1"/>
+            <a:r>
+              <a:rPr lang="en-US" dirty="0"/>
+              <a:t>The numeric type </a:t>
+            </a:r>
+            <a:r>
+              <a:rPr lang="en-US" b="1" dirty="0"/>
+              <a:t>num</a:t>
+            </a:r>
+            <a:endParaRPr lang="en-US" dirty="0"/>
+          </a:p>
+          <a:p>
+            <a:pPr lvl="1"/>
+            <a:r>
+              <a:rPr lang="en-US" dirty="0"/>
+              <a:t>A pair type </a:t>
+            </a:r>
+            <a:r>
+              <a:rPr lang="en-US" b="1" dirty="0"/>
+              <a:t>(t1, t2)</a:t>
+            </a:r>
+            <a:endParaRPr lang="en-US" dirty="0"/>
+          </a:p>
+          <a:p>
+            <a:pPr lvl="1"/>
+            <a:r>
+              <a:rPr lang="en-US" dirty="0"/>
+              <a:t>A function type </a:t>
+            </a:r>
+            <a:r>
+              <a:rPr lang="en-US" b="1" dirty="0"/>
+              <a:t>t1 -&gt; t2</a:t>
+            </a:r>
+          </a:p>
+          <a:p>
+            <a:r>
+              <a:rPr lang="en-US" dirty="0"/>
+              <a:t>e.g. </a:t>
+            </a:r>
+            <a:r>
+              <a:rPr lang="en-US" dirty="0">
+                <a:latin typeface="Consolas" panose="020B0609020204030204" pitchFamily="49" charset="0"/>
+              </a:rPr>
+              <a:t>num -&gt; (num, num)</a:t>
+            </a:r>
+          </a:p>
+        </p:txBody>
+      </p:sp>
+      <p:sp>
+        <p:nvSpPr>
+          <p:cNvPr id="4" name="Slide Number Placeholder 3">
+            <a:extLst>
+              <a:ext uri="{FF2B5EF4-FFF2-40B4-BE49-F238E27FC236}">
+                <a16:creationId xmlns:a16="http://schemas.microsoft.com/office/drawing/2014/main" id="{ED090E3D-F937-4B35-99E6-9377ECBBFE53}"/>
+              </a:ext>
+            </a:extLst>
+          </p:cNvPr>
+          <p:cNvSpPr>
+            <a:spLocks noGrp="1"/>
+          </p:cNvSpPr>
+          <p:nvPr>
+            <p:ph type="sldNum" sz="quarter" idx="12"/>
+          </p:nvPr>
+        </p:nvSpPr>
+        <p:spPr/>
+        <p:txBody>
+          <a:bodyPr/>
+          <a:lstStyle/>
+          <a:p>
+            <a:fld id="{9BF27F29-4B64-4A24-936A-FF41C34C242B}" type="slidenum">
+              <a:rPr lang="en-US" smtClean="0"/>
+              <a:t>12</a:t>
+            </a:fld>
+            <a:endParaRPr lang="en-US"/>
+          </a:p>
+        </p:txBody>
+      </p:sp>
+    </p:spTree>
+    <p:extLst>
+      <p:ext uri="{BB962C8B-B14F-4D97-AF65-F5344CB8AC3E}">
+        <p14:creationId xmlns:p14="http://schemas.microsoft.com/office/powerpoint/2010/main" val="2270651258"/>
+      </p:ext>
+    </p:extLst>
+  </p:cSld>
+  <p:clrMapOvr>
+    <a:masterClrMapping/>
+  </p:clrMapOvr>
+</p:sld>
+</file>
+
+<file path=ppt/slides/slide13.xml><?xml version="1.0" encoding="utf-8"?>
+<p:sld xmlns:a="http://schemas.openxmlformats.org/drawingml/2006/main" xmlns:r="http://schemas.openxmlformats.org/officeDocument/2006/relationships" xmlns:p="http://schemas.openxmlformats.org/presentationml/2006/main">
+  <p:cSld>
+    <p:spTree>
+      <p:nvGrpSpPr>
+        <p:cNvPr id="1" name=""/>
+        <p:cNvGrpSpPr/>
+        <p:nvPr/>
+      </p:nvGrpSpPr>
+      <p:grpSpPr>
+        <a:xfrm>
+          <a:off x="0" y="0"/>
+          <a:ext cx="0" cy="0"/>
+          <a:chOff x="0" y="0"/>
+          <a:chExt cx="0" cy="0"/>
+        </a:xfrm>
+      </p:grpSpPr>
+      <p:sp>
+        <p:nvSpPr>
+          <p:cNvPr id="2" name="Title 1">
+            <a:extLst>
+              <a:ext uri="{FF2B5EF4-FFF2-40B4-BE49-F238E27FC236}">
                 <a16:creationId xmlns:a16="http://schemas.microsoft.com/office/drawing/2014/main" id="{AF325E26-EA7E-BD4A-79A2-D1CEDD79FCEF}"/>
               </a:ext>
             </a:extLst>
@@ -5283,7 +6036,7 @@
           <a:p>
             <a:fld id="{9BF27F29-4B64-4A24-936A-FF41C34C242B}" type="slidenum">
               <a:rPr lang="en-US" smtClean="0"/>
-              <a:t>12</a:t>
+              <a:t>13</a:t>
             </a:fld>
             <a:endParaRPr lang="en-US"/>
           </a:p>
@@ -6296,14 +7049,14 @@
             </a:br>
             <a:r>
               <a:rPr lang="pt-BR" dirty="0"/>
-              <a:t>E  ⊢ e1 ↪ v1 ∈ n1</a:t>
+              <a:t>E  ⊢ e1 ↪ v1 </a:t>
             </a:r>
             <a:br>
               <a:rPr lang="pt-BR" dirty="0"/>
             </a:br>
             <a:r>
               <a:rPr lang="pt-BR" dirty="0"/>
-              <a:t>E  ⊢ e2 ↪ v2 ∈ n2</a:t>
+              <a:t>E  ⊢ e2 ↪ v2</a:t>
             </a:r>
             <a:endParaRPr lang="en-US" dirty="0"/>
           </a:p>
@@ -6368,7 +7121,7 @@
 </p:sld>
 </file>
 
-<file path=ppt/slides/slide13.xml><?xml version="1.0" encoding="utf-8"?>
+<file path=ppt/slides/slide14.xml><?xml version="1.0" encoding="utf-8"?>
 <p:sld xmlns:a="http://schemas.openxmlformats.org/drawingml/2006/main" xmlns:r="http://schemas.openxmlformats.org/officeDocument/2006/relationships" xmlns:p="http://schemas.openxmlformats.org/presentationml/2006/main">
   <p:cSld>
     <p:spTree>
@@ -6490,7 +7243,7 @@
           <a:p>
             <a:fld id="{9BF27F29-4B64-4A24-936A-FF41C34C242B}" type="slidenum">
               <a:rPr lang="en-US" smtClean="0"/>
-              <a:t>13</a:t>
+              <a:t>14</a:t>
             </a:fld>
             <a:endParaRPr lang="en-US"/>
           </a:p>
@@ -7592,118 +8345,6 @@
 </p:sld>
 </file>
 
-<file path=ppt/slides/slide14.xml><?xml version="1.0" encoding="utf-8"?>
-<p:sld xmlns:a="http://schemas.openxmlformats.org/drawingml/2006/main" xmlns:r="http://schemas.openxmlformats.org/officeDocument/2006/relationships" xmlns:p="http://schemas.openxmlformats.org/presentationml/2006/main">
-  <p:cSld>
-    <p:spTree>
-      <p:nvGrpSpPr>
-        <p:cNvPr id="1" name=""/>
-        <p:cNvGrpSpPr/>
-        <p:nvPr/>
-      </p:nvGrpSpPr>
-      <p:grpSpPr>
-        <a:xfrm>
-          <a:off x="0" y="0"/>
-          <a:ext cx="0" cy="0"/>
-          <a:chOff x="0" y="0"/>
-          <a:chExt cx="0" cy="0"/>
-        </a:xfrm>
-      </p:grpSpPr>
-      <p:sp>
-        <p:nvSpPr>
-          <p:cNvPr id="2" name="Title 1">
-            <a:extLst>
-              <a:ext uri="{FF2B5EF4-FFF2-40B4-BE49-F238E27FC236}">
-                <a16:creationId xmlns:a16="http://schemas.microsoft.com/office/drawing/2014/main" id="{98CD4AB6-23E4-AF57-BBC8-E831DCE1BBE7}"/>
-              </a:ext>
-            </a:extLst>
-          </p:cNvPr>
-          <p:cNvSpPr>
-            <a:spLocks noGrp="1"/>
-          </p:cNvSpPr>
-          <p:nvPr>
-            <p:ph type="title"/>
-          </p:nvPr>
-        </p:nvSpPr>
-        <p:spPr/>
-        <p:txBody>
-          <a:bodyPr/>
-          <a:lstStyle/>
-          <a:p>
-            <a:r>
-              <a:rPr lang="en-US" dirty="0"/>
-              <a:t>Section: Cost Semantics</a:t>
-            </a:r>
-          </a:p>
-        </p:txBody>
-      </p:sp>
-      <p:sp>
-        <p:nvSpPr>
-          <p:cNvPr id="3" name="Content Placeholder 2">
-            <a:extLst>
-              <a:ext uri="{FF2B5EF4-FFF2-40B4-BE49-F238E27FC236}">
-                <a16:creationId xmlns:a16="http://schemas.microsoft.com/office/drawing/2014/main" id="{27D9D5AC-90B7-E470-7673-9526CDF9737F}"/>
-              </a:ext>
-            </a:extLst>
-          </p:cNvPr>
-          <p:cNvSpPr>
-            <a:spLocks noGrp="1"/>
-          </p:cNvSpPr>
-          <p:nvPr>
-            <p:ph idx="1"/>
-          </p:nvPr>
-        </p:nvSpPr>
-        <p:spPr/>
-        <p:txBody>
-          <a:bodyPr/>
-          <a:lstStyle/>
-          <a:p>
-            <a:endParaRPr lang="en-US" dirty="0"/>
-          </a:p>
-        </p:txBody>
-      </p:sp>
-      <p:sp>
-        <p:nvSpPr>
-          <p:cNvPr id="4" name="Slide Number Placeholder 3">
-            <a:extLst>
-              <a:ext uri="{FF2B5EF4-FFF2-40B4-BE49-F238E27FC236}">
-                <a16:creationId xmlns:a16="http://schemas.microsoft.com/office/drawing/2014/main" id="{E43F8728-891D-7042-FBB7-590FB65C58C2}"/>
-              </a:ext>
-            </a:extLst>
-          </p:cNvPr>
-          <p:cNvSpPr>
-            <a:spLocks noGrp="1"/>
-          </p:cNvSpPr>
-          <p:nvPr>
-            <p:ph type="sldNum" sz="quarter" idx="12"/>
-          </p:nvPr>
-        </p:nvSpPr>
-        <p:spPr/>
-        <p:txBody>
-          <a:bodyPr/>
-          <a:lstStyle/>
-          <a:p>
-            <a:fld id="{9BF27F29-4B64-4A24-936A-FF41C34C242B}" type="slidenum">
-              <a:rPr lang="en-US" smtClean="0"/>
-              <a:t>14</a:t>
-            </a:fld>
-            <a:endParaRPr lang="en-US"/>
-          </a:p>
-        </p:txBody>
-      </p:sp>
-    </p:spTree>
-    <p:extLst>
-      <p:ext uri="{BB962C8B-B14F-4D97-AF65-F5344CB8AC3E}">
-        <p14:creationId xmlns:p14="http://schemas.microsoft.com/office/powerpoint/2010/main" val="3730156225"/>
-      </p:ext>
-    </p:extLst>
-  </p:cSld>
-  <p:clrMapOvr>
-    <a:masterClrMapping/>
-  </p:clrMapOvr>
-</p:sld>
-</file>
-
 <file path=ppt/slides/slide15.xml><?xml version="1.0" encoding="utf-8"?>
 <p:sld xmlns:a="http://schemas.openxmlformats.org/drawingml/2006/main" xmlns:r="http://schemas.openxmlformats.org/officeDocument/2006/relationships" xmlns:p="http://schemas.openxmlformats.org/presentationml/2006/main">
   <p:cSld>
@@ -7726,7 +8367,7 @@
           <p:cNvPr id="2" name="Title 1">
             <a:extLst>
               <a:ext uri="{FF2B5EF4-FFF2-40B4-BE49-F238E27FC236}">
-                <a16:creationId xmlns:a16="http://schemas.microsoft.com/office/drawing/2014/main" id="{7EA04CCF-305D-F472-1FCC-3D2D567702D6}"/>
+                <a16:creationId xmlns:a16="http://schemas.microsoft.com/office/drawing/2014/main" id="{98CD4AB6-23E4-AF57-BBC8-E831DCE1BBE7}"/>
               </a:ext>
             </a:extLst>
           </p:cNvPr>
@@ -7744,7 +8385,7 @@
           <a:p>
             <a:r>
               <a:rPr lang="en-US" dirty="0"/>
-              <a:t>Idea</a:t>
+              <a:t>Section: Cost Semantics</a:t>
             </a:r>
           </a:p>
         </p:txBody>
@@ -7754,7 +8395,7 @@
           <p:cNvPr id="3" name="Content Placeholder 2">
             <a:extLst>
               <a:ext uri="{FF2B5EF4-FFF2-40B4-BE49-F238E27FC236}">
-                <a16:creationId xmlns:a16="http://schemas.microsoft.com/office/drawing/2014/main" id="{78557F56-FB49-70F3-3222-8B74B60AA03D}"/>
+                <a16:creationId xmlns:a16="http://schemas.microsoft.com/office/drawing/2014/main" id="{27D9D5AC-90B7-E470-7673-9526CDF9737F}"/>
               </a:ext>
             </a:extLst>
           </p:cNvPr>
@@ -7770,70 +8411,7 @@
           <a:bodyPr/>
           <a:lstStyle/>
           <a:p>
-            <a:r>
-              <a:rPr lang="en-US" dirty="0"/>
-              <a:t>Cost semantics is similar to typical big-step semantics, plus </a:t>
-            </a:r>
-            <a:br>
-              <a:rPr lang="en-US" dirty="0"/>
-            </a:br>
-            <a:r>
-              <a:rPr lang="en-US" dirty="0"/>
-              <a:t>“some extra bookkeeping to calculate the running time”</a:t>
-            </a:r>
-          </a:p>
-          <a:p>
-            <a:r>
-              <a:rPr lang="en-US" b="1" dirty="0"/>
-              <a:t>Big-step sem.:</a:t>
-            </a:r>
-            <a:r>
-              <a:rPr lang="en-US" dirty="0"/>
-              <a:t> </a:t>
-            </a:r>
-            <a:r>
-              <a:rPr lang="pt-BR" dirty="0"/>
-              <a:t>E ⊢ e ↪ v is “under E, e evaluates to v”</a:t>
-            </a:r>
-          </a:p>
-          <a:p>
-            <a:r>
-              <a:rPr lang="en-US" b="1" dirty="0"/>
-              <a:t>Cost sem.:</a:t>
-            </a:r>
-            <a:r>
-              <a:rPr lang="en-US" dirty="0"/>
-              <a:t> </a:t>
-            </a:r>
-            <a:r>
-              <a:rPr lang="pt-BR" dirty="0"/>
-              <a:t>E ⊢ e ↪ v </a:t>
-            </a:r>
-            <a:r>
-              <a:rPr lang="en-US" dirty="0"/>
-              <a:t>∈ k </a:t>
-            </a:r>
-            <a:r>
-              <a:rPr lang="pt-BR" dirty="0"/>
-              <a:t>is “under E, e evaluates to v in k cost”</a:t>
-            </a:r>
-          </a:p>
-          <a:p>
-            <a:r>
-              <a:rPr lang="en-US" dirty="0"/>
-              <a:t>The cost can be any resource, but we will first consider running time of a program without any parallelism, called its </a:t>
-            </a:r>
-            <a:r>
-              <a:rPr lang="en-US" b="1" dirty="0"/>
-              <a:t>work</a:t>
-            </a:r>
             <a:endParaRPr lang="en-US" dirty="0"/>
-          </a:p>
-          <a:p>
-            <a:r>
-              <a:rPr lang="en-US" dirty="0"/>
-              <a:t>For simplicity, every operation will have cost 1. In realistic uses, different costs can be assigned to each operation.</a:t>
-            </a:r>
           </a:p>
         </p:txBody>
       </p:sp>
@@ -7842,7 +8420,7 @@
           <p:cNvPr id="4" name="Slide Number Placeholder 3">
             <a:extLst>
               <a:ext uri="{FF2B5EF4-FFF2-40B4-BE49-F238E27FC236}">
-                <a16:creationId xmlns:a16="http://schemas.microsoft.com/office/drawing/2014/main" id="{9B6B9A93-316B-6E83-6A73-5F289A68B3E2}"/>
+                <a16:creationId xmlns:a16="http://schemas.microsoft.com/office/drawing/2014/main" id="{E43F8728-891D-7042-FBB7-590FB65C58C2}"/>
               </a:ext>
             </a:extLst>
           </p:cNvPr>
@@ -7869,7 +8447,7 @@
     </p:spTree>
     <p:extLst>
       <p:ext uri="{BB962C8B-B14F-4D97-AF65-F5344CB8AC3E}">
-        <p14:creationId xmlns:p14="http://schemas.microsoft.com/office/powerpoint/2010/main" val="1475235072"/>
+        <p14:creationId xmlns:p14="http://schemas.microsoft.com/office/powerpoint/2010/main" val="3730156225"/>
       </p:ext>
     </p:extLst>
   </p:cSld>
@@ -7901,7 +8479,7 @@
           <p:cNvPr id="2" name="Title 1">
             <a:extLst>
               <a:ext uri="{FF2B5EF4-FFF2-40B4-BE49-F238E27FC236}">
-                <a16:creationId xmlns:a16="http://schemas.microsoft.com/office/drawing/2014/main" id="{77AC9ED7-AD27-7AD0-3006-44C438F0F124}"/>
+                <a16:creationId xmlns:a16="http://schemas.microsoft.com/office/drawing/2014/main" id="{7EA04CCF-305D-F472-1FCC-3D2D567702D6}"/>
               </a:ext>
             </a:extLst>
           </p:cNvPr>
@@ -7919,7 +8497,7 @@
           <a:p>
             <a:r>
               <a:rPr lang="en-US" dirty="0"/>
-              <a:t>Work</a:t>
+              <a:t>Idea</a:t>
             </a:r>
           </a:p>
         </p:txBody>
@@ -7929,7 +8507,7 @@
           <p:cNvPr id="3" name="Content Placeholder 2">
             <a:extLst>
               <a:ext uri="{FF2B5EF4-FFF2-40B4-BE49-F238E27FC236}">
-                <a16:creationId xmlns:a16="http://schemas.microsoft.com/office/drawing/2014/main" id="{A844DA7D-F623-0D5A-86DA-6F52D40BE786}"/>
+                <a16:creationId xmlns:a16="http://schemas.microsoft.com/office/drawing/2014/main" id="{78557F56-FB49-70F3-3222-8B74B60AA03D}"/>
               </a:ext>
             </a:extLst>
           </p:cNvPr>
@@ -7947,90 +8525,67 @@
           <a:p>
             <a:r>
               <a:rPr lang="en-US" dirty="0"/>
-              <a:t>The </a:t>
-            </a:r>
+              <a:t>Cost semantics is similar to typical big-step semantics, plus </a:t>
+            </a:r>
+            <a:br>
+              <a:rPr lang="en-US" dirty="0"/>
+            </a:br>
+            <a:r>
+              <a:rPr lang="en-US" dirty="0"/>
+              <a:t>“some extra bookkeeping to calculate the running time”</a:t>
+            </a:r>
+          </a:p>
+          <a:p>
             <a:r>
               <a:rPr lang="en-US" b="1" dirty="0"/>
-              <a:t>work </a:t>
-            </a:r>
-            <a:r>
-              <a:rPr lang="en-US" dirty="0"/>
-              <a:t>of an expression </a:t>
-            </a:r>
-            <a:r>
-              <a:rPr lang="en-US" i="1" dirty="0"/>
-              <a:t>e, </a:t>
-            </a:r>
-            <a:r>
-              <a:rPr lang="en-US" dirty="0"/>
-              <a:t>written W(e) is the number of execution steps it takes to evaluate </a:t>
-            </a:r>
-            <a:r>
-              <a:rPr lang="en-US" i="1" dirty="0"/>
-              <a:t>e</a:t>
-            </a:r>
-            <a:r>
-              <a:rPr lang="en-US" dirty="0"/>
-              <a:t> to a value. If </a:t>
-            </a:r>
-            <a:r>
-              <a:rPr lang="en-US" i="1" dirty="0"/>
-              <a:t>e</a:t>
-            </a:r>
-            <a:r>
-              <a:rPr lang="en-US" dirty="0"/>
-              <a:t> loops forever, work is infinite. We write “W(e1) is O(e2)” to mean the work of e1 is on the order of e2.</a:t>
-            </a:r>
-          </a:p>
-          <a:p>
-            <a:r>
-              <a:rPr lang="en-US" dirty="0"/>
-              <a:t>When we talk about the running time of a program, we usually mean its work. Examples for basic algorithms on arrays:</a:t>
-            </a:r>
-          </a:p>
-          <a:p>
-            <a:pPr lvl="1"/>
-            <a:r>
-              <a:rPr lang="en-US" dirty="0"/>
-              <a:t>W(</a:t>
-            </a:r>
-            <a:r>
-              <a:rPr lang="en-US" dirty="0" err="1"/>
-              <a:t>ReverseArray</a:t>
-            </a:r>
-            <a:r>
-              <a:rPr lang="en-US" dirty="0"/>
-              <a:t>(n)) is O(n)</a:t>
-            </a:r>
-          </a:p>
-          <a:p>
-            <a:pPr lvl="1"/>
-            <a:r>
-              <a:rPr lang="en-US" dirty="0"/>
-              <a:t>W(</a:t>
-            </a:r>
-            <a:r>
-              <a:rPr lang="en-US" dirty="0" err="1"/>
-              <a:t>BubbleSort</a:t>
-            </a:r>
-            <a:r>
-              <a:rPr lang="en-US" dirty="0"/>
-              <a:t>(n)) is O(n^2)</a:t>
-            </a:r>
-          </a:p>
-          <a:p>
-            <a:pPr lvl="1"/>
-            <a:r>
-              <a:rPr lang="en-US" dirty="0"/>
-              <a:t>W(</a:t>
-            </a:r>
-            <a:r>
-              <a:rPr lang="en-US" dirty="0" err="1"/>
-              <a:t>QuickSort</a:t>
-            </a:r>
-            <a:r>
-              <a:rPr lang="en-US" dirty="0"/>
-              <a:t>(n)) is O(n log(n))</a:t>
+              <a:t>Big-step sem.:</a:t>
+            </a:r>
+            <a:r>
+              <a:rPr lang="en-US" dirty="0"/>
+              <a:t> </a:t>
+            </a:r>
+            <a:r>
+              <a:rPr lang="pt-BR" dirty="0"/>
+              <a:t>E ⊢ e ↪ v is “under E, e evaluates to v”</a:t>
+            </a:r>
+          </a:p>
+          <a:p>
+            <a:r>
+              <a:rPr lang="en-US" b="1" dirty="0"/>
+              <a:t>Cost sem.:</a:t>
+            </a:r>
+            <a:r>
+              <a:rPr lang="en-US" dirty="0"/>
+              <a:t> </a:t>
+            </a:r>
+            <a:r>
+              <a:rPr lang="pt-BR" dirty="0"/>
+              <a:t>E ⊢ e ↪ v </a:t>
+            </a:r>
+            <a:r>
+              <a:rPr lang="en-US" dirty="0"/>
+              <a:t>∈ k </a:t>
+            </a:r>
+            <a:r>
+              <a:rPr lang="pt-BR" dirty="0"/>
+              <a:t>is “under E, e evaluates to v in k cost”</a:t>
+            </a:r>
+          </a:p>
+          <a:p>
+            <a:r>
+              <a:rPr lang="en-US" dirty="0"/>
+              <a:t>The cost can be any resource, but we will first consider running time of a program without any parallelism, called its </a:t>
+            </a:r>
+            <a:r>
+              <a:rPr lang="en-US" b="1" dirty="0"/>
+              <a:t>work</a:t>
+            </a:r>
+            <a:endParaRPr lang="en-US" dirty="0"/>
+          </a:p>
+          <a:p>
+            <a:r>
+              <a:rPr lang="en-US" dirty="0"/>
+              <a:t>For simplicity, every operation will have cost 1. In realistic uses, different costs can be assigned to each operation.</a:t>
             </a:r>
           </a:p>
         </p:txBody>
@@ -8040,7 +8595,7 @@
           <p:cNvPr id="4" name="Slide Number Placeholder 3">
             <a:extLst>
               <a:ext uri="{FF2B5EF4-FFF2-40B4-BE49-F238E27FC236}">
-                <a16:creationId xmlns:a16="http://schemas.microsoft.com/office/drawing/2014/main" id="{99547BA5-66DB-6AD0-2047-F6C77D8D0970}"/>
+                <a16:creationId xmlns:a16="http://schemas.microsoft.com/office/drawing/2014/main" id="{9B6B9A93-316B-6E83-6A73-5F289A68B3E2}"/>
               </a:ext>
             </a:extLst>
           </p:cNvPr>
@@ -8067,7 +8622,7 @@
     </p:spTree>
     <p:extLst>
       <p:ext uri="{BB962C8B-B14F-4D97-AF65-F5344CB8AC3E}">
-        <p14:creationId xmlns:p14="http://schemas.microsoft.com/office/powerpoint/2010/main" val="3757830327"/>
+        <p14:creationId xmlns:p14="http://schemas.microsoft.com/office/powerpoint/2010/main" val="1475235072"/>
       </p:ext>
     </p:extLst>
   </p:cSld>
@@ -8117,7 +8672,7 @@
           <a:p>
             <a:r>
               <a:rPr lang="en-US" dirty="0"/>
-              <a:t>Computing Work – Main Ideas</a:t>
+              <a:t>Work</a:t>
             </a:r>
           </a:p>
         </p:txBody>
@@ -8140,88 +8695,107 @@
         </p:nvSpPr>
         <p:spPr/>
         <p:txBody>
-          <a:bodyPr/>
+          <a:bodyPr>
+            <a:normAutofit fontScale="92500" lnSpcReduction="10000"/>
+          </a:bodyPr>
           <a:lstStyle/>
           <a:p>
             <a:r>
               <a:rPr lang="en-US" dirty="0"/>
-              <a:t>The work W(e) of an expression is always the number of steps</a:t>
+              <a:t>The </a:t>
+            </a:r>
+            <a:r>
+              <a:rPr lang="en-US" b="1" dirty="0"/>
+              <a:t>work </a:t>
+            </a:r>
+            <a:r>
+              <a:rPr lang="en-US" dirty="0"/>
+              <a:t>of an expression </a:t>
+            </a:r>
+            <a:r>
+              <a:rPr lang="en-US" i="1" dirty="0"/>
+              <a:t>e, </a:t>
+            </a:r>
+            <a:r>
+              <a:rPr lang="en-US" dirty="0"/>
+              <a:t>written W(e) is the number of execution steps it takes to evaluate </a:t>
+            </a:r>
+            <a:r>
+              <a:rPr lang="en-US" i="1" dirty="0"/>
+              <a:t>e</a:t>
+            </a:r>
+            <a:r>
+              <a:rPr lang="en-US" dirty="0"/>
+              <a:t> to a value. If </a:t>
+            </a:r>
+            <a:r>
+              <a:rPr lang="en-US" i="1" dirty="0"/>
+              <a:t>e</a:t>
+            </a:r>
+            <a:r>
+              <a:rPr lang="en-US" dirty="0"/>
+              <a:t> loops forever, work is infinite. We write “W(e1) is O(e2)” to mean the work of e1 is on the order of e2.</a:t>
+            </a:r>
+          </a:p>
+          <a:p>
+            <a:r>
+              <a:rPr lang="en-US" dirty="0"/>
+              <a:t>When we talk about the running time of a program, we usually mean its work. Examples for basic algorithms on arrays:</a:t>
             </a:r>
           </a:p>
           <a:p>
             <a:pPr lvl="1"/>
             <a:r>
               <a:rPr lang="en-US" dirty="0"/>
-              <a:t>For values </a:t>
-            </a:r>
-            <a:r>
-              <a:rPr lang="en-US" i="1" dirty="0"/>
-              <a:t>v,</a:t>
-            </a:r>
-            <a:r>
-              <a:rPr lang="en-US" dirty="0"/>
-              <a:t> we consider the work to be 1, e.g., W(num) = 1</a:t>
+              <a:t>W(</a:t>
+            </a:r>
+            <a:r>
+              <a:rPr lang="en-US" dirty="0" err="1"/>
+              <a:t>ReverseArray</a:t>
+            </a:r>
+            <a:r>
+              <a:rPr lang="en-US" dirty="0"/>
+              <a:t>(n)) is O(n)</a:t>
             </a:r>
           </a:p>
           <a:p>
             <a:pPr lvl="1"/>
             <a:r>
               <a:rPr lang="en-US" dirty="0"/>
-              <a:t>Let op(e1, …, </a:t>
+              <a:t>W(</a:t>
             </a:r>
             <a:r>
               <a:rPr lang="en-US" dirty="0" err="1"/>
-              <a:t>eN</a:t>
-            </a:r>
-            <a:r>
-              <a:rPr lang="en-US" dirty="0"/>
-              <a:t>) stand for any compound expression (not just operators)</a:t>
-            </a:r>
-          </a:p>
-          <a:p>
-            <a:pPr lvl="2"/>
-            <a:r>
-              <a:rPr lang="en-US" dirty="0"/>
-              <a:t>Then W(</a:t>
+              <a:t>BubbleSort</a:t>
+            </a:r>
+            <a:r>
+              <a:rPr lang="en-US" dirty="0"/>
+              <a:t>(n)) is O(n^2)</a:t>
+            </a:r>
+          </a:p>
+          <a:p>
+            <a:pPr lvl="1"/>
+            <a:r>
+              <a:rPr lang="en-US" dirty="0"/>
+              <a:t>W(</a:t>
             </a:r>
             <a:r>
               <a:rPr lang="en-US" dirty="0" err="1"/>
-              <a:t>eK</a:t>
-            </a:r>
-            <a:r>
-              <a:rPr lang="en-US" dirty="0"/>
-              <a:t>) is the work of the </a:t>
-            </a:r>
-            <a:r>
-              <a:rPr lang="en-US" dirty="0" err="1"/>
-              <a:t>k’th</a:t>
-            </a:r>
-            <a:r>
-              <a:rPr lang="en-US" dirty="0"/>
-              <a:t> operand</a:t>
-            </a:r>
-          </a:p>
-          <a:p>
-            <a:pPr lvl="2"/>
-            <a:r>
-              <a:rPr lang="en-US" dirty="0"/>
-              <a:t>And W(op(e1,…,</a:t>
-            </a:r>
-            <a:r>
-              <a:rPr lang="en-US" dirty="0" err="1"/>
-              <a:t>eN</a:t>
-            </a:r>
-            <a:r>
-              <a:rPr lang="en-US" dirty="0"/>
-              <a:t>)) = 1 + W(e1) + … + W(</a:t>
-            </a:r>
-            <a:r>
-              <a:rPr lang="en-US" dirty="0" err="1"/>
-              <a:t>eN</a:t>
-            </a:r>
-            <a:r>
-              <a:rPr lang="en-US" dirty="0"/>
-              <a:t>)</a:t>
+              <a:t>QuickSort</a:t>
+            </a:r>
+            <a:r>
+              <a:rPr lang="en-US" dirty="0"/>
+              <a:t>(n)) is O(n log(n))</a:t>
+            </a:r>
+          </a:p>
+          <a:p>
+            <a:r>
+              <a:rPr lang="en-US" b="1" dirty="0"/>
+              <a:t>Note:</a:t>
+            </a:r>
+            <a:r>
+              <a:rPr lang="en-US" dirty="0"/>
+              <a:t> In the above, n is the size of the input, but in today’s class we consider the value of the input</a:t>
             </a:r>
           </a:p>
         </p:txBody>
@@ -8258,7 +8832,7 @@
     </p:spTree>
     <p:extLst>
       <p:ext uri="{BB962C8B-B14F-4D97-AF65-F5344CB8AC3E}">
-        <p14:creationId xmlns:p14="http://schemas.microsoft.com/office/powerpoint/2010/main" val="2011386087"/>
+        <p14:creationId xmlns:p14="http://schemas.microsoft.com/office/powerpoint/2010/main" val="3757830327"/>
       </p:ext>
     </p:extLst>
   </p:cSld>
@@ -8290,6 +8864,197 @@
           <p:cNvPr id="2" name="Title 1">
             <a:extLst>
               <a:ext uri="{FF2B5EF4-FFF2-40B4-BE49-F238E27FC236}">
+                <a16:creationId xmlns:a16="http://schemas.microsoft.com/office/drawing/2014/main" id="{77AC9ED7-AD27-7AD0-3006-44C438F0F124}"/>
+              </a:ext>
+            </a:extLst>
+          </p:cNvPr>
+          <p:cNvSpPr>
+            <a:spLocks noGrp="1"/>
+          </p:cNvSpPr>
+          <p:nvPr>
+            <p:ph type="title"/>
+          </p:nvPr>
+        </p:nvSpPr>
+        <p:spPr/>
+        <p:txBody>
+          <a:bodyPr/>
+          <a:lstStyle/>
+          <a:p>
+            <a:r>
+              <a:rPr lang="en-US" dirty="0"/>
+              <a:t>Computing Work – Main Ideas</a:t>
+            </a:r>
+          </a:p>
+        </p:txBody>
+      </p:sp>
+      <p:sp>
+        <p:nvSpPr>
+          <p:cNvPr id="3" name="Content Placeholder 2">
+            <a:extLst>
+              <a:ext uri="{FF2B5EF4-FFF2-40B4-BE49-F238E27FC236}">
+                <a16:creationId xmlns:a16="http://schemas.microsoft.com/office/drawing/2014/main" id="{A844DA7D-F623-0D5A-86DA-6F52D40BE786}"/>
+              </a:ext>
+            </a:extLst>
+          </p:cNvPr>
+          <p:cNvSpPr>
+            <a:spLocks noGrp="1"/>
+          </p:cNvSpPr>
+          <p:nvPr>
+            <p:ph idx="1"/>
+          </p:nvPr>
+        </p:nvSpPr>
+        <p:spPr/>
+        <p:txBody>
+          <a:bodyPr/>
+          <a:lstStyle/>
+          <a:p>
+            <a:r>
+              <a:rPr lang="en-US" dirty="0"/>
+              <a:t>The work W(e) of an expression is always the number of steps</a:t>
+            </a:r>
+          </a:p>
+          <a:p>
+            <a:pPr lvl="1"/>
+            <a:r>
+              <a:rPr lang="en-US" dirty="0"/>
+              <a:t>For values </a:t>
+            </a:r>
+            <a:r>
+              <a:rPr lang="en-US" i="1" dirty="0"/>
+              <a:t>v,</a:t>
+            </a:r>
+            <a:r>
+              <a:rPr lang="en-US" dirty="0"/>
+              <a:t> we consider the work to be 1, e.g., W(num) = 1</a:t>
+            </a:r>
+          </a:p>
+          <a:p>
+            <a:pPr lvl="1"/>
+            <a:r>
+              <a:rPr lang="en-US" dirty="0"/>
+              <a:t>Let op(e1, …, </a:t>
+            </a:r>
+            <a:r>
+              <a:rPr lang="en-US" dirty="0" err="1"/>
+              <a:t>eN</a:t>
+            </a:r>
+            <a:r>
+              <a:rPr lang="en-US" dirty="0"/>
+              <a:t>) stand for any compound expression (not just operators)</a:t>
+            </a:r>
+          </a:p>
+          <a:p>
+            <a:pPr lvl="2"/>
+            <a:r>
+              <a:rPr lang="en-US" dirty="0"/>
+              <a:t>Then W(</a:t>
+            </a:r>
+            <a:r>
+              <a:rPr lang="en-US" dirty="0" err="1"/>
+              <a:t>eK</a:t>
+            </a:r>
+            <a:r>
+              <a:rPr lang="en-US" dirty="0"/>
+              <a:t>) is the work of the </a:t>
+            </a:r>
+            <a:r>
+              <a:rPr lang="en-US" dirty="0" err="1"/>
+              <a:t>k’th</a:t>
+            </a:r>
+            <a:r>
+              <a:rPr lang="en-US" dirty="0"/>
+              <a:t> operand</a:t>
+            </a:r>
+          </a:p>
+          <a:p>
+            <a:pPr lvl="2"/>
+            <a:r>
+              <a:rPr lang="en-US" dirty="0"/>
+              <a:t>And W(op(e1,…,</a:t>
+            </a:r>
+            <a:r>
+              <a:rPr lang="en-US" dirty="0" err="1"/>
+              <a:t>eN</a:t>
+            </a:r>
+            <a:r>
+              <a:rPr lang="en-US" dirty="0"/>
+              <a:t>)) = 1 + W(e1) + … + W(</a:t>
+            </a:r>
+            <a:r>
+              <a:rPr lang="en-US" dirty="0" err="1"/>
+              <a:t>eN</a:t>
+            </a:r>
+            <a:r>
+              <a:rPr lang="en-US" dirty="0"/>
+              <a:t>)</a:t>
+            </a:r>
+          </a:p>
+        </p:txBody>
+      </p:sp>
+      <p:sp>
+        <p:nvSpPr>
+          <p:cNvPr id="4" name="Slide Number Placeholder 3">
+            <a:extLst>
+              <a:ext uri="{FF2B5EF4-FFF2-40B4-BE49-F238E27FC236}">
+                <a16:creationId xmlns:a16="http://schemas.microsoft.com/office/drawing/2014/main" id="{99547BA5-66DB-6AD0-2047-F6C77D8D0970}"/>
+              </a:ext>
+            </a:extLst>
+          </p:cNvPr>
+          <p:cNvSpPr>
+            <a:spLocks noGrp="1"/>
+          </p:cNvSpPr>
+          <p:nvPr>
+            <p:ph type="sldNum" sz="quarter" idx="12"/>
+          </p:nvPr>
+        </p:nvSpPr>
+        <p:spPr/>
+        <p:txBody>
+          <a:bodyPr/>
+          <a:lstStyle/>
+          <a:p>
+            <a:fld id="{9BF27F29-4B64-4A24-936A-FF41C34C242B}" type="slidenum">
+              <a:rPr lang="en-US" smtClean="0"/>
+              <a:t>18</a:t>
+            </a:fld>
+            <a:endParaRPr lang="en-US"/>
+          </a:p>
+        </p:txBody>
+      </p:sp>
+    </p:spTree>
+    <p:extLst>
+      <p:ext uri="{BB962C8B-B14F-4D97-AF65-F5344CB8AC3E}">
+        <p14:creationId xmlns:p14="http://schemas.microsoft.com/office/powerpoint/2010/main" val="2011386087"/>
+      </p:ext>
+    </p:extLst>
+  </p:cSld>
+  <p:clrMapOvr>
+    <a:masterClrMapping/>
+  </p:clrMapOvr>
+</p:sld>
+</file>
+
+<file path=ppt/slides/slide19.xml><?xml version="1.0" encoding="utf-8"?>
+<p:sld xmlns:a="http://schemas.openxmlformats.org/drawingml/2006/main" xmlns:r="http://schemas.openxmlformats.org/officeDocument/2006/relationships" xmlns:p="http://schemas.openxmlformats.org/presentationml/2006/main">
+  <p:cSld>
+    <p:spTree>
+      <p:nvGrpSpPr>
+        <p:cNvPr id="1" name=""/>
+        <p:cNvGrpSpPr/>
+        <p:nvPr/>
+      </p:nvGrpSpPr>
+      <p:grpSpPr>
+        <a:xfrm>
+          <a:off x="0" y="0"/>
+          <a:ext cx="0" cy="0"/>
+          <a:chOff x="0" y="0"/>
+          <a:chExt cx="0" cy="0"/>
+        </a:xfrm>
+      </p:grpSpPr>
+      <p:sp>
+        <p:nvSpPr>
+          <p:cNvPr id="2" name="Title 1">
+            <a:extLst>
+              <a:ext uri="{FF2B5EF4-FFF2-40B4-BE49-F238E27FC236}">
                 <a16:creationId xmlns:a16="http://schemas.microsoft.com/office/drawing/2014/main" id="{AF325E26-EA7E-BD4A-79A2-D1CEDD79FCEF}"/>
               </a:ext>
             </a:extLst>
@@ -8395,7 +9160,7 @@
           <a:p>
             <a:fld id="{9BF27F29-4B64-4A24-936A-FF41C34C242B}" type="slidenum">
               <a:rPr lang="en-US" smtClean="0"/>
-              <a:t>18</a:t>
+              <a:t>19</a:t>
             </a:fld>
             <a:endParaRPr lang="en-US"/>
           </a:p>
@@ -9480,7 +10245,7 @@
 </p:sld>
 </file>
 
-<file path=ppt/slides/slide19.xml><?xml version="1.0" encoding="utf-8"?>
+<file path=ppt/slides/slide2.xml><?xml version="1.0" encoding="utf-8"?>
 <p:sld xmlns:a="http://schemas.openxmlformats.org/drawingml/2006/main" xmlns:r="http://schemas.openxmlformats.org/officeDocument/2006/relationships" xmlns:p="http://schemas.openxmlformats.org/presentationml/2006/main">
   <p:cSld>
     <p:spTree>
@@ -9502,6 +10267,131 @@
           <p:cNvPr id="2" name="Title 1">
             <a:extLst>
               <a:ext uri="{FF2B5EF4-FFF2-40B4-BE49-F238E27FC236}">
+                <a16:creationId xmlns:a16="http://schemas.microsoft.com/office/drawing/2014/main" id="{5E330E51-6D73-39DD-CB97-53D21F0B8DEE}"/>
+              </a:ext>
+            </a:extLst>
+          </p:cNvPr>
+          <p:cNvSpPr>
+            <a:spLocks noGrp="1"/>
+          </p:cNvSpPr>
+          <p:nvPr>
+            <p:ph type="title"/>
+          </p:nvPr>
+        </p:nvSpPr>
+        <p:spPr/>
+        <p:txBody>
+          <a:bodyPr/>
+          <a:lstStyle/>
+          <a:p>
+            <a:r>
+              <a:rPr lang="en-US" dirty="0"/>
+              <a:t>TYPOS</a:t>
+            </a:r>
+          </a:p>
+        </p:txBody>
+      </p:sp>
+      <p:sp>
+        <p:nvSpPr>
+          <p:cNvPr id="3" name="Content Placeholder 2">
+            <a:extLst>
+              <a:ext uri="{FF2B5EF4-FFF2-40B4-BE49-F238E27FC236}">
+                <a16:creationId xmlns:a16="http://schemas.microsoft.com/office/drawing/2014/main" id="{1C20C8A8-2ACD-E5B2-181C-9906C86C048A}"/>
+              </a:ext>
+            </a:extLst>
+          </p:cNvPr>
+          <p:cNvSpPr>
+            <a:spLocks noGrp="1"/>
+          </p:cNvSpPr>
+          <p:nvPr>
+            <p:ph idx="1"/>
+          </p:nvPr>
+        </p:nvSpPr>
+        <p:spPr/>
+        <p:txBody>
+          <a:bodyPr/>
+          <a:lstStyle/>
+          <a:p>
+            <a:r>
+              <a:rPr lang="en-US" dirty="0"/>
+              <a:t>Need to allow recursive call in fun f x</a:t>
+            </a:r>
+          </a:p>
+          <a:p>
+            <a:r>
+              <a:rPr lang="en-US" dirty="0"/>
+              <a:t>Depth is accidentally written as work in </a:t>
+            </a:r>
+            <a:r>
+              <a:rPr lang="en-US"/>
+              <a:t>one place</a:t>
+            </a:r>
+          </a:p>
+        </p:txBody>
+      </p:sp>
+      <p:sp>
+        <p:nvSpPr>
+          <p:cNvPr id="4" name="Slide Number Placeholder 3">
+            <a:extLst>
+              <a:ext uri="{FF2B5EF4-FFF2-40B4-BE49-F238E27FC236}">
+                <a16:creationId xmlns:a16="http://schemas.microsoft.com/office/drawing/2014/main" id="{CACD238C-3034-4360-21F8-DB89ECDA7321}"/>
+              </a:ext>
+            </a:extLst>
+          </p:cNvPr>
+          <p:cNvSpPr>
+            <a:spLocks noGrp="1"/>
+          </p:cNvSpPr>
+          <p:nvPr>
+            <p:ph type="sldNum" sz="quarter" idx="12"/>
+          </p:nvPr>
+        </p:nvSpPr>
+        <p:spPr/>
+        <p:txBody>
+          <a:bodyPr/>
+          <a:lstStyle/>
+          <a:p>
+            <a:fld id="{9BF27F29-4B64-4A24-936A-FF41C34C242B}" type="slidenum">
+              <a:rPr lang="en-US" smtClean="0"/>
+              <a:t>2</a:t>
+            </a:fld>
+            <a:endParaRPr lang="en-US"/>
+          </a:p>
+        </p:txBody>
+      </p:sp>
+    </p:spTree>
+    <p:extLst>
+      <p:ext uri="{BB962C8B-B14F-4D97-AF65-F5344CB8AC3E}">
+        <p14:creationId xmlns:p14="http://schemas.microsoft.com/office/powerpoint/2010/main" val="2442793808"/>
+      </p:ext>
+    </p:extLst>
+  </p:cSld>
+  <p:clrMapOvr>
+    <a:masterClrMapping/>
+  </p:clrMapOvr>
+</p:sld>
+</file>
+
+<file path=ppt/slides/slide20.xml><?xml version="1.0" encoding="utf-8"?>
+<p:sld xmlns:a="http://schemas.openxmlformats.org/drawingml/2006/main" xmlns:r="http://schemas.openxmlformats.org/officeDocument/2006/relationships" xmlns:p="http://schemas.openxmlformats.org/presentationml/2006/main">
+  <p:cSld>
+    <p:spTree>
+      <p:nvGrpSpPr>
+        <p:cNvPr id="1" name=""/>
+        <p:cNvGrpSpPr/>
+        <p:nvPr/>
+      </p:nvGrpSpPr>
+      <p:grpSpPr>
+        <a:xfrm>
+          <a:off x="0" y="0"/>
+          <a:ext cx="0" cy="0"/>
+          <a:chOff x="0" y="0"/>
+          <a:chExt cx="0" cy="0"/>
+        </a:xfrm>
+      </p:grpSpPr>
+      <p:sp>
+        <p:nvSpPr>
+          <p:cNvPr id="2" name="Title 1">
+            <a:extLst>
+              <a:ext uri="{FF2B5EF4-FFF2-40B4-BE49-F238E27FC236}">
                 <a16:creationId xmlns:a16="http://schemas.microsoft.com/office/drawing/2014/main" id="{AF325E26-EA7E-BD4A-79A2-D1CEDD79FCEF}"/>
               </a:ext>
             </a:extLst>
@@ -9602,7 +10492,7 @@
           <a:p>
             <a:fld id="{9BF27F29-4B64-4A24-936A-FF41C34C242B}" type="slidenum">
               <a:rPr lang="en-US" smtClean="0"/>
-              <a:t>19</a:t>
+              <a:t>20</a:t>
             </a:fld>
             <a:endParaRPr lang="en-US"/>
           </a:p>
@@ -10633,7 +11523,7 @@
             </a:br>
             <a:r>
               <a:rPr lang="pt-BR" dirty="0"/>
-              <a:t>E  ⊢ e1 ↪ (fun f(x) is e) ∈ n1</a:t>
+              <a:t>E ⊢ e1 ↪ (fun f(x) is e) ∈ n1</a:t>
             </a:r>
             <a:br>
               <a:rPr lang="pt-BR" dirty="0"/>
@@ -10711,353 +11601,6 @@
 </p:sld>
 </file>
 
-<file path=ppt/slides/slide2.xml><?xml version="1.0" encoding="utf-8"?>
-<p:sld xmlns:a="http://schemas.openxmlformats.org/drawingml/2006/main" xmlns:r="http://schemas.openxmlformats.org/officeDocument/2006/relationships" xmlns:p="http://schemas.openxmlformats.org/presentationml/2006/main">
-  <p:cSld>
-    <p:spTree>
-      <p:nvGrpSpPr>
-        <p:cNvPr id="1" name=""/>
-        <p:cNvGrpSpPr/>
-        <p:nvPr/>
-      </p:nvGrpSpPr>
-      <p:grpSpPr>
-        <a:xfrm>
-          <a:off x="0" y="0"/>
-          <a:ext cx="0" cy="0"/>
-          <a:chOff x="0" y="0"/>
-          <a:chExt cx="0" cy="0"/>
-        </a:xfrm>
-      </p:grpSpPr>
-      <p:sp>
-        <p:nvSpPr>
-          <p:cNvPr id="2" name="Title 1">
-            <a:extLst>
-              <a:ext uri="{FF2B5EF4-FFF2-40B4-BE49-F238E27FC236}">
-                <a16:creationId xmlns:a16="http://schemas.microsoft.com/office/drawing/2014/main" id="{75F29155-7263-DA0A-A4A1-0FB3194CA1DF}"/>
-              </a:ext>
-            </a:extLst>
-          </p:cNvPr>
-          <p:cNvSpPr>
-            <a:spLocks noGrp="1"/>
-          </p:cNvSpPr>
-          <p:nvPr>
-            <p:ph type="title"/>
-          </p:nvPr>
-        </p:nvSpPr>
-        <p:spPr/>
-        <p:txBody>
-          <a:bodyPr/>
-          <a:lstStyle/>
-          <a:p>
-            <a:r>
-              <a:rPr lang="en-US" dirty="0"/>
-              <a:t>Outline</a:t>
-            </a:r>
-          </a:p>
-        </p:txBody>
-      </p:sp>
-      <p:sp>
-        <p:nvSpPr>
-          <p:cNvPr id="3" name="Content Placeholder 2">
-            <a:extLst>
-              <a:ext uri="{FF2B5EF4-FFF2-40B4-BE49-F238E27FC236}">
-                <a16:creationId xmlns:a16="http://schemas.microsoft.com/office/drawing/2014/main" id="{D72553CB-0C10-5BD9-BF10-B2912775C8DE}"/>
-              </a:ext>
-            </a:extLst>
-          </p:cNvPr>
-          <p:cNvSpPr>
-            <a:spLocks noGrp="1"/>
-          </p:cNvSpPr>
-          <p:nvPr>
-            <p:ph idx="1"/>
-          </p:nvPr>
-        </p:nvSpPr>
-        <p:spPr/>
-        <p:txBody>
-          <a:bodyPr>
-            <a:normAutofit fontScale="92500" lnSpcReduction="20000"/>
-          </a:bodyPr>
-          <a:lstStyle/>
-          <a:p>
-            <a:pPr lvl="1"/>
-            <a:r>
-              <a:rPr lang="en-US" dirty="0"/>
-              <a:t>Goals</a:t>
-            </a:r>
-          </a:p>
-          <a:p>
-            <a:pPr lvl="1"/>
-            <a:r>
-              <a:rPr lang="en-US" dirty="0"/>
-              <a:t>Insight</a:t>
-            </a:r>
-          </a:p>
-          <a:p>
-            <a:pPr lvl="1"/>
-            <a:r>
-              <a:rPr lang="en-US" dirty="0"/>
-              <a:t>Language</a:t>
-            </a:r>
-          </a:p>
-          <a:p>
-            <a:pPr lvl="2"/>
-            <a:r>
-              <a:rPr lang="en-US" dirty="0"/>
-              <a:t>Syntax</a:t>
-            </a:r>
-          </a:p>
-          <a:p>
-            <a:pPr lvl="2"/>
-            <a:r>
-              <a:rPr lang="en-US" dirty="0"/>
-              <a:t>Semantics</a:t>
-            </a:r>
-          </a:p>
-          <a:p>
-            <a:pPr lvl="1"/>
-            <a:r>
-              <a:rPr lang="en-US" dirty="0"/>
-              <a:t>Cost Semantics</a:t>
-            </a:r>
-          </a:p>
-          <a:p>
-            <a:pPr lvl="2"/>
-            <a:r>
-              <a:rPr lang="en-US" dirty="0"/>
-              <a:t>Sequential</a:t>
-            </a:r>
-          </a:p>
-          <a:p>
-            <a:pPr lvl="1"/>
-            <a:r>
-              <a:rPr lang="en-US" dirty="0"/>
-              <a:t>Work analysis</a:t>
-            </a:r>
-          </a:p>
-          <a:p>
-            <a:pPr lvl="1"/>
-            <a:r>
-              <a:rPr lang="en-US" dirty="0"/>
-              <a:t>Demo</a:t>
-            </a:r>
-          </a:p>
-          <a:p>
-            <a:pPr lvl="1"/>
-            <a:r>
-              <a:rPr lang="en-US" dirty="0"/>
-              <a:t>Parallelism:</a:t>
-            </a:r>
-          </a:p>
-          <a:p>
-            <a:pPr lvl="2"/>
-            <a:r>
-              <a:rPr lang="en-US" dirty="0"/>
-              <a:t>Semantics</a:t>
-            </a:r>
-          </a:p>
-          <a:p>
-            <a:pPr lvl="2"/>
-            <a:r>
-              <a:rPr lang="en-US" dirty="0"/>
-              <a:t>Cost semantics</a:t>
-            </a:r>
-          </a:p>
-          <a:p>
-            <a:pPr lvl="1"/>
-            <a:endParaRPr lang="en-US" dirty="0"/>
-          </a:p>
-          <a:p>
-            <a:pPr lvl="1"/>
-            <a:endParaRPr lang="en-US" dirty="0"/>
-          </a:p>
-        </p:txBody>
-      </p:sp>
-      <p:sp>
-        <p:nvSpPr>
-          <p:cNvPr id="4" name="Slide Number Placeholder 3">
-            <a:extLst>
-              <a:ext uri="{FF2B5EF4-FFF2-40B4-BE49-F238E27FC236}">
-                <a16:creationId xmlns:a16="http://schemas.microsoft.com/office/drawing/2014/main" id="{BB457918-3D7D-3F47-C855-17E9CB67F752}"/>
-              </a:ext>
-            </a:extLst>
-          </p:cNvPr>
-          <p:cNvSpPr>
-            <a:spLocks noGrp="1"/>
-          </p:cNvSpPr>
-          <p:nvPr>
-            <p:ph type="sldNum" sz="quarter" idx="12"/>
-          </p:nvPr>
-        </p:nvSpPr>
-        <p:spPr/>
-        <p:txBody>
-          <a:bodyPr/>
-          <a:lstStyle/>
-          <a:p>
-            <a:fld id="{9BF27F29-4B64-4A24-936A-FF41C34C242B}" type="slidenum">
-              <a:rPr lang="en-US" smtClean="0"/>
-              <a:t>2</a:t>
-            </a:fld>
-            <a:endParaRPr lang="en-US"/>
-          </a:p>
-        </p:txBody>
-      </p:sp>
-    </p:spTree>
-    <p:extLst>
-      <p:ext uri="{BB962C8B-B14F-4D97-AF65-F5344CB8AC3E}">
-        <p14:creationId xmlns:p14="http://schemas.microsoft.com/office/powerpoint/2010/main" val="2351890539"/>
-      </p:ext>
-    </p:extLst>
-  </p:cSld>
-  <p:clrMapOvr>
-    <a:masterClrMapping/>
-  </p:clrMapOvr>
-</p:sld>
-</file>
-
-<file path=ppt/slides/slide20.xml><?xml version="1.0" encoding="utf-8"?>
-<p:sld xmlns:a="http://schemas.openxmlformats.org/drawingml/2006/main" xmlns:r="http://schemas.openxmlformats.org/officeDocument/2006/relationships" xmlns:p="http://schemas.openxmlformats.org/presentationml/2006/main">
-  <p:cSld>
-    <p:spTree>
-      <p:nvGrpSpPr>
-        <p:cNvPr id="1" name=""/>
-        <p:cNvGrpSpPr/>
-        <p:nvPr/>
-      </p:nvGrpSpPr>
-      <p:grpSpPr>
-        <a:xfrm>
-          <a:off x="0" y="0"/>
-          <a:ext cx="0" cy="0"/>
-          <a:chOff x="0" y="0"/>
-          <a:chExt cx="0" cy="0"/>
-        </a:xfrm>
-      </p:grpSpPr>
-      <p:sp>
-        <p:nvSpPr>
-          <p:cNvPr id="2" name="Title 1">
-            <a:extLst>
-              <a:ext uri="{FF2B5EF4-FFF2-40B4-BE49-F238E27FC236}">
-                <a16:creationId xmlns:a16="http://schemas.microsoft.com/office/drawing/2014/main" id="{AF325E26-EA7E-BD4A-79A2-D1CEDD79FCEF}"/>
-              </a:ext>
-            </a:extLst>
-          </p:cNvPr>
-          <p:cNvSpPr>
-            <a:spLocks noGrp="1"/>
-          </p:cNvSpPr>
-          <p:nvPr>
-            <p:ph type="title"/>
-          </p:nvPr>
-        </p:nvSpPr>
-        <p:spPr/>
-        <p:txBody>
-          <a:bodyPr/>
-          <a:lstStyle/>
-          <a:p>
-            <a:r>
-              <a:rPr lang="en-US" dirty="0"/>
-              <a:t>Sequential Cost Semantics: Theorems</a:t>
-            </a:r>
-          </a:p>
-        </p:txBody>
-      </p:sp>
-      <p:sp>
-        <p:nvSpPr>
-          <p:cNvPr id="3" name="Content Placeholder 2">
-            <a:extLst>
-              <a:ext uri="{FF2B5EF4-FFF2-40B4-BE49-F238E27FC236}">
-                <a16:creationId xmlns:a16="http://schemas.microsoft.com/office/drawing/2014/main" id="{D69E73AD-B36D-B57D-7AF7-EF78262CB8C2}"/>
-              </a:ext>
-            </a:extLst>
-          </p:cNvPr>
-          <p:cNvSpPr>
-            <a:spLocks noGrp="1"/>
-          </p:cNvSpPr>
-          <p:nvPr>
-            <p:ph idx="1"/>
-          </p:nvPr>
-        </p:nvSpPr>
-        <p:spPr>
-          <a:xfrm>
-            <a:off x="1097280" y="1845734"/>
-            <a:ext cx="10058400" cy="3994234"/>
-          </a:xfrm>
-        </p:spPr>
-        <p:txBody>
-          <a:bodyPr>
-            <a:normAutofit/>
-          </a:bodyPr>
-          <a:lstStyle/>
-          <a:p>
-            <a:r>
-              <a:rPr lang="en-US" b="1" dirty="0"/>
-              <a:t>Theorem:</a:t>
-            </a:r>
-            <a:r>
-              <a:rPr lang="en-US" dirty="0"/>
-              <a:t> Let D be the formal derivation of judgement E  ⊢ e ↪ v ∈ n, then the number of nodes (rule applications) in derivation D is exactly n.</a:t>
-            </a:r>
-          </a:p>
-          <a:p>
-            <a:r>
-              <a:rPr lang="en-US" b="1" dirty="0"/>
-              <a:t>Theorem:</a:t>
-            </a:r>
-            <a:r>
-              <a:rPr lang="en-US" dirty="0"/>
-              <a:t> Let E  ⊢ e ↦ₙ e’ denote that in environment E, program e steps to program e’ in exactly n steps of small-step semantics. The theorem states that whenever E  ⊢ e ↪ v ∈ m holds, then E  ⊢ e ↦ₙ e’ holds for some </a:t>
-            </a:r>
-            <a:r>
-              <a:rPr lang="en-US" dirty="0" err="1"/>
-              <a:t>n≤m</a:t>
-            </a:r>
-            <a:r>
-              <a:rPr lang="en-US" dirty="0"/>
-              <a:t>.</a:t>
-            </a:r>
-          </a:p>
-        </p:txBody>
-      </p:sp>
-      <p:sp>
-        <p:nvSpPr>
-          <p:cNvPr id="4" name="Slide Number Placeholder 3">
-            <a:extLst>
-              <a:ext uri="{FF2B5EF4-FFF2-40B4-BE49-F238E27FC236}">
-                <a16:creationId xmlns:a16="http://schemas.microsoft.com/office/drawing/2014/main" id="{AF3844D5-81A2-376B-A173-89BCEBCBA2B0}"/>
-              </a:ext>
-            </a:extLst>
-          </p:cNvPr>
-          <p:cNvSpPr>
-            <a:spLocks noGrp="1"/>
-          </p:cNvSpPr>
-          <p:nvPr>
-            <p:ph type="sldNum" sz="quarter" idx="12"/>
-          </p:nvPr>
-        </p:nvSpPr>
-        <p:spPr/>
-        <p:txBody>
-          <a:bodyPr/>
-          <a:lstStyle/>
-          <a:p>
-            <a:fld id="{9BF27F29-4B64-4A24-936A-FF41C34C242B}" type="slidenum">
-              <a:rPr lang="en-US" smtClean="0"/>
-              <a:t>20</a:t>
-            </a:fld>
-            <a:endParaRPr lang="en-US"/>
-          </a:p>
-        </p:txBody>
-      </p:sp>
-    </p:spTree>
-    <p:extLst>
-      <p:ext uri="{BB962C8B-B14F-4D97-AF65-F5344CB8AC3E}">
-        <p14:creationId xmlns:p14="http://schemas.microsoft.com/office/powerpoint/2010/main" val="3604195150"/>
-      </p:ext>
-    </p:extLst>
-  </p:cSld>
-  <p:clrMapOvr>
-    <a:masterClrMapping/>
-  </p:clrMapOvr>
-</p:sld>
-</file>
-
 <file path=ppt/slides/slide21.xml><?xml version="1.0" encoding="utf-8"?>
 <p:sld xmlns:a="http://schemas.openxmlformats.org/drawingml/2006/main" xmlns:r="http://schemas.openxmlformats.org/officeDocument/2006/relationships" xmlns:p="http://schemas.openxmlformats.org/presentationml/2006/main">
   <p:cSld>
@@ -11080,7 +11623,7 @@
           <p:cNvPr id="2" name="Title 1">
             <a:extLst>
               <a:ext uri="{FF2B5EF4-FFF2-40B4-BE49-F238E27FC236}">
-                <a16:creationId xmlns:a16="http://schemas.microsoft.com/office/drawing/2014/main" id="{1A925675-C503-CE37-D981-4A7DB11F9ECF}"/>
+                <a16:creationId xmlns:a16="http://schemas.microsoft.com/office/drawing/2014/main" id="{AF325E26-EA7E-BD4A-79A2-D1CEDD79FCEF}"/>
               </a:ext>
             </a:extLst>
           </p:cNvPr>
@@ -11098,7 +11641,7 @@
           <a:p>
             <a:r>
               <a:rPr lang="en-US" dirty="0"/>
-              <a:t>Example</a:t>
+              <a:t>Sequential Cost Semantics: Theorems</a:t>
             </a:r>
           </a:p>
         </p:txBody>
@@ -11108,7 +11651,7 @@
           <p:cNvPr id="3" name="Content Placeholder 2">
             <a:extLst>
               <a:ext uri="{FF2B5EF4-FFF2-40B4-BE49-F238E27FC236}">
-                <a16:creationId xmlns:a16="http://schemas.microsoft.com/office/drawing/2014/main" id="{8295E653-8F94-6DCA-CC15-BC1714F9599B}"/>
+                <a16:creationId xmlns:a16="http://schemas.microsoft.com/office/drawing/2014/main" id="{D69E73AD-B36D-B57D-7AF7-EF78262CB8C2}"/>
               </a:ext>
             </a:extLst>
           </p:cNvPr>
@@ -11122,162 +11665,41 @@
         <p:spPr>
           <a:xfrm>
             <a:off x="1097280" y="1845734"/>
-            <a:ext cx="6278880" cy="4023360"/>
+            <a:ext cx="10058400" cy="3994234"/>
           </a:xfrm>
         </p:spPr>
         <p:txBody>
-          <a:bodyPr/>
+          <a:bodyPr>
+            <a:normAutofit/>
+          </a:bodyPr>
           <a:lstStyle/>
           <a:p>
             <a:r>
-              <a:rPr lang="en-US" b="0" i="0" dirty="0">
-                <a:solidFill>
-                  <a:schemeClr val="tx1"/>
-                </a:solidFill>
-                <a:effectLst/>
-                <a:latin typeface="Source Sans Pro" panose="020B0503030403020204" pitchFamily="34" charset="0"/>
-              </a:rPr>
-              <a:t>pow(n,0)</a:t>
-            </a:r>
-          </a:p>
-          <a:p>
-            <a:r>
-              <a:rPr lang="en-US" b="0" i="0" dirty="0">
-                <a:solidFill>
-                  <a:schemeClr val="tx1"/>
-                </a:solidFill>
-                <a:effectLst/>
-                <a:latin typeface="Source Sans Pro" panose="020B0503030403020204" pitchFamily="34" charset="0"/>
-              </a:rPr>
-              <a:t>E</a:t>
-            </a:r>
-            <a:r>
-              <a:rPr lang="pt-BR" b="0" i="0" dirty="0">
-                <a:solidFill>
-                  <a:schemeClr val="tx1"/>
-                </a:solidFill>
-                <a:effectLst/>
-                <a:latin typeface="Source Sans Pro" panose="020B0503030403020204" pitchFamily="34" charset="0"/>
-              </a:rPr>
-              <a:t> </a:t>
-            </a:r>
-            <a:r>
-              <a:rPr lang="pt-BR" dirty="0"/>
-              <a:t>⊢ k ↪ 0 ∈ 1</a:t>
-            </a:r>
-            <a:br>
-              <a:rPr lang="pt-BR" dirty="0"/>
-            </a:br>
-            <a:r>
-              <a:rPr lang="pt-BR" dirty="0"/>
-              <a:t>E</a:t>
-            </a:r>
-            <a:r>
-              <a:rPr lang="pt-BR" b="0" i="0" dirty="0">
-                <a:solidFill>
-                  <a:schemeClr val="tx1"/>
-                </a:solidFill>
-                <a:effectLst/>
-                <a:latin typeface="Source Sans Pro" panose="020B0503030403020204" pitchFamily="34" charset="0"/>
-              </a:rPr>
-              <a:t> </a:t>
-            </a:r>
-            <a:r>
-              <a:rPr lang="pt-BR" dirty="0"/>
-              <a:t>⊢ 0 ↪ 0 ∈ 1</a:t>
-            </a:r>
-            <a:br>
-              <a:rPr lang="pt-BR" dirty="0"/>
-            </a:br>
-            <a:r>
-              <a:rPr lang="pt-BR" dirty="0"/>
-              <a:t>E</a:t>
-            </a:r>
-            <a:r>
-              <a:rPr lang="pt-BR" b="0" i="0" dirty="0">
-                <a:solidFill>
-                  <a:schemeClr val="tx1"/>
-                </a:solidFill>
-                <a:effectLst/>
-                <a:latin typeface="Source Sans Pro" panose="020B0503030403020204" pitchFamily="34" charset="0"/>
-              </a:rPr>
-              <a:t> </a:t>
-            </a:r>
-            <a:r>
-              <a:rPr lang="pt-BR" dirty="0"/>
-              <a:t>⊢ k = 0 ↪ true ∈ 3</a:t>
-            </a:r>
-          </a:p>
-          <a:p>
-            <a:r>
-              <a:rPr lang="en-US" b="0" i="0" dirty="0">
-                <a:solidFill>
-                  <a:schemeClr val="tx1"/>
-                </a:solidFill>
-                <a:effectLst/>
-                <a:latin typeface="Source Sans Pro" panose="020B0503030403020204" pitchFamily="34" charset="0"/>
-              </a:rPr>
-              <a:t>E</a:t>
-            </a:r>
-            <a:r>
-              <a:rPr lang="pt-BR" b="0" i="0" dirty="0">
-                <a:solidFill>
-                  <a:schemeClr val="tx1"/>
-                </a:solidFill>
-                <a:effectLst/>
-                <a:latin typeface="Source Sans Pro" panose="020B0503030403020204" pitchFamily="34" charset="0"/>
-              </a:rPr>
-              <a:t> </a:t>
-            </a:r>
-            <a:r>
-              <a:rPr lang="pt-BR" dirty="0"/>
-              <a:t>⊢ 1 ↪ 1 ∈ 1</a:t>
-            </a:r>
-          </a:p>
-          <a:p>
-            <a:pPr marL="0" indent="0">
-              <a:buNone/>
-            </a:pPr>
-            <a:r>
-              <a:rPr lang="en-US" b="0" i="0" dirty="0">
-                <a:solidFill>
-                  <a:schemeClr val="tx1"/>
-                </a:solidFill>
-                <a:effectLst/>
-                <a:latin typeface="Source Sans Pro" panose="020B0503030403020204" pitchFamily="34" charset="0"/>
-              </a:rPr>
-              <a:t>E</a:t>
-            </a:r>
-            <a:r>
-              <a:rPr lang="pt-BR" b="0" i="0" dirty="0">
-                <a:solidFill>
-                  <a:schemeClr val="tx1"/>
-                </a:solidFill>
-                <a:effectLst/>
-                <a:latin typeface="Source Sans Pro" panose="020B0503030403020204" pitchFamily="34" charset="0"/>
-              </a:rPr>
-              <a:t> </a:t>
-            </a:r>
-            <a:r>
-              <a:rPr lang="pt-BR" dirty="0"/>
-              <a:t>⊢ (if ...) ↪ 1 ∈ </a:t>
-            </a:r>
-            <a:r>
-              <a:rPr lang="en-US" dirty="0"/>
-              <a:t>5 (since 5 = 1+3+1)</a:t>
-            </a:r>
-          </a:p>
-          <a:p>
-            <a:pPr marL="0" indent="0">
-              <a:buNone/>
-            </a:pPr>
-            <a:endParaRPr lang="en-US" dirty="0"/>
-          </a:p>
-          <a:p>
-            <a:endParaRPr lang="en-US" dirty="0"/>
-          </a:p>
-          <a:p>
-            <a:endParaRPr lang="en-US" dirty="0"/>
+              <a:rPr lang="en-US" b="1" dirty="0"/>
+              <a:t>Theorem:</a:t>
+            </a:r>
+            <a:r>
+              <a:rPr lang="en-US" dirty="0"/>
+              <a:t> Let D be the formal derivation of judgement E  ⊢ e ↪ v ∈ n, then the number of nodes (rule applications) in derivation D is exactly n.</a:t>
+            </a:r>
+          </a:p>
+          <a:p>
+            <a:r>
+              <a:rPr lang="en-US" b="1" dirty="0"/>
+              <a:t>Theorem:</a:t>
+            </a:r>
+            <a:r>
+              <a:rPr lang="en-US" dirty="0"/>
+              <a:t> Let E  ⊢ e ↦ₙ e’ denote that in environment E, program e steps to program e’ in exactly n steps of small-step semantics. The theorem states that whenever E  ⊢ e ↪ v ∈ m holds, then E  ⊢ e ↦ₙ e’ holds for some </a:t>
+            </a:r>
+            <a:r>
+              <a:rPr lang="en-US" dirty="0" err="1"/>
+              <a:t>n≤m</a:t>
+            </a:r>
+            <a:r>
+              <a:rPr lang="en-US" dirty="0"/>
+              <a:t>.</a:t>
+            </a:r>
           </a:p>
         </p:txBody>
       </p:sp>
@@ -11286,7 +11708,7 @@
           <p:cNvPr id="4" name="Slide Number Placeholder 3">
             <a:extLst>
               <a:ext uri="{FF2B5EF4-FFF2-40B4-BE49-F238E27FC236}">
-                <a16:creationId xmlns:a16="http://schemas.microsoft.com/office/drawing/2014/main" id="{8116D2C5-0125-7085-684F-3E58529B8085}"/>
+                <a16:creationId xmlns:a16="http://schemas.microsoft.com/office/drawing/2014/main" id="{AF3844D5-81A2-376B-A173-89BCEBCBA2B0}"/>
               </a:ext>
             </a:extLst>
           </p:cNvPr>
@@ -11310,337 +11732,10 @@
           </a:p>
         </p:txBody>
       </p:sp>
-      <p:sp>
-        <p:nvSpPr>
-          <p:cNvPr id="5" name="Content Placeholder 2">
-            <a:extLst>
-              <a:ext uri="{FF2B5EF4-FFF2-40B4-BE49-F238E27FC236}">
-                <a16:creationId xmlns:a16="http://schemas.microsoft.com/office/drawing/2014/main" id="{3AC3B5F5-68E1-510F-EFDF-50B90C0B78E0}"/>
-              </a:ext>
-            </a:extLst>
-          </p:cNvPr>
-          <p:cNvSpPr txBox="1">
-            <a:spLocks/>
-          </p:cNvSpPr>
-          <p:nvPr/>
-        </p:nvSpPr>
-        <p:spPr>
-          <a:xfrm>
-            <a:off x="7462058" y="2050318"/>
-            <a:ext cx="4108150" cy="1378682"/>
-          </a:xfrm>
-          <a:prstGeom prst="rect">
-            <a:avLst/>
-          </a:prstGeom>
-        </p:spPr>
-        <p:txBody>
-          <a:bodyPr vert="horz" lIns="0" tIns="45720" rIns="0" bIns="45720" rtlCol="0">
-            <a:normAutofit/>
-          </a:bodyPr>
-          <a:lstStyle>
-            <a:lvl1pPr marL="91440" indent="-91440" algn="l" defTabSz="914400" rtl="0" eaLnBrk="1" latinLnBrk="0" hangingPunct="1">
-              <a:lnSpc>
-                <a:spcPct val="90000"/>
-              </a:lnSpc>
-              <a:spcBef>
-                <a:spcPts val="1200"/>
-              </a:spcBef>
-              <a:spcAft>
-                <a:spcPts val="200"/>
-              </a:spcAft>
-              <a:buClr>
-                <a:schemeClr val="accent1"/>
-              </a:buClr>
-              <a:buSzPct val="100000"/>
-              <a:buFont typeface="Calibri" panose="020F0502020204030204" pitchFamily="34" charset="0"/>
-              <a:buChar char=" "/>
-              <a:defRPr sz="2800" kern="1200">
-                <a:solidFill>
-                  <a:schemeClr val="tx1">
-                    <a:lumMod val="75000"/>
-                    <a:lumOff val="25000"/>
-                  </a:schemeClr>
-                </a:solidFill>
-                <a:latin typeface="+mn-lt"/>
-                <a:ea typeface="+mn-ea"/>
-                <a:cs typeface="+mn-cs"/>
-              </a:defRPr>
-            </a:lvl1pPr>
-            <a:lvl2pPr marL="384048" indent="-182880" algn="l" defTabSz="914400" rtl="0" eaLnBrk="1" latinLnBrk="0" hangingPunct="1">
-              <a:lnSpc>
-                <a:spcPct val="90000"/>
-              </a:lnSpc>
-              <a:spcBef>
-                <a:spcPts val="200"/>
-              </a:spcBef>
-              <a:spcAft>
-                <a:spcPts val="400"/>
-              </a:spcAft>
-              <a:buClr>
-                <a:schemeClr val="accent1"/>
-              </a:buClr>
-              <a:buFont typeface="Calibri" pitchFamily="34" charset="0"/>
-              <a:buChar char="◦"/>
-              <a:defRPr sz="2400" kern="1200">
-                <a:solidFill>
-                  <a:schemeClr val="tx1">
-                    <a:lumMod val="75000"/>
-                    <a:lumOff val="25000"/>
-                  </a:schemeClr>
-                </a:solidFill>
-                <a:latin typeface="+mn-lt"/>
-                <a:ea typeface="+mn-ea"/>
-                <a:cs typeface="+mn-cs"/>
-              </a:defRPr>
-            </a:lvl2pPr>
-            <a:lvl3pPr marL="566928" indent="-182880" algn="l" defTabSz="914400" rtl="0" eaLnBrk="1" latinLnBrk="0" hangingPunct="1">
-              <a:lnSpc>
-                <a:spcPct val="90000"/>
-              </a:lnSpc>
-              <a:spcBef>
-                <a:spcPts val="200"/>
-              </a:spcBef>
-              <a:spcAft>
-                <a:spcPts val="400"/>
-              </a:spcAft>
-              <a:buClr>
-                <a:schemeClr val="accent1"/>
-              </a:buClr>
-              <a:buFont typeface="Calibri" pitchFamily="34" charset="0"/>
-              <a:buChar char="◦"/>
-              <a:defRPr sz="2200" kern="1200">
-                <a:solidFill>
-                  <a:schemeClr val="tx1">
-                    <a:lumMod val="75000"/>
-                    <a:lumOff val="25000"/>
-                  </a:schemeClr>
-                </a:solidFill>
-                <a:latin typeface="+mn-lt"/>
-                <a:ea typeface="+mn-ea"/>
-                <a:cs typeface="+mn-cs"/>
-              </a:defRPr>
-            </a:lvl3pPr>
-            <a:lvl4pPr marL="749808" indent="-182880" algn="l" defTabSz="914400" rtl="0" eaLnBrk="1" latinLnBrk="0" hangingPunct="1">
-              <a:lnSpc>
-                <a:spcPct val="90000"/>
-              </a:lnSpc>
-              <a:spcBef>
-                <a:spcPts val="200"/>
-              </a:spcBef>
-              <a:spcAft>
-                <a:spcPts val="400"/>
-              </a:spcAft>
-              <a:buClr>
-                <a:schemeClr val="accent1"/>
-              </a:buClr>
-              <a:buFont typeface="Calibri" pitchFamily="34" charset="0"/>
-              <a:buChar char="◦"/>
-              <a:defRPr sz="2000" kern="1200">
-                <a:solidFill>
-                  <a:schemeClr val="tx1">
-                    <a:lumMod val="75000"/>
-                    <a:lumOff val="25000"/>
-                  </a:schemeClr>
-                </a:solidFill>
-                <a:latin typeface="+mn-lt"/>
-                <a:ea typeface="+mn-ea"/>
-                <a:cs typeface="+mn-cs"/>
-              </a:defRPr>
-            </a:lvl4pPr>
-            <a:lvl5pPr marL="932688" indent="-182880" algn="l" defTabSz="914400" rtl="0" eaLnBrk="1" latinLnBrk="0" hangingPunct="1">
-              <a:lnSpc>
-                <a:spcPct val="90000"/>
-              </a:lnSpc>
-              <a:spcBef>
-                <a:spcPts val="200"/>
-              </a:spcBef>
-              <a:spcAft>
-                <a:spcPts val="400"/>
-              </a:spcAft>
-              <a:buClr>
-                <a:schemeClr val="accent1"/>
-              </a:buClr>
-              <a:buFont typeface="Calibri" pitchFamily="34" charset="0"/>
-              <a:buChar char="◦"/>
-              <a:defRPr sz="1800" kern="1200">
-                <a:solidFill>
-                  <a:schemeClr val="tx1">
-                    <a:lumMod val="75000"/>
-                    <a:lumOff val="25000"/>
-                  </a:schemeClr>
-                </a:solidFill>
-                <a:latin typeface="+mn-lt"/>
-                <a:ea typeface="+mn-ea"/>
-                <a:cs typeface="+mn-cs"/>
-              </a:defRPr>
-            </a:lvl5pPr>
-            <a:lvl6pPr marL="1100000" indent="-228600" algn="l" defTabSz="914400" rtl="0" eaLnBrk="1" latinLnBrk="0" hangingPunct="1">
-              <a:lnSpc>
-                <a:spcPct val="90000"/>
-              </a:lnSpc>
-              <a:spcBef>
-                <a:spcPts val="200"/>
-              </a:spcBef>
-              <a:spcAft>
-                <a:spcPts val="400"/>
-              </a:spcAft>
-              <a:buClr>
-                <a:schemeClr val="accent1"/>
-              </a:buClr>
-              <a:buFont typeface="Calibri" pitchFamily="34" charset="0"/>
-              <a:buChar char="◦"/>
-              <a:defRPr sz="1400" kern="1200">
-                <a:solidFill>
-                  <a:schemeClr val="tx1">
-                    <a:lumMod val="75000"/>
-                    <a:lumOff val="25000"/>
-                  </a:schemeClr>
-                </a:solidFill>
-                <a:latin typeface="+mn-lt"/>
-                <a:ea typeface="+mn-ea"/>
-                <a:cs typeface="+mn-cs"/>
-              </a:defRPr>
-            </a:lvl6pPr>
-            <a:lvl7pPr marL="1300000" indent="-228600" algn="l" defTabSz="914400" rtl="0" eaLnBrk="1" latinLnBrk="0" hangingPunct="1">
-              <a:lnSpc>
-                <a:spcPct val="90000"/>
-              </a:lnSpc>
-              <a:spcBef>
-                <a:spcPts val="200"/>
-              </a:spcBef>
-              <a:spcAft>
-                <a:spcPts val="400"/>
-              </a:spcAft>
-              <a:buClr>
-                <a:schemeClr val="accent1"/>
-              </a:buClr>
-              <a:buFont typeface="Calibri" pitchFamily="34" charset="0"/>
-              <a:buChar char="◦"/>
-              <a:defRPr sz="1400" kern="1200">
-                <a:solidFill>
-                  <a:schemeClr val="tx1">
-                    <a:lumMod val="75000"/>
-                    <a:lumOff val="25000"/>
-                  </a:schemeClr>
-                </a:solidFill>
-                <a:latin typeface="+mn-lt"/>
-                <a:ea typeface="+mn-ea"/>
-                <a:cs typeface="+mn-cs"/>
-              </a:defRPr>
-            </a:lvl7pPr>
-            <a:lvl8pPr marL="1500000" indent="-228600" algn="l" defTabSz="914400" rtl="0" eaLnBrk="1" latinLnBrk="0" hangingPunct="1">
-              <a:lnSpc>
-                <a:spcPct val="90000"/>
-              </a:lnSpc>
-              <a:spcBef>
-                <a:spcPts val="200"/>
-              </a:spcBef>
-              <a:spcAft>
-                <a:spcPts val="400"/>
-              </a:spcAft>
-              <a:buClr>
-                <a:schemeClr val="accent1"/>
-              </a:buClr>
-              <a:buFont typeface="Calibri" pitchFamily="34" charset="0"/>
-              <a:buChar char="◦"/>
-              <a:defRPr sz="1400" kern="1200">
-                <a:solidFill>
-                  <a:schemeClr val="tx1">
-                    <a:lumMod val="75000"/>
-                    <a:lumOff val="25000"/>
-                  </a:schemeClr>
-                </a:solidFill>
-                <a:latin typeface="+mn-lt"/>
-                <a:ea typeface="+mn-ea"/>
-                <a:cs typeface="+mn-cs"/>
-              </a:defRPr>
-            </a:lvl8pPr>
-            <a:lvl9pPr marL="1700000" indent="-228600" algn="l" defTabSz="914400" rtl="0" eaLnBrk="1" latinLnBrk="0" hangingPunct="1">
-              <a:lnSpc>
-                <a:spcPct val="90000"/>
-              </a:lnSpc>
-              <a:spcBef>
-                <a:spcPts val="200"/>
-              </a:spcBef>
-              <a:spcAft>
-                <a:spcPts val="400"/>
-              </a:spcAft>
-              <a:buClr>
-                <a:schemeClr val="accent1"/>
-              </a:buClr>
-              <a:buFont typeface="Calibri" pitchFamily="34" charset="0"/>
-              <a:buChar char="◦"/>
-              <a:defRPr sz="1400" kern="1200">
-                <a:solidFill>
-                  <a:schemeClr val="tx1">
-                    <a:lumMod val="75000"/>
-                    <a:lumOff val="25000"/>
-                  </a:schemeClr>
-                </a:solidFill>
-                <a:latin typeface="+mn-lt"/>
-                <a:ea typeface="+mn-ea"/>
-                <a:cs typeface="+mn-cs"/>
-              </a:defRPr>
-            </a:lvl9pPr>
-          </a:lstStyle>
-          <a:p>
-            <a:r>
-              <a:rPr lang="en-US" dirty="0">
-                <a:latin typeface="Consolas" panose="020B0609020204030204" pitchFamily="49" charset="0"/>
-              </a:rPr>
-              <a:t>fun pow(</a:t>
-            </a:r>
-            <a:r>
-              <a:rPr lang="en-US" dirty="0" err="1">
-                <a:latin typeface="Consolas" panose="020B0609020204030204" pitchFamily="49" charset="0"/>
-              </a:rPr>
-              <a:t>n,k</a:t>
-            </a:r>
-            <a:r>
-              <a:rPr lang="en-US" dirty="0">
-                <a:latin typeface="Consolas" panose="020B0609020204030204" pitchFamily="49" charset="0"/>
-              </a:rPr>
-              <a:t>) =</a:t>
-            </a:r>
-            <a:br>
-              <a:rPr lang="en-US" dirty="0">
-                <a:latin typeface="Consolas" panose="020B0609020204030204" pitchFamily="49" charset="0"/>
-              </a:rPr>
-            </a:br>
-            <a:r>
-              <a:rPr lang="en-US" dirty="0">
-                <a:latin typeface="Consolas" panose="020B0609020204030204" pitchFamily="49" charset="0"/>
-              </a:rPr>
-              <a:t>  if k = 0 { 1 }</a:t>
-            </a:r>
-            <a:br>
-              <a:rPr lang="en-US" dirty="0">
-                <a:latin typeface="Consolas" panose="020B0609020204030204" pitchFamily="49" charset="0"/>
-              </a:rPr>
-            </a:br>
-            <a:r>
-              <a:rPr lang="en-US" dirty="0">
-                <a:latin typeface="Consolas" panose="020B0609020204030204" pitchFamily="49" charset="0"/>
-              </a:rPr>
-              <a:t>  else n*pow(n,k-1)</a:t>
-            </a:r>
-          </a:p>
-          <a:p>
-            <a:endParaRPr lang="en-US" dirty="0">
-              <a:latin typeface="Consolas" panose="020B0609020204030204" pitchFamily="49" charset="0"/>
-            </a:endParaRPr>
-          </a:p>
-          <a:p>
-            <a:endParaRPr lang="en-US" dirty="0">
-              <a:latin typeface="Consolas" panose="020B0609020204030204" pitchFamily="49" charset="0"/>
-            </a:endParaRPr>
-          </a:p>
-        </p:txBody>
-      </p:sp>
     </p:spTree>
     <p:extLst>
       <p:ext uri="{BB962C8B-B14F-4D97-AF65-F5344CB8AC3E}">
-        <p14:creationId xmlns:p14="http://schemas.microsoft.com/office/powerpoint/2010/main" val="854743007"/>
+        <p14:creationId xmlns:p14="http://schemas.microsoft.com/office/powerpoint/2010/main" val="3604195150"/>
       </p:ext>
     </p:extLst>
   </p:cSld>
@@ -11718,9 +11813,7 @@
           </a:xfrm>
         </p:spPr>
         <p:txBody>
-          <a:bodyPr>
-            <a:normAutofit fontScale="77500" lnSpcReduction="20000"/>
-          </a:bodyPr>
+          <a:bodyPr/>
           <a:lstStyle/>
           <a:p>
             <a:r>
@@ -11731,27 +11824,7 @@
                 <a:effectLst/>
                 <a:latin typeface="Source Sans Pro" panose="020B0503030403020204" pitchFamily="34" charset="0"/>
               </a:rPr>
-              <a:t>pow(</a:t>
-            </a:r>
-            <a:r>
-              <a:rPr lang="en-US" b="0" i="0" dirty="0" err="1">
-                <a:solidFill>
-                  <a:schemeClr val="tx1"/>
-                </a:solidFill>
-                <a:effectLst/>
-                <a:latin typeface="Source Sans Pro" panose="020B0503030403020204" pitchFamily="34" charset="0"/>
-              </a:rPr>
-              <a:t>n,k</a:t>
-            </a:r>
-            <a:r>
-              <a:rPr lang="en-US" b="0" i="0" dirty="0">
-                <a:solidFill>
-                  <a:schemeClr val="tx1"/>
-                </a:solidFill>
-                <a:effectLst/>
-                <a:latin typeface="Source Sans Pro" panose="020B0503030403020204" pitchFamily="34" charset="0"/>
-              </a:rPr>
-              <a:t>) for k&gt;0</a:t>
+              <a:t>pow(n,0)</a:t>
             </a:r>
           </a:p>
           <a:p>
@@ -11819,7 +11892,7 @@
             </a:r>
             <a:r>
               <a:rPr lang="pt-BR" dirty="0"/>
-              <a:t>⊢ k = 0 ↪ false ∈ 3</a:t>
+              <a:t>⊢ k = 0 ↪ true ∈ 3</a:t>
             </a:r>
           </a:p>
           <a:p>
@@ -11845,10 +11918,13 @@
             </a:r>
             <a:r>
               <a:rPr lang="pt-BR" dirty="0"/>
-              <a:t>⊢ n↪ vn ∈ 1</a:t>
-            </a:r>
-          </a:p>
-          <a:p>
+              <a:t>⊢ 1 ↪ 1 ∈ 1</a:t>
+            </a:r>
+          </a:p>
+          <a:p>
+            <a:pPr marL="0" indent="0">
+              <a:buNone/>
+            </a:pPr>
             <a:r>
               <a:rPr lang="en-US" b="0" i="0" dirty="0">
                 <a:solidFill>
@@ -11871,131 +11947,12 @@
             </a:r>
             <a:r>
               <a:rPr lang="pt-BR" dirty="0"/>
-              <a:t>⊢ n↪ vn ∈ 1</a:t>
-            </a:r>
-            <a:br>
-              <a:rPr lang="pt-BR" dirty="0"/>
-            </a:br>
-            <a:r>
-              <a:rPr lang="pt-BR" dirty="0"/>
-              <a:t>E</a:t>
-            </a:r>
-            <a:r>
-              <a:rPr lang="pt-BR" b="0" i="0" dirty="0">
-                <a:solidFill>
-                  <a:schemeClr val="tx1"/>
-                </a:solidFill>
-                <a:effectLst/>
-                <a:latin typeface="Source Sans Pro" panose="020B0503030403020204" pitchFamily="34" charset="0"/>
-              </a:rPr>
-              <a:t> </a:t>
-            </a:r>
-            <a:r>
-              <a:rPr lang="pt-BR" dirty="0"/>
-              <a:t>⊢ k↪ vk ∈ 1</a:t>
-            </a:r>
-            <a:br>
-              <a:rPr lang="pt-BR" dirty="0"/>
-            </a:br>
-            <a:r>
-              <a:rPr lang="en-US" dirty="0">
-                <a:solidFill>
-                  <a:schemeClr val="tx1"/>
-                </a:solidFill>
-                <a:latin typeface="Source Sans Pro" panose="020B0503030403020204" pitchFamily="34" charset="0"/>
-              </a:rPr>
-              <a:t>E </a:t>
-            </a:r>
-            <a:r>
-              <a:rPr lang="pt-BR" dirty="0"/>
-              <a:t>⊢ 1↪ 1 ∈ 1</a:t>
-            </a:r>
-            <a:br>
-              <a:rPr lang="pt-BR" dirty="0"/>
-            </a:br>
-            <a:r>
-              <a:rPr lang="en-US" dirty="0">
-                <a:solidFill>
-                  <a:schemeClr val="tx1"/>
-                </a:solidFill>
-                <a:latin typeface="Source Sans Pro" panose="020B0503030403020204" pitchFamily="34" charset="0"/>
-              </a:rPr>
-              <a:t>E</a:t>
-            </a:r>
-            <a:r>
-              <a:rPr lang="pt-BR" b="0" i="0" dirty="0">
-                <a:solidFill>
-                  <a:schemeClr val="tx1"/>
-                </a:solidFill>
-                <a:effectLst/>
-                <a:latin typeface="Source Sans Pro" panose="020B0503030403020204" pitchFamily="34" charset="0"/>
-              </a:rPr>
-              <a:t> </a:t>
-            </a:r>
-            <a:r>
-              <a:rPr lang="pt-BR" dirty="0"/>
-              <a:t>⊢ k-1↪vk-1 ∈ 3</a:t>
-            </a:r>
-            <a:br>
-              <a:rPr lang="pt-BR" dirty="0"/>
-            </a:br>
-            <a:r>
-              <a:rPr lang="en-US" dirty="0">
-                <a:solidFill>
-                  <a:schemeClr val="tx1"/>
-                </a:solidFill>
-                <a:latin typeface="Source Sans Pro" panose="020B0503030403020204" pitchFamily="34" charset="0"/>
-              </a:rPr>
-              <a:t>E</a:t>
-            </a:r>
-            <a:r>
-              <a:rPr lang="pt-BR" b="0" i="0" dirty="0">
-                <a:solidFill>
-                  <a:schemeClr val="tx1"/>
-                </a:solidFill>
-                <a:effectLst/>
-                <a:latin typeface="Source Sans Pro" panose="020B0503030403020204" pitchFamily="34" charset="0"/>
-              </a:rPr>
-              <a:t> </a:t>
-            </a:r>
-            <a:r>
-              <a:rPr lang="pt-BR" dirty="0"/>
-              <a:t>⊢ pow(n,k-1) ↪ v ∈ 4 + O(k)</a:t>
-            </a:r>
-          </a:p>
-          <a:p>
-            <a:r>
-              <a:rPr lang="en-US" dirty="0">
-                <a:solidFill>
-                  <a:schemeClr val="tx1"/>
-                </a:solidFill>
-                <a:latin typeface="Source Sans Pro" panose="020B0503030403020204" pitchFamily="34" charset="0"/>
-              </a:rPr>
-              <a:t>E</a:t>
-            </a:r>
-            <a:r>
-              <a:rPr lang="pt-BR" b="0" i="0" dirty="0">
-                <a:solidFill>
-                  <a:schemeClr val="tx1"/>
-                </a:solidFill>
-                <a:effectLst/>
-                <a:latin typeface="Source Sans Pro" panose="020B0503030403020204" pitchFamily="34" charset="0"/>
-              </a:rPr>
-              <a:t> </a:t>
-            </a:r>
-            <a:r>
-              <a:rPr lang="pt-BR" dirty="0"/>
-              <a:t>⊢ pow(n,k) ↪ vn*v ∈ 6 + O(k)</a:t>
-            </a:r>
-          </a:p>
-          <a:p>
-            <a:r>
-              <a:rPr lang="pt-BR" dirty="0"/>
-              <a:t>pow(n,k) is O(k)</a:t>
-            </a:r>
-          </a:p>
-          <a:p>
-            <a:endParaRPr lang="pt-BR" dirty="0"/>
+              <a:t>⊢ (if ...) ↪ 1 ∈ </a:t>
+            </a:r>
+            <a:r>
+              <a:rPr lang="en-US" dirty="0"/>
+              <a:t>5 (since 5 = 1+3+1)</a:t>
+            </a:r>
           </a:p>
           <a:p>
             <a:pPr marL="0" indent="0">
@@ -12370,7 +12327,7 @@
     </p:spTree>
     <p:extLst>
       <p:ext uri="{BB962C8B-B14F-4D97-AF65-F5344CB8AC3E}">
-        <p14:creationId xmlns:p14="http://schemas.microsoft.com/office/powerpoint/2010/main" val="540203128"/>
+        <p14:creationId xmlns:p14="http://schemas.microsoft.com/office/powerpoint/2010/main" val="854743007"/>
       </p:ext>
     </p:extLst>
   </p:cSld>
@@ -12402,7 +12359,7 @@
           <p:cNvPr id="2" name="Title 1">
             <a:extLst>
               <a:ext uri="{FF2B5EF4-FFF2-40B4-BE49-F238E27FC236}">
-                <a16:creationId xmlns:a16="http://schemas.microsoft.com/office/drawing/2014/main" id="{65BF3328-2BAE-D914-A527-AC12E4040576}"/>
+                <a16:creationId xmlns:a16="http://schemas.microsoft.com/office/drawing/2014/main" id="{1A925675-C503-CE37-D981-4A7DB11F9ECF}"/>
               </a:ext>
             </a:extLst>
           </p:cNvPr>
@@ -12420,7 +12377,7 @@
           <a:p>
             <a:r>
               <a:rPr lang="en-US" dirty="0"/>
-              <a:t>Section: Parallel Computation</a:t>
+              <a:t>Example</a:t>
             </a:r>
           </a:p>
         </p:txBody>
@@ -12430,7 +12387,7 @@
           <p:cNvPr id="3" name="Content Placeholder 2">
             <a:extLst>
               <a:ext uri="{FF2B5EF4-FFF2-40B4-BE49-F238E27FC236}">
-                <a16:creationId xmlns:a16="http://schemas.microsoft.com/office/drawing/2014/main" id="{AA340FAC-EFCB-CABE-FA83-CADB298BDC6A}"/>
+                <a16:creationId xmlns:a16="http://schemas.microsoft.com/office/drawing/2014/main" id="{8295E653-8F94-6DCA-CC15-BC1714F9599B}"/>
               </a:ext>
             </a:extLst>
           </p:cNvPr>
@@ -12441,12 +12398,303 @@
             <p:ph idx="1"/>
           </p:nvPr>
         </p:nvSpPr>
-        <p:spPr/>
-        <p:txBody>
-          <a:bodyPr/>
+        <p:spPr>
+          <a:xfrm>
+            <a:off x="1097280" y="1845734"/>
+            <a:ext cx="6278880" cy="4023360"/>
+          </a:xfrm>
+        </p:spPr>
+        <p:txBody>
+          <a:bodyPr>
+            <a:normAutofit fontScale="77500" lnSpcReduction="20000"/>
+          </a:bodyPr>
           <a:lstStyle/>
           <a:p>
-            <a:endParaRPr lang="en-US"/>
+            <a:r>
+              <a:rPr lang="en-US" b="0" i="0" dirty="0">
+                <a:solidFill>
+                  <a:schemeClr val="tx1"/>
+                </a:solidFill>
+                <a:effectLst/>
+                <a:latin typeface="Source Sans Pro" panose="020B0503030403020204" pitchFamily="34" charset="0"/>
+              </a:rPr>
+              <a:t>pow(</a:t>
+            </a:r>
+            <a:r>
+              <a:rPr lang="en-US" b="0" i="0" dirty="0" err="1">
+                <a:solidFill>
+                  <a:schemeClr val="tx1"/>
+                </a:solidFill>
+                <a:effectLst/>
+                <a:latin typeface="Source Sans Pro" panose="020B0503030403020204" pitchFamily="34" charset="0"/>
+              </a:rPr>
+              <a:t>n,k</a:t>
+            </a:r>
+            <a:r>
+              <a:rPr lang="en-US" b="0" i="0" dirty="0">
+                <a:solidFill>
+                  <a:schemeClr val="tx1"/>
+                </a:solidFill>
+                <a:effectLst/>
+                <a:latin typeface="Source Sans Pro" panose="020B0503030403020204" pitchFamily="34" charset="0"/>
+              </a:rPr>
+              <a:t>) for k&gt;0</a:t>
+            </a:r>
+          </a:p>
+          <a:p>
+            <a:r>
+              <a:rPr lang="en-US" b="0" i="0" dirty="0">
+                <a:solidFill>
+                  <a:schemeClr val="tx1"/>
+                </a:solidFill>
+                <a:effectLst/>
+                <a:latin typeface="Source Sans Pro" panose="020B0503030403020204" pitchFamily="34" charset="0"/>
+              </a:rPr>
+              <a:t>E</a:t>
+            </a:r>
+            <a:r>
+              <a:rPr lang="pt-BR" b="0" i="0" dirty="0">
+                <a:solidFill>
+                  <a:schemeClr val="tx1"/>
+                </a:solidFill>
+                <a:effectLst/>
+                <a:latin typeface="Source Sans Pro" panose="020B0503030403020204" pitchFamily="34" charset="0"/>
+              </a:rPr>
+              <a:t> </a:t>
+            </a:r>
+            <a:r>
+              <a:rPr lang="pt-BR" dirty="0"/>
+              <a:t>⊢ k ↪ 0 ∈ 1</a:t>
+            </a:r>
+            <a:br>
+              <a:rPr lang="pt-BR" dirty="0"/>
+            </a:br>
+            <a:r>
+              <a:rPr lang="pt-BR" dirty="0"/>
+              <a:t>E</a:t>
+            </a:r>
+            <a:r>
+              <a:rPr lang="pt-BR" b="0" i="0" dirty="0">
+                <a:solidFill>
+                  <a:schemeClr val="tx1"/>
+                </a:solidFill>
+                <a:effectLst/>
+                <a:latin typeface="Source Sans Pro" panose="020B0503030403020204" pitchFamily="34" charset="0"/>
+              </a:rPr>
+              <a:t> </a:t>
+            </a:r>
+            <a:r>
+              <a:rPr lang="pt-BR" dirty="0"/>
+              <a:t>⊢ 0 ↪ 0 ∈ 1</a:t>
+            </a:r>
+            <a:br>
+              <a:rPr lang="pt-BR" dirty="0"/>
+            </a:br>
+            <a:r>
+              <a:rPr lang="pt-BR" dirty="0"/>
+              <a:t>E</a:t>
+            </a:r>
+            <a:r>
+              <a:rPr lang="pt-BR" b="0" i="0" dirty="0">
+                <a:solidFill>
+                  <a:schemeClr val="tx1"/>
+                </a:solidFill>
+                <a:effectLst/>
+                <a:latin typeface="Source Sans Pro" panose="020B0503030403020204" pitchFamily="34" charset="0"/>
+              </a:rPr>
+              <a:t> </a:t>
+            </a:r>
+            <a:r>
+              <a:rPr lang="pt-BR" dirty="0"/>
+              <a:t>⊢ k = 0 ↪ false ∈ 3</a:t>
+            </a:r>
+          </a:p>
+          <a:p>
+            <a:r>
+              <a:rPr lang="en-US" b="0" i="0" dirty="0">
+                <a:solidFill>
+                  <a:schemeClr val="tx1"/>
+                </a:solidFill>
+                <a:effectLst/>
+                <a:latin typeface="Source Sans Pro" panose="020B0503030403020204" pitchFamily="34" charset="0"/>
+              </a:rPr>
+              <a:t>E</a:t>
+            </a:r>
+            <a:r>
+              <a:rPr lang="pt-BR" b="0" i="0" dirty="0">
+                <a:solidFill>
+                  <a:schemeClr val="tx1"/>
+                </a:solidFill>
+                <a:effectLst/>
+                <a:latin typeface="Source Sans Pro" panose="020B0503030403020204" pitchFamily="34" charset="0"/>
+              </a:rPr>
+              <a:t> </a:t>
+            </a:r>
+            <a:r>
+              <a:rPr lang="pt-BR" dirty="0"/>
+              <a:t>⊢ n↪ vn ∈ 1</a:t>
+            </a:r>
+          </a:p>
+          <a:p>
+            <a:r>
+              <a:rPr lang="en-US" b="0" i="0" dirty="0">
+                <a:solidFill>
+                  <a:schemeClr val="tx1"/>
+                </a:solidFill>
+                <a:effectLst/>
+                <a:latin typeface="Source Sans Pro" panose="020B0503030403020204" pitchFamily="34" charset="0"/>
+              </a:rPr>
+              <a:t>E</a:t>
+            </a:r>
+            <a:r>
+              <a:rPr lang="pt-BR" b="0" i="0" dirty="0">
+                <a:solidFill>
+                  <a:schemeClr val="tx1"/>
+                </a:solidFill>
+                <a:effectLst/>
+                <a:latin typeface="Source Sans Pro" panose="020B0503030403020204" pitchFamily="34" charset="0"/>
+              </a:rPr>
+              <a:t> </a:t>
+            </a:r>
+            <a:r>
+              <a:rPr lang="pt-BR" dirty="0"/>
+              <a:t>⊢ n↪ vn ∈ 1</a:t>
+            </a:r>
+            <a:br>
+              <a:rPr lang="pt-BR" dirty="0"/>
+            </a:br>
+            <a:r>
+              <a:rPr lang="pt-BR" dirty="0"/>
+              <a:t>E</a:t>
+            </a:r>
+            <a:r>
+              <a:rPr lang="pt-BR" b="0" i="0" dirty="0">
+                <a:solidFill>
+                  <a:schemeClr val="tx1"/>
+                </a:solidFill>
+                <a:effectLst/>
+                <a:latin typeface="Source Sans Pro" panose="020B0503030403020204" pitchFamily="34" charset="0"/>
+              </a:rPr>
+              <a:t> </a:t>
+            </a:r>
+            <a:r>
+              <a:rPr lang="pt-BR" dirty="0"/>
+              <a:t>⊢ k↪ vk ∈ 1</a:t>
+            </a:r>
+            <a:br>
+              <a:rPr lang="pt-BR" dirty="0"/>
+            </a:br>
+            <a:r>
+              <a:rPr lang="en-US" dirty="0">
+                <a:solidFill>
+                  <a:schemeClr val="tx1"/>
+                </a:solidFill>
+                <a:latin typeface="Source Sans Pro" panose="020B0503030403020204" pitchFamily="34" charset="0"/>
+              </a:rPr>
+              <a:t>E </a:t>
+            </a:r>
+            <a:r>
+              <a:rPr lang="pt-BR" dirty="0"/>
+              <a:t>⊢ 1↪ 1 ∈ 1</a:t>
+            </a:r>
+            <a:br>
+              <a:rPr lang="pt-BR" dirty="0"/>
+            </a:br>
+            <a:r>
+              <a:rPr lang="en-US" dirty="0">
+                <a:solidFill>
+                  <a:schemeClr val="tx1"/>
+                </a:solidFill>
+                <a:latin typeface="Source Sans Pro" panose="020B0503030403020204" pitchFamily="34" charset="0"/>
+              </a:rPr>
+              <a:t>E</a:t>
+            </a:r>
+            <a:r>
+              <a:rPr lang="pt-BR" b="0" i="0" dirty="0">
+                <a:solidFill>
+                  <a:schemeClr val="tx1"/>
+                </a:solidFill>
+                <a:effectLst/>
+                <a:latin typeface="Source Sans Pro" panose="020B0503030403020204" pitchFamily="34" charset="0"/>
+              </a:rPr>
+              <a:t> </a:t>
+            </a:r>
+            <a:r>
+              <a:rPr lang="pt-BR" dirty="0"/>
+              <a:t>⊢ k-1↪vk-1 ∈ 3</a:t>
+            </a:r>
+            <a:br>
+              <a:rPr lang="pt-BR" dirty="0"/>
+            </a:br>
+            <a:r>
+              <a:rPr lang="en-US" dirty="0">
+                <a:solidFill>
+                  <a:schemeClr val="tx1"/>
+                </a:solidFill>
+                <a:latin typeface="Source Sans Pro" panose="020B0503030403020204" pitchFamily="34" charset="0"/>
+              </a:rPr>
+              <a:t>E</a:t>
+            </a:r>
+            <a:r>
+              <a:rPr lang="pt-BR" b="0" i="0" dirty="0">
+                <a:solidFill>
+                  <a:schemeClr val="tx1"/>
+                </a:solidFill>
+                <a:effectLst/>
+                <a:latin typeface="Source Sans Pro" panose="020B0503030403020204" pitchFamily="34" charset="0"/>
+              </a:rPr>
+              <a:t> </a:t>
+            </a:r>
+            <a:r>
+              <a:rPr lang="pt-BR" dirty="0"/>
+              <a:t>⊢ pow(n,k-1) ↪ v ∈ 4 + O(k)</a:t>
+            </a:r>
+          </a:p>
+          <a:p>
+            <a:r>
+              <a:rPr lang="en-US" dirty="0">
+                <a:solidFill>
+                  <a:schemeClr val="tx1"/>
+                </a:solidFill>
+                <a:latin typeface="Source Sans Pro" panose="020B0503030403020204" pitchFamily="34" charset="0"/>
+              </a:rPr>
+              <a:t>E</a:t>
+            </a:r>
+            <a:r>
+              <a:rPr lang="pt-BR" b="0" i="0" dirty="0">
+                <a:solidFill>
+                  <a:schemeClr val="tx1"/>
+                </a:solidFill>
+                <a:effectLst/>
+                <a:latin typeface="Source Sans Pro" panose="020B0503030403020204" pitchFamily="34" charset="0"/>
+              </a:rPr>
+              <a:t> </a:t>
+            </a:r>
+            <a:r>
+              <a:rPr lang="pt-BR" dirty="0"/>
+              <a:t>⊢ pow(n,k) ↪ vn*v ∈ 6 + O(k)</a:t>
+            </a:r>
+          </a:p>
+          <a:p>
+            <a:r>
+              <a:rPr lang="pt-BR" dirty="0"/>
+              <a:t>pow(n,k) is O(k)</a:t>
+            </a:r>
+          </a:p>
+          <a:p>
+            <a:endParaRPr lang="pt-BR" dirty="0"/>
+          </a:p>
+          <a:p>
+            <a:pPr marL="0" indent="0">
+              <a:buNone/>
+            </a:pPr>
+            <a:endParaRPr lang="en-US" dirty="0"/>
+          </a:p>
+          <a:p>
+            <a:endParaRPr lang="en-US" dirty="0"/>
+          </a:p>
+          <a:p>
+            <a:endParaRPr lang="en-US" dirty="0"/>
           </a:p>
         </p:txBody>
       </p:sp>
@@ -12455,7 +12703,7 @@
           <p:cNvPr id="4" name="Slide Number Placeholder 3">
             <a:extLst>
               <a:ext uri="{FF2B5EF4-FFF2-40B4-BE49-F238E27FC236}">
-                <a16:creationId xmlns:a16="http://schemas.microsoft.com/office/drawing/2014/main" id="{5726BE24-71E5-F7DA-9DC5-0C09BFF0722C}"/>
+                <a16:creationId xmlns:a16="http://schemas.microsoft.com/office/drawing/2014/main" id="{8116D2C5-0125-7085-684F-3E58529B8085}"/>
               </a:ext>
             </a:extLst>
           </p:cNvPr>
@@ -12479,10 +12727,337 @@
           </a:p>
         </p:txBody>
       </p:sp>
+      <p:sp>
+        <p:nvSpPr>
+          <p:cNvPr id="5" name="Content Placeholder 2">
+            <a:extLst>
+              <a:ext uri="{FF2B5EF4-FFF2-40B4-BE49-F238E27FC236}">
+                <a16:creationId xmlns:a16="http://schemas.microsoft.com/office/drawing/2014/main" id="{3AC3B5F5-68E1-510F-EFDF-50B90C0B78E0}"/>
+              </a:ext>
+            </a:extLst>
+          </p:cNvPr>
+          <p:cNvSpPr txBox="1">
+            <a:spLocks/>
+          </p:cNvSpPr>
+          <p:nvPr/>
+        </p:nvSpPr>
+        <p:spPr>
+          <a:xfrm>
+            <a:off x="7462058" y="2050318"/>
+            <a:ext cx="4108150" cy="1378682"/>
+          </a:xfrm>
+          <a:prstGeom prst="rect">
+            <a:avLst/>
+          </a:prstGeom>
+        </p:spPr>
+        <p:txBody>
+          <a:bodyPr vert="horz" lIns="0" tIns="45720" rIns="0" bIns="45720" rtlCol="0">
+            <a:normAutofit/>
+          </a:bodyPr>
+          <a:lstStyle>
+            <a:lvl1pPr marL="91440" indent="-91440" algn="l" defTabSz="914400" rtl="0" eaLnBrk="1" latinLnBrk="0" hangingPunct="1">
+              <a:lnSpc>
+                <a:spcPct val="90000"/>
+              </a:lnSpc>
+              <a:spcBef>
+                <a:spcPts val="1200"/>
+              </a:spcBef>
+              <a:spcAft>
+                <a:spcPts val="200"/>
+              </a:spcAft>
+              <a:buClr>
+                <a:schemeClr val="accent1"/>
+              </a:buClr>
+              <a:buSzPct val="100000"/>
+              <a:buFont typeface="Calibri" panose="020F0502020204030204" pitchFamily="34" charset="0"/>
+              <a:buChar char=" "/>
+              <a:defRPr sz="2800" kern="1200">
+                <a:solidFill>
+                  <a:schemeClr val="tx1">
+                    <a:lumMod val="75000"/>
+                    <a:lumOff val="25000"/>
+                  </a:schemeClr>
+                </a:solidFill>
+                <a:latin typeface="+mn-lt"/>
+                <a:ea typeface="+mn-ea"/>
+                <a:cs typeface="+mn-cs"/>
+              </a:defRPr>
+            </a:lvl1pPr>
+            <a:lvl2pPr marL="384048" indent="-182880" algn="l" defTabSz="914400" rtl="0" eaLnBrk="1" latinLnBrk="0" hangingPunct="1">
+              <a:lnSpc>
+                <a:spcPct val="90000"/>
+              </a:lnSpc>
+              <a:spcBef>
+                <a:spcPts val="200"/>
+              </a:spcBef>
+              <a:spcAft>
+                <a:spcPts val="400"/>
+              </a:spcAft>
+              <a:buClr>
+                <a:schemeClr val="accent1"/>
+              </a:buClr>
+              <a:buFont typeface="Calibri" pitchFamily="34" charset="0"/>
+              <a:buChar char="◦"/>
+              <a:defRPr sz="2400" kern="1200">
+                <a:solidFill>
+                  <a:schemeClr val="tx1">
+                    <a:lumMod val="75000"/>
+                    <a:lumOff val="25000"/>
+                  </a:schemeClr>
+                </a:solidFill>
+                <a:latin typeface="+mn-lt"/>
+                <a:ea typeface="+mn-ea"/>
+                <a:cs typeface="+mn-cs"/>
+              </a:defRPr>
+            </a:lvl2pPr>
+            <a:lvl3pPr marL="566928" indent="-182880" algn="l" defTabSz="914400" rtl="0" eaLnBrk="1" latinLnBrk="0" hangingPunct="1">
+              <a:lnSpc>
+                <a:spcPct val="90000"/>
+              </a:lnSpc>
+              <a:spcBef>
+                <a:spcPts val="200"/>
+              </a:spcBef>
+              <a:spcAft>
+                <a:spcPts val="400"/>
+              </a:spcAft>
+              <a:buClr>
+                <a:schemeClr val="accent1"/>
+              </a:buClr>
+              <a:buFont typeface="Calibri" pitchFamily="34" charset="0"/>
+              <a:buChar char="◦"/>
+              <a:defRPr sz="2200" kern="1200">
+                <a:solidFill>
+                  <a:schemeClr val="tx1">
+                    <a:lumMod val="75000"/>
+                    <a:lumOff val="25000"/>
+                  </a:schemeClr>
+                </a:solidFill>
+                <a:latin typeface="+mn-lt"/>
+                <a:ea typeface="+mn-ea"/>
+                <a:cs typeface="+mn-cs"/>
+              </a:defRPr>
+            </a:lvl3pPr>
+            <a:lvl4pPr marL="749808" indent="-182880" algn="l" defTabSz="914400" rtl="0" eaLnBrk="1" latinLnBrk="0" hangingPunct="1">
+              <a:lnSpc>
+                <a:spcPct val="90000"/>
+              </a:lnSpc>
+              <a:spcBef>
+                <a:spcPts val="200"/>
+              </a:spcBef>
+              <a:spcAft>
+                <a:spcPts val="400"/>
+              </a:spcAft>
+              <a:buClr>
+                <a:schemeClr val="accent1"/>
+              </a:buClr>
+              <a:buFont typeface="Calibri" pitchFamily="34" charset="0"/>
+              <a:buChar char="◦"/>
+              <a:defRPr sz="2000" kern="1200">
+                <a:solidFill>
+                  <a:schemeClr val="tx1">
+                    <a:lumMod val="75000"/>
+                    <a:lumOff val="25000"/>
+                  </a:schemeClr>
+                </a:solidFill>
+                <a:latin typeface="+mn-lt"/>
+                <a:ea typeface="+mn-ea"/>
+                <a:cs typeface="+mn-cs"/>
+              </a:defRPr>
+            </a:lvl4pPr>
+            <a:lvl5pPr marL="932688" indent="-182880" algn="l" defTabSz="914400" rtl="0" eaLnBrk="1" latinLnBrk="0" hangingPunct="1">
+              <a:lnSpc>
+                <a:spcPct val="90000"/>
+              </a:lnSpc>
+              <a:spcBef>
+                <a:spcPts val="200"/>
+              </a:spcBef>
+              <a:spcAft>
+                <a:spcPts val="400"/>
+              </a:spcAft>
+              <a:buClr>
+                <a:schemeClr val="accent1"/>
+              </a:buClr>
+              <a:buFont typeface="Calibri" pitchFamily="34" charset="0"/>
+              <a:buChar char="◦"/>
+              <a:defRPr sz="1800" kern="1200">
+                <a:solidFill>
+                  <a:schemeClr val="tx1">
+                    <a:lumMod val="75000"/>
+                    <a:lumOff val="25000"/>
+                  </a:schemeClr>
+                </a:solidFill>
+                <a:latin typeface="+mn-lt"/>
+                <a:ea typeface="+mn-ea"/>
+                <a:cs typeface="+mn-cs"/>
+              </a:defRPr>
+            </a:lvl5pPr>
+            <a:lvl6pPr marL="1100000" indent="-228600" algn="l" defTabSz="914400" rtl="0" eaLnBrk="1" latinLnBrk="0" hangingPunct="1">
+              <a:lnSpc>
+                <a:spcPct val="90000"/>
+              </a:lnSpc>
+              <a:spcBef>
+                <a:spcPts val="200"/>
+              </a:spcBef>
+              <a:spcAft>
+                <a:spcPts val="400"/>
+              </a:spcAft>
+              <a:buClr>
+                <a:schemeClr val="accent1"/>
+              </a:buClr>
+              <a:buFont typeface="Calibri" pitchFamily="34" charset="0"/>
+              <a:buChar char="◦"/>
+              <a:defRPr sz="1400" kern="1200">
+                <a:solidFill>
+                  <a:schemeClr val="tx1">
+                    <a:lumMod val="75000"/>
+                    <a:lumOff val="25000"/>
+                  </a:schemeClr>
+                </a:solidFill>
+                <a:latin typeface="+mn-lt"/>
+                <a:ea typeface="+mn-ea"/>
+                <a:cs typeface="+mn-cs"/>
+              </a:defRPr>
+            </a:lvl6pPr>
+            <a:lvl7pPr marL="1300000" indent="-228600" algn="l" defTabSz="914400" rtl="0" eaLnBrk="1" latinLnBrk="0" hangingPunct="1">
+              <a:lnSpc>
+                <a:spcPct val="90000"/>
+              </a:lnSpc>
+              <a:spcBef>
+                <a:spcPts val="200"/>
+              </a:spcBef>
+              <a:spcAft>
+                <a:spcPts val="400"/>
+              </a:spcAft>
+              <a:buClr>
+                <a:schemeClr val="accent1"/>
+              </a:buClr>
+              <a:buFont typeface="Calibri" pitchFamily="34" charset="0"/>
+              <a:buChar char="◦"/>
+              <a:defRPr sz="1400" kern="1200">
+                <a:solidFill>
+                  <a:schemeClr val="tx1">
+                    <a:lumMod val="75000"/>
+                    <a:lumOff val="25000"/>
+                  </a:schemeClr>
+                </a:solidFill>
+                <a:latin typeface="+mn-lt"/>
+                <a:ea typeface="+mn-ea"/>
+                <a:cs typeface="+mn-cs"/>
+              </a:defRPr>
+            </a:lvl7pPr>
+            <a:lvl8pPr marL="1500000" indent="-228600" algn="l" defTabSz="914400" rtl="0" eaLnBrk="1" latinLnBrk="0" hangingPunct="1">
+              <a:lnSpc>
+                <a:spcPct val="90000"/>
+              </a:lnSpc>
+              <a:spcBef>
+                <a:spcPts val="200"/>
+              </a:spcBef>
+              <a:spcAft>
+                <a:spcPts val="400"/>
+              </a:spcAft>
+              <a:buClr>
+                <a:schemeClr val="accent1"/>
+              </a:buClr>
+              <a:buFont typeface="Calibri" pitchFamily="34" charset="0"/>
+              <a:buChar char="◦"/>
+              <a:defRPr sz="1400" kern="1200">
+                <a:solidFill>
+                  <a:schemeClr val="tx1">
+                    <a:lumMod val="75000"/>
+                    <a:lumOff val="25000"/>
+                  </a:schemeClr>
+                </a:solidFill>
+                <a:latin typeface="+mn-lt"/>
+                <a:ea typeface="+mn-ea"/>
+                <a:cs typeface="+mn-cs"/>
+              </a:defRPr>
+            </a:lvl8pPr>
+            <a:lvl9pPr marL="1700000" indent="-228600" algn="l" defTabSz="914400" rtl="0" eaLnBrk="1" latinLnBrk="0" hangingPunct="1">
+              <a:lnSpc>
+                <a:spcPct val="90000"/>
+              </a:lnSpc>
+              <a:spcBef>
+                <a:spcPts val="200"/>
+              </a:spcBef>
+              <a:spcAft>
+                <a:spcPts val="400"/>
+              </a:spcAft>
+              <a:buClr>
+                <a:schemeClr val="accent1"/>
+              </a:buClr>
+              <a:buFont typeface="Calibri" pitchFamily="34" charset="0"/>
+              <a:buChar char="◦"/>
+              <a:defRPr sz="1400" kern="1200">
+                <a:solidFill>
+                  <a:schemeClr val="tx1">
+                    <a:lumMod val="75000"/>
+                    <a:lumOff val="25000"/>
+                  </a:schemeClr>
+                </a:solidFill>
+                <a:latin typeface="+mn-lt"/>
+                <a:ea typeface="+mn-ea"/>
+                <a:cs typeface="+mn-cs"/>
+              </a:defRPr>
+            </a:lvl9pPr>
+          </a:lstStyle>
+          <a:p>
+            <a:r>
+              <a:rPr lang="en-US" dirty="0">
+                <a:latin typeface="Consolas" panose="020B0609020204030204" pitchFamily="49" charset="0"/>
+              </a:rPr>
+              <a:t>fun pow(</a:t>
+            </a:r>
+            <a:r>
+              <a:rPr lang="en-US" dirty="0" err="1">
+                <a:latin typeface="Consolas" panose="020B0609020204030204" pitchFamily="49" charset="0"/>
+              </a:rPr>
+              <a:t>n,k</a:t>
+            </a:r>
+            <a:r>
+              <a:rPr lang="en-US" dirty="0">
+                <a:latin typeface="Consolas" panose="020B0609020204030204" pitchFamily="49" charset="0"/>
+              </a:rPr>
+              <a:t>) =</a:t>
+            </a:r>
+            <a:br>
+              <a:rPr lang="en-US" dirty="0">
+                <a:latin typeface="Consolas" panose="020B0609020204030204" pitchFamily="49" charset="0"/>
+              </a:rPr>
+            </a:br>
+            <a:r>
+              <a:rPr lang="en-US" dirty="0">
+                <a:latin typeface="Consolas" panose="020B0609020204030204" pitchFamily="49" charset="0"/>
+              </a:rPr>
+              <a:t>  if k = 0 { 1 }</a:t>
+            </a:r>
+            <a:br>
+              <a:rPr lang="en-US" dirty="0">
+                <a:latin typeface="Consolas" panose="020B0609020204030204" pitchFamily="49" charset="0"/>
+              </a:rPr>
+            </a:br>
+            <a:r>
+              <a:rPr lang="en-US" dirty="0">
+                <a:latin typeface="Consolas" panose="020B0609020204030204" pitchFamily="49" charset="0"/>
+              </a:rPr>
+              <a:t>  else n*pow(n,k-1)</a:t>
+            </a:r>
+          </a:p>
+          <a:p>
+            <a:endParaRPr lang="en-US" dirty="0">
+              <a:latin typeface="Consolas" panose="020B0609020204030204" pitchFamily="49" charset="0"/>
+            </a:endParaRPr>
+          </a:p>
+          <a:p>
+            <a:endParaRPr lang="en-US" dirty="0">
+              <a:latin typeface="Consolas" panose="020B0609020204030204" pitchFamily="49" charset="0"/>
+            </a:endParaRPr>
+          </a:p>
+        </p:txBody>
+      </p:sp>
     </p:spTree>
     <p:extLst>
       <p:ext uri="{BB962C8B-B14F-4D97-AF65-F5344CB8AC3E}">
-        <p14:creationId xmlns:p14="http://schemas.microsoft.com/office/powerpoint/2010/main" val="1384200239"/>
+        <p14:creationId xmlns:p14="http://schemas.microsoft.com/office/powerpoint/2010/main" val="540203128"/>
       </p:ext>
     </p:extLst>
   </p:cSld>
@@ -12532,7 +13107,7 @@
           <a:p>
             <a:r>
               <a:rPr lang="en-US" dirty="0"/>
-              <a:t>Pure Functional Programs</a:t>
+              <a:t>Section: Parallel Computation</a:t>
             </a:r>
           </a:p>
         </p:txBody>
@@ -12555,61 +13130,10 @@
         </p:nvSpPr>
         <p:spPr/>
         <p:txBody>
-          <a:bodyPr>
-            <a:normAutofit lnSpcReduction="10000"/>
-          </a:bodyPr>
+          <a:bodyPr/>
           <a:lstStyle/>
           <a:p>
-            <a:r>
-              <a:rPr lang="en-US" dirty="0"/>
-              <a:t>Recall that </a:t>
-            </a:r>
-            <a:r>
-              <a:rPr lang="en-US" b="1" dirty="0"/>
-              <a:t>side effects</a:t>
-            </a:r>
-            <a:r>
-              <a:rPr lang="en-US" dirty="0"/>
-              <a:t> are observable behaviors other than returning a value, such as modifying memory, looping forever, and performing input/output</a:t>
-            </a:r>
-          </a:p>
-          <a:p>
-            <a:r>
-              <a:rPr lang="en-US" dirty="0"/>
-              <a:t>Side effects complicate reasoning about program behavior. For example, global shared variables require global reasoning</a:t>
-            </a:r>
-          </a:p>
-          <a:p>
-            <a:r>
-              <a:rPr lang="en-US" b="1" dirty="0"/>
-              <a:t>Pure functional programs</a:t>
-            </a:r>
-            <a:r>
-              <a:rPr lang="en-US" dirty="0"/>
-              <a:t> are programs with “no side effects”*</a:t>
-            </a:r>
-            <a:br>
-              <a:rPr lang="en-US" dirty="0"/>
-            </a:br>
-            <a:r>
-              <a:rPr lang="en-US" dirty="0"/>
-              <a:t>These programs are popular for use cases that need easy reasoning about </a:t>
-            </a:r>
-            <a:r>
-              <a:rPr lang="en-US"/>
-              <a:t>program behavior</a:t>
-            </a:r>
-            <a:br>
-              <a:rPr lang="en-US" dirty="0"/>
-            </a:br>
-            <a:br>
-              <a:rPr lang="en-US" dirty="0"/>
-            </a:br>
-            <a:r>
-              <a:rPr lang="en-US" dirty="0"/>
-              <a:t>*Some side effects, like looping forever, are still supported</a:t>
-            </a:r>
-            <a:endParaRPr lang="en-US" b="1" dirty="0"/>
+            <a:endParaRPr lang="en-US"/>
           </a:p>
         </p:txBody>
       </p:sp>
@@ -12645,7 +13169,7 @@
     </p:spTree>
     <p:extLst>
       <p:ext uri="{BB962C8B-B14F-4D97-AF65-F5344CB8AC3E}">
-        <p14:creationId xmlns:p14="http://schemas.microsoft.com/office/powerpoint/2010/main" val="363575612"/>
+        <p14:creationId xmlns:p14="http://schemas.microsoft.com/office/powerpoint/2010/main" val="1384200239"/>
       </p:ext>
     </p:extLst>
   </p:cSld>
@@ -12677,7 +13201,7 @@
           <p:cNvPr id="2" name="Title 1">
             <a:extLst>
               <a:ext uri="{FF2B5EF4-FFF2-40B4-BE49-F238E27FC236}">
-                <a16:creationId xmlns:a16="http://schemas.microsoft.com/office/drawing/2014/main" id="{1C783CAC-2B0D-422F-D292-F539B05CE858}"/>
+                <a16:creationId xmlns:a16="http://schemas.microsoft.com/office/drawing/2014/main" id="{65BF3328-2BAE-D914-A527-AC12E4040576}"/>
               </a:ext>
             </a:extLst>
           </p:cNvPr>
@@ -12695,7 +13219,7 @@
           <a:p>
             <a:r>
               <a:rPr lang="en-US" dirty="0"/>
-              <a:t>Insight</a:t>
+              <a:t>Pure Functional Programs</a:t>
             </a:r>
           </a:p>
         </p:txBody>
@@ -12705,7 +13229,7 @@
           <p:cNvPr id="3" name="Content Placeholder 2">
             <a:extLst>
               <a:ext uri="{FF2B5EF4-FFF2-40B4-BE49-F238E27FC236}">
-                <a16:creationId xmlns:a16="http://schemas.microsoft.com/office/drawing/2014/main" id="{79C56AEA-1A82-3D41-6B69-3283000791A8}"/>
+                <a16:creationId xmlns:a16="http://schemas.microsoft.com/office/drawing/2014/main" id="{AA340FAC-EFCB-CABE-FA83-CADB298BDC6A}"/>
               </a:ext>
             </a:extLst>
           </p:cNvPr>
@@ -12718,59 +13242,59 @@
         </p:nvSpPr>
         <p:spPr/>
         <p:txBody>
-          <a:bodyPr/>
+          <a:bodyPr>
+            <a:normAutofit lnSpcReduction="10000"/>
+          </a:bodyPr>
           <a:lstStyle/>
           <a:p>
             <a:r>
               <a:rPr lang="en-US" dirty="0"/>
-              <a:t>Pure functional programs make parallelism easy because:</a:t>
-            </a:r>
-          </a:p>
-          <a:p>
-            <a:pPr lvl="1"/>
-            <a:r>
-              <a:rPr lang="en-US" dirty="0"/>
-              <a:t>The </a:t>
+              <a:t>Recall that </a:t>
             </a:r>
             <a:r>
               <a:rPr lang="en-US" b="1" dirty="0"/>
-              <a:t>hard part</a:t>
-            </a:r>
-            <a:r>
-              <a:rPr lang="en-US" dirty="0"/>
-              <a:t> of parallelism is understanding dependencies, and</a:t>
-            </a:r>
-          </a:p>
-          <a:p>
-            <a:pPr lvl="1"/>
-            <a:r>
-              <a:rPr lang="en-US" dirty="0"/>
-              <a:t>Pure functional programs make all dependencies </a:t>
-            </a:r>
+              <a:t>side effects</a:t>
+            </a:r>
+            <a:r>
+              <a:rPr lang="en-US" dirty="0"/>
+              <a:t> are observable behaviors other than returning a value, such as modifying memory, looping forever, and performing input/output</a:t>
+            </a:r>
+          </a:p>
+          <a:p>
+            <a:r>
+              <a:rPr lang="en-US" dirty="0"/>
+              <a:t>Side effects complicate reasoning about program behavior. For example, global shared variables require global reasoning</a:t>
+            </a:r>
+          </a:p>
+          <a:p>
             <a:r>
               <a:rPr lang="en-US" b="1" dirty="0"/>
-              <a:t>explicit</a:t>
-            </a:r>
-            <a:endParaRPr lang="en-US" dirty="0"/>
-          </a:p>
-          <a:p>
-            <a:r>
-              <a:rPr lang="en-US" dirty="0"/>
-              <a:t>We will use fork-join parallelism, where we assume independent expressions are executed at the same time. Execution joins back together before proceeding to expressions that depend on both.</a:t>
-            </a:r>
-          </a:p>
-          <a:p>
-            <a:r>
-              <a:rPr lang="en-US" dirty="0"/>
-              <a:t>Is there a limit on how fast code runs if we have all the processors we could ask for? Yes, this limit is called its </a:t>
-            </a:r>
-            <a:r>
-              <a:rPr lang="en-US" b="1" dirty="0"/>
-              <a:t>depth</a:t>
-            </a:r>
-            <a:r>
-              <a:rPr lang="en-US" dirty="0"/>
-              <a:t> </a:t>
+              <a:t>Pure functional programs</a:t>
+            </a:r>
+            <a:r>
+              <a:rPr lang="en-US" dirty="0"/>
+              <a:t> are programs with “no side effects”*</a:t>
+            </a:r>
+            <a:br>
+              <a:rPr lang="en-US" dirty="0"/>
+            </a:br>
+            <a:r>
+              <a:rPr lang="en-US" dirty="0"/>
+              <a:t>These programs are popular for use cases that need easy reasoning about </a:t>
+            </a:r>
+            <a:r>
+              <a:rPr lang="en-US"/>
+              <a:t>program behavior</a:t>
+            </a:r>
+            <a:br>
+              <a:rPr lang="en-US" dirty="0"/>
+            </a:br>
+            <a:br>
+              <a:rPr lang="en-US" dirty="0"/>
+            </a:br>
+            <a:r>
+              <a:rPr lang="en-US" dirty="0"/>
+              <a:t>*Some side effects, like looping forever, are still supported</a:t>
             </a:r>
             <a:endParaRPr lang="en-US" b="1" dirty="0"/>
           </a:p>
@@ -12781,7 +13305,7 @@
           <p:cNvPr id="4" name="Slide Number Placeholder 3">
             <a:extLst>
               <a:ext uri="{FF2B5EF4-FFF2-40B4-BE49-F238E27FC236}">
-                <a16:creationId xmlns:a16="http://schemas.microsoft.com/office/drawing/2014/main" id="{C7B7C379-3825-8FB9-17C2-02353C375C23}"/>
+                <a16:creationId xmlns:a16="http://schemas.microsoft.com/office/drawing/2014/main" id="{5726BE24-71E5-F7DA-9DC5-0C09BFF0722C}"/>
               </a:ext>
             </a:extLst>
           </p:cNvPr>
@@ -12808,7 +13332,7 @@
     </p:spTree>
     <p:extLst>
       <p:ext uri="{BB962C8B-B14F-4D97-AF65-F5344CB8AC3E}">
-        <p14:creationId xmlns:p14="http://schemas.microsoft.com/office/powerpoint/2010/main" val="111168421"/>
+        <p14:creationId xmlns:p14="http://schemas.microsoft.com/office/powerpoint/2010/main" val="363575612"/>
       </p:ext>
     </p:extLst>
   </p:cSld>
@@ -12840,7 +13364,7 @@
           <p:cNvPr id="2" name="Title 1">
             <a:extLst>
               <a:ext uri="{FF2B5EF4-FFF2-40B4-BE49-F238E27FC236}">
-                <a16:creationId xmlns:a16="http://schemas.microsoft.com/office/drawing/2014/main" id="{77AC9ED7-AD27-7AD0-3006-44C438F0F124}"/>
+                <a16:creationId xmlns:a16="http://schemas.microsoft.com/office/drawing/2014/main" id="{1C783CAC-2B0D-422F-D292-F539B05CE858}"/>
               </a:ext>
             </a:extLst>
           </p:cNvPr>
@@ -12858,7 +13382,7 @@
           <a:p>
             <a:r>
               <a:rPr lang="en-US" dirty="0"/>
-              <a:t>Depth</a:t>
+              <a:t>Insight</a:t>
             </a:r>
           </a:p>
         </p:txBody>
@@ -12868,7 +13392,7 @@
           <p:cNvPr id="3" name="Content Placeholder 2">
             <a:extLst>
               <a:ext uri="{FF2B5EF4-FFF2-40B4-BE49-F238E27FC236}">
-                <a16:creationId xmlns:a16="http://schemas.microsoft.com/office/drawing/2014/main" id="{A844DA7D-F623-0D5A-86DA-6F52D40BE786}"/>
+                <a16:creationId xmlns:a16="http://schemas.microsoft.com/office/drawing/2014/main" id="{79C56AEA-1A82-3D41-6B69-3283000791A8}"/>
               </a:ext>
             </a:extLst>
           </p:cNvPr>
@@ -12881,83 +13405,61 @@
         </p:nvSpPr>
         <p:spPr/>
         <p:txBody>
-          <a:bodyPr>
-            <a:normAutofit/>
-          </a:bodyPr>
+          <a:bodyPr/>
           <a:lstStyle/>
           <a:p>
             <a:r>
               <a:rPr lang="en-US" dirty="0"/>
+              <a:t>Pure functional programs make parallelism easy because:</a:t>
+            </a:r>
+          </a:p>
+          <a:p>
+            <a:pPr lvl="1"/>
+            <a:r>
+              <a:rPr lang="en-US" dirty="0"/>
               <a:t>The </a:t>
             </a:r>
             <a:r>
               <a:rPr lang="en-US" b="1" dirty="0"/>
-              <a:t>depth </a:t>
-            </a:r>
-            <a:r>
-              <a:rPr lang="en-US" dirty="0"/>
-              <a:t>of an expression </a:t>
-            </a:r>
-            <a:r>
-              <a:rPr lang="en-US" i="1" dirty="0"/>
-              <a:t>e, </a:t>
-            </a:r>
-            <a:r>
-              <a:rPr lang="en-US" dirty="0"/>
-              <a:t>written D(e) is the time it would take to run </a:t>
-            </a:r>
-            <a:r>
-              <a:rPr lang="en-US" i="1" dirty="0"/>
-              <a:t>e</a:t>
-            </a:r>
-            <a:r>
-              <a:rPr lang="en-US" dirty="0"/>
-              <a:t> if you have as many processors as you can ask for. If </a:t>
-            </a:r>
-            <a:r>
-              <a:rPr lang="en-US" i="1" dirty="0"/>
-              <a:t>e</a:t>
-            </a:r>
-            <a:r>
-              <a:rPr lang="en-US" dirty="0"/>
-              <a:t> loops forever, depth is infinite. We write “D(e1) is O(e2)” to mean the depth of e1 is on the order of e2.</a:t>
-            </a:r>
-          </a:p>
-          <a:p>
-            <a:r>
-              <a:rPr lang="en-US" dirty="0"/>
-              <a:t>If an expression </a:t>
-            </a:r>
-            <a:r>
-              <a:rPr lang="en-US" i="1" dirty="0"/>
-              <a:t>e</a:t>
-            </a:r>
-            <a:r>
-              <a:rPr lang="en-US" dirty="0"/>
-              <a:t> is completely sequential,</a:t>
-            </a:r>
-            <a:r>
-              <a:rPr lang="en-US" i="1" dirty="0"/>
+              <a:t>hard part</a:t>
+            </a:r>
+            <a:r>
+              <a:rPr lang="en-US" dirty="0"/>
+              <a:t> of parallelism is understanding dependencies, and</a:t>
+            </a:r>
+          </a:p>
+          <a:p>
+            <a:pPr lvl="1"/>
+            <a:r>
+              <a:rPr lang="en-US" dirty="0"/>
+              <a:t>Pure functional programs make all dependencies </a:t>
+            </a:r>
+            <a:r>
+              <a:rPr lang="en-US" b="1" dirty="0"/>
+              <a:t>explicit</a:t>
+            </a:r>
+            <a:endParaRPr lang="en-US" dirty="0"/>
+          </a:p>
+          <a:p>
+            <a:r>
+              <a:rPr lang="en-US" dirty="0"/>
+              <a:t>We will use fork-join parallelism, where we assume independent expressions are executed at the same time. Execution joins back together before proceeding to expressions that depend on both.</a:t>
+            </a:r>
+          </a:p>
+          <a:p>
+            <a:r>
+              <a:rPr lang="en-US" dirty="0"/>
+              <a:t>Is there a limit on how fast code runs if we have all the processors we could ask for? Yes, this limit is called its </a:t>
+            </a:r>
+            <a:r>
+              <a:rPr lang="en-US" b="1" dirty="0"/>
+              <a:t>depth</a:t>
+            </a:r>
+            <a:r>
+              <a:rPr lang="en-US" dirty="0"/>
               <a:t> </a:t>
             </a:r>
-            <a:r>
-              <a:rPr lang="en-US" dirty="0"/>
-              <a:t>then W(e) = D(e)</a:t>
-            </a:r>
-            <a:br>
-              <a:rPr lang="en-US" dirty="0"/>
-            </a:br>
-            <a:r>
-              <a:rPr lang="en-US" dirty="0"/>
-              <a:t>But many problems can be solved in much lower depth than work:</a:t>
-            </a:r>
-          </a:p>
-          <a:p>
-            <a:pPr lvl="1"/>
-            <a:r>
-              <a:rPr lang="en-US" dirty="0"/>
-              <a:t>e.g. W(Sort(n)) is O(n log n), D(Sort(n)) is O(log(n)^2), using trees</a:t>
-            </a:r>
+            <a:endParaRPr lang="en-US" b="1" dirty="0"/>
           </a:p>
         </p:txBody>
       </p:sp>
@@ -12966,7 +13468,7 @@
           <p:cNvPr id="4" name="Slide Number Placeholder 3">
             <a:extLst>
               <a:ext uri="{FF2B5EF4-FFF2-40B4-BE49-F238E27FC236}">
-                <a16:creationId xmlns:a16="http://schemas.microsoft.com/office/drawing/2014/main" id="{99547BA5-66DB-6AD0-2047-F6C77D8D0970}"/>
+                <a16:creationId xmlns:a16="http://schemas.microsoft.com/office/drawing/2014/main" id="{C7B7C379-3825-8FB9-17C2-02353C375C23}"/>
               </a:ext>
             </a:extLst>
           </p:cNvPr>
@@ -12993,7 +13495,7 @@
     </p:spTree>
     <p:extLst>
       <p:ext uri="{BB962C8B-B14F-4D97-AF65-F5344CB8AC3E}">
-        <p14:creationId xmlns:p14="http://schemas.microsoft.com/office/powerpoint/2010/main" val="164910630"/>
+        <p14:creationId xmlns:p14="http://schemas.microsoft.com/office/powerpoint/2010/main" val="111168421"/>
       </p:ext>
     </p:extLst>
   </p:cSld>
@@ -13043,7 +13545,7 @@
           <a:p>
             <a:r>
               <a:rPr lang="en-US" dirty="0"/>
-              <a:t>Computing Depth – Main Ideas</a:t>
+              <a:t>Depth</a:t>
             </a:r>
           </a:p>
         </p:txBody>
@@ -13066,102 +13568,82 @@
         </p:nvSpPr>
         <p:spPr/>
         <p:txBody>
-          <a:bodyPr/>
+          <a:bodyPr>
+            <a:normAutofit/>
+          </a:bodyPr>
           <a:lstStyle/>
           <a:p>
             <a:r>
               <a:rPr lang="en-US" dirty="0"/>
-              <a:t>The work D(e) of an expression is parallel running time</a:t>
+              <a:t>The </a:t>
+            </a:r>
+            <a:r>
+              <a:rPr lang="en-US" b="1" dirty="0"/>
+              <a:t>depth </a:t>
+            </a:r>
+            <a:r>
+              <a:rPr lang="en-US" dirty="0"/>
+              <a:t>of an expression </a:t>
+            </a:r>
+            <a:r>
+              <a:rPr lang="en-US" i="1" dirty="0"/>
+              <a:t>e, </a:t>
+            </a:r>
+            <a:r>
+              <a:rPr lang="en-US" dirty="0"/>
+              <a:t>written D(e) is the time it would take to run </a:t>
+            </a:r>
+            <a:r>
+              <a:rPr lang="en-US" i="1" dirty="0"/>
+              <a:t>e</a:t>
+            </a:r>
+            <a:r>
+              <a:rPr lang="en-US" dirty="0"/>
+              <a:t> if you have as many processors as you can ask for. If </a:t>
+            </a:r>
+            <a:r>
+              <a:rPr lang="en-US" i="1" dirty="0"/>
+              <a:t>e</a:t>
+            </a:r>
+            <a:r>
+              <a:rPr lang="en-US" dirty="0"/>
+              <a:t> loops forever, depth is infinite. We write “D(e1) is O(e2)” to mean the depth of e1 is on the order of e2.</a:t>
+            </a:r>
+          </a:p>
+          <a:p>
+            <a:r>
+              <a:rPr lang="en-US" dirty="0"/>
+              <a:t>If an expression </a:t>
+            </a:r>
+            <a:r>
+              <a:rPr lang="en-US" i="1" dirty="0"/>
+              <a:t>e</a:t>
+            </a:r>
+            <a:r>
+              <a:rPr lang="en-US" dirty="0"/>
+              <a:t> is completely sequential,</a:t>
+            </a:r>
+            <a:r>
+              <a:rPr lang="en-US" i="1" dirty="0"/>
+              <a:t> </a:t>
+            </a:r>
+            <a:r>
+              <a:rPr lang="en-US" dirty="0"/>
+              <a:t>then W(e) = D(e)</a:t>
+            </a:r>
+            <a:br>
+              <a:rPr lang="en-US" dirty="0"/>
+            </a:br>
+            <a:r>
+              <a:rPr lang="en-US" dirty="0"/>
+              <a:t>But many problems can be solved in much lower depth than work:</a:t>
             </a:r>
           </a:p>
           <a:p>
             <a:pPr lvl="1"/>
             <a:r>
               <a:rPr lang="en-US" dirty="0"/>
-              <a:t>For values </a:t>
-            </a:r>
-            <a:r>
-              <a:rPr lang="en-US" i="1" dirty="0"/>
-              <a:t>v,</a:t>
-            </a:r>
-            <a:r>
-              <a:rPr lang="en-US" dirty="0"/>
-              <a:t> we consider the depth to be 1, e.g., D(num) = 1</a:t>
-            </a:r>
-          </a:p>
-          <a:p>
-            <a:pPr lvl="1"/>
-            <a:r>
-              <a:rPr lang="en-US" dirty="0"/>
-              <a:t>Let op(e1, …, </a:t>
-            </a:r>
-            <a:r>
-              <a:rPr lang="en-US" dirty="0" err="1"/>
-              <a:t>eN</a:t>
-            </a:r>
-            <a:r>
-              <a:rPr lang="en-US" dirty="0"/>
-              <a:t>) stand for any compound expression (not just operators)</a:t>
-            </a:r>
-          </a:p>
-          <a:p>
-            <a:pPr lvl="2"/>
-            <a:r>
-              <a:rPr lang="en-US" dirty="0"/>
-              <a:t>Then D(</a:t>
-            </a:r>
-            <a:r>
-              <a:rPr lang="en-US" dirty="0" err="1"/>
-              <a:t>eK</a:t>
-            </a:r>
-            <a:r>
-              <a:rPr lang="en-US" dirty="0"/>
-              <a:t>) is the work of the </a:t>
-            </a:r>
-            <a:r>
-              <a:rPr lang="en-US" dirty="0" err="1"/>
-              <a:t>k’th</a:t>
-            </a:r>
-            <a:r>
-              <a:rPr lang="en-US" dirty="0"/>
-              <a:t> operand</a:t>
-            </a:r>
-          </a:p>
-          <a:p>
-            <a:pPr lvl="2"/>
-            <a:r>
-              <a:rPr lang="en-US" dirty="0"/>
-              <a:t>And D(op(e1,…,</a:t>
-            </a:r>
-            <a:r>
-              <a:rPr lang="en-US" dirty="0" err="1"/>
-              <a:t>eN</a:t>
-            </a:r>
-            <a:r>
-              <a:rPr lang="en-US" dirty="0"/>
-              <a:t>)) = 1 + max(D(e1), …, D(</a:t>
-            </a:r>
-            <a:r>
-              <a:rPr lang="en-US" dirty="0" err="1"/>
-              <a:t>eN</a:t>
-            </a:r>
-            <a:r>
-              <a:rPr lang="en-US" dirty="0"/>
-              <a:t>))</a:t>
-            </a:r>
-          </a:p>
-          <a:p>
-            <a:pPr lvl="1"/>
-            <a:r>
-              <a:rPr lang="en-US" dirty="0"/>
-              <a:t>What about e1(e2), i.e., expression e1 depends on e2?</a:t>
-            </a:r>
-          </a:p>
-          <a:p>
-            <a:pPr lvl="2"/>
-            <a:r>
-              <a:rPr lang="en-US" dirty="0"/>
-              <a:t>D(e1(e2)) = D(e1) + D(e2), must do e2 before e1</a:t>
+              <a:t>e.g. W(Sort(n)) is O(n log n), D(Sort(n)) is O(log(n)^2), using trees</a:t>
             </a:r>
           </a:p>
         </p:txBody>
@@ -13198,7 +13680,7 @@
     </p:spTree>
     <p:extLst>
       <p:ext uri="{BB962C8B-B14F-4D97-AF65-F5344CB8AC3E}">
-        <p14:creationId xmlns:p14="http://schemas.microsoft.com/office/powerpoint/2010/main" val="4034875622"/>
+        <p14:creationId xmlns:p14="http://schemas.microsoft.com/office/powerpoint/2010/main" val="164910630"/>
       </p:ext>
     </p:extLst>
   </p:cSld>
@@ -13230,6 +13712,216 @@
           <p:cNvPr id="2" name="Title 1">
             <a:extLst>
               <a:ext uri="{FF2B5EF4-FFF2-40B4-BE49-F238E27FC236}">
+                <a16:creationId xmlns:a16="http://schemas.microsoft.com/office/drawing/2014/main" id="{77AC9ED7-AD27-7AD0-3006-44C438F0F124}"/>
+              </a:ext>
+            </a:extLst>
+          </p:cNvPr>
+          <p:cNvSpPr>
+            <a:spLocks noGrp="1"/>
+          </p:cNvSpPr>
+          <p:nvPr>
+            <p:ph type="title"/>
+          </p:nvPr>
+        </p:nvSpPr>
+        <p:spPr/>
+        <p:txBody>
+          <a:bodyPr/>
+          <a:lstStyle/>
+          <a:p>
+            <a:r>
+              <a:rPr lang="en-US" dirty="0"/>
+              <a:t>Computing Depth – Main Ideas</a:t>
+            </a:r>
+          </a:p>
+        </p:txBody>
+      </p:sp>
+      <p:sp>
+        <p:nvSpPr>
+          <p:cNvPr id="3" name="Content Placeholder 2">
+            <a:extLst>
+              <a:ext uri="{FF2B5EF4-FFF2-40B4-BE49-F238E27FC236}">
+                <a16:creationId xmlns:a16="http://schemas.microsoft.com/office/drawing/2014/main" id="{A844DA7D-F623-0D5A-86DA-6F52D40BE786}"/>
+              </a:ext>
+            </a:extLst>
+          </p:cNvPr>
+          <p:cNvSpPr>
+            <a:spLocks noGrp="1"/>
+          </p:cNvSpPr>
+          <p:nvPr>
+            <p:ph idx="1"/>
+          </p:nvPr>
+        </p:nvSpPr>
+        <p:spPr/>
+        <p:txBody>
+          <a:bodyPr/>
+          <a:lstStyle/>
+          <a:p>
+            <a:r>
+              <a:rPr lang="en-US" dirty="0"/>
+              <a:t>The work D(e) of an expression is parallel running time</a:t>
+            </a:r>
+          </a:p>
+          <a:p>
+            <a:pPr lvl="1"/>
+            <a:r>
+              <a:rPr lang="en-US" dirty="0"/>
+              <a:t>For values </a:t>
+            </a:r>
+            <a:r>
+              <a:rPr lang="en-US" i="1" dirty="0"/>
+              <a:t>v,</a:t>
+            </a:r>
+            <a:r>
+              <a:rPr lang="en-US" dirty="0"/>
+              <a:t> we consider the depth to be 1, e.g., D(num) = 1</a:t>
+            </a:r>
+          </a:p>
+          <a:p>
+            <a:pPr lvl="1"/>
+            <a:r>
+              <a:rPr lang="en-US" dirty="0"/>
+              <a:t>Let op(e1, …, </a:t>
+            </a:r>
+            <a:r>
+              <a:rPr lang="en-US" dirty="0" err="1"/>
+              <a:t>eN</a:t>
+            </a:r>
+            <a:r>
+              <a:rPr lang="en-US" dirty="0"/>
+              <a:t>) stand for </a:t>
+            </a:r>
+            <a:r>
+              <a:rPr lang="en-US"/>
+              <a:t>an operator</a:t>
+            </a:r>
+            <a:endParaRPr lang="en-US" dirty="0"/>
+          </a:p>
+          <a:p>
+            <a:pPr lvl="2"/>
+            <a:r>
+              <a:rPr lang="en-US" dirty="0"/>
+              <a:t>Then D(</a:t>
+            </a:r>
+            <a:r>
+              <a:rPr lang="en-US" dirty="0" err="1"/>
+              <a:t>eK</a:t>
+            </a:r>
+            <a:r>
+              <a:rPr lang="en-US" dirty="0"/>
+              <a:t>) is the work of the </a:t>
+            </a:r>
+            <a:r>
+              <a:rPr lang="en-US" dirty="0" err="1"/>
+              <a:t>k’th</a:t>
+            </a:r>
+            <a:r>
+              <a:rPr lang="en-US" dirty="0"/>
+              <a:t> operand</a:t>
+            </a:r>
+          </a:p>
+          <a:p>
+            <a:pPr lvl="2"/>
+            <a:r>
+              <a:rPr lang="en-US" dirty="0"/>
+              <a:t>And D(op(e1,…,</a:t>
+            </a:r>
+            <a:r>
+              <a:rPr lang="en-US" dirty="0" err="1"/>
+              <a:t>eN</a:t>
+            </a:r>
+            <a:r>
+              <a:rPr lang="en-US" dirty="0"/>
+              <a:t>)) = 1 + max(D(e1), …, D(</a:t>
+            </a:r>
+            <a:r>
+              <a:rPr lang="en-US" dirty="0" err="1"/>
+              <a:t>eN</a:t>
+            </a:r>
+            <a:r>
+              <a:rPr lang="en-US" dirty="0"/>
+              <a:t>))</a:t>
+            </a:r>
+          </a:p>
+          <a:p>
+            <a:pPr lvl="1"/>
+            <a:r>
+              <a:rPr lang="en-US" dirty="0"/>
+              <a:t>What about e1(e2), i.e., expression e1 depends on e2?</a:t>
+            </a:r>
+          </a:p>
+          <a:p>
+            <a:pPr lvl="2"/>
+            <a:r>
+              <a:rPr lang="en-US" dirty="0"/>
+              <a:t>D(e1(e2)) = D(e1) + D(e2), must do e2 before e1</a:t>
+            </a:r>
+          </a:p>
+        </p:txBody>
+      </p:sp>
+      <p:sp>
+        <p:nvSpPr>
+          <p:cNvPr id="4" name="Slide Number Placeholder 3">
+            <a:extLst>
+              <a:ext uri="{FF2B5EF4-FFF2-40B4-BE49-F238E27FC236}">
+                <a16:creationId xmlns:a16="http://schemas.microsoft.com/office/drawing/2014/main" id="{99547BA5-66DB-6AD0-2047-F6C77D8D0970}"/>
+              </a:ext>
+            </a:extLst>
+          </p:cNvPr>
+          <p:cNvSpPr>
+            <a:spLocks noGrp="1"/>
+          </p:cNvSpPr>
+          <p:nvPr>
+            <p:ph type="sldNum" sz="quarter" idx="12"/>
+          </p:nvPr>
+        </p:nvSpPr>
+        <p:spPr/>
+        <p:txBody>
+          <a:bodyPr/>
+          <a:lstStyle/>
+          <a:p>
+            <a:fld id="{9BF27F29-4B64-4A24-936A-FF41C34C242B}" type="slidenum">
+              <a:rPr lang="en-US" smtClean="0"/>
+              <a:t>28</a:t>
+            </a:fld>
+            <a:endParaRPr lang="en-US"/>
+          </a:p>
+        </p:txBody>
+      </p:sp>
+    </p:spTree>
+    <p:extLst>
+      <p:ext uri="{BB962C8B-B14F-4D97-AF65-F5344CB8AC3E}">
+        <p14:creationId xmlns:p14="http://schemas.microsoft.com/office/powerpoint/2010/main" val="4034875622"/>
+      </p:ext>
+    </p:extLst>
+  </p:cSld>
+  <p:clrMapOvr>
+    <a:masterClrMapping/>
+  </p:clrMapOvr>
+</p:sld>
+</file>
+
+<file path=ppt/slides/slide29.xml><?xml version="1.0" encoding="utf-8"?>
+<p:sld xmlns:a="http://schemas.openxmlformats.org/drawingml/2006/main" xmlns:r="http://schemas.openxmlformats.org/officeDocument/2006/relationships" xmlns:p="http://schemas.openxmlformats.org/presentationml/2006/main">
+  <p:cSld>
+    <p:spTree>
+      <p:nvGrpSpPr>
+        <p:cNvPr id="1" name=""/>
+        <p:cNvGrpSpPr/>
+        <p:nvPr/>
+      </p:nvGrpSpPr>
+      <p:grpSpPr>
+        <a:xfrm>
+          <a:off x="0" y="0"/>
+          <a:ext cx="0" cy="0"/>
+          <a:chOff x="0" y="0"/>
+          <a:chExt cx="0" cy="0"/>
+        </a:xfrm>
+      </p:grpSpPr>
+      <p:sp>
+        <p:nvSpPr>
+          <p:cNvPr id="2" name="Title 1">
+            <a:extLst>
+              <a:ext uri="{FF2B5EF4-FFF2-40B4-BE49-F238E27FC236}">
                 <a16:creationId xmlns:a16="http://schemas.microsoft.com/office/drawing/2014/main" id="{AF325E26-EA7E-BD4A-79A2-D1CEDD79FCEF}"/>
               </a:ext>
             </a:extLst>
@@ -13335,7 +14027,7 @@
           <a:p>
             <a:fld id="{9BF27F29-4B64-4A24-936A-FF41C34C242B}" type="slidenum">
               <a:rPr lang="en-US" smtClean="0"/>
-              <a:t>28</a:t>
+              <a:t>29</a:t>
             </a:fld>
             <a:endParaRPr lang="en-US"/>
           </a:p>
@@ -14427,7 +15119,7 @@
 </p:sld>
 </file>
 
-<file path=ppt/slides/slide29.xml><?xml version="1.0" encoding="utf-8"?>
+<file path=ppt/slides/slide3.xml><?xml version="1.0" encoding="utf-8"?>
 <p:sld xmlns:a="http://schemas.openxmlformats.org/drawingml/2006/main" xmlns:r="http://schemas.openxmlformats.org/officeDocument/2006/relationships" xmlns:p="http://schemas.openxmlformats.org/presentationml/2006/main">
   <p:cSld>
     <p:spTree>
@@ -14449,6 +15141,205 @@
           <p:cNvPr id="2" name="Title 1">
             <a:extLst>
               <a:ext uri="{FF2B5EF4-FFF2-40B4-BE49-F238E27FC236}">
+                <a16:creationId xmlns:a16="http://schemas.microsoft.com/office/drawing/2014/main" id="{75F29155-7263-DA0A-A4A1-0FB3194CA1DF}"/>
+              </a:ext>
+            </a:extLst>
+          </p:cNvPr>
+          <p:cNvSpPr>
+            <a:spLocks noGrp="1"/>
+          </p:cNvSpPr>
+          <p:nvPr>
+            <p:ph type="title"/>
+          </p:nvPr>
+        </p:nvSpPr>
+        <p:spPr/>
+        <p:txBody>
+          <a:bodyPr/>
+          <a:lstStyle/>
+          <a:p>
+            <a:r>
+              <a:rPr lang="en-US" dirty="0"/>
+              <a:t>Outline</a:t>
+            </a:r>
+          </a:p>
+        </p:txBody>
+      </p:sp>
+      <p:sp>
+        <p:nvSpPr>
+          <p:cNvPr id="3" name="Content Placeholder 2">
+            <a:extLst>
+              <a:ext uri="{FF2B5EF4-FFF2-40B4-BE49-F238E27FC236}">
+                <a16:creationId xmlns:a16="http://schemas.microsoft.com/office/drawing/2014/main" id="{D72553CB-0C10-5BD9-BF10-B2912775C8DE}"/>
+              </a:ext>
+            </a:extLst>
+          </p:cNvPr>
+          <p:cNvSpPr>
+            <a:spLocks noGrp="1"/>
+          </p:cNvSpPr>
+          <p:nvPr>
+            <p:ph idx="1"/>
+          </p:nvPr>
+        </p:nvSpPr>
+        <p:spPr/>
+        <p:txBody>
+          <a:bodyPr>
+            <a:normAutofit fontScale="92500" lnSpcReduction="20000"/>
+          </a:bodyPr>
+          <a:lstStyle/>
+          <a:p>
+            <a:pPr lvl="1"/>
+            <a:r>
+              <a:rPr lang="en-US" dirty="0"/>
+              <a:t>Goals</a:t>
+            </a:r>
+          </a:p>
+          <a:p>
+            <a:pPr lvl="1"/>
+            <a:r>
+              <a:rPr lang="en-US" dirty="0"/>
+              <a:t>Insight</a:t>
+            </a:r>
+          </a:p>
+          <a:p>
+            <a:pPr lvl="1"/>
+            <a:r>
+              <a:rPr lang="en-US" dirty="0"/>
+              <a:t>Language</a:t>
+            </a:r>
+          </a:p>
+          <a:p>
+            <a:pPr lvl="2"/>
+            <a:r>
+              <a:rPr lang="en-US" dirty="0"/>
+              <a:t>Syntax</a:t>
+            </a:r>
+          </a:p>
+          <a:p>
+            <a:pPr lvl="2"/>
+            <a:r>
+              <a:rPr lang="en-US" dirty="0"/>
+              <a:t>Semantics</a:t>
+            </a:r>
+          </a:p>
+          <a:p>
+            <a:pPr lvl="1"/>
+            <a:r>
+              <a:rPr lang="en-US" dirty="0"/>
+              <a:t>Cost Semantics</a:t>
+            </a:r>
+          </a:p>
+          <a:p>
+            <a:pPr lvl="2"/>
+            <a:r>
+              <a:rPr lang="en-US" dirty="0"/>
+              <a:t>Sequential</a:t>
+            </a:r>
+          </a:p>
+          <a:p>
+            <a:pPr lvl="1"/>
+            <a:r>
+              <a:rPr lang="en-US" dirty="0"/>
+              <a:t>Work analysis</a:t>
+            </a:r>
+          </a:p>
+          <a:p>
+            <a:pPr lvl="1"/>
+            <a:r>
+              <a:rPr lang="en-US" dirty="0"/>
+              <a:t>Parallelism</a:t>
+            </a:r>
+          </a:p>
+          <a:p>
+            <a:pPr lvl="2"/>
+            <a:r>
+              <a:rPr lang="en-US" dirty="0"/>
+              <a:t>Semantics</a:t>
+            </a:r>
+          </a:p>
+          <a:p>
+            <a:pPr lvl="2"/>
+            <a:r>
+              <a:rPr lang="en-US" dirty="0"/>
+              <a:t>Cost semantics</a:t>
+            </a:r>
+          </a:p>
+          <a:p>
+            <a:pPr lvl="1"/>
+            <a:r>
+              <a:rPr lang="en-US" dirty="0"/>
+              <a:t>Demo</a:t>
+            </a:r>
+          </a:p>
+          <a:p>
+            <a:pPr lvl="1"/>
+            <a:endParaRPr lang="en-US" dirty="0"/>
+          </a:p>
+        </p:txBody>
+      </p:sp>
+      <p:sp>
+        <p:nvSpPr>
+          <p:cNvPr id="4" name="Slide Number Placeholder 3">
+            <a:extLst>
+              <a:ext uri="{FF2B5EF4-FFF2-40B4-BE49-F238E27FC236}">
+                <a16:creationId xmlns:a16="http://schemas.microsoft.com/office/drawing/2014/main" id="{BB457918-3D7D-3F47-C855-17E9CB67F752}"/>
+              </a:ext>
+            </a:extLst>
+          </p:cNvPr>
+          <p:cNvSpPr>
+            <a:spLocks noGrp="1"/>
+          </p:cNvSpPr>
+          <p:nvPr>
+            <p:ph type="sldNum" sz="quarter" idx="12"/>
+          </p:nvPr>
+        </p:nvSpPr>
+        <p:spPr/>
+        <p:txBody>
+          <a:bodyPr/>
+          <a:lstStyle/>
+          <a:p>
+            <a:fld id="{9BF27F29-4B64-4A24-936A-FF41C34C242B}" type="slidenum">
+              <a:rPr lang="en-US" smtClean="0"/>
+              <a:t>3</a:t>
+            </a:fld>
+            <a:endParaRPr lang="en-US"/>
+          </a:p>
+        </p:txBody>
+      </p:sp>
+    </p:spTree>
+    <p:extLst>
+      <p:ext uri="{BB962C8B-B14F-4D97-AF65-F5344CB8AC3E}">
+        <p14:creationId xmlns:p14="http://schemas.microsoft.com/office/powerpoint/2010/main" val="2351890539"/>
+      </p:ext>
+    </p:extLst>
+  </p:cSld>
+  <p:clrMapOvr>
+    <a:masterClrMapping/>
+  </p:clrMapOvr>
+</p:sld>
+</file>
+
+<file path=ppt/slides/slide30.xml><?xml version="1.0" encoding="utf-8"?>
+<p:sld xmlns:a="http://schemas.openxmlformats.org/drawingml/2006/main" xmlns:r="http://schemas.openxmlformats.org/officeDocument/2006/relationships" xmlns:p="http://schemas.openxmlformats.org/presentationml/2006/main">
+  <p:cSld>
+    <p:spTree>
+      <p:nvGrpSpPr>
+        <p:cNvPr id="1" name=""/>
+        <p:cNvGrpSpPr/>
+        <p:nvPr/>
+      </p:nvGrpSpPr>
+      <p:grpSpPr>
+        <a:xfrm>
+          <a:off x="0" y="0"/>
+          <a:ext cx="0" cy="0"/>
+          <a:chOff x="0" y="0"/>
+          <a:chExt cx="0" cy="0"/>
+        </a:xfrm>
+      </p:grpSpPr>
+      <p:sp>
+        <p:nvSpPr>
+          <p:cNvPr id="2" name="Title 1">
+            <a:extLst>
+              <a:ext uri="{FF2B5EF4-FFF2-40B4-BE49-F238E27FC236}">
                 <a16:creationId xmlns:a16="http://schemas.microsoft.com/office/drawing/2014/main" id="{AF325E26-EA7E-BD4A-79A2-D1CEDD79FCEF}"/>
               </a:ext>
             </a:extLst>
@@ -14549,7 +15440,7 @@
           <a:p>
             <a:fld id="{9BF27F29-4B64-4A24-936A-FF41C34C242B}" type="slidenum">
               <a:rPr lang="en-US" smtClean="0"/>
-              <a:t>29</a:t>
+              <a:t>30</a:t>
             </a:fld>
             <a:endParaRPr lang="en-US"/>
           </a:p>
@@ -15665,313 +16556,6 @@
 </p:sld>
 </file>
 
-<file path=ppt/slides/slide3.xml><?xml version="1.0" encoding="utf-8"?>
-<p:sld xmlns:a="http://schemas.openxmlformats.org/drawingml/2006/main" xmlns:r="http://schemas.openxmlformats.org/officeDocument/2006/relationships" xmlns:p="http://schemas.openxmlformats.org/presentationml/2006/main">
-  <p:cSld>
-    <p:spTree>
-      <p:nvGrpSpPr>
-        <p:cNvPr id="1" name=""/>
-        <p:cNvGrpSpPr/>
-        <p:nvPr/>
-      </p:nvGrpSpPr>
-      <p:grpSpPr>
-        <a:xfrm>
-          <a:off x="0" y="0"/>
-          <a:ext cx="0" cy="0"/>
-          <a:chOff x="0" y="0"/>
-          <a:chExt cx="0" cy="0"/>
-        </a:xfrm>
-      </p:grpSpPr>
-      <p:sp>
-        <p:nvSpPr>
-          <p:cNvPr id="2" name="Title 1">
-            <a:extLst>
-              <a:ext uri="{FF2B5EF4-FFF2-40B4-BE49-F238E27FC236}">
-                <a16:creationId xmlns:a16="http://schemas.microsoft.com/office/drawing/2014/main" id="{EAD998DA-D310-F386-86B6-4B986BE15159}"/>
-              </a:ext>
-            </a:extLst>
-          </p:cNvPr>
-          <p:cNvSpPr>
-            <a:spLocks noGrp="1"/>
-          </p:cNvSpPr>
-          <p:nvPr>
-            <p:ph type="title"/>
-          </p:nvPr>
-        </p:nvSpPr>
-        <p:spPr/>
-        <p:txBody>
-          <a:bodyPr/>
-          <a:lstStyle/>
-          <a:p>
-            <a:r>
-              <a:rPr lang="en-US" dirty="0"/>
-              <a:t>Motivation: The Need for Speed</a:t>
-            </a:r>
-          </a:p>
-        </p:txBody>
-      </p:sp>
-      <p:sp>
-        <p:nvSpPr>
-          <p:cNvPr id="3" name="Content Placeholder 2">
-            <a:extLst>
-              <a:ext uri="{FF2B5EF4-FFF2-40B4-BE49-F238E27FC236}">
-                <a16:creationId xmlns:a16="http://schemas.microsoft.com/office/drawing/2014/main" id="{A709DF30-691F-AC38-8D11-2D1B5C9A912A}"/>
-              </a:ext>
-            </a:extLst>
-          </p:cNvPr>
-          <p:cNvSpPr>
-            <a:spLocks noGrp="1"/>
-          </p:cNvSpPr>
-          <p:nvPr>
-            <p:ph idx="1"/>
-          </p:nvPr>
-        </p:nvSpPr>
-        <p:spPr/>
-        <p:txBody>
-          <a:bodyPr>
-            <a:normAutofit lnSpcReduction="10000"/>
-          </a:bodyPr>
-          <a:lstStyle/>
-          <a:p>
-            <a:r>
-              <a:rPr lang="en-US" dirty="0"/>
-              <a:t>As time goes on, the global demand for compute power grows, e.g.:</a:t>
-            </a:r>
-          </a:p>
-          <a:p>
-            <a:pPr lvl="1"/>
-            <a:r>
-              <a:rPr lang="en-US" dirty="0"/>
-              <a:t>Machine learning alone demands more electricity than many small countries and enough silicon to disrupt global supply chains</a:t>
-            </a:r>
-          </a:p>
-          <a:p>
-            <a:pPr lvl="1"/>
-            <a:r>
-              <a:rPr lang="en-US" dirty="0"/>
-              <a:t>Scientists must interpret ever-larger datasets, in domains ranging from particle physics to climate science</a:t>
-            </a:r>
-          </a:p>
-          <a:p>
-            <a:pPr lvl="1"/>
-            <a:r>
-              <a:rPr lang="en-US" dirty="0"/>
-              <a:t>End-user software innovations push limits, from productivity applications to video games</a:t>
-            </a:r>
-          </a:p>
-          <a:p>
-            <a:r>
-              <a:rPr lang="en-US" dirty="0"/>
-              <a:t>Exponential growth in CPU complexity has long helped with growing demand, but the </a:t>
-            </a:r>
-            <a:r>
-              <a:rPr lang="en-US" b="1" dirty="0"/>
-              <a:t>boundaries of physics</a:t>
-            </a:r>
-            <a:r>
-              <a:rPr lang="en-US" dirty="0"/>
-              <a:t> mean growth has slowed</a:t>
-            </a:r>
-          </a:p>
-          <a:p>
-            <a:r>
-              <a:rPr lang="en-US" dirty="0"/>
-              <a:t>What to do? We explore 2 solutions</a:t>
-            </a:r>
-          </a:p>
-          <a:p>
-            <a:pPr lvl="1"/>
-            <a:endParaRPr lang="en-US" dirty="0"/>
-          </a:p>
-        </p:txBody>
-      </p:sp>
-      <p:sp>
-        <p:nvSpPr>
-          <p:cNvPr id="4" name="Slide Number Placeholder 3">
-            <a:extLst>
-              <a:ext uri="{FF2B5EF4-FFF2-40B4-BE49-F238E27FC236}">
-                <a16:creationId xmlns:a16="http://schemas.microsoft.com/office/drawing/2014/main" id="{F9007C8E-63B6-6A91-533C-CA5E64C3747B}"/>
-              </a:ext>
-            </a:extLst>
-          </p:cNvPr>
-          <p:cNvSpPr>
-            <a:spLocks noGrp="1"/>
-          </p:cNvSpPr>
-          <p:nvPr>
-            <p:ph type="sldNum" sz="quarter" idx="12"/>
-          </p:nvPr>
-        </p:nvSpPr>
-        <p:spPr/>
-        <p:txBody>
-          <a:bodyPr/>
-          <a:lstStyle/>
-          <a:p>
-            <a:fld id="{9BF27F29-4B64-4A24-936A-FF41C34C242B}" type="slidenum">
-              <a:rPr lang="en-US" smtClean="0"/>
-              <a:t>3</a:t>
-            </a:fld>
-            <a:endParaRPr lang="en-US"/>
-          </a:p>
-        </p:txBody>
-      </p:sp>
-    </p:spTree>
-    <p:extLst>
-      <p:ext uri="{BB962C8B-B14F-4D97-AF65-F5344CB8AC3E}">
-        <p14:creationId xmlns:p14="http://schemas.microsoft.com/office/powerpoint/2010/main" val="69380001"/>
-      </p:ext>
-    </p:extLst>
-  </p:cSld>
-  <p:clrMapOvr>
-    <a:masterClrMapping/>
-  </p:clrMapOvr>
-</p:sld>
-</file>
-
-<file path=ppt/slides/slide30.xml><?xml version="1.0" encoding="utf-8"?>
-<p:sld xmlns:a="http://schemas.openxmlformats.org/drawingml/2006/main" xmlns:r="http://schemas.openxmlformats.org/officeDocument/2006/relationships" xmlns:p="http://schemas.openxmlformats.org/presentationml/2006/main">
-  <p:cSld>
-    <p:spTree>
-      <p:nvGrpSpPr>
-        <p:cNvPr id="1" name=""/>
-        <p:cNvGrpSpPr/>
-        <p:nvPr/>
-      </p:nvGrpSpPr>
-      <p:grpSpPr>
-        <a:xfrm>
-          <a:off x="0" y="0"/>
-          <a:ext cx="0" cy="0"/>
-          <a:chOff x="0" y="0"/>
-          <a:chExt cx="0" cy="0"/>
-        </a:xfrm>
-      </p:grpSpPr>
-      <p:sp>
-        <p:nvSpPr>
-          <p:cNvPr id="2" name="Title 1">
-            <a:extLst>
-              <a:ext uri="{FF2B5EF4-FFF2-40B4-BE49-F238E27FC236}">
-                <a16:creationId xmlns:a16="http://schemas.microsoft.com/office/drawing/2014/main" id="{3356B864-AB66-67B5-034B-AF56B350267C}"/>
-              </a:ext>
-            </a:extLst>
-          </p:cNvPr>
-          <p:cNvSpPr>
-            <a:spLocks noGrp="1"/>
-          </p:cNvSpPr>
-          <p:nvPr>
-            <p:ph type="title"/>
-          </p:nvPr>
-        </p:nvSpPr>
-        <p:spPr/>
-        <p:txBody>
-          <a:bodyPr/>
-          <a:lstStyle/>
-          <a:p>
-            <a:r>
-              <a:rPr lang="en-US" dirty="0"/>
-              <a:t>Parallel Cost Semantics: Theorems</a:t>
-            </a:r>
-          </a:p>
-        </p:txBody>
-      </p:sp>
-      <p:sp>
-        <p:nvSpPr>
-          <p:cNvPr id="3" name="Content Placeholder 2">
-            <a:extLst>
-              <a:ext uri="{FF2B5EF4-FFF2-40B4-BE49-F238E27FC236}">
-                <a16:creationId xmlns:a16="http://schemas.microsoft.com/office/drawing/2014/main" id="{A45D9990-BAF0-9877-3B69-9E568EA22882}"/>
-              </a:ext>
-            </a:extLst>
-          </p:cNvPr>
-          <p:cNvSpPr>
-            <a:spLocks noGrp="1"/>
-          </p:cNvSpPr>
-          <p:nvPr>
-            <p:ph idx="1"/>
-          </p:nvPr>
-        </p:nvSpPr>
-        <p:spPr/>
-        <p:txBody>
-          <a:bodyPr/>
-          <a:lstStyle/>
-          <a:p>
-            <a:r>
-              <a:rPr lang="en-US" b="1" dirty="0"/>
-              <a:t>Theorem:</a:t>
-            </a:r>
-            <a:r>
-              <a:rPr lang="en-US" dirty="0"/>
-              <a:t> Let D be the formal derivation of judgement E  ⊢ e ↪ v ∈ (</a:t>
-            </a:r>
-            <a:r>
-              <a:rPr lang="en-US" dirty="0" err="1"/>
-              <a:t>w,d</a:t>
-            </a:r>
-            <a:r>
-              <a:rPr lang="en-US" dirty="0"/>
-              <a:t>), then the number of nodes (rule applications) in derivation D is exactly w and the height of D (number of rule applications on longest path from root to leaf) is exactly d. </a:t>
-            </a:r>
-          </a:p>
-          <a:p>
-            <a:r>
-              <a:rPr lang="en-US" b="1" dirty="0"/>
-              <a:t>Theorem:</a:t>
-            </a:r>
-            <a:r>
-              <a:rPr lang="en-US" dirty="0"/>
-              <a:t>  Let  E  ⊢ e ↦ₙ e’  denote that in environment E, program e steps to program e’ in exactly n steps of small-step sequential semantics. The theorem states that whenever  E  ⊢ e ↪ v ∈ (m, d)  holds, then  E  ⊢ e ↦ₙ e’  holds for some  </a:t>
-            </a:r>
-            <a:r>
-              <a:rPr lang="en-US" dirty="0" err="1"/>
-              <a:t>n≤m</a:t>
-            </a:r>
-            <a:r>
-              <a:rPr lang="en-US" dirty="0"/>
-              <a:t>. </a:t>
-            </a:r>
-          </a:p>
-        </p:txBody>
-      </p:sp>
-      <p:sp>
-        <p:nvSpPr>
-          <p:cNvPr id="4" name="Slide Number Placeholder 3">
-            <a:extLst>
-              <a:ext uri="{FF2B5EF4-FFF2-40B4-BE49-F238E27FC236}">
-                <a16:creationId xmlns:a16="http://schemas.microsoft.com/office/drawing/2014/main" id="{93718195-2C81-6B36-98AD-0E2D46669C98}"/>
-              </a:ext>
-            </a:extLst>
-          </p:cNvPr>
-          <p:cNvSpPr>
-            <a:spLocks noGrp="1"/>
-          </p:cNvSpPr>
-          <p:nvPr>
-            <p:ph type="sldNum" sz="quarter" idx="12"/>
-          </p:nvPr>
-        </p:nvSpPr>
-        <p:spPr/>
-        <p:txBody>
-          <a:bodyPr/>
-          <a:lstStyle/>
-          <a:p>
-            <a:fld id="{9BF27F29-4B64-4A24-936A-FF41C34C242B}" type="slidenum">
-              <a:rPr lang="en-US" smtClean="0"/>
-              <a:t>30</a:t>
-            </a:fld>
-            <a:endParaRPr lang="en-US"/>
-          </a:p>
-        </p:txBody>
-      </p:sp>
-    </p:spTree>
-    <p:extLst>
-      <p:ext uri="{BB962C8B-B14F-4D97-AF65-F5344CB8AC3E}">
-        <p14:creationId xmlns:p14="http://schemas.microsoft.com/office/powerpoint/2010/main" val="130130796"/>
-      </p:ext>
-    </p:extLst>
-  </p:cSld>
-  <p:clrMapOvr>
-    <a:masterClrMapping/>
-  </p:clrMapOvr>
-</p:sld>
-</file>
-
 <file path=ppt/slides/slide31.xml><?xml version="1.0" encoding="utf-8"?>
 <p:sld xmlns:a="http://schemas.openxmlformats.org/drawingml/2006/main" xmlns:r="http://schemas.openxmlformats.org/officeDocument/2006/relationships" xmlns:p="http://schemas.openxmlformats.org/presentationml/2006/main">
   <p:cSld>
@@ -15994,7 +16578,7 @@
           <p:cNvPr id="2" name="Title 1">
             <a:extLst>
               <a:ext uri="{FF2B5EF4-FFF2-40B4-BE49-F238E27FC236}">
-                <a16:creationId xmlns:a16="http://schemas.microsoft.com/office/drawing/2014/main" id="{1A925675-C503-CE37-D981-4A7DB11F9ECF}"/>
+                <a16:creationId xmlns:a16="http://schemas.microsoft.com/office/drawing/2014/main" id="{3356B864-AB66-67B5-034B-AF56B350267C}"/>
               </a:ext>
             </a:extLst>
           </p:cNvPr>
@@ -16012,7 +16596,7 @@
           <a:p>
             <a:r>
               <a:rPr lang="en-US" dirty="0"/>
-              <a:t>Example</a:t>
+              <a:t>Parallel Cost Semantics: Theorems</a:t>
             </a:r>
           </a:p>
         </p:txBody>
@@ -16022,7 +16606,7 @@
           <p:cNvPr id="3" name="Content Placeholder 2">
             <a:extLst>
               <a:ext uri="{FF2B5EF4-FFF2-40B4-BE49-F238E27FC236}">
-                <a16:creationId xmlns:a16="http://schemas.microsoft.com/office/drawing/2014/main" id="{8295E653-8F94-6DCA-CC15-BC1714F9599B}"/>
+                <a16:creationId xmlns:a16="http://schemas.microsoft.com/office/drawing/2014/main" id="{A45D9990-BAF0-9877-3B69-9E568EA22882}"/>
               </a:ext>
             </a:extLst>
           </p:cNvPr>
@@ -16033,89 +16617,45 @@
             <p:ph idx="1"/>
           </p:nvPr>
         </p:nvSpPr>
-        <p:spPr>
-          <a:xfrm>
-            <a:off x="1097280" y="1845734"/>
-            <a:ext cx="6278880" cy="4023360"/>
-          </a:xfrm>
-        </p:spPr>
+        <p:spPr/>
         <p:txBody>
           <a:bodyPr/>
           <a:lstStyle/>
           <a:p>
             <a:r>
-              <a:rPr lang="en-US" b="0" i="0" dirty="0">
-                <a:solidFill>
-                  <a:schemeClr val="tx1"/>
-                </a:solidFill>
-                <a:effectLst/>
-                <a:latin typeface="Source Sans Pro" panose="020B0503030403020204" pitchFamily="34" charset="0"/>
-              </a:rPr>
-              <a:t>W(pow2(0)) = 5</a:t>
-            </a:r>
-            <a:br>
-              <a:rPr lang="en-US" b="0" i="0" dirty="0">
-                <a:solidFill>
-                  <a:schemeClr val="tx1"/>
-                </a:solidFill>
-                <a:effectLst/>
-                <a:latin typeface="Source Sans Pro" panose="020B0503030403020204" pitchFamily="34" charset="0"/>
-              </a:rPr>
-            </a:br>
-            <a:r>
-              <a:rPr lang="en-US" b="0" i="0" dirty="0">
-                <a:solidFill>
-                  <a:schemeClr val="tx1"/>
-                </a:solidFill>
-                <a:effectLst/>
-                <a:latin typeface="Source Sans Pro" panose="020B0503030403020204" pitchFamily="34" charset="0"/>
-              </a:rPr>
-              <a:t>W(pow2(k)) &lt;= 23 + 2* pow2(k/2)</a:t>
-            </a:r>
-            <a:br>
-              <a:rPr lang="en-US" b="0" i="0" dirty="0">
-                <a:solidFill>
-                  <a:schemeClr val="tx1"/>
-                </a:solidFill>
-                <a:effectLst/>
-                <a:latin typeface="Source Sans Pro" panose="020B0503030403020204" pitchFamily="34" charset="0"/>
-              </a:rPr>
-            </a:br>
-            <a:r>
-              <a:rPr lang="en-US" b="0" i="0" dirty="0">
-                <a:solidFill>
-                  <a:schemeClr val="tx1"/>
-                </a:solidFill>
-                <a:effectLst/>
-                <a:latin typeface="Source Sans Pro" panose="020B0503030403020204" pitchFamily="34" charset="0"/>
-              </a:rPr>
-              <a:t>W(pow2(n)) is O(n)</a:t>
-            </a:r>
-            <a:endParaRPr lang="en-US" dirty="0"/>
-          </a:p>
-          <a:p>
-            <a:pPr marL="0" indent="0">
-              <a:buNone/>
-            </a:pPr>
-            <a:endParaRPr lang="en-US" dirty="0"/>
-          </a:p>
-          <a:p>
-            <a:pPr marL="0" indent="0">
-              <a:buNone/>
-            </a:pPr>
-            <a:endParaRPr lang="en-US" dirty="0"/>
-          </a:p>
-          <a:p>
-            <a:pPr marL="0" indent="0">
-              <a:buNone/>
-            </a:pPr>
-            <a:endParaRPr lang="en-US" dirty="0"/>
-          </a:p>
-          <a:p>
-            <a:endParaRPr lang="en-US" dirty="0"/>
-          </a:p>
-          <a:p>
-            <a:endParaRPr lang="en-US" dirty="0"/>
+              <a:rPr lang="en-US" b="1" dirty="0"/>
+              <a:t>Theorem:</a:t>
+            </a:r>
+            <a:r>
+              <a:rPr lang="en-US" dirty="0"/>
+              <a:t> Let D be the formal derivation of judgement E  ⊢ e ↪ v ∈ (</a:t>
+            </a:r>
+            <a:r>
+              <a:rPr lang="en-US" dirty="0" err="1"/>
+              <a:t>w,d</a:t>
+            </a:r>
+            <a:r>
+              <a:rPr lang="en-US" dirty="0"/>
+              <a:t>), then the number of nodes (rule applications) in derivation D is exactly w and the height of D (number of rule applications on longest path from root to leaf) is exactly d. </a:t>
+            </a:r>
+          </a:p>
+          <a:p>
+            <a:r>
+              <a:rPr lang="en-US" b="1" dirty="0"/>
+              <a:t>Theorem:</a:t>
+            </a:r>
+            <a:r>
+              <a:rPr lang="en-US" dirty="0"/>
+              <a:t>  Let  E  ⊢ e ↦ₙ e’  denote that in environment E, program e steps to program e’ in exactly n steps of small-step sequential semantics. The theorem states that whenever  E  ⊢ e ↪ v ∈ (m, d)  holds, then  E  ⊢ e ↦ₙ e’  holds for some  </a:t>
+            </a:r>
+            <a:r>
+              <a:rPr lang="en-US" dirty="0" err="1"/>
+              <a:t>n≤m</a:t>
+            </a:r>
+            <a:r>
+              <a:rPr lang="en-US" dirty="0"/>
+              <a:t>. </a:t>
+            </a:r>
           </a:p>
         </p:txBody>
       </p:sp>
@@ -16124,7 +16664,7 @@
           <p:cNvPr id="4" name="Slide Number Placeholder 3">
             <a:extLst>
               <a:ext uri="{FF2B5EF4-FFF2-40B4-BE49-F238E27FC236}">
-                <a16:creationId xmlns:a16="http://schemas.microsoft.com/office/drawing/2014/main" id="{8116D2C5-0125-7085-684F-3E58529B8085}"/>
+                <a16:creationId xmlns:a16="http://schemas.microsoft.com/office/drawing/2014/main" id="{93718195-2C81-6B36-98AD-0E2D46669C98}"/>
               </a:ext>
             </a:extLst>
           </p:cNvPr>
@@ -16148,385 +16688,10 @@
           </a:p>
         </p:txBody>
       </p:sp>
-      <p:sp>
-        <p:nvSpPr>
-          <p:cNvPr id="5" name="Content Placeholder 2">
-            <a:extLst>
-              <a:ext uri="{FF2B5EF4-FFF2-40B4-BE49-F238E27FC236}">
-                <a16:creationId xmlns:a16="http://schemas.microsoft.com/office/drawing/2014/main" id="{3AC3B5F5-68E1-510F-EFDF-50B90C0B78E0}"/>
-              </a:ext>
-            </a:extLst>
-          </p:cNvPr>
-          <p:cNvSpPr txBox="1">
-            <a:spLocks/>
-          </p:cNvSpPr>
-          <p:nvPr/>
-        </p:nvSpPr>
-        <p:spPr>
-          <a:xfrm>
-            <a:off x="6778752" y="2050318"/>
-            <a:ext cx="5560106" cy="4023360"/>
-          </a:xfrm>
-          <a:prstGeom prst="rect">
-            <a:avLst/>
-          </a:prstGeom>
-        </p:spPr>
-        <p:txBody>
-          <a:bodyPr vert="horz" lIns="0" tIns="45720" rIns="0" bIns="45720" rtlCol="0">
-            <a:normAutofit/>
-          </a:bodyPr>
-          <a:lstStyle>
-            <a:lvl1pPr marL="91440" indent="-91440" algn="l" defTabSz="914400" rtl="0" eaLnBrk="1" latinLnBrk="0" hangingPunct="1">
-              <a:lnSpc>
-                <a:spcPct val="90000"/>
-              </a:lnSpc>
-              <a:spcBef>
-                <a:spcPts val="1200"/>
-              </a:spcBef>
-              <a:spcAft>
-                <a:spcPts val="200"/>
-              </a:spcAft>
-              <a:buClr>
-                <a:schemeClr val="accent1"/>
-              </a:buClr>
-              <a:buSzPct val="100000"/>
-              <a:buFont typeface="Calibri" panose="020F0502020204030204" pitchFamily="34" charset="0"/>
-              <a:buChar char=" "/>
-              <a:defRPr sz="2800" kern="1200">
-                <a:solidFill>
-                  <a:schemeClr val="tx1">
-                    <a:lumMod val="75000"/>
-                    <a:lumOff val="25000"/>
-                  </a:schemeClr>
-                </a:solidFill>
-                <a:latin typeface="+mn-lt"/>
-                <a:ea typeface="+mn-ea"/>
-                <a:cs typeface="+mn-cs"/>
-              </a:defRPr>
-            </a:lvl1pPr>
-            <a:lvl2pPr marL="384048" indent="-182880" algn="l" defTabSz="914400" rtl="0" eaLnBrk="1" latinLnBrk="0" hangingPunct="1">
-              <a:lnSpc>
-                <a:spcPct val="90000"/>
-              </a:lnSpc>
-              <a:spcBef>
-                <a:spcPts val="200"/>
-              </a:spcBef>
-              <a:spcAft>
-                <a:spcPts val="400"/>
-              </a:spcAft>
-              <a:buClr>
-                <a:schemeClr val="accent1"/>
-              </a:buClr>
-              <a:buFont typeface="Calibri" pitchFamily="34" charset="0"/>
-              <a:buChar char="◦"/>
-              <a:defRPr sz="2400" kern="1200">
-                <a:solidFill>
-                  <a:schemeClr val="tx1">
-                    <a:lumMod val="75000"/>
-                    <a:lumOff val="25000"/>
-                  </a:schemeClr>
-                </a:solidFill>
-                <a:latin typeface="+mn-lt"/>
-                <a:ea typeface="+mn-ea"/>
-                <a:cs typeface="+mn-cs"/>
-              </a:defRPr>
-            </a:lvl2pPr>
-            <a:lvl3pPr marL="566928" indent="-182880" algn="l" defTabSz="914400" rtl="0" eaLnBrk="1" latinLnBrk="0" hangingPunct="1">
-              <a:lnSpc>
-                <a:spcPct val="90000"/>
-              </a:lnSpc>
-              <a:spcBef>
-                <a:spcPts val="200"/>
-              </a:spcBef>
-              <a:spcAft>
-                <a:spcPts val="400"/>
-              </a:spcAft>
-              <a:buClr>
-                <a:schemeClr val="accent1"/>
-              </a:buClr>
-              <a:buFont typeface="Calibri" pitchFamily="34" charset="0"/>
-              <a:buChar char="◦"/>
-              <a:defRPr sz="2200" kern="1200">
-                <a:solidFill>
-                  <a:schemeClr val="tx1">
-                    <a:lumMod val="75000"/>
-                    <a:lumOff val="25000"/>
-                  </a:schemeClr>
-                </a:solidFill>
-                <a:latin typeface="+mn-lt"/>
-                <a:ea typeface="+mn-ea"/>
-                <a:cs typeface="+mn-cs"/>
-              </a:defRPr>
-            </a:lvl3pPr>
-            <a:lvl4pPr marL="749808" indent="-182880" algn="l" defTabSz="914400" rtl="0" eaLnBrk="1" latinLnBrk="0" hangingPunct="1">
-              <a:lnSpc>
-                <a:spcPct val="90000"/>
-              </a:lnSpc>
-              <a:spcBef>
-                <a:spcPts val="200"/>
-              </a:spcBef>
-              <a:spcAft>
-                <a:spcPts val="400"/>
-              </a:spcAft>
-              <a:buClr>
-                <a:schemeClr val="accent1"/>
-              </a:buClr>
-              <a:buFont typeface="Calibri" pitchFamily="34" charset="0"/>
-              <a:buChar char="◦"/>
-              <a:defRPr sz="2000" kern="1200">
-                <a:solidFill>
-                  <a:schemeClr val="tx1">
-                    <a:lumMod val="75000"/>
-                    <a:lumOff val="25000"/>
-                  </a:schemeClr>
-                </a:solidFill>
-                <a:latin typeface="+mn-lt"/>
-                <a:ea typeface="+mn-ea"/>
-                <a:cs typeface="+mn-cs"/>
-              </a:defRPr>
-            </a:lvl4pPr>
-            <a:lvl5pPr marL="932688" indent="-182880" algn="l" defTabSz="914400" rtl="0" eaLnBrk="1" latinLnBrk="0" hangingPunct="1">
-              <a:lnSpc>
-                <a:spcPct val="90000"/>
-              </a:lnSpc>
-              <a:spcBef>
-                <a:spcPts val="200"/>
-              </a:spcBef>
-              <a:spcAft>
-                <a:spcPts val="400"/>
-              </a:spcAft>
-              <a:buClr>
-                <a:schemeClr val="accent1"/>
-              </a:buClr>
-              <a:buFont typeface="Calibri" pitchFamily="34" charset="0"/>
-              <a:buChar char="◦"/>
-              <a:defRPr sz="1800" kern="1200">
-                <a:solidFill>
-                  <a:schemeClr val="tx1">
-                    <a:lumMod val="75000"/>
-                    <a:lumOff val="25000"/>
-                  </a:schemeClr>
-                </a:solidFill>
-                <a:latin typeface="+mn-lt"/>
-                <a:ea typeface="+mn-ea"/>
-                <a:cs typeface="+mn-cs"/>
-              </a:defRPr>
-            </a:lvl5pPr>
-            <a:lvl6pPr marL="1100000" indent="-228600" algn="l" defTabSz="914400" rtl="0" eaLnBrk="1" latinLnBrk="0" hangingPunct="1">
-              <a:lnSpc>
-                <a:spcPct val="90000"/>
-              </a:lnSpc>
-              <a:spcBef>
-                <a:spcPts val="200"/>
-              </a:spcBef>
-              <a:spcAft>
-                <a:spcPts val="400"/>
-              </a:spcAft>
-              <a:buClr>
-                <a:schemeClr val="accent1"/>
-              </a:buClr>
-              <a:buFont typeface="Calibri" pitchFamily="34" charset="0"/>
-              <a:buChar char="◦"/>
-              <a:defRPr sz="1400" kern="1200">
-                <a:solidFill>
-                  <a:schemeClr val="tx1">
-                    <a:lumMod val="75000"/>
-                    <a:lumOff val="25000"/>
-                  </a:schemeClr>
-                </a:solidFill>
-                <a:latin typeface="+mn-lt"/>
-                <a:ea typeface="+mn-ea"/>
-                <a:cs typeface="+mn-cs"/>
-              </a:defRPr>
-            </a:lvl6pPr>
-            <a:lvl7pPr marL="1300000" indent="-228600" algn="l" defTabSz="914400" rtl="0" eaLnBrk="1" latinLnBrk="0" hangingPunct="1">
-              <a:lnSpc>
-                <a:spcPct val="90000"/>
-              </a:lnSpc>
-              <a:spcBef>
-                <a:spcPts val="200"/>
-              </a:spcBef>
-              <a:spcAft>
-                <a:spcPts val="400"/>
-              </a:spcAft>
-              <a:buClr>
-                <a:schemeClr val="accent1"/>
-              </a:buClr>
-              <a:buFont typeface="Calibri" pitchFamily="34" charset="0"/>
-              <a:buChar char="◦"/>
-              <a:defRPr sz="1400" kern="1200">
-                <a:solidFill>
-                  <a:schemeClr val="tx1">
-                    <a:lumMod val="75000"/>
-                    <a:lumOff val="25000"/>
-                  </a:schemeClr>
-                </a:solidFill>
-                <a:latin typeface="+mn-lt"/>
-                <a:ea typeface="+mn-ea"/>
-                <a:cs typeface="+mn-cs"/>
-              </a:defRPr>
-            </a:lvl7pPr>
-            <a:lvl8pPr marL="1500000" indent="-228600" algn="l" defTabSz="914400" rtl="0" eaLnBrk="1" latinLnBrk="0" hangingPunct="1">
-              <a:lnSpc>
-                <a:spcPct val="90000"/>
-              </a:lnSpc>
-              <a:spcBef>
-                <a:spcPts val="200"/>
-              </a:spcBef>
-              <a:spcAft>
-                <a:spcPts val="400"/>
-              </a:spcAft>
-              <a:buClr>
-                <a:schemeClr val="accent1"/>
-              </a:buClr>
-              <a:buFont typeface="Calibri" pitchFamily="34" charset="0"/>
-              <a:buChar char="◦"/>
-              <a:defRPr sz="1400" kern="1200">
-                <a:solidFill>
-                  <a:schemeClr val="tx1">
-                    <a:lumMod val="75000"/>
-                    <a:lumOff val="25000"/>
-                  </a:schemeClr>
-                </a:solidFill>
-                <a:latin typeface="+mn-lt"/>
-                <a:ea typeface="+mn-ea"/>
-                <a:cs typeface="+mn-cs"/>
-              </a:defRPr>
-            </a:lvl8pPr>
-            <a:lvl9pPr marL="1700000" indent="-228600" algn="l" defTabSz="914400" rtl="0" eaLnBrk="1" latinLnBrk="0" hangingPunct="1">
-              <a:lnSpc>
-                <a:spcPct val="90000"/>
-              </a:lnSpc>
-              <a:spcBef>
-                <a:spcPts val="200"/>
-              </a:spcBef>
-              <a:spcAft>
-                <a:spcPts val="400"/>
-              </a:spcAft>
-              <a:buClr>
-                <a:schemeClr val="accent1"/>
-              </a:buClr>
-              <a:buFont typeface="Calibri" pitchFamily="34" charset="0"/>
-              <a:buChar char="◦"/>
-              <a:defRPr sz="1400" kern="1200">
-                <a:solidFill>
-                  <a:schemeClr val="tx1">
-                    <a:lumMod val="75000"/>
-                    <a:lumOff val="25000"/>
-                  </a:schemeClr>
-                </a:solidFill>
-                <a:latin typeface="+mn-lt"/>
-                <a:ea typeface="+mn-ea"/>
-                <a:cs typeface="+mn-cs"/>
-              </a:defRPr>
-            </a:lvl9pPr>
-          </a:lstStyle>
-          <a:p>
-            <a:endParaRPr lang="en-US" dirty="0">
-              <a:latin typeface="Consolas" panose="020B0609020204030204" pitchFamily="49" charset="0"/>
-            </a:endParaRPr>
-          </a:p>
-          <a:p>
-            <a:r>
-              <a:rPr lang="en-US" dirty="0">
-                <a:latin typeface="Consolas" panose="020B0609020204030204" pitchFamily="49" charset="0"/>
-              </a:rPr>
-              <a:t>fun pow2(k) =</a:t>
-            </a:r>
-            <a:br>
-              <a:rPr lang="en-US" dirty="0">
-                <a:latin typeface="Consolas" panose="020B0609020204030204" pitchFamily="49" charset="0"/>
-              </a:rPr>
-            </a:br>
-            <a:r>
-              <a:rPr lang="en-US" dirty="0">
-                <a:latin typeface="Consolas" panose="020B0609020204030204" pitchFamily="49" charset="0"/>
-              </a:rPr>
-              <a:t>  if k = 0 { 1 }</a:t>
-            </a:r>
-            <a:br>
-              <a:rPr lang="en-US" dirty="0">
-                <a:latin typeface="Consolas" panose="020B0609020204030204" pitchFamily="49" charset="0"/>
-              </a:rPr>
-            </a:br>
-            <a:r>
-              <a:rPr lang="en-US" dirty="0">
-                <a:latin typeface="Consolas" panose="020B0609020204030204" pitchFamily="49" charset="0"/>
-              </a:rPr>
-              <a:t>  else if k % 2 = 0 {</a:t>
-            </a:r>
-            <a:br>
-              <a:rPr lang="en-US" dirty="0">
-                <a:latin typeface="Consolas" panose="020B0609020204030204" pitchFamily="49" charset="0"/>
-              </a:rPr>
-            </a:br>
-            <a:r>
-              <a:rPr lang="en-US" dirty="0">
-                <a:latin typeface="Consolas" panose="020B0609020204030204" pitchFamily="49" charset="0"/>
-              </a:rPr>
-              <a:t>    pow2(k/2) * pow2(k/2)</a:t>
-            </a:r>
-            <a:br>
-              <a:rPr lang="en-US" dirty="0">
-                <a:latin typeface="Consolas" panose="020B0609020204030204" pitchFamily="49" charset="0"/>
-              </a:rPr>
-            </a:br>
-            <a:r>
-              <a:rPr lang="en-US" dirty="0">
-                <a:latin typeface="Consolas" panose="020B0609020204030204" pitchFamily="49" charset="0"/>
-              </a:rPr>
-              <a:t>  }</a:t>
-            </a:r>
-            <a:br>
-              <a:rPr lang="en-US" dirty="0">
-                <a:latin typeface="Consolas" panose="020B0609020204030204" pitchFamily="49" charset="0"/>
-              </a:rPr>
-            </a:br>
-            <a:r>
-              <a:rPr lang="en-US" dirty="0">
-                <a:latin typeface="Consolas" panose="020B0609020204030204" pitchFamily="49" charset="0"/>
-              </a:rPr>
-              <a:t>  else </a:t>
-            </a:r>
-            <a:br>
-              <a:rPr lang="en-US" dirty="0">
-                <a:latin typeface="Consolas" panose="020B0609020204030204" pitchFamily="49" charset="0"/>
-              </a:rPr>
-            </a:br>
-            <a:r>
-              <a:rPr lang="en-US" dirty="0">
-                <a:latin typeface="Consolas" panose="020B0609020204030204" pitchFamily="49" charset="0"/>
-              </a:rPr>
-              <a:t>    2*pow2((k-1)/2)</a:t>
-            </a:r>
-            <a:br>
-              <a:rPr lang="en-US" dirty="0">
-                <a:latin typeface="Consolas" panose="020B0609020204030204" pitchFamily="49" charset="0"/>
-              </a:rPr>
-            </a:br>
-            <a:r>
-              <a:rPr lang="en-US" dirty="0">
-                <a:latin typeface="Consolas" panose="020B0609020204030204" pitchFamily="49" charset="0"/>
-              </a:rPr>
-              <a:t>     *pow2((k-1)/2)</a:t>
-            </a:r>
-          </a:p>
-          <a:p>
-            <a:endParaRPr lang="en-US" dirty="0">
-              <a:latin typeface="Consolas" panose="020B0609020204030204" pitchFamily="49" charset="0"/>
-            </a:endParaRPr>
-          </a:p>
-          <a:p>
-            <a:endParaRPr lang="en-US" dirty="0">
-              <a:latin typeface="Consolas" panose="020B0609020204030204" pitchFamily="49" charset="0"/>
-            </a:endParaRPr>
-          </a:p>
-        </p:txBody>
-      </p:sp>
     </p:spTree>
     <p:extLst>
       <p:ext uri="{BB962C8B-B14F-4D97-AF65-F5344CB8AC3E}">
-        <p14:creationId xmlns:p14="http://schemas.microsoft.com/office/powerpoint/2010/main" val="3676451578"/>
+        <p14:creationId xmlns:p14="http://schemas.microsoft.com/office/powerpoint/2010/main" val="130130796"/>
       </p:ext>
     </p:extLst>
   </p:cSld>
@@ -16667,63 +16832,6 @@
             <a:pPr marL="0" indent="0">
               <a:buNone/>
             </a:pPr>
-            <a:r>
-              <a:rPr lang="en-US" dirty="0">
-                <a:solidFill>
-                  <a:schemeClr val="tx1"/>
-                </a:solidFill>
-                <a:latin typeface="Source Sans Pro" panose="020B0503030403020204" pitchFamily="34" charset="0"/>
-              </a:rPr>
-              <a:t>D</a:t>
-            </a:r>
-            <a:r>
-              <a:rPr lang="en-US" b="0" i="0" dirty="0">
-                <a:solidFill>
-                  <a:schemeClr val="tx1"/>
-                </a:solidFill>
-                <a:effectLst/>
-                <a:latin typeface="Source Sans Pro" panose="020B0503030403020204" pitchFamily="34" charset="0"/>
-              </a:rPr>
-              <a:t>(pow2(0)) = 4</a:t>
-            </a:r>
-            <a:br>
-              <a:rPr lang="en-US" b="0" i="0" dirty="0">
-                <a:solidFill>
-                  <a:schemeClr val="tx1"/>
-                </a:solidFill>
-                <a:effectLst/>
-                <a:latin typeface="Source Sans Pro" panose="020B0503030403020204" pitchFamily="34" charset="0"/>
-              </a:rPr>
-            </a:br>
-            <a:r>
-              <a:rPr lang="en-US" b="0" i="0" dirty="0">
-                <a:solidFill>
-                  <a:schemeClr val="tx1"/>
-                </a:solidFill>
-                <a:effectLst/>
-                <a:latin typeface="Source Sans Pro" panose="020B0503030403020204" pitchFamily="34" charset="0"/>
-              </a:rPr>
-              <a:t>D(pow2(k)) &lt;= 12 + pow2(k/2)</a:t>
-            </a:r>
-            <a:br>
-              <a:rPr lang="en-US" b="0" i="0" dirty="0">
-                <a:solidFill>
-                  <a:schemeClr val="tx1"/>
-                </a:solidFill>
-                <a:effectLst/>
-                <a:latin typeface="Source Sans Pro" panose="020B0503030403020204" pitchFamily="34" charset="0"/>
-              </a:rPr>
-            </a:br>
-            <a:r>
-              <a:rPr lang="en-US" b="0" i="0" dirty="0">
-                <a:solidFill>
-                  <a:schemeClr val="tx1"/>
-                </a:solidFill>
-                <a:effectLst/>
-                <a:latin typeface="Source Sans Pro" panose="020B0503030403020204" pitchFamily="34" charset="0"/>
-              </a:rPr>
-              <a:t>D(pow2(n)) is O(log(n))</a:t>
-            </a:r>
             <a:endParaRPr lang="en-US" dirty="0"/>
           </a:p>
           <a:p>
@@ -17147,7 +17255,7 @@
     </p:spTree>
     <p:extLst>
       <p:ext uri="{BB962C8B-B14F-4D97-AF65-F5344CB8AC3E}">
-        <p14:creationId xmlns:p14="http://schemas.microsoft.com/office/powerpoint/2010/main" val="2210345270"/>
+        <p14:creationId xmlns:p14="http://schemas.microsoft.com/office/powerpoint/2010/main" val="3676451578"/>
       </p:ext>
     </p:extLst>
   </p:cSld>
@@ -17179,6 +17287,627 @@
           <p:cNvPr id="2" name="Title 1">
             <a:extLst>
               <a:ext uri="{FF2B5EF4-FFF2-40B4-BE49-F238E27FC236}">
+                <a16:creationId xmlns:a16="http://schemas.microsoft.com/office/drawing/2014/main" id="{1A925675-C503-CE37-D981-4A7DB11F9ECF}"/>
+              </a:ext>
+            </a:extLst>
+          </p:cNvPr>
+          <p:cNvSpPr>
+            <a:spLocks noGrp="1"/>
+          </p:cNvSpPr>
+          <p:nvPr>
+            <p:ph type="title"/>
+          </p:nvPr>
+        </p:nvSpPr>
+        <p:spPr/>
+        <p:txBody>
+          <a:bodyPr/>
+          <a:lstStyle/>
+          <a:p>
+            <a:r>
+              <a:rPr lang="en-US" dirty="0"/>
+              <a:t>Example</a:t>
+            </a:r>
+          </a:p>
+        </p:txBody>
+      </p:sp>
+      <p:sp>
+        <p:nvSpPr>
+          <p:cNvPr id="3" name="Content Placeholder 2">
+            <a:extLst>
+              <a:ext uri="{FF2B5EF4-FFF2-40B4-BE49-F238E27FC236}">
+                <a16:creationId xmlns:a16="http://schemas.microsoft.com/office/drawing/2014/main" id="{8295E653-8F94-6DCA-CC15-BC1714F9599B}"/>
+              </a:ext>
+            </a:extLst>
+          </p:cNvPr>
+          <p:cNvSpPr>
+            <a:spLocks noGrp="1"/>
+          </p:cNvSpPr>
+          <p:nvPr>
+            <p:ph idx="1"/>
+          </p:nvPr>
+        </p:nvSpPr>
+        <p:spPr>
+          <a:xfrm>
+            <a:off x="1097280" y="1845734"/>
+            <a:ext cx="6278880" cy="4023360"/>
+          </a:xfrm>
+        </p:spPr>
+        <p:txBody>
+          <a:bodyPr/>
+          <a:lstStyle/>
+          <a:p>
+            <a:r>
+              <a:rPr lang="en-US" b="0" i="0" dirty="0">
+                <a:solidFill>
+                  <a:schemeClr val="tx1"/>
+                </a:solidFill>
+                <a:effectLst/>
+                <a:latin typeface="Source Sans Pro" panose="020B0503030403020204" pitchFamily="34" charset="0"/>
+              </a:rPr>
+              <a:t>W(pow2(0)) = 5</a:t>
+            </a:r>
+            <a:br>
+              <a:rPr lang="en-US" b="0" i="0" dirty="0">
+                <a:solidFill>
+                  <a:schemeClr val="tx1"/>
+                </a:solidFill>
+                <a:effectLst/>
+                <a:latin typeface="Source Sans Pro" panose="020B0503030403020204" pitchFamily="34" charset="0"/>
+              </a:rPr>
+            </a:br>
+            <a:r>
+              <a:rPr lang="en-US" b="0" i="0" dirty="0">
+                <a:solidFill>
+                  <a:schemeClr val="tx1"/>
+                </a:solidFill>
+                <a:effectLst/>
+                <a:latin typeface="Source Sans Pro" panose="020B0503030403020204" pitchFamily="34" charset="0"/>
+              </a:rPr>
+              <a:t>W(pow2(k)) &lt;= 23 + 2* pow2(k/2)</a:t>
+            </a:r>
+            <a:br>
+              <a:rPr lang="en-US" b="0" i="0" dirty="0">
+                <a:solidFill>
+                  <a:schemeClr val="tx1"/>
+                </a:solidFill>
+                <a:effectLst/>
+                <a:latin typeface="Source Sans Pro" panose="020B0503030403020204" pitchFamily="34" charset="0"/>
+              </a:rPr>
+            </a:br>
+            <a:r>
+              <a:rPr lang="en-US" b="0" i="0" dirty="0">
+                <a:solidFill>
+                  <a:schemeClr val="tx1"/>
+                </a:solidFill>
+                <a:effectLst/>
+                <a:latin typeface="Source Sans Pro" panose="020B0503030403020204" pitchFamily="34" charset="0"/>
+              </a:rPr>
+              <a:t>W(pow2(n)) is O(n)</a:t>
+            </a:r>
+            <a:endParaRPr lang="en-US" dirty="0"/>
+          </a:p>
+          <a:p>
+            <a:pPr marL="0" indent="0">
+              <a:buNone/>
+            </a:pPr>
+            <a:endParaRPr lang="en-US" dirty="0"/>
+          </a:p>
+          <a:p>
+            <a:pPr marL="0" indent="0">
+              <a:buNone/>
+            </a:pPr>
+            <a:r>
+              <a:rPr lang="en-US" dirty="0">
+                <a:solidFill>
+                  <a:schemeClr val="tx1"/>
+                </a:solidFill>
+                <a:latin typeface="Source Sans Pro" panose="020B0503030403020204" pitchFamily="34" charset="0"/>
+              </a:rPr>
+              <a:t>D</a:t>
+            </a:r>
+            <a:r>
+              <a:rPr lang="en-US" b="0" i="0" dirty="0">
+                <a:solidFill>
+                  <a:schemeClr val="tx1"/>
+                </a:solidFill>
+                <a:effectLst/>
+                <a:latin typeface="Source Sans Pro" panose="020B0503030403020204" pitchFamily="34" charset="0"/>
+              </a:rPr>
+              <a:t>(pow2(0)) = 4</a:t>
+            </a:r>
+            <a:br>
+              <a:rPr lang="en-US" b="0" i="0" dirty="0">
+                <a:solidFill>
+                  <a:schemeClr val="tx1"/>
+                </a:solidFill>
+                <a:effectLst/>
+                <a:latin typeface="Source Sans Pro" panose="020B0503030403020204" pitchFamily="34" charset="0"/>
+              </a:rPr>
+            </a:br>
+            <a:r>
+              <a:rPr lang="en-US" b="0" i="0" dirty="0">
+                <a:solidFill>
+                  <a:schemeClr val="tx1"/>
+                </a:solidFill>
+                <a:effectLst/>
+                <a:latin typeface="Source Sans Pro" panose="020B0503030403020204" pitchFamily="34" charset="0"/>
+              </a:rPr>
+              <a:t>D(pow2(k)) &lt;= 12 + pow2(k/2)</a:t>
+            </a:r>
+            <a:br>
+              <a:rPr lang="en-US" b="0" i="0" dirty="0">
+                <a:solidFill>
+                  <a:schemeClr val="tx1"/>
+                </a:solidFill>
+                <a:effectLst/>
+                <a:latin typeface="Source Sans Pro" panose="020B0503030403020204" pitchFamily="34" charset="0"/>
+              </a:rPr>
+            </a:br>
+            <a:r>
+              <a:rPr lang="en-US" b="0" i="0" dirty="0">
+                <a:solidFill>
+                  <a:schemeClr val="tx1"/>
+                </a:solidFill>
+                <a:effectLst/>
+                <a:latin typeface="Source Sans Pro" panose="020B0503030403020204" pitchFamily="34" charset="0"/>
+              </a:rPr>
+              <a:t>D(pow2(n)) is O(log(n))</a:t>
+            </a:r>
+            <a:endParaRPr lang="en-US" dirty="0"/>
+          </a:p>
+          <a:p>
+            <a:pPr marL="0" indent="0">
+              <a:buNone/>
+            </a:pPr>
+            <a:endParaRPr lang="en-US" dirty="0"/>
+          </a:p>
+          <a:p>
+            <a:endParaRPr lang="en-US" dirty="0"/>
+          </a:p>
+          <a:p>
+            <a:endParaRPr lang="en-US" dirty="0"/>
+          </a:p>
+        </p:txBody>
+      </p:sp>
+      <p:sp>
+        <p:nvSpPr>
+          <p:cNvPr id="4" name="Slide Number Placeholder 3">
+            <a:extLst>
+              <a:ext uri="{FF2B5EF4-FFF2-40B4-BE49-F238E27FC236}">
+                <a16:creationId xmlns:a16="http://schemas.microsoft.com/office/drawing/2014/main" id="{8116D2C5-0125-7085-684F-3E58529B8085}"/>
+              </a:ext>
+            </a:extLst>
+          </p:cNvPr>
+          <p:cNvSpPr>
+            <a:spLocks noGrp="1"/>
+          </p:cNvSpPr>
+          <p:nvPr>
+            <p:ph type="sldNum" sz="quarter" idx="12"/>
+          </p:nvPr>
+        </p:nvSpPr>
+        <p:spPr/>
+        <p:txBody>
+          <a:bodyPr/>
+          <a:lstStyle/>
+          <a:p>
+            <a:fld id="{9BF27F29-4B64-4A24-936A-FF41C34C242B}" type="slidenum">
+              <a:rPr lang="en-US" smtClean="0"/>
+              <a:t>33</a:t>
+            </a:fld>
+            <a:endParaRPr lang="en-US"/>
+          </a:p>
+        </p:txBody>
+      </p:sp>
+      <p:sp>
+        <p:nvSpPr>
+          <p:cNvPr id="5" name="Content Placeholder 2">
+            <a:extLst>
+              <a:ext uri="{FF2B5EF4-FFF2-40B4-BE49-F238E27FC236}">
+                <a16:creationId xmlns:a16="http://schemas.microsoft.com/office/drawing/2014/main" id="{3AC3B5F5-68E1-510F-EFDF-50B90C0B78E0}"/>
+              </a:ext>
+            </a:extLst>
+          </p:cNvPr>
+          <p:cNvSpPr txBox="1">
+            <a:spLocks/>
+          </p:cNvSpPr>
+          <p:nvPr/>
+        </p:nvSpPr>
+        <p:spPr>
+          <a:xfrm>
+            <a:off x="6778752" y="2050318"/>
+            <a:ext cx="5560106" cy="4023360"/>
+          </a:xfrm>
+          <a:prstGeom prst="rect">
+            <a:avLst/>
+          </a:prstGeom>
+        </p:spPr>
+        <p:txBody>
+          <a:bodyPr vert="horz" lIns="0" tIns="45720" rIns="0" bIns="45720" rtlCol="0">
+            <a:normAutofit/>
+          </a:bodyPr>
+          <a:lstStyle>
+            <a:lvl1pPr marL="91440" indent="-91440" algn="l" defTabSz="914400" rtl="0" eaLnBrk="1" latinLnBrk="0" hangingPunct="1">
+              <a:lnSpc>
+                <a:spcPct val="90000"/>
+              </a:lnSpc>
+              <a:spcBef>
+                <a:spcPts val="1200"/>
+              </a:spcBef>
+              <a:spcAft>
+                <a:spcPts val="200"/>
+              </a:spcAft>
+              <a:buClr>
+                <a:schemeClr val="accent1"/>
+              </a:buClr>
+              <a:buSzPct val="100000"/>
+              <a:buFont typeface="Calibri" panose="020F0502020204030204" pitchFamily="34" charset="0"/>
+              <a:buChar char=" "/>
+              <a:defRPr sz="2800" kern="1200">
+                <a:solidFill>
+                  <a:schemeClr val="tx1">
+                    <a:lumMod val="75000"/>
+                    <a:lumOff val="25000"/>
+                  </a:schemeClr>
+                </a:solidFill>
+                <a:latin typeface="+mn-lt"/>
+                <a:ea typeface="+mn-ea"/>
+                <a:cs typeface="+mn-cs"/>
+              </a:defRPr>
+            </a:lvl1pPr>
+            <a:lvl2pPr marL="384048" indent="-182880" algn="l" defTabSz="914400" rtl="0" eaLnBrk="1" latinLnBrk="0" hangingPunct="1">
+              <a:lnSpc>
+                <a:spcPct val="90000"/>
+              </a:lnSpc>
+              <a:spcBef>
+                <a:spcPts val="200"/>
+              </a:spcBef>
+              <a:spcAft>
+                <a:spcPts val="400"/>
+              </a:spcAft>
+              <a:buClr>
+                <a:schemeClr val="accent1"/>
+              </a:buClr>
+              <a:buFont typeface="Calibri" pitchFamily="34" charset="0"/>
+              <a:buChar char="◦"/>
+              <a:defRPr sz="2400" kern="1200">
+                <a:solidFill>
+                  <a:schemeClr val="tx1">
+                    <a:lumMod val="75000"/>
+                    <a:lumOff val="25000"/>
+                  </a:schemeClr>
+                </a:solidFill>
+                <a:latin typeface="+mn-lt"/>
+                <a:ea typeface="+mn-ea"/>
+                <a:cs typeface="+mn-cs"/>
+              </a:defRPr>
+            </a:lvl2pPr>
+            <a:lvl3pPr marL="566928" indent="-182880" algn="l" defTabSz="914400" rtl="0" eaLnBrk="1" latinLnBrk="0" hangingPunct="1">
+              <a:lnSpc>
+                <a:spcPct val="90000"/>
+              </a:lnSpc>
+              <a:spcBef>
+                <a:spcPts val="200"/>
+              </a:spcBef>
+              <a:spcAft>
+                <a:spcPts val="400"/>
+              </a:spcAft>
+              <a:buClr>
+                <a:schemeClr val="accent1"/>
+              </a:buClr>
+              <a:buFont typeface="Calibri" pitchFamily="34" charset="0"/>
+              <a:buChar char="◦"/>
+              <a:defRPr sz="2200" kern="1200">
+                <a:solidFill>
+                  <a:schemeClr val="tx1">
+                    <a:lumMod val="75000"/>
+                    <a:lumOff val="25000"/>
+                  </a:schemeClr>
+                </a:solidFill>
+                <a:latin typeface="+mn-lt"/>
+                <a:ea typeface="+mn-ea"/>
+                <a:cs typeface="+mn-cs"/>
+              </a:defRPr>
+            </a:lvl3pPr>
+            <a:lvl4pPr marL="749808" indent="-182880" algn="l" defTabSz="914400" rtl="0" eaLnBrk="1" latinLnBrk="0" hangingPunct="1">
+              <a:lnSpc>
+                <a:spcPct val="90000"/>
+              </a:lnSpc>
+              <a:spcBef>
+                <a:spcPts val="200"/>
+              </a:spcBef>
+              <a:spcAft>
+                <a:spcPts val="400"/>
+              </a:spcAft>
+              <a:buClr>
+                <a:schemeClr val="accent1"/>
+              </a:buClr>
+              <a:buFont typeface="Calibri" pitchFamily="34" charset="0"/>
+              <a:buChar char="◦"/>
+              <a:defRPr sz="2000" kern="1200">
+                <a:solidFill>
+                  <a:schemeClr val="tx1">
+                    <a:lumMod val="75000"/>
+                    <a:lumOff val="25000"/>
+                  </a:schemeClr>
+                </a:solidFill>
+                <a:latin typeface="+mn-lt"/>
+                <a:ea typeface="+mn-ea"/>
+                <a:cs typeface="+mn-cs"/>
+              </a:defRPr>
+            </a:lvl4pPr>
+            <a:lvl5pPr marL="932688" indent="-182880" algn="l" defTabSz="914400" rtl="0" eaLnBrk="1" latinLnBrk="0" hangingPunct="1">
+              <a:lnSpc>
+                <a:spcPct val="90000"/>
+              </a:lnSpc>
+              <a:spcBef>
+                <a:spcPts val="200"/>
+              </a:spcBef>
+              <a:spcAft>
+                <a:spcPts val="400"/>
+              </a:spcAft>
+              <a:buClr>
+                <a:schemeClr val="accent1"/>
+              </a:buClr>
+              <a:buFont typeface="Calibri" pitchFamily="34" charset="0"/>
+              <a:buChar char="◦"/>
+              <a:defRPr sz="1800" kern="1200">
+                <a:solidFill>
+                  <a:schemeClr val="tx1">
+                    <a:lumMod val="75000"/>
+                    <a:lumOff val="25000"/>
+                  </a:schemeClr>
+                </a:solidFill>
+                <a:latin typeface="+mn-lt"/>
+                <a:ea typeface="+mn-ea"/>
+                <a:cs typeface="+mn-cs"/>
+              </a:defRPr>
+            </a:lvl5pPr>
+            <a:lvl6pPr marL="1100000" indent="-228600" algn="l" defTabSz="914400" rtl="0" eaLnBrk="1" latinLnBrk="0" hangingPunct="1">
+              <a:lnSpc>
+                <a:spcPct val="90000"/>
+              </a:lnSpc>
+              <a:spcBef>
+                <a:spcPts val="200"/>
+              </a:spcBef>
+              <a:spcAft>
+                <a:spcPts val="400"/>
+              </a:spcAft>
+              <a:buClr>
+                <a:schemeClr val="accent1"/>
+              </a:buClr>
+              <a:buFont typeface="Calibri" pitchFamily="34" charset="0"/>
+              <a:buChar char="◦"/>
+              <a:defRPr sz="1400" kern="1200">
+                <a:solidFill>
+                  <a:schemeClr val="tx1">
+                    <a:lumMod val="75000"/>
+                    <a:lumOff val="25000"/>
+                  </a:schemeClr>
+                </a:solidFill>
+                <a:latin typeface="+mn-lt"/>
+                <a:ea typeface="+mn-ea"/>
+                <a:cs typeface="+mn-cs"/>
+              </a:defRPr>
+            </a:lvl6pPr>
+            <a:lvl7pPr marL="1300000" indent="-228600" algn="l" defTabSz="914400" rtl="0" eaLnBrk="1" latinLnBrk="0" hangingPunct="1">
+              <a:lnSpc>
+                <a:spcPct val="90000"/>
+              </a:lnSpc>
+              <a:spcBef>
+                <a:spcPts val="200"/>
+              </a:spcBef>
+              <a:spcAft>
+                <a:spcPts val="400"/>
+              </a:spcAft>
+              <a:buClr>
+                <a:schemeClr val="accent1"/>
+              </a:buClr>
+              <a:buFont typeface="Calibri" pitchFamily="34" charset="0"/>
+              <a:buChar char="◦"/>
+              <a:defRPr sz="1400" kern="1200">
+                <a:solidFill>
+                  <a:schemeClr val="tx1">
+                    <a:lumMod val="75000"/>
+                    <a:lumOff val="25000"/>
+                  </a:schemeClr>
+                </a:solidFill>
+                <a:latin typeface="+mn-lt"/>
+                <a:ea typeface="+mn-ea"/>
+                <a:cs typeface="+mn-cs"/>
+              </a:defRPr>
+            </a:lvl7pPr>
+            <a:lvl8pPr marL="1500000" indent="-228600" algn="l" defTabSz="914400" rtl="0" eaLnBrk="1" latinLnBrk="0" hangingPunct="1">
+              <a:lnSpc>
+                <a:spcPct val="90000"/>
+              </a:lnSpc>
+              <a:spcBef>
+                <a:spcPts val="200"/>
+              </a:spcBef>
+              <a:spcAft>
+                <a:spcPts val="400"/>
+              </a:spcAft>
+              <a:buClr>
+                <a:schemeClr val="accent1"/>
+              </a:buClr>
+              <a:buFont typeface="Calibri" pitchFamily="34" charset="0"/>
+              <a:buChar char="◦"/>
+              <a:defRPr sz="1400" kern="1200">
+                <a:solidFill>
+                  <a:schemeClr val="tx1">
+                    <a:lumMod val="75000"/>
+                    <a:lumOff val="25000"/>
+                  </a:schemeClr>
+                </a:solidFill>
+                <a:latin typeface="+mn-lt"/>
+                <a:ea typeface="+mn-ea"/>
+                <a:cs typeface="+mn-cs"/>
+              </a:defRPr>
+            </a:lvl8pPr>
+            <a:lvl9pPr marL="1700000" indent="-228600" algn="l" defTabSz="914400" rtl="0" eaLnBrk="1" latinLnBrk="0" hangingPunct="1">
+              <a:lnSpc>
+                <a:spcPct val="90000"/>
+              </a:lnSpc>
+              <a:spcBef>
+                <a:spcPts val="200"/>
+              </a:spcBef>
+              <a:spcAft>
+                <a:spcPts val="400"/>
+              </a:spcAft>
+              <a:buClr>
+                <a:schemeClr val="accent1"/>
+              </a:buClr>
+              <a:buFont typeface="Calibri" pitchFamily="34" charset="0"/>
+              <a:buChar char="◦"/>
+              <a:defRPr sz="1400" kern="1200">
+                <a:solidFill>
+                  <a:schemeClr val="tx1">
+                    <a:lumMod val="75000"/>
+                    <a:lumOff val="25000"/>
+                  </a:schemeClr>
+                </a:solidFill>
+                <a:latin typeface="+mn-lt"/>
+                <a:ea typeface="+mn-ea"/>
+                <a:cs typeface="+mn-cs"/>
+              </a:defRPr>
+            </a:lvl9pPr>
+          </a:lstStyle>
+          <a:p>
+            <a:endParaRPr lang="en-US" dirty="0">
+              <a:latin typeface="Consolas" panose="020B0609020204030204" pitchFamily="49" charset="0"/>
+            </a:endParaRPr>
+          </a:p>
+          <a:p>
+            <a:r>
+              <a:rPr lang="en-US" dirty="0">
+                <a:latin typeface="Consolas" panose="020B0609020204030204" pitchFamily="49" charset="0"/>
+              </a:rPr>
+              <a:t>fun pow2(k) =</a:t>
+            </a:r>
+            <a:br>
+              <a:rPr lang="en-US" dirty="0">
+                <a:latin typeface="Consolas" panose="020B0609020204030204" pitchFamily="49" charset="0"/>
+              </a:rPr>
+            </a:br>
+            <a:r>
+              <a:rPr lang="en-US" dirty="0">
+                <a:latin typeface="Consolas" panose="020B0609020204030204" pitchFamily="49" charset="0"/>
+              </a:rPr>
+              <a:t>  if k = 0 { 1 }</a:t>
+            </a:r>
+            <a:br>
+              <a:rPr lang="en-US" dirty="0">
+                <a:latin typeface="Consolas" panose="020B0609020204030204" pitchFamily="49" charset="0"/>
+              </a:rPr>
+            </a:br>
+            <a:r>
+              <a:rPr lang="en-US" dirty="0">
+                <a:latin typeface="Consolas" panose="020B0609020204030204" pitchFamily="49" charset="0"/>
+              </a:rPr>
+              <a:t>  else if k % 2 = 0 {</a:t>
+            </a:r>
+            <a:br>
+              <a:rPr lang="en-US" dirty="0">
+                <a:latin typeface="Consolas" panose="020B0609020204030204" pitchFamily="49" charset="0"/>
+              </a:rPr>
+            </a:br>
+            <a:r>
+              <a:rPr lang="en-US" dirty="0">
+                <a:latin typeface="Consolas" panose="020B0609020204030204" pitchFamily="49" charset="0"/>
+              </a:rPr>
+              <a:t>    pow2(k/2) * pow2(k/2)</a:t>
+            </a:r>
+            <a:br>
+              <a:rPr lang="en-US" dirty="0">
+                <a:latin typeface="Consolas" panose="020B0609020204030204" pitchFamily="49" charset="0"/>
+              </a:rPr>
+            </a:br>
+            <a:r>
+              <a:rPr lang="en-US" dirty="0">
+                <a:latin typeface="Consolas" panose="020B0609020204030204" pitchFamily="49" charset="0"/>
+              </a:rPr>
+              <a:t>  }</a:t>
+            </a:r>
+            <a:br>
+              <a:rPr lang="en-US" dirty="0">
+                <a:latin typeface="Consolas" panose="020B0609020204030204" pitchFamily="49" charset="0"/>
+              </a:rPr>
+            </a:br>
+            <a:r>
+              <a:rPr lang="en-US" dirty="0">
+                <a:latin typeface="Consolas" panose="020B0609020204030204" pitchFamily="49" charset="0"/>
+              </a:rPr>
+              <a:t>  else </a:t>
+            </a:r>
+            <a:br>
+              <a:rPr lang="en-US" dirty="0">
+                <a:latin typeface="Consolas" panose="020B0609020204030204" pitchFamily="49" charset="0"/>
+              </a:rPr>
+            </a:br>
+            <a:r>
+              <a:rPr lang="en-US" dirty="0">
+                <a:latin typeface="Consolas" panose="020B0609020204030204" pitchFamily="49" charset="0"/>
+              </a:rPr>
+              <a:t>    2*pow2((k-1)/2)</a:t>
+            </a:r>
+            <a:br>
+              <a:rPr lang="en-US" dirty="0">
+                <a:latin typeface="Consolas" panose="020B0609020204030204" pitchFamily="49" charset="0"/>
+              </a:rPr>
+            </a:br>
+            <a:r>
+              <a:rPr lang="en-US" dirty="0">
+                <a:latin typeface="Consolas" panose="020B0609020204030204" pitchFamily="49" charset="0"/>
+              </a:rPr>
+              <a:t>     *pow2((k-1)/2)</a:t>
+            </a:r>
+          </a:p>
+          <a:p>
+            <a:endParaRPr lang="en-US" dirty="0">
+              <a:latin typeface="Consolas" panose="020B0609020204030204" pitchFamily="49" charset="0"/>
+            </a:endParaRPr>
+          </a:p>
+          <a:p>
+            <a:endParaRPr lang="en-US" dirty="0">
+              <a:latin typeface="Consolas" panose="020B0609020204030204" pitchFamily="49" charset="0"/>
+            </a:endParaRPr>
+          </a:p>
+        </p:txBody>
+      </p:sp>
+    </p:spTree>
+    <p:extLst>
+      <p:ext uri="{BB962C8B-B14F-4D97-AF65-F5344CB8AC3E}">
+        <p14:creationId xmlns:p14="http://schemas.microsoft.com/office/powerpoint/2010/main" val="2210345270"/>
+      </p:ext>
+    </p:extLst>
+  </p:cSld>
+  <p:clrMapOvr>
+    <a:masterClrMapping/>
+  </p:clrMapOvr>
+</p:sld>
+</file>
+
+<file path=ppt/slides/slide34.xml><?xml version="1.0" encoding="utf-8"?>
+<p:sld xmlns:a="http://schemas.openxmlformats.org/drawingml/2006/main" xmlns:r="http://schemas.openxmlformats.org/officeDocument/2006/relationships" xmlns:p="http://schemas.openxmlformats.org/presentationml/2006/main">
+  <p:cSld>
+    <p:spTree>
+      <p:nvGrpSpPr>
+        <p:cNvPr id="1" name=""/>
+        <p:cNvGrpSpPr/>
+        <p:nvPr/>
+      </p:nvGrpSpPr>
+      <p:grpSpPr>
+        <a:xfrm>
+          <a:off x="0" y="0"/>
+          <a:ext cx="0" cy="0"/>
+          <a:chOff x="0" y="0"/>
+          <a:chExt cx="0" cy="0"/>
+        </a:xfrm>
+      </p:grpSpPr>
+      <p:sp>
+        <p:nvSpPr>
+          <p:cNvPr id="2" name="Title 1">
+            <a:extLst>
+              <a:ext uri="{FF2B5EF4-FFF2-40B4-BE49-F238E27FC236}">
                 <a16:creationId xmlns:a16="http://schemas.microsoft.com/office/drawing/2014/main" id="{99A8D7F5-90FD-D443-0F42-F8A343EAEAEE}"/>
               </a:ext>
             </a:extLst>
@@ -17307,7 +18036,7 @@
           <a:p>
             <a:fld id="{9BF27F29-4B64-4A24-936A-FF41C34C242B}" type="slidenum">
               <a:rPr lang="en-US" smtClean="0"/>
-              <a:t>33</a:t>
+              <a:t>34</a:t>
             </a:fld>
             <a:endParaRPr lang="en-US"/>
           </a:p>
@@ -17348,7 +18077,7 @@
           <p:cNvPr id="2" name="Title 1">
             <a:extLst>
               <a:ext uri="{FF2B5EF4-FFF2-40B4-BE49-F238E27FC236}">
-                <a16:creationId xmlns:a16="http://schemas.microsoft.com/office/drawing/2014/main" id="{1B1FE047-EB61-A64D-BB44-F7AAEA028EEC}"/>
+                <a16:creationId xmlns:a16="http://schemas.microsoft.com/office/drawing/2014/main" id="{EAD998DA-D310-F386-86B6-4B986BE15159}"/>
               </a:ext>
             </a:extLst>
           </p:cNvPr>
@@ -17366,7 +18095,7 @@
           <a:p>
             <a:r>
               <a:rPr lang="en-US" dirty="0"/>
-              <a:t>Solution 1: Understand Performance</a:t>
+              <a:t>Motivation: The Need for Speed</a:t>
             </a:r>
           </a:p>
         </p:txBody>
@@ -17376,7 +18105,7 @@
           <p:cNvPr id="3" name="Content Placeholder 2">
             <a:extLst>
               <a:ext uri="{FF2B5EF4-FFF2-40B4-BE49-F238E27FC236}">
-                <a16:creationId xmlns:a16="http://schemas.microsoft.com/office/drawing/2014/main" id="{5C919AE3-10D5-67C4-DB2A-A5577211B7BB}"/>
+                <a16:creationId xmlns:a16="http://schemas.microsoft.com/office/drawing/2014/main" id="{A709DF30-691F-AC38-8D11-2D1B5C9A912A}"/>
               </a:ext>
             </a:extLst>
           </p:cNvPr>
@@ -17389,32 +18118,59 @@
         </p:nvSpPr>
         <p:spPr/>
         <p:txBody>
-          <a:bodyPr/>
+          <a:bodyPr>
+            <a:normAutofit lnSpcReduction="10000"/>
+          </a:bodyPr>
           <a:lstStyle/>
           <a:p>
             <a:r>
               <a:rPr lang="en-US" dirty="0"/>
-              <a:t>As programmers, we often write the cleanest correct code (good!) but do not pay close attention to performance until needed (bad)</a:t>
-            </a:r>
-          </a:p>
-          <a:p>
-            <a:r>
-              <a:rPr lang="en-US" dirty="0"/>
-              <a:t>The Theorist says: if we want to write faster code, we should start by developing a formal model of how much time (and other resources) each computation takes. Then apply model to programs.</a:t>
-            </a:r>
-          </a:p>
-          <a:p>
+              <a:t>As time goes on, the global demand for compute power grows, e.g.:</a:t>
+            </a:r>
+          </a:p>
+          <a:p>
+            <a:pPr lvl="1"/>
+            <a:r>
+              <a:rPr lang="en-US" dirty="0"/>
+              <a:t>Machine learning alone demands more electricity than many small countries and enough silicon to disrupt global supply chains</a:t>
+            </a:r>
+          </a:p>
+          <a:p>
+            <a:pPr lvl="1"/>
+            <a:r>
+              <a:rPr lang="en-US" dirty="0"/>
+              <a:t>Scientists must interpret ever-larger datasets, in domains ranging from particle physics to climate science</a:t>
+            </a:r>
+          </a:p>
+          <a:p>
+            <a:pPr lvl="1"/>
+            <a:r>
+              <a:rPr lang="en-US" dirty="0"/>
+              <a:t>End-user software innovations push limits, from productivity applications to video games</a:t>
+            </a:r>
+          </a:p>
+          <a:p>
+            <a:r>
+              <a:rPr lang="en-US" dirty="0"/>
+              <a:t>Exponential growth in CPU complexity has long helped with growing demand, but the </a:t>
+            </a:r>
             <a:r>
               <a:rPr lang="en-US" b="1" dirty="0"/>
-              <a:t>Cost semantics</a:t>
-            </a:r>
-            <a:r>
-              <a:rPr lang="en-US" dirty="0"/>
-              <a:t> is this formal model. It is a version of operational semantics which tracks the cost (e.g., in running time) of running any given computation</a:t>
-            </a:r>
-            <a:endParaRPr lang="en-US" b="1" dirty="0"/>
-          </a:p>
-          <a:p>
+              <a:t>boundaries of physics</a:t>
+            </a:r>
+            <a:r>
+              <a:rPr lang="en-US" dirty="0"/>
+              <a:t> mean growth has slowed</a:t>
+            </a:r>
+          </a:p>
+          <a:p>
+            <a:r>
+              <a:rPr lang="en-US" dirty="0"/>
+              <a:t>What to do? We explore 2 solutions</a:t>
+            </a:r>
+          </a:p>
+          <a:p>
+            <a:pPr lvl="1"/>
             <a:endParaRPr lang="en-US" dirty="0"/>
           </a:p>
         </p:txBody>
@@ -17424,7 +18180,7 @@
           <p:cNvPr id="4" name="Slide Number Placeholder 3">
             <a:extLst>
               <a:ext uri="{FF2B5EF4-FFF2-40B4-BE49-F238E27FC236}">
-                <a16:creationId xmlns:a16="http://schemas.microsoft.com/office/drawing/2014/main" id="{4FCEEF92-252C-5103-732D-1C2D86B210B9}"/>
+                <a16:creationId xmlns:a16="http://schemas.microsoft.com/office/drawing/2014/main" id="{F9007C8E-63B6-6A91-533C-CA5E64C3747B}"/>
               </a:ext>
             </a:extLst>
           </p:cNvPr>
@@ -17451,7 +18207,7 @@
     </p:spTree>
     <p:extLst>
       <p:ext uri="{BB962C8B-B14F-4D97-AF65-F5344CB8AC3E}">
-        <p14:creationId xmlns:p14="http://schemas.microsoft.com/office/powerpoint/2010/main" val="3414540306"/>
+        <p14:creationId xmlns:p14="http://schemas.microsoft.com/office/powerpoint/2010/main" val="69380001"/>
       </p:ext>
     </p:extLst>
   </p:cSld>
@@ -17501,7 +18257,7 @@
           <a:p>
             <a:r>
               <a:rPr lang="en-US" dirty="0"/>
-              <a:t>Solution 2: Parallelism</a:t>
+              <a:t>Solution 1: Understand Performance</a:t>
             </a:r>
           </a:p>
         </p:txBody>
@@ -17524,40 +18280,30 @@
         </p:nvSpPr>
         <p:spPr/>
         <p:txBody>
-          <a:bodyPr>
-            <a:normAutofit/>
-          </a:bodyPr>
+          <a:bodyPr/>
           <a:lstStyle/>
           <a:p>
             <a:r>
               <a:rPr lang="en-US" dirty="0"/>
-              <a:t>Parallelism means running code on multiple processors (core) at the same time. Parallelism is a well-established strategy for continuing to increase computing performance as complexity grows</a:t>
-            </a:r>
-          </a:p>
-          <a:p>
-            <a:r>
-              <a:rPr lang="en-US" dirty="0"/>
-              <a:t>Parallelism introduces a new challenge for correctness: coordinating execution between multiple processors. There are many programming paradigms for parallelism, and some make this much easier than others</a:t>
-            </a:r>
-          </a:p>
-          <a:p>
-            <a:r>
-              <a:rPr lang="en-US" dirty="0"/>
-              <a:t>We explore </a:t>
-            </a:r>
+              <a:t>As programmers, we often write the cleanest correct code (good!) but do not pay close attention to performance until needed (bad)</a:t>
+            </a:r>
+          </a:p>
+          <a:p>
+            <a:r>
+              <a:rPr lang="en-US" dirty="0"/>
+              <a:t>The Theorist says: if we want to write faster code, we should start by developing a formal model of how much time (and other resources) each computation takes. Then apply model to programs.</a:t>
+            </a:r>
+          </a:p>
+          <a:p>
             <a:r>
               <a:rPr lang="en-US" b="1" dirty="0"/>
-              <a:t>pure functional parallelism</a:t>
-            </a:r>
-            <a:r>
-              <a:rPr lang="en-US" dirty="0"/>
-              <a:t>, one version of parallelism with strong correctness properties. We present its </a:t>
-            </a:r>
-            <a:r>
-              <a:rPr lang="en-US" b="1" dirty="0"/>
-              <a:t>cost semantics</a:t>
-            </a:r>
-            <a:endParaRPr lang="en-US" dirty="0"/>
+              <a:t>Cost semantics</a:t>
+            </a:r>
+            <a:r>
+              <a:rPr lang="en-US" dirty="0"/>
+              <a:t> is this formal model. It is a version of operational semantics which tracks the cost (e.g., in running time) of running any given computation</a:t>
+            </a:r>
+            <a:endParaRPr lang="en-US" b="1" dirty="0"/>
           </a:p>
           <a:p>
             <a:endParaRPr lang="en-US" dirty="0"/>
@@ -17596,7 +18342,7 @@
     </p:spTree>
     <p:extLst>
       <p:ext uri="{BB962C8B-B14F-4D97-AF65-F5344CB8AC3E}">
-        <p14:creationId xmlns:p14="http://schemas.microsoft.com/office/powerpoint/2010/main" val="3174679981"/>
+        <p14:creationId xmlns:p14="http://schemas.microsoft.com/office/powerpoint/2010/main" val="3414540306"/>
       </p:ext>
     </p:extLst>
   </p:cSld>
@@ -17628,7 +18374,7 @@
           <p:cNvPr id="2" name="Title 1">
             <a:extLst>
               <a:ext uri="{FF2B5EF4-FFF2-40B4-BE49-F238E27FC236}">
-                <a16:creationId xmlns:a16="http://schemas.microsoft.com/office/drawing/2014/main" id="{86FEA3F7-8CED-9023-E497-3F45CD2E5447}"/>
+                <a16:creationId xmlns:a16="http://schemas.microsoft.com/office/drawing/2014/main" id="{1B1FE047-EB61-A64D-BB44-F7AAEA028EEC}"/>
               </a:ext>
             </a:extLst>
           </p:cNvPr>
@@ -17646,7 +18392,7 @@
           <a:p>
             <a:r>
               <a:rPr lang="en-US" dirty="0"/>
-              <a:t>Section: (Sequential) Cost Semantics</a:t>
+              <a:t>Solution 2: Parallelism</a:t>
             </a:r>
           </a:p>
         </p:txBody>
@@ -17656,7 +18402,7 @@
           <p:cNvPr id="3" name="Content Placeholder 2">
             <a:extLst>
               <a:ext uri="{FF2B5EF4-FFF2-40B4-BE49-F238E27FC236}">
-                <a16:creationId xmlns:a16="http://schemas.microsoft.com/office/drawing/2014/main" id="{86ED128C-C78A-503D-A479-8E0DA285B838}"/>
+                <a16:creationId xmlns:a16="http://schemas.microsoft.com/office/drawing/2014/main" id="{5C919AE3-10D5-67C4-DB2A-A5577211B7BB}"/>
               </a:ext>
             </a:extLst>
           </p:cNvPr>
@@ -17669,8 +18415,41 @@
         </p:nvSpPr>
         <p:spPr/>
         <p:txBody>
-          <a:bodyPr/>
+          <a:bodyPr>
+            <a:normAutofit/>
+          </a:bodyPr>
           <a:lstStyle/>
+          <a:p>
+            <a:r>
+              <a:rPr lang="en-US" dirty="0"/>
+              <a:t>Parallelism means running code on multiple processors (core) at the same time. Parallelism is a well-established strategy for continuing to increase computing performance as complexity grows</a:t>
+            </a:r>
+          </a:p>
+          <a:p>
+            <a:r>
+              <a:rPr lang="en-US" dirty="0"/>
+              <a:t>Parallelism introduces a new challenge for correctness: coordinating execution between multiple processors. There are many programming paradigms for parallelism, and some make this much easier than others</a:t>
+            </a:r>
+          </a:p>
+          <a:p>
+            <a:r>
+              <a:rPr lang="en-US" dirty="0"/>
+              <a:t>We explore </a:t>
+            </a:r>
+            <a:r>
+              <a:rPr lang="en-US" b="1" dirty="0"/>
+              <a:t>pure functional parallelism</a:t>
+            </a:r>
+            <a:r>
+              <a:rPr lang="en-US" dirty="0"/>
+              <a:t>, one version of parallelism with strong correctness properties. We present its </a:t>
+            </a:r>
+            <a:r>
+              <a:rPr lang="en-US" b="1" dirty="0"/>
+              <a:t>cost semantics</a:t>
+            </a:r>
+            <a:endParaRPr lang="en-US" dirty="0"/>
+          </a:p>
           <a:p>
             <a:endParaRPr lang="en-US" dirty="0"/>
           </a:p>
@@ -17681,7 +18460,7 @@
           <p:cNvPr id="4" name="Slide Number Placeholder 3">
             <a:extLst>
               <a:ext uri="{FF2B5EF4-FFF2-40B4-BE49-F238E27FC236}">
-                <a16:creationId xmlns:a16="http://schemas.microsoft.com/office/drawing/2014/main" id="{ED090E3D-F937-4B35-99E6-9377ECBBFE53}"/>
+                <a16:creationId xmlns:a16="http://schemas.microsoft.com/office/drawing/2014/main" id="{4FCEEF92-252C-5103-732D-1C2D86B210B9}"/>
               </a:ext>
             </a:extLst>
           </p:cNvPr>
@@ -17708,7 +18487,7 @@
     </p:spTree>
     <p:extLst>
       <p:ext uri="{BB962C8B-B14F-4D97-AF65-F5344CB8AC3E}">
-        <p14:creationId xmlns:p14="http://schemas.microsoft.com/office/powerpoint/2010/main" val="990819527"/>
+        <p14:creationId xmlns:p14="http://schemas.microsoft.com/office/powerpoint/2010/main" val="3174679981"/>
       </p:ext>
     </p:extLst>
   </p:cSld>
@@ -17758,7 +18537,7 @@
           <a:p>
             <a:r>
               <a:rPr lang="en-US" dirty="0"/>
-              <a:t>Code Examples: Exponentiation</a:t>
+              <a:t>Section: (Sequential) Cost Semantics</a:t>
             </a:r>
           </a:p>
         </p:txBody>
@@ -17779,71 +18558,12 @@
             <p:ph idx="1"/>
           </p:nvPr>
         </p:nvSpPr>
-        <p:spPr>
-          <a:xfrm>
-            <a:off x="1097280" y="1845734"/>
-            <a:ext cx="4876800" cy="1080346"/>
-          </a:xfrm>
-        </p:spPr>
-        <p:txBody>
-          <a:bodyPr>
-            <a:normAutofit fontScale="92500" lnSpcReduction="10000"/>
-          </a:bodyPr>
+        <p:spPr/>
+        <p:txBody>
+          <a:bodyPr/>
           <a:lstStyle/>
           <a:p>
-            <a:r>
-              <a:rPr lang="en-US" dirty="0">
-                <a:latin typeface="Consolas" panose="020B0609020204030204" pitchFamily="49" charset="0"/>
-              </a:rPr>
-              <a:t>fun pow(</a:t>
-            </a:r>
-            <a:r>
-              <a:rPr lang="en-US" dirty="0" err="1">
-                <a:latin typeface="Consolas" panose="020B0609020204030204" pitchFamily="49" charset="0"/>
-              </a:rPr>
-              <a:t>n,k</a:t>
-            </a:r>
-            <a:r>
-              <a:rPr lang="en-US" dirty="0">
-                <a:latin typeface="Consolas" panose="020B0609020204030204" pitchFamily="49" charset="0"/>
-              </a:rPr>
-              <a:t>) =</a:t>
-            </a:r>
-            <a:br>
-              <a:rPr lang="en-US" dirty="0">
-                <a:latin typeface="Consolas" panose="020B0609020204030204" pitchFamily="49" charset="0"/>
-              </a:rPr>
-            </a:br>
-            <a:r>
-              <a:rPr lang="en-US" dirty="0">
-                <a:latin typeface="Consolas" panose="020B0609020204030204" pitchFamily="49" charset="0"/>
-              </a:rPr>
-              <a:t>  if k = 0 { 1 }</a:t>
-            </a:r>
-            <a:br>
-              <a:rPr lang="en-US" dirty="0">
-                <a:latin typeface="Consolas" panose="020B0609020204030204" pitchFamily="49" charset="0"/>
-              </a:rPr>
-            </a:br>
-            <a:r>
-              <a:rPr lang="en-US" dirty="0">
-                <a:latin typeface="Consolas" panose="020B0609020204030204" pitchFamily="49" charset="0"/>
-              </a:rPr>
-              <a:t>  else n*pow(n,k-1)</a:t>
-            </a:r>
-          </a:p>
-          <a:p>
-            <a:pPr marL="0" indent="0">
-              <a:buNone/>
-            </a:pPr>
-            <a:endParaRPr lang="en-US" dirty="0">
-              <a:latin typeface="Consolas" panose="020B0609020204030204" pitchFamily="49" charset="0"/>
-            </a:endParaRPr>
-          </a:p>
-          <a:p>
-            <a:endParaRPr lang="en-US" dirty="0">
-              <a:latin typeface="Consolas" panose="020B0609020204030204" pitchFamily="49" charset="0"/>
-            </a:endParaRPr>
+            <a:endParaRPr lang="en-US" dirty="0"/>
           </a:p>
         </p:txBody>
       </p:sp>
@@ -17879,7 +18599,7 @@
     </p:spTree>
     <p:extLst>
       <p:ext uri="{BB962C8B-B14F-4D97-AF65-F5344CB8AC3E}">
-        <p14:creationId xmlns:p14="http://schemas.microsoft.com/office/powerpoint/2010/main" val="1142459733"/>
+        <p14:creationId xmlns:p14="http://schemas.microsoft.com/office/powerpoint/2010/main" val="990819527"/>
       </p:ext>
     </p:extLst>
   </p:cSld>
@@ -17953,7 +18673,7 @@
         <p:spPr>
           <a:xfrm>
             <a:off x="1097280" y="1845734"/>
-            <a:ext cx="4876800" cy="4023360"/>
+            <a:ext cx="4876800" cy="1080346"/>
           </a:xfrm>
         </p:spPr>
         <p:txBody>
@@ -18004,91 +18724,9 @@
             </a:r>
           </a:p>
           <a:p>
-            <a:r>
-              <a:rPr lang="en-US" dirty="0">
-                <a:latin typeface="Consolas" panose="020B0609020204030204" pitchFamily="49" charset="0"/>
-              </a:rPr>
-              <a:t>fun pow2(k) =</a:t>
-            </a:r>
-            <a:br>
-              <a:rPr lang="en-US" dirty="0">
-                <a:latin typeface="Consolas" panose="020B0609020204030204" pitchFamily="49" charset="0"/>
-              </a:rPr>
-            </a:br>
-            <a:r>
-              <a:rPr lang="en-US" dirty="0">
-                <a:latin typeface="Consolas" panose="020B0609020204030204" pitchFamily="49" charset="0"/>
-              </a:rPr>
-              <a:t>  if k = 0 { 1 }</a:t>
-            </a:r>
-            <a:br>
-              <a:rPr lang="en-US" dirty="0">
-                <a:latin typeface="Consolas" panose="020B0609020204030204" pitchFamily="49" charset="0"/>
-              </a:rPr>
-            </a:br>
-            <a:r>
-              <a:rPr lang="en-US" dirty="0">
-                <a:latin typeface="Consolas" panose="020B0609020204030204" pitchFamily="49" charset="0"/>
-              </a:rPr>
-              <a:t>  else if k % 2 = 0 {</a:t>
-            </a:r>
-            <a:br>
-              <a:rPr lang="en-US" dirty="0">
-                <a:latin typeface="Consolas" panose="020B0609020204030204" pitchFamily="49" charset="0"/>
-              </a:rPr>
-            </a:br>
-            <a:r>
-              <a:rPr lang="en-US" dirty="0">
-                <a:latin typeface="Consolas" panose="020B0609020204030204" pitchFamily="49" charset="0"/>
-              </a:rPr>
-              <a:t>    pow2(k/2) * pow2(k/2)</a:t>
-            </a:r>
-            <a:br>
-              <a:rPr lang="en-US" dirty="0">
-                <a:latin typeface="Consolas" panose="020B0609020204030204" pitchFamily="49" charset="0"/>
-              </a:rPr>
-            </a:br>
-            <a:r>
-              <a:rPr lang="en-US" dirty="0">
-                <a:latin typeface="Consolas" panose="020B0609020204030204" pitchFamily="49" charset="0"/>
-              </a:rPr>
-              <a:t>  }</a:t>
-            </a:r>
-            <a:br>
-              <a:rPr lang="en-US" dirty="0">
-                <a:latin typeface="Consolas" panose="020B0609020204030204" pitchFamily="49" charset="0"/>
-              </a:rPr>
-            </a:br>
-            <a:r>
-              <a:rPr lang="en-US" dirty="0">
-                <a:latin typeface="Consolas" panose="020B0609020204030204" pitchFamily="49" charset="0"/>
-              </a:rPr>
-              <a:t>  else </a:t>
-            </a:r>
-            <a:br>
-              <a:rPr lang="en-US" dirty="0">
-                <a:latin typeface="Consolas" panose="020B0609020204030204" pitchFamily="49" charset="0"/>
-              </a:rPr>
-            </a:br>
-            <a:r>
-              <a:rPr lang="en-US" dirty="0">
-                <a:latin typeface="Consolas" panose="020B0609020204030204" pitchFamily="49" charset="0"/>
-              </a:rPr>
-              <a:t>    2*pow2((k-1)/2)</a:t>
-            </a:r>
-            <a:br>
-              <a:rPr lang="en-US" dirty="0">
-                <a:latin typeface="Consolas" panose="020B0609020204030204" pitchFamily="49" charset="0"/>
-              </a:rPr>
-            </a:br>
-            <a:r>
-              <a:rPr lang="en-US" dirty="0">
-                <a:latin typeface="Consolas" panose="020B0609020204030204" pitchFamily="49" charset="0"/>
-              </a:rPr>
-              <a:t>     *pow2((k-1)/2)</a:t>
-            </a:r>
-          </a:p>
-          <a:p>
+            <a:pPr marL="0" indent="0">
+              <a:buNone/>
+            </a:pPr>
             <a:endParaRPr lang="en-US" dirty="0">
               <a:latin typeface="Consolas" panose="020B0609020204030204" pitchFamily="49" charset="0"/>
             </a:endParaRPr>
@@ -18132,7 +18770,7 @@
     </p:spTree>
     <p:extLst>
       <p:ext uri="{BB962C8B-B14F-4D97-AF65-F5344CB8AC3E}">
-        <p14:creationId xmlns:p14="http://schemas.microsoft.com/office/powerpoint/2010/main" val="2900623171"/>
+        <p14:creationId xmlns:p14="http://schemas.microsoft.com/office/powerpoint/2010/main" val="1142459733"/>
       </p:ext>
     </p:extLst>
   </p:cSld>
@@ -18382,509 +19020,10 @@
           </a:p>
         </p:txBody>
       </p:sp>
-      <p:sp>
-        <p:nvSpPr>
-          <p:cNvPr id="5" name="Content Placeholder 2">
-            <a:extLst>
-              <a:ext uri="{FF2B5EF4-FFF2-40B4-BE49-F238E27FC236}">
-                <a16:creationId xmlns:a16="http://schemas.microsoft.com/office/drawing/2014/main" id="{A2EE96F5-8649-EB30-344F-CECCEC7203AC}"/>
-              </a:ext>
-            </a:extLst>
-          </p:cNvPr>
-          <p:cNvSpPr txBox="1">
-            <a:spLocks/>
-          </p:cNvSpPr>
-          <p:nvPr/>
-        </p:nvSpPr>
-        <p:spPr>
-          <a:xfrm>
-            <a:off x="5974080" y="1856572"/>
-            <a:ext cx="4876800" cy="4023360"/>
-          </a:xfrm>
-          <a:prstGeom prst="rect">
-            <a:avLst/>
-          </a:prstGeom>
-        </p:spPr>
-        <p:txBody>
-          <a:bodyPr vert="horz" lIns="0" tIns="45720" rIns="0" bIns="45720" rtlCol="0">
-            <a:normAutofit/>
-          </a:bodyPr>
-          <a:lstStyle>
-            <a:lvl1pPr marL="91440" indent="-91440" algn="l" defTabSz="914400" rtl="0" eaLnBrk="1" latinLnBrk="0" hangingPunct="1">
-              <a:lnSpc>
-                <a:spcPct val="90000"/>
-              </a:lnSpc>
-              <a:spcBef>
-                <a:spcPts val="1200"/>
-              </a:spcBef>
-              <a:spcAft>
-                <a:spcPts val="200"/>
-              </a:spcAft>
-              <a:buClr>
-                <a:schemeClr val="accent1"/>
-              </a:buClr>
-              <a:buSzPct val="100000"/>
-              <a:buFont typeface="Calibri" panose="020F0502020204030204" pitchFamily="34" charset="0"/>
-              <a:buChar char=" "/>
-              <a:defRPr sz="2800" kern="1200">
-                <a:solidFill>
-                  <a:schemeClr val="tx1">
-                    <a:lumMod val="75000"/>
-                    <a:lumOff val="25000"/>
-                  </a:schemeClr>
-                </a:solidFill>
-                <a:latin typeface="+mn-lt"/>
-                <a:ea typeface="+mn-ea"/>
-                <a:cs typeface="+mn-cs"/>
-              </a:defRPr>
-            </a:lvl1pPr>
-            <a:lvl2pPr marL="384048" indent="-182880" algn="l" defTabSz="914400" rtl="0" eaLnBrk="1" latinLnBrk="0" hangingPunct="1">
-              <a:lnSpc>
-                <a:spcPct val="90000"/>
-              </a:lnSpc>
-              <a:spcBef>
-                <a:spcPts val="200"/>
-              </a:spcBef>
-              <a:spcAft>
-                <a:spcPts val="400"/>
-              </a:spcAft>
-              <a:buClr>
-                <a:schemeClr val="accent1"/>
-              </a:buClr>
-              <a:buFont typeface="Calibri" pitchFamily="34" charset="0"/>
-              <a:buChar char="◦"/>
-              <a:defRPr sz="2400" kern="1200">
-                <a:solidFill>
-                  <a:schemeClr val="tx1">
-                    <a:lumMod val="75000"/>
-                    <a:lumOff val="25000"/>
-                  </a:schemeClr>
-                </a:solidFill>
-                <a:latin typeface="+mn-lt"/>
-                <a:ea typeface="+mn-ea"/>
-                <a:cs typeface="+mn-cs"/>
-              </a:defRPr>
-            </a:lvl2pPr>
-            <a:lvl3pPr marL="566928" indent="-182880" algn="l" defTabSz="914400" rtl="0" eaLnBrk="1" latinLnBrk="0" hangingPunct="1">
-              <a:lnSpc>
-                <a:spcPct val="90000"/>
-              </a:lnSpc>
-              <a:spcBef>
-                <a:spcPts val="200"/>
-              </a:spcBef>
-              <a:spcAft>
-                <a:spcPts val="400"/>
-              </a:spcAft>
-              <a:buClr>
-                <a:schemeClr val="accent1"/>
-              </a:buClr>
-              <a:buFont typeface="Calibri" pitchFamily="34" charset="0"/>
-              <a:buChar char="◦"/>
-              <a:defRPr sz="2200" kern="1200">
-                <a:solidFill>
-                  <a:schemeClr val="tx1">
-                    <a:lumMod val="75000"/>
-                    <a:lumOff val="25000"/>
-                  </a:schemeClr>
-                </a:solidFill>
-                <a:latin typeface="+mn-lt"/>
-                <a:ea typeface="+mn-ea"/>
-                <a:cs typeface="+mn-cs"/>
-              </a:defRPr>
-            </a:lvl3pPr>
-            <a:lvl4pPr marL="749808" indent="-182880" algn="l" defTabSz="914400" rtl="0" eaLnBrk="1" latinLnBrk="0" hangingPunct="1">
-              <a:lnSpc>
-                <a:spcPct val="90000"/>
-              </a:lnSpc>
-              <a:spcBef>
-                <a:spcPts val="200"/>
-              </a:spcBef>
-              <a:spcAft>
-                <a:spcPts val="400"/>
-              </a:spcAft>
-              <a:buClr>
-                <a:schemeClr val="accent1"/>
-              </a:buClr>
-              <a:buFont typeface="Calibri" pitchFamily="34" charset="0"/>
-              <a:buChar char="◦"/>
-              <a:defRPr sz="2000" kern="1200">
-                <a:solidFill>
-                  <a:schemeClr val="tx1">
-                    <a:lumMod val="75000"/>
-                    <a:lumOff val="25000"/>
-                  </a:schemeClr>
-                </a:solidFill>
-                <a:latin typeface="+mn-lt"/>
-                <a:ea typeface="+mn-ea"/>
-                <a:cs typeface="+mn-cs"/>
-              </a:defRPr>
-            </a:lvl4pPr>
-            <a:lvl5pPr marL="932688" indent="-182880" algn="l" defTabSz="914400" rtl="0" eaLnBrk="1" latinLnBrk="0" hangingPunct="1">
-              <a:lnSpc>
-                <a:spcPct val="90000"/>
-              </a:lnSpc>
-              <a:spcBef>
-                <a:spcPts val="200"/>
-              </a:spcBef>
-              <a:spcAft>
-                <a:spcPts val="400"/>
-              </a:spcAft>
-              <a:buClr>
-                <a:schemeClr val="accent1"/>
-              </a:buClr>
-              <a:buFont typeface="Calibri" pitchFamily="34" charset="0"/>
-              <a:buChar char="◦"/>
-              <a:defRPr sz="1800" kern="1200">
-                <a:solidFill>
-                  <a:schemeClr val="tx1">
-                    <a:lumMod val="75000"/>
-                    <a:lumOff val="25000"/>
-                  </a:schemeClr>
-                </a:solidFill>
-                <a:latin typeface="+mn-lt"/>
-                <a:ea typeface="+mn-ea"/>
-                <a:cs typeface="+mn-cs"/>
-              </a:defRPr>
-            </a:lvl5pPr>
-            <a:lvl6pPr marL="1100000" indent="-228600" algn="l" defTabSz="914400" rtl="0" eaLnBrk="1" latinLnBrk="0" hangingPunct="1">
-              <a:lnSpc>
-                <a:spcPct val="90000"/>
-              </a:lnSpc>
-              <a:spcBef>
-                <a:spcPts val="200"/>
-              </a:spcBef>
-              <a:spcAft>
-                <a:spcPts val="400"/>
-              </a:spcAft>
-              <a:buClr>
-                <a:schemeClr val="accent1"/>
-              </a:buClr>
-              <a:buFont typeface="Calibri" pitchFamily="34" charset="0"/>
-              <a:buChar char="◦"/>
-              <a:defRPr sz="1400" kern="1200">
-                <a:solidFill>
-                  <a:schemeClr val="tx1">
-                    <a:lumMod val="75000"/>
-                    <a:lumOff val="25000"/>
-                  </a:schemeClr>
-                </a:solidFill>
-                <a:latin typeface="+mn-lt"/>
-                <a:ea typeface="+mn-ea"/>
-                <a:cs typeface="+mn-cs"/>
-              </a:defRPr>
-            </a:lvl6pPr>
-            <a:lvl7pPr marL="1300000" indent="-228600" algn="l" defTabSz="914400" rtl="0" eaLnBrk="1" latinLnBrk="0" hangingPunct="1">
-              <a:lnSpc>
-                <a:spcPct val="90000"/>
-              </a:lnSpc>
-              <a:spcBef>
-                <a:spcPts val="200"/>
-              </a:spcBef>
-              <a:spcAft>
-                <a:spcPts val="400"/>
-              </a:spcAft>
-              <a:buClr>
-                <a:schemeClr val="accent1"/>
-              </a:buClr>
-              <a:buFont typeface="Calibri" pitchFamily="34" charset="0"/>
-              <a:buChar char="◦"/>
-              <a:defRPr sz="1400" kern="1200">
-                <a:solidFill>
-                  <a:schemeClr val="tx1">
-                    <a:lumMod val="75000"/>
-                    <a:lumOff val="25000"/>
-                  </a:schemeClr>
-                </a:solidFill>
-                <a:latin typeface="+mn-lt"/>
-                <a:ea typeface="+mn-ea"/>
-                <a:cs typeface="+mn-cs"/>
-              </a:defRPr>
-            </a:lvl7pPr>
-            <a:lvl8pPr marL="1500000" indent="-228600" algn="l" defTabSz="914400" rtl="0" eaLnBrk="1" latinLnBrk="0" hangingPunct="1">
-              <a:lnSpc>
-                <a:spcPct val="90000"/>
-              </a:lnSpc>
-              <a:spcBef>
-                <a:spcPts val="200"/>
-              </a:spcBef>
-              <a:spcAft>
-                <a:spcPts val="400"/>
-              </a:spcAft>
-              <a:buClr>
-                <a:schemeClr val="accent1"/>
-              </a:buClr>
-              <a:buFont typeface="Calibri" pitchFamily="34" charset="0"/>
-              <a:buChar char="◦"/>
-              <a:defRPr sz="1400" kern="1200">
-                <a:solidFill>
-                  <a:schemeClr val="tx1">
-                    <a:lumMod val="75000"/>
-                    <a:lumOff val="25000"/>
-                  </a:schemeClr>
-                </a:solidFill>
-                <a:latin typeface="+mn-lt"/>
-                <a:ea typeface="+mn-ea"/>
-                <a:cs typeface="+mn-cs"/>
-              </a:defRPr>
-            </a:lvl8pPr>
-            <a:lvl9pPr marL="1700000" indent="-228600" algn="l" defTabSz="914400" rtl="0" eaLnBrk="1" latinLnBrk="0" hangingPunct="1">
-              <a:lnSpc>
-                <a:spcPct val="90000"/>
-              </a:lnSpc>
-              <a:spcBef>
-                <a:spcPts val="200"/>
-              </a:spcBef>
-              <a:spcAft>
-                <a:spcPts val="400"/>
-              </a:spcAft>
-              <a:buClr>
-                <a:schemeClr val="accent1"/>
-              </a:buClr>
-              <a:buFont typeface="Calibri" pitchFamily="34" charset="0"/>
-              <a:buChar char="◦"/>
-              <a:defRPr sz="1400" kern="1200">
-                <a:solidFill>
-                  <a:schemeClr val="tx1">
-                    <a:lumMod val="75000"/>
-                    <a:lumOff val="25000"/>
-                  </a:schemeClr>
-                </a:solidFill>
-                <a:latin typeface="+mn-lt"/>
-                <a:ea typeface="+mn-ea"/>
-                <a:cs typeface="+mn-cs"/>
-              </a:defRPr>
-            </a:lvl9pPr>
-          </a:lstStyle>
-          <a:p>
-            <a:pPr marL="0" indent="0">
-              <a:buNone/>
-            </a:pPr>
-            <a:r>
-              <a:rPr lang="en-US" dirty="0">
-                <a:latin typeface="Consolas" panose="020B0609020204030204" pitchFamily="49" charset="0"/>
-              </a:rPr>
-              <a:t>fun </a:t>
-            </a:r>
-            <a:r>
-              <a:rPr lang="en-US" dirty="0" err="1">
-                <a:latin typeface="Consolas" panose="020B0609020204030204" pitchFamily="49" charset="0"/>
-              </a:rPr>
-              <a:t>powK</a:t>
-            </a:r>
-            <a:r>
-              <a:rPr lang="en-US" dirty="0">
-                <a:latin typeface="Consolas" panose="020B0609020204030204" pitchFamily="49" charset="0"/>
-              </a:rPr>
-              <a:t>(</a:t>
-            </a:r>
-            <a:r>
-              <a:rPr lang="en-US" dirty="0" err="1">
-                <a:latin typeface="Consolas" panose="020B0609020204030204" pitchFamily="49" charset="0"/>
-              </a:rPr>
-              <a:t>n,k</a:t>
-            </a:r>
-            <a:r>
-              <a:rPr lang="en-US" dirty="0">
-                <a:latin typeface="Consolas" panose="020B0609020204030204" pitchFamily="49" charset="0"/>
-              </a:rPr>
-              <a:t>) =</a:t>
-            </a:r>
-            <a:br>
-              <a:rPr lang="en-US" dirty="0">
-                <a:latin typeface="Consolas" panose="020B0609020204030204" pitchFamily="49" charset="0"/>
-              </a:rPr>
-            </a:br>
-            <a:r>
-              <a:rPr lang="en-US" dirty="0">
-                <a:latin typeface="Consolas" panose="020B0609020204030204" pitchFamily="49" charset="0"/>
-              </a:rPr>
-              <a:t> if k&lt;=n pow(</a:t>
-            </a:r>
-            <a:r>
-              <a:rPr lang="en-US" dirty="0" err="1">
-                <a:latin typeface="Consolas" panose="020B0609020204030204" pitchFamily="49" charset="0"/>
-              </a:rPr>
-              <a:t>n,k</a:t>
-            </a:r>
-            <a:r>
-              <a:rPr lang="en-US" dirty="0">
-                <a:latin typeface="Consolas" panose="020B0609020204030204" pitchFamily="49" charset="0"/>
-              </a:rPr>
-              <a:t>)</a:t>
-            </a:r>
-            <a:br>
-              <a:rPr lang="en-US" dirty="0">
-                <a:latin typeface="Consolas" panose="020B0609020204030204" pitchFamily="49" charset="0"/>
-              </a:rPr>
-            </a:br>
-            <a:r>
-              <a:rPr lang="en-US" dirty="0">
-                <a:latin typeface="Consolas" panose="020B0609020204030204" pitchFamily="49" charset="0"/>
-              </a:rPr>
-              <a:t> else {</a:t>
-            </a:r>
-            <a:br>
-              <a:rPr lang="en-US" dirty="0">
-                <a:latin typeface="Consolas" panose="020B0609020204030204" pitchFamily="49" charset="0"/>
-              </a:rPr>
-            </a:br>
-            <a:r>
-              <a:rPr lang="en-US" dirty="0">
-                <a:latin typeface="Consolas" panose="020B0609020204030204" pitchFamily="49" charset="0"/>
-              </a:rPr>
-              <a:t>  let (</a:t>
-            </a:r>
-            <a:r>
-              <a:rPr lang="en-US" dirty="0" err="1">
-                <a:latin typeface="Consolas" panose="020B0609020204030204" pitchFamily="49" charset="0"/>
-              </a:rPr>
-              <a:t>a,b</a:t>
-            </a:r>
-            <a:r>
-              <a:rPr lang="en-US" dirty="0">
-                <a:latin typeface="Consolas" panose="020B0609020204030204" pitchFamily="49" charset="0"/>
-              </a:rPr>
-              <a:t>)=(</a:t>
-            </a:r>
-            <a:r>
-              <a:rPr lang="en-US" dirty="0" err="1">
-                <a:latin typeface="Consolas" panose="020B0609020204030204" pitchFamily="49" charset="0"/>
-              </a:rPr>
-              <a:t>k%n,k</a:t>
-            </a:r>
-            <a:r>
-              <a:rPr lang="en-US" dirty="0">
-                <a:latin typeface="Consolas" panose="020B0609020204030204" pitchFamily="49" charset="0"/>
-              </a:rPr>
-              <a:t>/n)</a:t>
-            </a:r>
-            <a:br>
-              <a:rPr lang="en-US" dirty="0">
-                <a:latin typeface="Consolas" panose="020B0609020204030204" pitchFamily="49" charset="0"/>
-              </a:rPr>
-            </a:br>
-            <a:r>
-              <a:rPr lang="en-US" dirty="0">
-                <a:latin typeface="Consolas" panose="020B0609020204030204" pitchFamily="49" charset="0"/>
-              </a:rPr>
-              <a:t>   </a:t>
-            </a:r>
-            <a:r>
-              <a:rPr lang="en-US" dirty="0" err="1">
-                <a:latin typeface="Consolas" panose="020B0609020204030204" pitchFamily="49" charset="0"/>
-              </a:rPr>
-              <a:t>powK</a:t>
-            </a:r>
-            <a:r>
-              <a:rPr lang="en-US" dirty="0">
-                <a:latin typeface="Consolas" panose="020B0609020204030204" pitchFamily="49" charset="0"/>
-              </a:rPr>
-              <a:t>(</a:t>
-            </a:r>
-            <a:r>
-              <a:rPr lang="en-US" dirty="0" err="1">
-                <a:latin typeface="Consolas" panose="020B0609020204030204" pitchFamily="49" charset="0"/>
-              </a:rPr>
-              <a:t>n,a</a:t>
-            </a:r>
-            <a:r>
-              <a:rPr lang="en-US" dirty="0">
-                <a:latin typeface="Consolas" panose="020B0609020204030204" pitchFamily="49" charset="0"/>
-              </a:rPr>
-              <a:t>)</a:t>
-            </a:r>
-            <a:br>
-              <a:rPr lang="en-US" dirty="0">
-                <a:latin typeface="Consolas" panose="020B0609020204030204" pitchFamily="49" charset="0"/>
-              </a:rPr>
-            </a:br>
-            <a:r>
-              <a:rPr lang="en-US" dirty="0">
-                <a:latin typeface="Consolas" panose="020B0609020204030204" pitchFamily="49" charset="0"/>
-              </a:rPr>
-              <a:t>  *</a:t>
-            </a:r>
-            <a:r>
-              <a:rPr lang="en-US" dirty="0" err="1">
-                <a:latin typeface="Consolas" panose="020B0609020204030204" pitchFamily="49" charset="0"/>
-              </a:rPr>
-              <a:t>powK</a:t>
-            </a:r>
-            <a:r>
-              <a:rPr lang="en-US" dirty="0">
-                <a:latin typeface="Consolas" panose="020B0609020204030204" pitchFamily="49" charset="0"/>
-              </a:rPr>
-              <a:t>(</a:t>
-            </a:r>
-            <a:r>
-              <a:rPr lang="en-US" dirty="0" err="1">
-                <a:latin typeface="Consolas" panose="020B0609020204030204" pitchFamily="49" charset="0"/>
-              </a:rPr>
-              <a:t>powK</a:t>
-            </a:r>
-            <a:r>
-              <a:rPr lang="en-US" dirty="0">
-                <a:latin typeface="Consolas" panose="020B0609020204030204" pitchFamily="49" charset="0"/>
-              </a:rPr>
-              <a:t>(</a:t>
-            </a:r>
-            <a:r>
-              <a:rPr lang="en-US" dirty="0" err="1">
-                <a:latin typeface="Consolas" panose="020B0609020204030204" pitchFamily="49" charset="0"/>
-              </a:rPr>
-              <a:t>n,b</a:t>
-            </a:r>
-            <a:r>
-              <a:rPr lang="en-US" dirty="0">
-                <a:latin typeface="Consolas" panose="020B0609020204030204" pitchFamily="49" charset="0"/>
-              </a:rPr>
-              <a:t>),n)</a:t>
-            </a:r>
-            <a:br>
-              <a:rPr lang="en-US" dirty="0">
-                <a:latin typeface="Consolas" panose="020B0609020204030204" pitchFamily="49" charset="0"/>
-              </a:rPr>
-            </a:br>
-            <a:r>
-              <a:rPr lang="en-US" dirty="0">
-                <a:latin typeface="Consolas" panose="020B0609020204030204" pitchFamily="49" charset="0"/>
-              </a:rPr>
-              <a:t> }</a:t>
-            </a:r>
-          </a:p>
-          <a:p>
-            <a:pPr marL="0" indent="0">
-              <a:buNone/>
-            </a:pPr>
-            <a:r>
-              <a:rPr lang="en-US" dirty="0">
-                <a:latin typeface="Consolas" panose="020B0609020204030204" pitchFamily="49" charset="0"/>
-              </a:rPr>
-              <a:t> </a:t>
-            </a:r>
-            <a:br>
-              <a:rPr lang="en-US" dirty="0">
-                <a:latin typeface="Consolas" panose="020B0609020204030204" pitchFamily="49" charset="0"/>
-              </a:rPr>
-            </a:br>
-            <a:r>
-              <a:rPr lang="en-US" dirty="0">
-                <a:latin typeface="Consolas" panose="020B0609020204030204" pitchFamily="49" charset="0"/>
-              </a:rPr>
-              <a:t>  </a:t>
-            </a:r>
-          </a:p>
-          <a:p>
-            <a:endParaRPr lang="en-US" dirty="0">
-              <a:latin typeface="Consolas" panose="020B0609020204030204" pitchFamily="49" charset="0"/>
-            </a:endParaRPr>
-          </a:p>
-        </p:txBody>
-      </p:sp>
     </p:spTree>
     <p:extLst>
       <p:ext uri="{BB962C8B-B14F-4D97-AF65-F5344CB8AC3E}">
-        <p14:creationId xmlns:p14="http://schemas.microsoft.com/office/powerpoint/2010/main" val="3894041558"/>
+        <p14:creationId xmlns:p14="http://schemas.microsoft.com/office/powerpoint/2010/main" val="2900623171"/>
       </p:ext>
     </p:extLst>
   </p:cSld>
